--- a/study.pptx
+++ b/study.pptx
@@ -7,16 +7,22 @@
   <p:sldIdLst>
     <p:sldId id="256" r:id="rId2"/>
     <p:sldId id="257" r:id="rId3"/>
-    <p:sldId id="261" r:id="rId4"/>
-    <p:sldId id="258" r:id="rId5"/>
-    <p:sldId id="262" r:id="rId6"/>
-    <p:sldId id="259" r:id="rId7"/>
-    <p:sldId id="263" r:id="rId8"/>
-    <p:sldId id="260" r:id="rId9"/>
-    <p:sldId id="264" r:id="rId10"/>
+    <p:sldId id="273" r:id="rId4"/>
+    <p:sldId id="261" r:id="rId5"/>
+    <p:sldId id="258" r:id="rId6"/>
+    <p:sldId id="266" r:id="rId7"/>
+    <p:sldId id="262" r:id="rId8"/>
+    <p:sldId id="259" r:id="rId9"/>
+    <p:sldId id="267" r:id="rId10"/>
+    <p:sldId id="272" r:id="rId11"/>
+    <p:sldId id="265" r:id="rId12"/>
+    <p:sldId id="269" r:id="rId13"/>
+    <p:sldId id="270" r:id="rId14"/>
+    <p:sldId id="271" r:id="rId15"/>
+    <p:sldId id="274" r:id="rId16"/>
   </p:sldIdLst>
   <p:sldSz cx="9144000" cy="6858000" type="screen4x3"/>
-  <p:notesSz cx="6858000" cy="9144000"/>
+  <p:notesSz cx="7086600" cy="10223500"/>
   <p:defaultTextStyle>
     <a:defPPr>
       <a:defRPr lang="zh-TW"/>
@@ -112,6 +118,11 @@
       </a:defRPr>
     </a:lvl9pPr>
   </p:defaultTextStyle>
+  <p:extLst>
+    <p:ext uri="{EFAFB233-063F-42B5-8137-9DF3F51BA10A}">
+      <p15:sldGuideLst xmlns:p15="http://schemas.microsoft.com/office/powerpoint/2012/main"/>
+    </p:ext>
+  </p:extLst>
 </p:presentation>
 </file>
 
@@ -246,7 +257,7 @@
           <a:p>
             <a:fld id="{7F9F86A8-B706-4BC7-85EA-36E329DE64A0}" type="datetimeFigureOut">
               <a:rPr lang="zh-TW" altLang="en-US" smtClean="0"/>
-              <a:t>2015/7/9</a:t>
+              <a:t>2015/7/10</a:t>
             </a:fld>
             <a:endParaRPr lang="zh-TW" altLang="en-US"/>
           </a:p>
@@ -416,7 +427,7 @@
           <a:p>
             <a:fld id="{7F9F86A8-B706-4BC7-85EA-36E329DE64A0}" type="datetimeFigureOut">
               <a:rPr lang="zh-TW" altLang="en-US" smtClean="0"/>
-              <a:t>2015/7/9</a:t>
+              <a:t>2015/7/10</a:t>
             </a:fld>
             <a:endParaRPr lang="zh-TW" altLang="en-US"/>
           </a:p>
@@ -596,7 +607,7 @@
           <a:p>
             <a:fld id="{7F9F86A8-B706-4BC7-85EA-36E329DE64A0}" type="datetimeFigureOut">
               <a:rPr lang="zh-TW" altLang="en-US" smtClean="0"/>
-              <a:t>2015/7/9</a:t>
+              <a:t>2015/7/10</a:t>
             </a:fld>
             <a:endParaRPr lang="zh-TW" altLang="en-US"/>
           </a:p>
@@ -766,7 +777,7 @@
           <a:p>
             <a:fld id="{7F9F86A8-B706-4BC7-85EA-36E329DE64A0}" type="datetimeFigureOut">
               <a:rPr lang="zh-TW" altLang="en-US" smtClean="0"/>
-              <a:t>2015/7/9</a:t>
+              <a:t>2015/7/10</a:t>
             </a:fld>
             <a:endParaRPr lang="zh-TW" altLang="en-US"/>
           </a:p>
@@ -1012,7 +1023,7 @@
           <a:p>
             <a:fld id="{7F9F86A8-B706-4BC7-85EA-36E329DE64A0}" type="datetimeFigureOut">
               <a:rPr lang="zh-TW" altLang="en-US" smtClean="0"/>
-              <a:t>2015/7/9</a:t>
+              <a:t>2015/7/10</a:t>
             </a:fld>
             <a:endParaRPr lang="zh-TW" altLang="en-US"/>
           </a:p>
@@ -1244,7 +1255,7 @@
           <a:p>
             <a:fld id="{7F9F86A8-B706-4BC7-85EA-36E329DE64A0}" type="datetimeFigureOut">
               <a:rPr lang="zh-TW" altLang="en-US" smtClean="0"/>
-              <a:t>2015/7/9</a:t>
+              <a:t>2015/7/10</a:t>
             </a:fld>
             <a:endParaRPr lang="zh-TW" altLang="en-US"/>
           </a:p>
@@ -1611,7 +1622,7 @@
           <a:p>
             <a:fld id="{7F9F86A8-B706-4BC7-85EA-36E329DE64A0}" type="datetimeFigureOut">
               <a:rPr lang="zh-TW" altLang="en-US" smtClean="0"/>
-              <a:t>2015/7/9</a:t>
+              <a:t>2015/7/10</a:t>
             </a:fld>
             <a:endParaRPr lang="zh-TW" altLang="en-US"/>
           </a:p>
@@ -1729,7 +1740,7 @@
           <a:p>
             <a:fld id="{7F9F86A8-B706-4BC7-85EA-36E329DE64A0}" type="datetimeFigureOut">
               <a:rPr lang="zh-TW" altLang="en-US" smtClean="0"/>
-              <a:t>2015/7/9</a:t>
+              <a:t>2015/7/10</a:t>
             </a:fld>
             <a:endParaRPr lang="zh-TW" altLang="en-US"/>
           </a:p>
@@ -1824,7 +1835,7 @@
           <a:p>
             <a:fld id="{7F9F86A8-B706-4BC7-85EA-36E329DE64A0}" type="datetimeFigureOut">
               <a:rPr lang="zh-TW" altLang="en-US" smtClean="0"/>
-              <a:t>2015/7/9</a:t>
+              <a:t>2015/7/10</a:t>
             </a:fld>
             <a:endParaRPr lang="zh-TW" altLang="en-US"/>
           </a:p>
@@ -2101,7 +2112,7 @@
           <a:p>
             <a:fld id="{7F9F86A8-B706-4BC7-85EA-36E329DE64A0}" type="datetimeFigureOut">
               <a:rPr lang="zh-TW" altLang="en-US" smtClean="0"/>
-              <a:t>2015/7/9</a:t>
+              <a:t>2015/7/10</a:t>
             </a:fld>
             <a:endParaRPr lang="zh-TW" altLang="en-US"/>
           </a:p>
@@ -2354,7 +2365,7 @@
           <a:p>
             <a:fld id="{7F9F86A8-B706-4BC7-85EA-36E329DE64A0}" type="datetimeFigureOut">
               <a:rPr lang="zh-TW" altLang="en-US" smtClean="0"/>
-              <a:t>2015/7/9</a:t>
+              <a:t>2015/7/10</a:t>
             </a:fld>
             <a:endParaRPr lang="zh-TW" altLang="en-US"/>
           </a:p>
@@ -2567,7 +2578,7 @@
           <a:p>
             <a:fld id="{7F9F86A8-B706-4BC7-85EA-36E329DE64A0}" type="datetimeFigureOut">
               <a:rPr lang="zh-TW" altLang="en-US" smtClean="0"/>
-              <a:t>2015/7/9</a:t>
+              <a:t>2015/7/10</a:t>
             </a:fld>
             <a:endParaRPr lang="zh-TW" altLang="en-US"/>
           </a:p>
@@ -2989,7 +3000,7 @@
           <a:p>
             <a:r>
               <a:rPr lang="en-US" altLang="zh-TW" dirty="0" smtClean="0"/>
-              <a:t>Node.js + Shell</a:t>
+              <a:t>Node.js, Shell, Three.js</a:t>
             </a:r>
             <a:endParaRPr lang="zh-TW" altLang="en-US" dirty="0"/>
           </a:p>
@@ -3018,6 +3029,1496 @@
     <p:extLst>
       <p:ext uri="{BB962C8B-B14F-4D97-AF65-F5344CB8AC3E}">
         <p14:creationId xmlns:p14="http://schemas.microsoft.com/office/powerpoint/2010/main" val="909180874"/>
+      </p:ext>
+    </p:extLst>
+  </p:cSld>
+  <p:clrMapOvr>
+    <a:masterClrMapping/>
+  </p:clrMapOvr>
+</p:sld>
+</file>
+
+<file path=ppt/slides/slide10.xml><?xml version="1.0" encoding="utf-8"?>
+<p:sld xmlns:a="http://schemas.openxmlformats.org/drawingml/2006/main" xmlns:r="http://schemas.openxmlformats.org/officeDocument/2006/relationships" xmlns:p="http://schemas.openxmlformats.org/presentationml/2006/main">
+  <p:cSld>
+    <p:spTree>
+      <p:nvGrpSpPr>
+        <p:cNvPr id="1" name=""/>
+        <p:cNvGrpSpPr/>
+        <p:nvPr/>
+      </p:nvGrpSpPr>
+      <p:grpSpPr>
+        <a:xfrm>
+          <a:off x="0" y="0"/>
+          <a:ext cx="0" cy="0"/>
+          <a:chOff x="0" y="0"/>
+          <a:chExt cx="0" cy="0"/>
+        </a:xfrm>
+      </p:grpSpPr>
+      <p:pic>
+        <p:nvPicPr>
+          <p:cNvPr id="2" name="圖片 1"/>
+          <p:cNvPicPr>
+            <a:picLocks noChangeAspect="1"/>
+          </p:cNvPicPr>
+          <p:nvPr/>
+        </p:nvPicPr>
+        <p:blipFill>
+          <a:blip r:embed="rId2"/>
+          <a:stretch>
+            <a:fillRect/>
+          </a:stretch>
+        </p:blipFill>
+        <p:spPr>
+          <a:xfrm>
+            <a:off x="728855" y="1377228"/>
+            <a:ext cx="5982535" cy="3353268"/>
+          </a:xfrm>
+          <a:prstGeom prst="rect">
+            <a:avLst/>
+          </a:prstGeom>
+        </p:spPr>
+      </p:pic>
+      <p:sp>
+        <p:nvSpPr>
+          <p:cNvPr id="3" name="標題 2"/>
+          <p:cNvSpPr>
+            <a:spLocks noGrp="1"/>
+          </p:cNvSpPr>
+          <p:nvPr>
+            <p:ph type="title"/>
+          </p:nvPr>
+        </p:nvSpPr>
+        <p:spPr/>
+        <p:txBody>
+          <a:bodyPr/>
+          <a:lstStyle/>
+          <a:p>
+            <a:r>
+              <a:rPr lang="en-US" altLang="zh-TW" dirty="0" err="1" smtClean="0"/>
+              <a:t>Package.json</a:t>
+            </a:r>
+            <a:endParaRPr lang="zh-TW" altLang="en-US" dirty="0"/>
+          </a:p>
+        </p:txBody>
+      </p:sp>
+      <p:sp>
+        <p:nvSpPr>
+          <p:cNvPr id="4" name="圓角矩形 3"/>
+          <p:cNvSpPr/>
+          <p:nvPr/>
+        </p:nvSpPr>
+        <p:spPr>
+          <a:xfrm>
+            <a:off x="3779661" y="3882771"/>
+            <a:ext cx="1381125" cy="847725"/>
+          </a:xfrm>
+          <a:prstGeom prst="roundRect">
+            <a:avLst/>
+          </a:prstGeom>
+        </p:spPr>
+        <p:style>
+          <a:lnRef idx="2">
+            <a:schemeClr val="accent1">
+              <a:shade val="50000"/>
+            </a:schemeClr>
+          </a:lnRef>
+          <a:fillRef idx="1">
+            <a:schemeClr val="accent1"/>
+          </a:fillRef>
+          <a:effectRef idx="0">
+            <a:schemeClr val="accent1"/>
+          </a:effectRef>
+          <a:fontRef idx="minor">
+            <a:schemeClr val="lt1"/>
+          </a:fontRef>
+        </p:style>
+        <p:txBody>
+          <a:bodyPr rtlCol="0" anchor="ctr"/>
+          <a:lstStyle/>
+          <a:p>
+            <a:pPr algn="ctr"/>
+            <a:r>
+              <a:rPr lang="en-US" altLang="zh-TW" dirty="0" smtClean="0"/>
+              <a:t>Cube.html</a:t>
+            </a:r>
+            <a:endParaRPr lang="zh-TW" altLang="en-US" dirty="0"/>
+          </a:p>
+        </p:txBody>
+      </p:sp>
+      <p:grpSp>
+        <p:nvGrpSpPr>
+          <p:cNvPr id="12" name="群組 11"/>
+          <p:cNvGrpSpPr/>
+          <p:nvPr/>
+        </p:nvGrpSpPr>
+        <p:grpSpPr>
+          <a:xfrm>
+            <a:off x="5543550" y="3095625"/>
+            <a:ext cx="2657475" cy="3076575"/>
+            <a:chOff x="5543550" y="3095625"/>
+            <a:chExt cx="2657475" cy="3076575"/>
+          </a:xfrm>
+        </p:grpSpPr>
+        <p:grpSp>
+          <p:nvGrpSpPr>
+            <p:cNvPr id="8" name="群組 7"/>
+            <p:cNvGrpSpPr/>
+            <p:nvPr/>
+          </p:nvGrpSpPr>
+          <p:grpSpPr>
+            <a:xfrm>
+              <a:off x="5543550" y="3419475"/>
+              <a:ext cx="2657475" cy="2752725"/>
+              <a:chOff x="5543550" y="3419475"/>
+              <a:chExt cx="2657475" cy="2752725"/>
+            </a:xfrm>
+          </p:grpSpPr>
+          <p:sp>
+            <p:nvSpPr>
+              <p:cNvPr id="5" name="圓角矩形 4"/>
+              <p:cNvSpPr/>
+              <p:nvPr/>
+            </p:nvSpPr>
+            <p:spPr>
+              <a:xfrm>
+                <a:off x="5543550" y="3419475"/>
+                <a:ext cx="2657475" cy="2752725"/>
+              </a:xfrm>
+              <a:prstGeom prst="roundRect">
+                <a:avLst/>
+              </a:prstGeom>
+            </p:spPr>
+            <p:style>
+              <a:lnRef idx="2">
+                <a:schemeClr val="accent1">
+                  <a:shade val="50000"/>
+                </a:schemeClr>
+              </a:lnRef>
+              <a:fillRef idx="1">
+                <a:schemeClr val="accent1"/>
+              </a:fillRef>
+              <a:effectRef idx="0">
+                <a:schemeClr val="accent1"/>
+              </a:effectRef>
+              <a:fontRef idx="minor">
+                <a:schemeClr val="lt1"/>
+              </a:fontRef>
+            </p:style>
+            <p:txBody>
+              <a:bodyPr rtlCol="0" anchor="ctr"/>
+              <a:lstStyle/>
+              <a:p>
+                <a:pPr algn="ctr"/>
+                <a:endParaRPr lang="zh-TW" altLang="en-US" dirty="0"/>
+              </a:p>
+            </p:txBody>
+          </p:sp>
+          <p:sp>
+            <p:nvSpPr>
+              <p:cNvPr id="6" name="矩形 5"/>
+              <p:cNvSpPr/>
+              <p:nvPr/>
+            </p:nvSpPr>
+            <p:spPr>
+              <a:xfrm>
+                <a:off x="5543550" y="4000500"/>
+                <a:ext cx="828675" cy="590550"/>
+              </a:xfrm>
+              <a:prstGeom prst="rect">
+                <a:avLst/>
+              </a:prstGeom>
+              <a:solidFill>
+                <a:schemeClr val="bg1"/>
+              </a:solidFill>
+            </p:spPr>
+            <p:style>
+              <a:lnRef idx="2">
+                <a:schemeClr val="accent1">
+                  <a:shade val="50000"/>
+                </a:schemeClr>
+              </a:lnRef>
+              <a:fillRef idx="1">
+                <a:schemeClr val="accent1"/>
+              </a:fillRef>
+              <a:effectRef idx="0">
+                <a:schemeClr val="accent1"/>
+              </a:effectRef>
+              <a:fontRef idx="minor">
+                <a:schemeClr val="lt1"/>
+              </a:fontRef>
+            </p:style>
+            <p:txBody>
+              <a:bodyPr rtlCol="0" anchor="ctr"/>
+              <a:lstStyle/>
+              <a:p>
+                <a:pPr algn="ctr"/>
+                <a:r>
+                  <a:rPr lang="en-US" altLang="zh-TW" dirty="0" smtClean="0">
+                    <a:solidFill>
+                      <a:schemeClr val="tx1">
+                        <a:lumMod val="65000"/>
+                        <a:lumOff val="35000"/>
+                      </a:schemeClr>
+                    </a:solidFill>
+                  </a:rPr>
+                  <a:t>8080</a:t>
+                </a:r>
+                <a:endParaRPr lang="zh-TW" altLang="en-US" dirty="0">
+                  <a:solidFill>
+                    <a:schemeClr val="tx1">
+                      <a:lumMod val="65000"/>
+                      <a:lumOff val="35000"/>
+                    </a:schemeClr>
+                  </a:solidFill>
+                </a:endParaRPr>
+              </a:p>
+            </p:txBody>
+          </p:sp>
+          <p:sp>
+            <p:nvSpPr>
+              <p:cNvPr id="7" name="矩形 6"/>
+              <p:cNvSpPr/>
+              <p:nvPr/>
+            </p:nvSpPr>
+            <p:spPr>
+              <a:xfrm>
+                <a:off x="5543550" y="5114925"/>
+                <a:ext cx="828675" cy="590550"/>
+              </a:xfrm>
+              <a:prstGeom prst="rect">
+                <a:avLst/>
+              </a:prstGeom>
+              <a:solidFill>
+                <a:schemeClr val="bg1"/>
+              </a:solidFill>
+            </p:spPr>
+            <p:style>
+              <a:lnRef idx="2">
+                <a:schemeClr val="accent1">
+                  <a:shade val="50000"/>
+                </a:schemeClr>
+              </a:lnRef>
+              <a:fillRef idx="1">
+                <a:schemeClr val="accent1"/>
+              </a:fillRef>
+              <a:effectRef idx="0">
+                <a:schemeClr val="accent1"/>
+              </a:effectRef>
+              <a:fontRef idx="minor">
+                <a:schemeClr val="lt1"/>
+              </a:fontRef>
+            </p:style>
+            <p:txBody>
+              <a:bodyPr rtlCol="0" anchor="ctr"/>
+              <a:lstStyle/>
+              <a:p>
+                <a:pPr algn="ctr"/>
+                <a:r>
+                  <a:rPr lang="en-US" altLang="zh-TW" dirty="0" smtClean="0">
+                    <a:solidFill>
+                      <a:schemeClr val="tx1">
+                        <a:lumMod val="65000"/>
+                        <a:lumOff val="35000"/>
+                      </a:schemeClr>
+                    </a:solidFill>
+                  </a:rPr>
+                  <a:t>1337</a:t>
+                </a:r>
+                <a:endParaRPr lang="zh-TW" altLang="en-US" dirty="0">
+                  <a:solidFill>
+                    <a:schemeClr val="tx1">
+                      <a:lumMod val="65000"/>
+                      <a:lumOff val="35000"/>
+                    </a:schemeClr>
+                  </a:solidFill>
+                </a:endParaRPr>
+              </a:p>
+            </p:txBody>
+          </p:sp>
+        </p:grpSp>
+        <p:sp>
+          <p:nvSpPr>
+            <p:cNvPr id="11" name="文字方塊 10"/>
+            <p:cNvSpPr txBox="1"/>
+            <p:nvPr/>
+          </p:nvSpPr>
+          <p:spPr>
+            <a:xfrm>
+              <a:off x="6286500" y="3095625"/>
+              <a:ext cx="1059906" cy="369332"/>
+            </a:xfrm>
+            <a:prstGeom prst="rect">
+              <a:avLst/>
+            </a:prstGeom>
+            <a:noFill/>
+          </p:spPr>
+          <p:txBody>
+            <a:bodyPr wrap="none" rtlCol="0">
+              <a:spAutoFit/>
+            </a:bodyPr>
+            <a:lstStyle/>
+            <a:p>
+              <a:r>
+                <a:rPr lang="en-US" altLang="zh-TW" dirty="0" smtClean="0"/>
+                <a:t>127.0.0.1</a:t>
+              </a:r>
+              <a:endParaRPr lang="zh-TW" altLang="en-US" dirty="0"/>
+            </a:p>
+          </p:txBody>
+        </p:sp>
+      </p:grpSp>
+      <p:sp>
+        <p:nvSpPr>
+          <p:cNvPr id="13" name="文字方塊 12"/>
+          <p:cNvSpPr txBox="1"/>
+          <p:nvPr/>
+        </p:nvSpPr>
+        <p:spPr>
+          <a:xfrm>
+            <a:off x="6381044" y="4107727"/>
+            <a:ext cx="1232325" cy="369332"/>
+          </a:xfrm>
+          <a:prstGeom prst="rect">
+            <a:avLst/>
+          </a:prstGeom>
+          <a:noFill/>
+        </p:spPr>
+        <p:txBody>
+          <a:bodyPr wrap="none" rtlCol="0">
+            <a:spAutoFit/>
+          </a:bodyPr>
+          <a:lstStyle/>
+          <a:p>
+            <a:r>
+              <a:rPr lang="en-US" altLang="zh-TW" dirty="0" smtClean="0"/>
+              <a:t>http-server</a:t>
+            </a:r>
+            <a:endParaRPr lang="zh-TW" altLang="en-US" dirty="0"/>
+          </a:p>
+        </p:txBody>
+      </p:sp>
+      <p:cxnSp>
+        <p:nvCxnSpPr>
+          <p:cNvPr id="16" name="直線單箭頭接點 15"/>
+          <p:cNvCxnSpPr/>
+          <p:nvPr/>
+        </p:nvCxnSpPr>
+        <p:spPr>
+          <a:xfrm>
+            <a:off x="5171440" y="4292393"/>
+            <a:ext cx="386080" cy="0"/>
+          </a:xfrm>
+          <a:prstGeom prst="straightConnector1">
+            <a:avLst/>
+          </a:prstGeom>
+          <a:ln>
+            <a:headEnd type="triangle"/>
+            <a:tailEnd type="triangle"/>
+          </a:ln>
+        </p:spPr>
+        <p:style>
+          <a:lnRef idx="1">
+            <a:schemeClr val="accent1"/>
+          </a:lnRef>
+          <a:fillRef idx="0">
+            <a:schemeClr val="accent1"/>
+          </a:fillRef>
+          <a:effectRef idx="0">
+            <a:schemeClr val="accent1"/>
+          </a:effectRef>
+          <a:fontRef idx="minor">
+            <a:schemeClr val="tx1"/>
+          </a:fontRef>
+        </p:style>
+      </p:cxnSp>
+    </p:spTree>
+    <p:extLst>
+      <p:ext uri="{BB962C8B-B14F-4D97-AF65-F5344CB8AC3E}">
+        <p14:creationId xmlns:p14="http://schemas.microsoft.com/office/powerpoint/2010/main" val="1253353672"/>
+      </p:ext>
+    </p:extLst>
+  </p:cSld>
+  <p:clrMapOvr>
+    <a:masterClrMapping/>
+  </p:clrMapOvr>
+</p:sld>
+</file>
+
+<file path=ppt/slides/slide11.xml><?xml version="1.0" encoding="utf-8"?>
+<p:sld xmlns:a="http://schemas.openxmlformats.org/drawingml/2006/main" xmlns:r="http://schemas.openxmlformats.org/officeDocument/2006/relationships" xmlns:p="http://schemas.openxmlformats.org/presentationml/2006/main">
+  <p:cSld>
+    <p:spTree>
+      <p:nvGrpSpPr>
+        <p:cNvPr id="1" name=""/>
+        <p:cNvGrpSpPr/>
+        <p:nvPr/>
+      </p:nvGrpSpPr>
+      <p:grpSpPr>
+        <a:xfrm>
+          <a:off x="0" y="0"/>
+          <a:ext cx="0" cy="0"/>
+          <a:chOff x="0" y="0"/>
+          <a:chExt cx="0" cy="0"/>
+        </a:xfrm>
+      </p:grpSpPr>
+      <p:pic>
+        <p:nvPicPr>
+          <p:cNvPr id="4" name="圖片 3"/>
+          <p:cNvPicPr>
+            <a:picLocks noChangeAspect="1"/>
+          </p:cNvPicPr>
+          <p:nvPr/>
+        </p:nvPicPr>
+        <p:blipFill>
+          <a:blip r:embed="rId2"/>
+          <a:stretch>
+            <a:fillRect/>
+          </a:stretch>
+        </p:blipFill>
+        <p:spPr>
+          <a:xfrm>
+            <a:off x="146542" y="41417"/>
+            <a:ext cx="3046553" cy="3186415"/>
+          </a:xfrm>
+          <a:prstGeom prst="rect">
+            <a:avLst/>
+          </a:prstGeom>
+        </p:spPr>
+      </p:pic>
+      <p:grpSp>
+        <p:nvGrpSpPr>
+          <p:cNvPr id="7" name="群組 6"/>
+          <p:cNvGrpSpPr/>
+          <p:nvPr/>
+        </p:nvGrpSpPr>
+        <p:grpSpPr>
+          <a:xfrm>
+            <a:off x="3193095" y="41417"/>
+            <a:ext cx="6416340" cy="5881975"/>
+            <a:chOff x="3193095" y="457200"/>
+            <a:chExt cx="6416340" cy="5881975"/>
+          </a:xfrm>
+        </p:grpSpPr>
+        <p:pic>
+          <p:nvPicPr>
+            <p:cNvPr id="2" name="圖片 1"/>
+            <p:cNvPicPr>
+              <a:picLocks noChangeAspect="1"/>
+            </p:cNvPicPr>
+            <p:nvPr/>
+          </p:nvPicPr>
+          <p:blipFill>
+            <a:blip r:embed="rId3"/>
+            <a:stretch>
+              <a:fillRect/>
+            </a:stretch>
+          </p:blipFill>
+          <p:spPr>
+            <a:xfrm>
+              <a:off x="3193095" y="2535716"/>
+              <a:ext cx="6416340" cy="3803459"/>
+            </a:xfrm>
+            <a:prstGeom prst="rect">
+              <a:avLst/>
+            </a:prstGeom>
+          </p:spPr>
+        </p:pic>
+        <p:pic>
+          <p:nvPicPr>
+            <p:cNvPr id="5" name="圖片 4"/>
+            <p:cNvPicPr>
+              <a:picLocks noChangeAspect="1"/>
+            </p:cNvPicPr>
+            <p:nvPr/>
+          </p:nvPicPr>
+          <p:blipFill>
+            <a:blip r:embed="rId4"/>
+            <a:stretch>
+              <a:fillRect/>
+            </a:stretch>
+          </p:blipFill>
+          <p:spPr>
+            <a:xfrm>
+              <a:off x="3193095" y="457200"/>
+              <a:ext cx="6416340" cy="2576356"/>
+            </a:xfrm>
+            <a:prstGeom prst="rect">
+              <a:avLst/>
+            </a:prstGeom>
+          </p:spPr>
+        </p:pic>
+      </p:grpSp>
+      <p:grpSp>
+        <p:nvGrpSpPr>
+          <p:cNvPr id="10" name="群組 9"/>
+          <p:cNvGrpSpPr/>
+          <p:nvPr/>
+        </p:nvGrpSpPr>
+        <p:grpSpPr>
+          <a:xfrm>
+            <a:off x="10625" y="4458542"/>
+            <a:ext cx="4455938" cy="2399458"/>
+            <a:chOff x="146542" y="3981022"/>
+            <a:chExt cx="4455938" cy="2399458"/>
+          </a:xfrm>
+          <a:solidFill>
+            <a:srgbClr val="FFFFC9"/>
+          </a:solidFill>
+        </p:grpSpPr>
+        <p:sp>
+          <p:nvSpPr>
+            <p:cNvPr id="9" name="圓角矩形 8"/>
+            <p:cNvSpPr/>
+            <p:nvPr/>
+          </p:nvSpPr>
+          <p:spPr>
+            <a:xfrm>
+              <a:off x="146542" y="3981022"/>
+              <a:ext cx="4455938" cy="2399458"/>
+            </a:xfrm>
+            <a:prstGeom prst="roundRect">
+              <a:avLst/>
+            </a:prstGeom>
+            <a:grpFill/>
+          </p:spPr>
+          <p:style>
+            <a:lnRef idx="2">
+              <a:schemeClr val="accent1">
+                <a:shade val="50000"/>
+              </a:schemeClr>
+            </a:lnRef>
+            <a:fillRef idx="1">
+              <a:schemeClr val="accent1"/>
+            </a:fillRef>
+            <a:effectRef idx="0">
+              <a:schemeClr val="accent1"/>
+            </a:effectRef>
+            <a:fontRef idx="minor">
+              <a:schemeClr val="lt1"/>
+            </a:fontRef>
+          </p:style>
+          <p:txBody>
+            <a:bodyPr rtlCol="0" anchor="ctr"/>
+            <a:lstStyle/>
+            <a:p>
+              <a:pPr algn="ctr"/>
+              <a:endParaRPr lang="zh-TW" altLang="en-US"/>
+            </a:p>
+          </p:txBody>
+        </p:sp>
+        <p:pic>
+          <p:nvPicPr>
+            <p:cNvPr id="8" name="圖片 7"/>
+            <p:cNvPicPr>
+              <a:picLocks noChangeAspect="1"/>
+            </p:cNvPicPr>
+            <p:nvPr/>
+          </p:nvPicPr>
+          <p:blipFill>
+            <a:blip r:embed="rId5"/>
+            <a:stretch>
+              <a:fillRect/>
+            </a:stretch>
+          </p:blipFill>
+          <p:spPr>
+            <a:xfrm>
+              <a:off x="315277" y="4134167"/>
+              <a:ext cx="4124325" cy="2105025"/>
+            </a:xfrm>
+            <a:prstGeom prst="rect">
+              <a:avLst/>
+            </a:prstGeom>
+            <a:grpFill/>
+          </p:spPr>
+        </p:pic>
+      </p:grpSp>
+    </p:spTree>
+    <p:extLst>
+      <p:ext uri="{BB962C8B-B14F-4D97-AF65-F5344CB8AC3E}">
+        <p14:creationId xmlns:p14="http://schemas.microsoft.com/office/powerpoint/2010/main" val="56574487"/>
+      </p:ext>
+    </p:extLst>
+  </p:cSld>
+  <p:clrMapOvr>
+    <a:masterClrMapping/>
+  </p:clrMapOvr>
+</p:sld>
+</file>
+
+<file path=ppt/slides/slide12.xml><?xml version="1.0" encoding="utf-8"?>
+<p:sld xmlns:a="http://schemas.openxmlformats.org/drawingml/2006/main" xmlns:r="http://schemas.openxmlformats.org/officeDocument/2006/relationships" xmlns:p="http://schemas.openxmlformats.org/presentationml/2006/main">
+  <p:cSld>
+    <p:spTree>
+      <p:nvGrpSpPr>
+        <p:cNvPr id="1" name=""/>
+        <p:cNvGrpSpPr/>
+        <p:nvPr/>
+      </p:nvGrpSpPr>
+      <p:grpSpPr>
+        <a:xfrm>
+          <a:off x="0" y="0"/>
+          <a:ext cx="0" cy="0"/>
+          <a:chOff x="0" y="0"/>
+          <a:chExt cx="0" cy="0"/>
+        </a:xfrm>
+      </p:grpSpPr>
+      <p:pic>
+        <p:nvPicPr>
+          <p:cNvPr id="2" name="圖片 1"/>
+          <p:cNvPicPr>
+            <a:picLocks noChangeAspect="1"/>
+          </p:cNvPicPr>
+          <p:nvPr/>
+        </p:nvPicPr>
+        <p:blipFill>
+          <a:blip r:embed="rId2"/>
+          <a:stretch>
+            <a:fillRect/>
+          </a:stretch>
+        </p:blipFill>
+        <p:spPr>
+          <a:xfrm>
+            <a:off x="1" y="0"/>
+            <a:ext cx="9070848" cy="743054"/>
+          </a:xfrm>
+          <a:prstGeom prst="rect">
+            <a:avLst/>
+          </a:prstGeom>
+        </p:spPr>
+      </p:pic>
+      <p:pic>
+        <p:nvPicPr>
+          <p:cNvPr id="3" name="圖片 2"/>
+          <p:cNvPicPr>
+            <a:picLocks noChangeAspect="1"/>
+          </p:cNvPicPr>
+          <p:nvPr/>
+        </p:nvPicPr>
+        <p:blipFill>
+          <a:blip r:embed="rId3"/>
+          <a:stretch>
+            <a:fillRect/>
+          </a:stretch>
+        </p:blipFill>
+        <p:spPr>
+          <a:xfrm>
+            <a:off x="1" y="743054"/>
+            <a:ext cx="8997696" cy="212173"/>
+          </a:xfrm>
+          <a:prstGeom prst="rect">
+            <a:avLst/>
+          </a:prstGeom>
+        </p:spPr>
+      </p:pic>
+      <p:grpSp>
+        <p:nvGrpSpPr>
+          <p:cNvPr id="7" name="群組 6"/>
+          <p:cNvGrpSpPr/>
+          <p:nvPr/>
+        </p:nvGrpSpPr>
+        <p:grpSpPr>
+          <a:xfrm>
+            <a:off x="1" y="1086830"/>
+            <a:ext cx="9070848" cy="5636700"/>
+            <a:chOff x="1" y="1086829"/>
+            <a:chExt cx="10517068" cy="6003803"/>
+          </a:xfrm>
+        </p:grpSpPr>
+        <p:pic>
+          <p:nvPicPr>
+            <p:cNvPr id="4" name="圖片 3"/>
+            <p:cNvPicPr>
+              <a:picLocks noChangeAspect="1"/>
+            </p:cNvPicPr>
+            <p:nvPr/>
+          </p:nvPicPr>
+          <p:blipFill>
+            <a:blip r:embed="rId4"/>
+            <a:stretch>
+              <a:fillRect/>
+            </a:stretch>
+          </p:blipFill>
+          <p:spPr>
+            <a:xfrm>
+              <a:off x="1" y="1086829"/>
+              <a:ext cx="10517068" cy="2343477"/>
+            </a:xfrm>
+            <a:prstGeom prst="rect">
+              <a:avLst/>
+            </a:prstGeom>
+          </p:spPr>
+        </p:pic>
+        <p:pic>
+          <p:nvPicPr>
+            <p:cNvPr id="5" name="圖片 4"/>
+            <p:cNvPicPr>
+              <a:picLocks noChangeAspect="1"/>
+            </p:cNvPicPr>
+            <p:nvPr/>
+          </p:nvPicPr>
+          <p:blipFill>
+            <a:blip r:embed="rId5"/>
+            <a:stretch>
+              <a:fillRect/>
+            </a:stretch>
+          </p:blipFill>
+          <p:spPr>
+            <a:xfrm>
+              <a:off x="68404" y="3499206"/>
+              <a:ext cx="2514951" cy="752580"/>
+            </a:xfrm>
+            <a:prstGeom prst="rect">
+              <a:avLst/>
+            </a:prstGeom>
+          </p:spPr>
+        </p:pic>
+        <p:pic>
+          <p:nvPicPr>
+            <p:cNvPr id="6" name="圖片 5"/>
+            <p:cNvPicPr>
+              <a:picLocks noChangeAspect="1"/>
+            </p:cNvPicPr>
+            <p:nvPr/>
+          </p:nvPicPr>
+          <p:blipFill>
+            <a:blip r:embed="rId6"/>
+            <a:stretch>
+              <a:fillRect/>
+            </a:stretch>
+          </p:blipFill>
+          <p:spPr>
+            <a:xfrm>
+              <a:off x="68404" y="4251786"/>
+              <a:ext cx="3915321" cy="2838846"/>
+            </a:xfrm>
+            <a:prstGeom prst="rect">
+              <a:avLst/>
+            </a:prstGeom>
+          </p:spPr>
+        </p:pic>
+      </p:grpSp>
+      <p:pic>
+        <p:nvPicPr>
+          <p:cNvPr id="9" name="圖片 8"/>
+          <p:cNvPicPr>
+            <a:picLocks noChangeAspect="1"/>
+          </p:cNvPicPr>
+          <p:nvPr/>
+        </p:nvPicPr>
+        <p:blipFill>
+          <a:blip r:embed="rId7"/>
+          <a:stretch>
+            <a:fillRect/>
+          </a:stretch>
+        </p:blipFill>
+        <p:spPr>
+          <a:xfrm>
+            <a:off x="4037683" y="3418618"/>
+            <a:ext cx="3046553" cy="3186415"/>
+          </a:xfrm>
+          <a:prstGeom prst="rect">
+            <a:avLst/>
+          </a:prstGeom>
+        </p:spPr>
+      </p:pic>
+      <p:sp>
+        <p:nvSpPr>
+          <p:cNvPr id="8" name="文字方塊 7"/>
+          <p:cNvSpPr txBox="1"/>
+          <p:nvPr/>
+        </p:nvSpPr>
+        <p:spPr>
+          <a:xfrm>
+            <a:off x="7232142" y="3412595"/>
+            <a:ext cx="1574470" cy="584775"/>
+          </a:xfrm>
+          <a:prstGeom prst="rect">
+            <a:avLst/>
+          </a:prstGeom>
+          <a:noFill/>
+        </p:spPr>
+        <p:txBody>
+          <a:bodyPr wrap="none" rtlCol="0">
+            <a:spAutoFit/>
+          </a:bodyPr>
+          <a:lstStyle/>
+          <a:p>
+            <a:r>
+              <a:rPr lang="en-US" altLang="zh-TW" sz="3200" dirty="0" smtClean="0">
+                <a:solidFill>
+                  <a:srgbClr val="FF0000"/>
+                </a:solidFill>
+              </a:rPr>
+              <a:t>Three.JS</a:t>
+            </a:r>
+            <a:endParaRPr lang="zh-TW" altLang="en-US" sz="3200" dirty="0">
+              <a:solidFill>
+                <a:srgbClr val="FF0000"/>
+              </a:solidFill>
+            </a:endParaRPr>
+          </a:p>
+        </p:txBody>
+      </p:sp>
+    </p:spTree>
+    <p:extLst>
+      <p:ext uri="{BB962C8B-B14F-4D97-AF65-F5344CB8AC3E}">
+        <p14:creationId xmlns:p14="http://schemas.microsoft.com/office/powerpoint/2010/main" val="1992061681"/>
+      </p:ext>
+    </p:extLst>
+  </p:cSld>
+  <p:clrMapOvr>
+    <a:masterClrMapping/>
+  </p:clrMapOvr>
+</p:sld>
+</file>
+
+<file path=ppt/slides/slide13.xml><?xml version="1.0" encoding="utf-8"?>
+<p:sld xmlns:a="http://schemas.openxmlformats.org/drawingml/2006/main" xmlns:r="http://schemas.openxmlformats.org/officeDocument/2006/relationships" xmlns:p="http://schemas.openxmlformats.org/presentationml/2006/main">
+  <p:cSld>
+    <p:spTree>
+      <p:nvGrpSpPr>
+        <p:cNvPr id="1" name=""/>
+        <p:cNvGrpSpPr/>
+        <p:nvPr/>
+      </p:nvGrpSpPr>
+      <p:grpSpPr>
+        <a:xfrm>
+          <a:off x="0" y="0"/>
+          <a:ext cx="0" cy="0"/>
+          <a:chOff x="0" y="0"/>
+          <a:chExt cx="0" cy="0"/>
+        </a:xfrm>
+      </p:grpSpPr>
+      <p:grpSp>
+        <p:nvGrpSpPr>
+          <p:cNvPr id="4" name="群組 3"/>
+          <p:cNvGrpSpPr/>
+          <p:nvPr/>
+        </p:nvGrpSpPr>
+        <p:grpSpPr>
+          <a:xfrm>
+            <a:off x="97818" y="107577"/>
+            <a:ext cx="8893781" cy="6667446"/>
+            <a:chOff x="115748" y="138848"/>
+            <a:chExt cx="12003175" cy="8402222"/>
+          </a:xfrm>
+        </p:grpSpPr>
+        <p:pic>
+          <p:nvPicPr>
+            <p:cNvPr id="2" name="圖片 1"/>
+            <p:cNvPicPr>
+              <a:picLocks noChangeAspect="1"/>
+            </p:cNvPicPr>
+            <p:nvPr/>
+          </p:nvPicPr>
+          <p:blipFill>
+            <a:blip r:embed="rId2"/>
+            <a:stretch>
+              <a:fillRect/>
+            </a:stretch>
+          </p:blipFill>
+          <p:spPr>
+            <a:xfrm>
+              <a:off x="115748" y="138848"/>
+              <a:ext cx="12003175" cy="3105583"/>
+            </a:xfrm>
+            <a:prstGeom prst="rect">
+              <a:avLst/>
+            </a:prstGeom>
+          </p:spPr>
+        </p:pic>
+        <p:pic>
+          <p:nvPicPr>
+            <p:cNvPr id="3" name="圖片 2"/>
+            <p:cNvPicPr>
+              <a:picLocks noChangeAspect="1"/>
+            </p:cNvPicPr>
+            <p:nvPr/>
+          </p:nvPicPr>
+          <p:blipFill>
+            <a:blip r:embed="rId3"/>
+            <a:stretch>
+              <a:fillRect/>
+            </a:stretch>
+          </p:blipFill>
+          <p:spPr>
+            <a:xfrm>
+              <a:off x="115748" y="3244431"/>
+              <a:ext cx="7278116" cy="5296639"/>
+            </a:xfrm>
+            <a:prstGeom prst="rect">
+              <a:avLst/>
+            </a:prstGeom>
+          </p:spPr>
+        </p:pic>
+      </p:grpSp>
+      <p:grpSp>
+        <p:nvGrpSpPr>
+          <p:cNvPr id="5" name="群組 4"/>
+          <p:cNvGrpSpPr/>
+          <p:nvPr/>
+        </p:nvGrpSpPr>
+        <p:grpSpPr>
+          <a:xfrm>
+            <a:off x="4510563" y="2571962"/>
+            <a:ext cx="4481036" cy="1764792"/>
+            <a:chOff x="4555148" y="0"/>
+            <a:chExt cx="4481036" cy="1764792"/>
+          </a:xfrm>
+        </p:grpSpPr>
+        <p:pic>
+          <p:nvPicPr>
+            <p:cNvPr id="6" name="圖片 5"/>
+            <p:cNvPicPr>
+              <a:picLocks noChangeAspect="1"/>
+            </p:cNvPicPr>
+            <p:nvPr/>
+          </p:nvPicPr>
+          <p:blipFill>
+            <a:blip r:embed="rId4"/>
+            <a:stretch>
+              <a:fillRect/>
+            </a:stretch>
+          </p:blipFill>
+          <p:spPr>
+            <a:xfrm>
+              <a:off x="4555148" y="0"/>
+              <a:ext cx="4481036" cy="1764792"/>
+            </a:xfrm>
+            <a:prstGeom prst="rect">
+              <a:avLst/>
+            </a:prstGeom>
+          </p:spPr>
+        </p:pic>
+        <p:sp>
+          <p:nvSpPr>
+            <p:cNvPr id="7" name="矩形 6"/>
+            <p:cNvSpPr/>
+            <p:nvPr/>
+          </p:nvSpPr>
+          <p:spPr>
+            <a:xfrm>
+              <a:off x="7737736" y="873104"/>
+              <a:ext cx="1298448" cy="369332"/>
+            </a:xfrm>
+            <a:prstGeom prst="rect">
+              <a:avLst/>
+            </a:prstGeom>
+          </p:spPr>
+          <p:txBody>
+            <a:bodyPr wrap="square">
+              <a:spAutoFit/>
+            </a:bodyPr>
+            <a:lstStyle/>
+            <a:p>
+              <a:r>
+                <a:rPr lang="en-US" altLang="zh-TW" dirty="0" smtClean="0">
+                  <a:hlinkClick r:id="rId5"/>
+                </a:rPr>
+                <a:t>reference</a:t>
+              </a:r>
+              <a:endParaRPr lang="zh-TW" altLang="en-US" dirty="0"/>
+            </a:p>
+          </p:txBody>
+        </p:sp>
+      </p:grpSp>
+      <p:sp>
+        <p:nvSpPr>
+          <p:cNvPr id="8" name="橢圓 7"/>
+          <p:cNvSpPr/>
+          <p:nvPr/>
+        </p:nvSpPr>
+        <p:spPr>
+          <a:xfrm>
+            <a:off x="243840" y="4775200"/>
+            <a:ext cx="619760" cy="355600"/>
+          </a:xfrm>
+          <a:prstGeom prst="ellipse">
+            <a:avLst/>
+          </a:prstGeom>
+          <a:noFill/>
+          <a:ln w="28575">
+            <a:solidFill>
+              <a:srgbClr val="FF0000"/>
+            </a:solidFill>
+          </a:ln>
+        </p:spPr>
+        <p:style>
+          <a:lnRef idx="2">
+            <a:schemeClr val="accent1">
+              <a:shade val="50000"/>
+            </a:schemeClr>
+          </a:lnRef>
+          <a:fillRef idx="1">
+            <a:schemeClr val="accent1"/>
+          </a:fillRef>
+          <a:effectRef idx="0">
+            <a:schemeClr val="accent1"/>
+          </a:effectRef>
+          <a:fontRef idx="minor">
+            <a:schemeClr val="lt1"/>
+          </a:fontRef>
+        </p:style>
+        <p:txBody>
+          <a:bodyPr rtlCol="0" anchor="ctr"/>
+          <a:lstStyle/>
+          <a:p>
+            <a:pPr algn="ctr"/>
+            <a:endParaRPr lang="zh-TW" altLang="en-US"/>
+          </a:p>
+        </p:txBody>
+      </p:sp>
+    </p:spTree>
+    <p:extLst>
+      <p:ext uri="{BB962C8B-B14F-4D97-AF65-F5344CB8AC3E}">
+        <p14:creationId xmlns:p14="http://schemas.microsoft.com/office/powerpoint/2010/main" val="91413"/>
+      </p:ext>
+    </p:extLst>
+  </p:cSld>
+  <p:clrMapOvr>
+    <a:masterClrMapping/>
+  </p:clrMapOvr>
+  <p:timing>
+    <p:tnLst>
+      <p:par>
+        <p:cTn id="1" dur="indefinite" restart="never" nodeType="tmRoot"/>
+      </p:par>
+    </p:tnLst>
+  </p:timing>
+</p:sld>
+</file>
+
+<file path=ppt/slides/slide14.xml><?xml version="1.0" encoding="utf-8"?>
+<p:sld xmlns:a="http://schemas.openxmlformats.org/drawingml/2006/main" xmlns:r="http://schemas.openxmlformats.org/officeDocument/2006/relationships" xmlns:p="http://schemas.openxmlformats.org/presentationml/2006/main">
+  <p:cSld>
+    <p:spTree>
+      <p:nvGrpSpPr>
+        <p:cNvPr id="1" name=""/>
+        <p:cNvGrpSpPr/>
+        <p:nvPr/>
+      </p:nvGrpSpPr>
+      <p:grpSpPr>
+        <a:xfrm>
+          <a:off x="0" y="0"/>
+          <a:ext cx="0" cy="0"/>
+          <a:chOff x="0" y="0"/>
+          <a:chExt cx="0" cy="0"/>
+        </a:xfrm>
+      </p:grpSpPr>
+      <p:grpSp>
+        <p:nvGrpSpPr>
+          <p:cNvPr id="7" name="群組 6"/>
+          <p:cNvGrpSpPr/>
+          <p:nvPr/>
+        </p:nvGrpSpPr>
+        <p:grpSpPr>
+          <a:xfrm>
+            <a:off x="0" y="0"/>
+            <a:ext cx="5029200" cy="6629446"/>
+            <a:chOff x="74933" y="126769"/>
+            <a:chExt cx="6345784" cy="9980983"/>
+          </a:xfrm>
+        </p:grpSpPr>
+        <p:pic>
+          <p:nvPicPr>
+            <p:cNvPr id="3" name="圖片 2"/>
+            <p:cNvPicPr>
+              <a:picLocks noChangeAspect="1"/>
+            </p:cNvPicPr>
+            <p:nvPr/>
+          </p:nvPicPr>
+          <p:blipFill>
+            <a:blip r:embed="rId2"/>
+            <a:stretch>
+              <a:fillRect/>
+            </a:stretch>
+          </p:blipFill>
+          <p:spPr>
+            <a:xfrm>
+              <a:off x="85708" y="126769"/>
+              <a:ext cx="4239217" cy="438211"/>
+            </a:xfrm>
+            <a:prstGeom prst="rect">
+              <a:avLst/>
+            </a:prstGeom>
+          </p:spPr>
+        </p:pic>
+        <p:pic>
+          <p:nvPicPr>
+            <p:cNvPr id="4" name="圖片 3"/>
+            <p:cNvPicPr>
+              <a:picLocks noChangeAspect="1"/>
+            </p:cNvPicPr>
+            <p:nvPr/>
+          </p:nvPicPr>
+          <p:blipFill>
+            <a:blip r:embed="rId3"/>
+            <a:stretch>
+              <a:fillRect/>
+            </a:stretch>
+          </p:blipFill>
+          <p:spPr>
+            <a:xfrm>
+              <a:off x="85708" y="564980"/>
+              <a:ext cx="6335009" cy="1686160"/>
+            </a:xfrm>
+            <a:prstGeom prst="rect">
+              <a:avLst/>
+            </a:prstGeom>
+          </p:spPr>
+        </p:pic>
+        <p:pic>
+          <p:nvPicPr>
+            <p:cNvPr id="5" name="圖片 4"/>
+            <p:cNvPicPr>
+              <a:picLocks noChangeAspect="1"/>
+            </p:cNvPicPr>
+            <p:nvPr/>
+          </p:nvPicPr>
+          <p:blipFill>
+            <a:blip r:embed="rId4"/>
+            <a:stretch>
+              <a:fillRect/>
+            </a:stretch>
+          </p:blipFill>
+          <p:spPr>
+            <a:xfrm>
+              <a:off x="85708" y="2251140"/>
+              <a:ext cx="6230219" cy="3124636"/>
+            </a:xfrm>
+            <a:prstGeom prst="rect">
+              <a:avLst/>
+            </a:prstGeom>
+          </p:spPr>
+        </p:pic>
+        <p:pic>
+          <p:nvPicPr>
+            <p:cNvPr id="6" name="圖片 5"/>
+            <p:cNvPicPr>
+              <a:picLocks noChangeAspect="1"/>
+            </p:cNvPicPr>
+            <p:nvPr/>
+          </p:nvPicPr>
+          <p:blipFill>
+            <a:blip r:embed="rId5"/>
+            <a:stretch>
+              <a:fillRect/>
+            </a:stretch>
+          </p:blipFill>
+          <p:spPr>
+            <a:xfrm>
+              <a:off x="74933" y="5392219"/>
+              <a:ext cx="6125430" cy="4715533"/>
+            </a:xfrm>
+            <a:prstGeom prst="rect">
+              <a:avLst/>
+            </a:prstGeom>
+          </p:spPr>
+        </p:pic>
+      </p:grpSp>
+      <p:pic>
+        <p:nvPicPr>
+          <p:cNvPr id="8" name="圖片 7"/>
+          <p:cNvPicPr>
+            <a:picLocks noChangeAspect="1"/>
+          </p:cNvPicPr>
+          <p:nvPr/>
+        </p:nvPicPr>
+        <p:blipFill>
+          <a:blip r:embed="rId6"/>
+          <a:stretch>
+            <a:fillRect/>
+          </a:stretch>
+        </p:blipFill>
+        <p:spPr>
+          <a:xfrm>
+            <a:off x="-90967" y="6622377"/>
+            <a:ext cx="5454275" cy="248144"/>
+          </a:xfrm>
+          <a:prstGeom prst="rect">
+            <a:avLst/>
+          </a:prstGeom>
+        </p:spPr>
+      </p:pic>
+      <p:sp>
+        <p:nvSpPr>
+          <p:cNvPr id="10" name="文字方塊 9"/>
+          <p:cNvSpPr txBox="1"/>
+          <p:nvPr/>
+        </p:nvSpPr>
+        <p:spPr>
+          <a:xfrm>
+            <a:off x="6955917" y="2345795"/>
+            <a:ext cx="1383712" cy="584775"/>
+          </a:xfrm>
+          <a:prstGeom prst="rect">
+            <a:avLst/>
+          </a:prstGeom>
+          <a:noFill/>
+        </p:spPr>
+        <p:txBody>
+          <a:bodyPr wrap="none" rtlCol="0">
+            <a:spAutoFit/>
+          </a:bodyPr>
+          <a:lstStyle/>
+          <a:p>
+            <a:r>
+              <a:rPr lang="en-US" altLang="zh-TW" sz="3200" dirty="0" smtClean="0">
+                <a:solidFill>
+                  <a:srgbClr val="FF0000"/>
+                </a:solidFill>
+              </a:rPr>
+              <a:t>main.js</a:t>
+            </a:r>
+            <a:endParaRPr lang="zh-TW" altLang="en-US" sz="3200" dirty="0">
+              <a:solidFill>
+                <a:srgbClr val="FF0000"/>
+              </a:solidFill>
+            </a:endParaRPr>
+          </a:p>
+        </p:txBody>
+      </p:sp>
+      <p:sp>
+        <p:nvSpPr>
+          <p:cNvPr id="11" name="圓角矩形 10"/>
+          <p:cNvSpPr/>
+          <p:nvPr/>
+        </p:nvSpPr>
+        <p:spPr>
+          <a:xfrm>
+            <a:off x="685800" y="3468778"/>
+            <a:ext cx="4286250" cy="960347"/>
+          </a:xfrm>
+          <a:prstGeom prst="roundRect">
+            <a:avLst/>
+          </a:prstGeom>
+          <a:noFill/>
+          <a:ln w="28575">
+            <a:solidFill>
+              <a:srgbClr val="FF0000"/>
+            </a:solidFill>
+          </a:ln>
+        </p:spPr>
+        <p:style>
+          <a:lnRef idx="2">
+            <a:schemeClr val="accent1">
+              <a:shade val="50000"/>
+            </a:schemeClr>
+          </a:lnRef>
+          <a:fillRef idx="1">
+            <a:schemeClr val="accent1"/>
+          </a:fillRef>
+          <a:effectRef idx="0">
+            <a:schemeClr val="accent1"/>
+          </a:effectRef>
+          <a:fontRef idx="minor">
+            <a:schemeClr val="lt1"/>
+          </a:fontRef>
+        </p:style>
+        <p:txBody>
+          <a:bodyPr rtlCol="0" anchor="ctr"/>
+          <a:lstStyle/>
+          <a:p>
+            <a:pPr algn="ctr"/>
+            <a:endParaRPr lang="zh-TW" altLang="en-US"/>
+          </a:p>
+        </p:txBody>
+      </p:sp>
+      <p:sp>
+        <p:nvSpPr>
+          <p:cNvPr id="12" name="文字方塊 11"/>
+          <p:cNvSpPr txBox="1"/>
+          <p:nvPr/>
+        </p:nvSpPr>
+        <p:spPr>
+          <a:xfrm>
+            <a:off x="5076825" y="3748926"/>
+            <a:ext cx="1006686" cy="369332"/>
+          </a:xfrm>
+          <a:prstGeom prst="rect">
+            <a:avLst/>
+          </a:prstGeom>
+          <a:noFill/>
+        </p:spPr>
+        <p:txBody>
+          <a:bodyPr wrap="none" rtlCol="0">
+            <a:spAutoFit/>
+          </a:bodyPr>
+          <a:lstStyle/>
+          <a:p>
+            <a:r>
+              <a:rPr lang="en-US" altLang="zh-TW" dirty="0" smtClean="0">
+                <a:solidFill>
+                  <a:srgbClr val="FF0000"/>
+                </a:solidFill>
+              </a:rPr>
+              <a:t>for CORS</a:t>
+            </a:r>
+            <a:endParaRPr lang="zh-TW" altLang="en-US" dirty="0">
+              <a:solidFill>
+                <a:srgbClr val="FF0000"/>
+              </a:solidFill>
+            </a:endParaRPr>
+          </a:p>
+        </p:txBody>
+      </p:sp>
+      <p:pic>
+        <p:nvPicPr>
+          <p:cNvPr id="13" name="圖片 12"/>
+          <p:cNvPicPr>
+            <a:picLocks noChangeAspect="1"/>
+          </p:cNvPicPr>
+          <p:nvPr/>
+        </p:nvPicPr>
+        <p:blipFill>
+          <a:blip r:embed="rId7"/>
+          <a:stretch>
+            <a:fillRect/>
+          </a:stretch>
+        </p:blipFill>
+        <p:spPr>
+          <a:xfrm>
+            <a:off x="5965302" y="145531"/>
+            <a:ext cx="2943636" cy="1181265"/>
+          </a:xfrm>
+          <a:prstGeom prst="rect">
+            <a:avLst/>
+          </a:prstGeom>
+        </p:spPr>
+      </p:pic>
+    </p:spTree>
+    <p:extLst>
+      <p:ext uri="{BB962C8B-B14F-4D97-AF65-F5344CB8AC3E}">
+        <p14:creationId xmlns:p14="http://schemas.microsoft.com/office/powerpoint/2010/main" val="3239258205"/>
+      </p:ext>
+    </p:extLst>
+  </p:cSld>
+  <p:clrMapOvr>
+    <a:masterClrMapping/>
+  </p:clrMapOvr>
+  <p:timing>
+    <p:tnLst>
+      <p:par>
+        <p:cTn id="1" dur="indefinite" restart="never" nodeType="tmRoot"/>
+      </p:par>
+    </p:tnLst>
+  </p:timing>
+</p:sld>
+</file>
+
+<file path=ppt/slides/slide15.xml><?xml version="1.0" encoding="utf-8"?>
+<p:sld xmlns:a="http://schemas.openxmlformats.org/drawingml/2006/main" xmlns:r="http://schemas.openxmlformats.org/officeDocument/2006/relationships" xmlns:p="http://schemas.openxmlformats.org/presentationml/2006/main">
+  <p:cSld>
+    <p:spTree>
+      <p:nvGrpSpPr>
+        <p:cNvPr id="1" name=""/>
+        <p:cNvGrpSpPr/>
+        <p:nvPr/>
+      </p:nvGrpSpPr>
+      <p:grpSpPr>
+        <a:xfrm>
+          <a:off x="0" y="0"/>
+          <a:ext cx="0" cy="0"/>
+          <a:chOff x="0" y="0"/>
+          <a:chExt cx="0" cy="0"/>
+        </a:xfrm>
+      </p:grpSpPr>
+      <p:pic>
+        <p:nvPicPr>
+          <p:cNvPr id="2" name="圖片 1"/>
+          <p:cNvPicPr>
+            <a:picLocks noChangeAspect="1"/>
+          </p:cNvPicPr>
+          <p:nvPr/>
+        </p:nvPicPr>
+        <p:blipFill>
+          <a:blip r:embed="rId2"/>
+          <a:stretch>
+            <a:fillRect/>
+          </a:stretch>
+        </p:blipFill>
+        <p:spPr>
+          <a:xfrm>
+            <a:off x="298080" y="1958037"/>
+            <a:ext cx="5296639" cy="4344006"/>
+          </a:xfrm>
+          <a:prstGeom prst="rect">
+            <a:avLst/>
+          </a:prstGeom>
+        </p:spPr>
+      </p:pic>
+      <p:pic>
+        <p:nvPicPr>
+          <p:cNvPr id="3" name="圖片 2"/>
+          <p:cNvPicPr>
+            <a:picLocks noChangeAspect="1"/>
+          </p:cNvPicPr>
+          <p:nvPr/>
+        </p:nvPicPr>
+        <p:blipFill>
+          <a:blip r:embed="rId3"/>
+          <a:stretch>
+            <a:fillRect/>
+          </a:stretch>
+        </p:blipFill>
+        <p:spPr>
+          <a:xfrm>
+            <a:off x="6207760" y="367050"/>
+            <a:ext cx="2730718" cy="6277321"/>
+          </a:xfrm>
+          <a:prstGeom prst="rect">
+            <a:avLst/>
+          </a:prstGeom>
+        </p:spPr>
+      </p:pic>
+      <p:sp>
+        <p:nvSpPr>
+          <p:cNvPr id="4" name="標題 3"/>
+          <p:cNvSpPr>
+            <a:spLocks noGrp="1"/>
+          </p:cNvSpPr>
+          <p:nvPr>
+            <p:ph type="title"/>
+          </p:nvPr>
+        </p:nvSpPr>
+        <p:spPr/>
+        <p:txBody>
+          <a:bodyPr/>
+          <a:lstStyle/>
+          <a:p>
+            <a:r>
+              <a:rPr lang="en-US" altLang="zh-TW" dirty="0"/>
+              <a:t> </a:t>
+            </a:r>
+            <a:r>
+              <a:rPr lang="en-US" altLang="zh-TW" b="1" dirty="0"/>
+              <a:t>rose</a:t>
+            </a:r>
+            <a:r>
+              <a:rPr lang="en-US" altLang="zh-TW" dirty="0"/>
+              <a:t> or </a:t>
+            </a:r>
+            <a:r>
+              <a:rPr lang="en-US" altLang="zh-TW" b="1" dirty="0" err="1"/>
+              <a:t>rhodonea</a:t>
+            </a:r>
+            <a:r>
+              <a:rPr lang="en-US" altLang="zh-TW" b="1" dirty="0"/>
+              <a:t> curve</a:t>
+            </a:r>
+            <a:r>
+              <a:rPr lang="en-US" altLang="zh-TW" dirty="0"/>
+              <a:t> </a:t>
+            </a:r>
+            <a:endParaRPr lang="zh-TW" altLang="en-US" dirty="0"/>
+          </a:p>
+        </p:txBody>
+      </p:sp>
+    </p:spTree>
+    <p:extLst>
+      <p:ext uri="{BB962C8B-B14F-4D97-AF65-F5344CB8AC3E}">
+        <p14:creationId xmlns:p14="http://schemas.microsoft.com/office/powerpoint/2010/main" val="1174886601"/>
       </p:ext>
     </p:extLst>
   </p:cSld>
@@ -3115,6 +4616,84 @@
           </a:prstGeom>
         </p:spPr>
       </p:pic>
+      <p:sp>
+        <p:nvSpPr>
+          <p:cNvPr id="3" name="文字方塊 2"/>
+          <p:cNvSpPr txBox="1"/>
+          <p:nvPr/>
+        </p:nvSpPr>
+        <p:spPr>
+          <a:xfrm>
+            <a:off x="3952875" y="4867275"/>
+            <a:ext cx="2642775" cy="369332"/>
+          </a:xfrm>
+          <a:prstGeom prst="rect">
+            <a:avLst/>
+          </a:prstGeom>
+          <a:noFill/>
+        </p:spPr>
+        <p:txBody>
+          <a:bodyPr wrap="none" rtlCol="0">
+            <a:spAutoFit/>
+          </a:bodyPr>
+          <a:lstStyle/>
+          <a:p>
+            <a:r>
+              <a:rPr lang="en-US" altLang="zh-TW" dirty="0" err="1" smtClean="0">
+                <a:solidFill>
+                  <a:srgbClr val="FF0000"/>
+                </a:solidFill>
+              </a:rPr>
+              <a:t>Shelljs</a:t>
+            </a:r>
+            <a:r>
+              <a:rPr lang="en-US" altLang="zh-TW" dirty="0" smtClean="0">
+                <a:solidFill>
+                  <a:srgbClr val="FF0000"/>
+                </a:solidFill>
+              </a:rPr>
+              <a:t> of </a:t>
+            </a:r>
+            <a:r>
+              <a:rPr lang="en-US" altLang="zh-TW" i="1" dirty="0" smtClean="0">
+                <a:solidFill>
+                  <a:srgbClr val="FF0000"/>
+                </a:solidFill>
+              </a:rPr>
+              <a:t>any</a:t>
+            </a:r>
+            <a:r>
+              <a:rPr lang="en-US" altLang="zh-TW" dirty="0" smtClean="0">
+                <a:solidFill>
+                  <a:srgbClr val="FF0000"/>
+                </a:solidFill>
+              </a:rPr>
+              <a:t> (“</a:t>
+            </a:r>
+            <a:r>
+              <a:rPr lang="en-US" altLang="zh-TW" dirty="0">
+                <a:solidFill>
+                  <a:srgbClr val="FF0000"/>
+                </a:solidFill>
+              </a:rPr>
+              <a:t>*</a:t>
+            </a:r>
+            <a:r>
+              <a:rPr lang="en-US" altLang="zh-TW" dirty="0" smtClean="0">
+                <a:solidFill>
+                  <a:srgbClr val="FF0000"/>
+                </a:solidFill>
+              </a:rPr>
+              <a:t>”) version</a:t>
+            </a:r>
+            <a:endParaRPr lang="zh-TW" altLang="en-US" dirty="0">
+              <a:solidFill>
+                <a:srgbClr val="FF0000"/>
+              </a:solidFill>
+            </a:endParaRPr>
+          </a:p>
+        </p:txBody>
+      </p:sp>
     </p:spTree>
     <p:extLst>
       <p:ext uri="{BB962C8B-B14F-4D97-AF65-F5344CB8AC3E}">
@@ -3147,6 +4726,82 @@
       </p:grpSpPr>
       <p:sp>
         <p:nvSpPr>
+          <p:cNvPr id="3" name="標題 2"/>
+          <p:cNvSpPr>
+            <a:spLocks noGrp="1"/>
+          </p:cNvSpPr>
+          <p:nvPr>
+            <p:ph type="ctrTitle"/>
+          </p:nvPr>
+        </p:nvSpPr>
+        <p:spPr/>
+        <p:txBody>
+          <a:bodyPr/>
+          <a:lstStyle/>
+          <a:p>
+            <a:r>
+              <a:rPr lang="en-US" altLang="zh-TW" dirty="0" err="1" smtClean="0"/>
+              <a:t>callShell</a:t>
+            </a:r>
+            <a:r>
+              <a:rPr lang="en-US" altLang="zh-TW" dirty="0" smtClean="0"/>
+              <a:t> from node.js</a:t>
+            </a:r>
+            <a:endParaRPr lang="zh-TW" altLang="en-US" dirty="0"/>
+          </a:p>
+        </p:txBody>
+      </p:sp>
+      <p:sp>
+        <p:nvSpPr>
+          <p:cNvPr id="4" name="副標題 3"/>
+          <p:cNvSpPr>
+            <a:spLocks noGrp="1"/>
+          </p:cNvSpPr>
+          <p:nvPr>
+            <p:ph type="subTitle" idx="1"/>
+          </p:nvPr>
+        </p:nvSpPr>
+        <p:spPr/>
+        <p:txBody>
+          <a:bodyPr/>
+          <a:lstStyle/>
+          <a:p>
+            <a:endParaRPr lang="zh-TW" altLang="en-US"/>
+          </a:p>
+        </p:txBody>
+      </p:sp>
+    </p:spTree>
+    <p:extLst>
+      <p:ext uri="{BB962C8B-B14F-4D97-AF65-F5344CB8AC3E}">
+        <p14:creationId xmlns:p14="http://schemas.microsoft.com/office/powerpoint/2010/main" val="1056714479"/>
+      </p:ext>
+    </p:extLst>
+  </p:cSld>
+  <p:clrMapOvr>
+    <a:masterClrMapping/>
+  </p:clrMapOvr>
+</p:sld>
+</file>
+
+<file path=ppt/slides/slide4.xml><?xml version="1.0" encoding="utf-8"?>
+<p:sld xmlns:a="http://schemas.openxmlformats.org/drawingml/2006/main" xmlns:r="http://schemas.openxmlformats.org/officeDocument/2006/relationships" xmlns:p="http://schemas.openxmlformats.org/presentationml/2006/main">
+  <p:cSld>
+    <p:spTree>
+      <p:nvGrpSpPr>
+        <p:cNvPr id="1" name=""/>
+        <p:cNvGrpSpPr/>
+        <p:nvPr/>
+      </p:nvGrpSpPr>
+      <p:grpSpPr>
+        <a:xfrm>
+          <a:off x="0" y="0"/>
+          <a:ext cx="0" cy="0"/>
+          <a:chOff x="0" y="0"/>
+          <a:chExt cx="0" cy="0"/>
+        </a:xfrm>
+      </p:grpSpPr>
+      <p:sp>
+        <p:nvSpPr>
           <p:cNvPr id="2" name="標題 1"/>
           <p:cNvSpPr>
             <a:spLocks noGrp="1"/>
@@ -3362,7 +5017,7 @@
 </p:sld>
 </file>
 
-<file path=ppt/slides/slide4.xml><?xml version="1.0" encoding="utf-8"?>
+<file path=ppt/slides/slide5.xml><?xml version="1.0" encoding="utf-8"?>
 <p:sld xmlns:a="http://schemas.openxmlformats.org/drawingml/2006/main" xmlns:r="http://schemas.openxmlformats.org/officeDocument/2006/relationships" xmlns:p="http://schemas.openxmlformats.org/presentationml/2006/main">
   <p:cSld>
     <p:spTree>
@@ -3558,30 +5213,191 @@
           </a:p>
         </p:txBody>
       </p:sp>
-      <p:pic>
-        <p:nvPicPr>
-          <p:cNvPr id="6" name="圖片 5"/>
-          <p:cNvPicPr>
-            <a:picLocks noChangeAspect="1"/>
-          </p:cNvPicPr>
+      <p:grpSp>
+        <p:nvGrpSpPr>
+          <p:cNvPr id="7" name="群組 6"/>
+          <p:cNvGrpSpPr/>
           <p:nvPr/>
-        </p:nvPicPr>
-        <p:blipFill>
-          <a:blip r:embed="rId4"/>
-          <a:stretch>
-            <a:fillRect/>
-          </a:stretch>
-        </p:blipFill>
-        <p:spPr>
+        </p:nvGrpSpPr>
+        <p:grpSpPr>
           <a:xfrm>
             <a:off x="3177531" y="0"/>
             <a:ext cx="5966469" cy="2581843"/>
+            <a:chOff x="3177531" y="0"/>
+            <a:chExt cx="5966469" cy="2581843"/>
+          </a:xfrm>
+        </p:grpSpPr>
+        <p:pic>
+          <p:nvPicPr>
+            <p:cNvPr id="6" name="圖片 5"/>
+            <p:cNvPicPr>
+              <a:picLocks noChangeAspect="1"/>
+            </p:cNvPicPr>
+            <p:nvPr/>
+          </p:nvPicPr>
+          <p:blipFill>
+            <a:blip r:embed="rId4"/>
+            <a:stretch>
+              <a:fillRect/>
+            </a:stretch>
+          </p:blipFill>
+          <p:spPr>
+            <a:xfrm>
+              <a:off x="3177531" y="0"/>
+              <a:ext cx="5966469" cy="2581843"/>
+            </a:xfrm>
+            <a:prstGeom prst="rect">
+              <a:avLst/>
+            </a:prstGeom>
+          </p:spPr>
+        </p:pic>
+        <p:cxnSp>
+          <p:nvCxnSpPr>
+            <p:cNvPr id="3" name="直線接點 2"/>
+            <p:cNvCxnSpPr/>
+            <p:nvPr/>
+          </p:nvCxnSpPr>
+          <p:spPr>
+            <a:xfrm flipV="1">
+              <a:off x="7972425" y="800100"/>
+              <a:ext cx="1171575" cy="19050"/>
+            </a:xfrm>
+            <a:prstGeom prst="line">
+              <a:avLst/>
+            </a:prstGeom>
+            <a:ln w="28575">
+              <a:solidFill>
+                <a:srgbClr val="FF0000"/>
+              </a:solidFill>
+            </a:ln>
+          </p:spPr>
+          <p:style>
+            <a:lnRef idx="1">
+              <a:schemeClr val="accent1"/>
+            </a:lnRef>
+            <a:fillRef idx="0">
+              <a:schemeClr val="accent1"/>
+            </a:fillRef>
+            <a:effectRef idx="0">
+              <a:schemeClr val="accent1"/>
+            </a:effectRef>
+            <a:fontRef idx="minor">
+              <a:schemeClr val="tx1"/>
+            </a:fontRef>
+          </p:style>
+        </p:cxnSp>
+        <p:cxnSp>
+          <p:nvCxnSpPr>
+            <p:cNvPr id="12" name="直線接點 11"/>
+            <p:cNvCxnSpPr/>
+            <p:nvPr/>
+          </p:nvCxnSpPr>
+          <p:spPr>
+            <a:xfrm>
+              <a:off x="3333750" y="1114425"/>
+              <a:ext cx="619125" cy="0"/>
+            </a:xfrm>
+            <a:prstGeom prst="line">
+              <a:avLst/>
+            </a:prstGeom>
+            <a:ln w="28575">
+              <a:solidFill>
+                <a:srgbClr val="FF0000"/>
+              </a:solidFill>
+            </a:ln>
+          </p:spPr>
+          <p:style>
+            <a:lnRef idx="1">
+              <a:schemeClr val="accent1"/>
+            </a:lnRef>
+            <a:fillRef idx="0">
+              <a:schemeClr val="accent1"/>
+            </a:fillRef>
+            <a:effectRef idx="0">
+              <a:schemeClr val="accent1"/>
+            </a:effectRef>
+            <a:fontRef idx="minor">
+              <a:schemeClr val="tx1"/>
+            </a:fontRef>
+          </p:style>
+        </p:cxnSp>
+      </p:grpSp>
+      <p:sp>
+        <p:nvSpPr>
+          <p:cNvPr id="8" name="文字方塊 7"/>
+          <p:cNvSpPr txBox="1"/>
+          <p:nvPr/>
+        </p:nvSpPr>
+        <p:spPr>
+          <a:xfrm>
+            <a:off x="1762125" y="838200"/>
+            <a:ext cx="1053494" cy="369332"/>
           </a:xfrm>
           <a:prstGeom prst="rect">
             <a:avLst/>
           </a:prstGeom>
-        </p:spPr>
-      </p:pic>
+          <a:noFill/>
+        </p:spPr>
+        <p:txBody>
+          <a:bodyPr wrap="none" rtlCol="0">
+            <a:spAutoFit/>
+          </a:bodyPr>
+          <a:lstStyle/>
+          <a:p>
+            <a:r>
+              <a:rPr lang="en-US" altLang="zh-TW" dirty="0" smtClean="0">
+                <a:solidFill>
+                  <a:srgbClr val="FF0000"/>
+                </a:solidFill>
+              </a:rPr>
+              <a:t>main.cpp</a:t>
+            </a:r>
+            <a:endParaRPr lang="zh-TW" altLang="en-US" dirty="0">
+              <a:solidFill>
+                <a:srgbClr val="FF0000"/>
+              </a:solidFill>
+            </a:endParaRPr>
+          </a:p>
+        </p:txBody>
+      </p:sp>
+      <p:sp>
+        <p:nvSpPr>
+          <p:cNvPr id="16" name="文字方塊 15"/>
+          <p:cNvSpPr txBox="1"/>
+          <p:nvPr/>
+        </p:nvSpPr>
+        <p:spPr>
+          <a:xfrm>
+            <a:off x="6848475" y="3920301"/>
+            <a:ext cx="856325" cy="369332"/>
+          </a:xfrm>
+          <a:prstGeom prst="rect">
+            <a:avLst/>
+          </a:prstGeom>
+          <a:noFill/>
+        </p:spPr>
+        <p:txBody>
+          <a:bodyPr wrap="none" rtlCol="0">
+            <a:spAutoFit/>
+          </a:bodyPr>
+          <a:lstStyle/>
+          <a:p>
+            <a:r>
+              <a:rPr lang="en-US" altLang="zh-TW" dirty="0" smtClean="0">
+                <a:solidFill>
+                  <a:srgbClr val="FF0000"/>
+                </a:solidFill>
+              </a:rPr>
+              <a:t>main.js</a:t>
+            </a:r>
+            <a:endParaRPr lang="zh-TW" altLang="en-US" dirty="0">
+              <a:solidFill>
+                <a:srgbClr val="FF0000"/>
+              </a:solidFill>
+            </a:endParaRPr>
+          </a:p>
+        </p:txBody>
+      </p:sp>
     </p:spTree>
     <p:extLst>
       <p:ext uri="{BB962C8B-B14F-4D97-AF65-F5344CB8AC3E}">
@@ -3595,7 +5411,7 @@
 </p:sld>
 </file>
 
-<file path=ppt/slides/slide5.xml><?xml version="1.0" encoding="utf-8"?>
+<file path=ppt/slides/slide6.xml><?xml version="1.0" encoding="utf-8"?>
 <p:sld xmlns:a="http://schemas.openxmlformats.org/drawingml/2006/main" xmlns:r="http://schemas.openxmlformats.org/officeDocument/2006/relationships" xmlns:p="http://schemas.openxmlformats.org/presentationml/2006/main">
   <p:cSld>
     <p:spTree>
@@ -3619,6 +5435,78 @@
             <a:spLocks noGrp="1"/>
           </p:cNvSpPr>
           <p:nvPr>
+            <p:ph type="ctrTitle"/>
+          </p:nvPr>
+        </p:nvSpPr>
+        <p:spPr/>
+        <p:txBody>
+          <a:bodyPr/>
+          <a:lstStyle/>
+          <a:p>
+            <a:r>
+              <a:rPr lang="en-US" altLang="zh-TW" dirty="0" err="1" smtClean="0"/>
+              <a:t>callShellWithServer</a:t>
+            </a:r>
+            <a:endParaRPr lang="zh-TW" altLang="en-US" dirty="0"/>
+          </a:p>
+        </p:txBody>
+      </p:sp>
+      <p:sp>
+        <p:nvSpPr>
+          <p:cNvPr id="3" name="副標題 2"/>
+          <p:cNvSpPr>
+            <a:spLocks noGrp="1"/>
+          </p:cNvSpPr>
+          <p:nvPr>
+            <p:ph type="subTitle" idx="1"/>
+          </p:nvPr>
+        </p:nvSpPr>
+        <p:spPr/>
+        <p:txBody>
+          <a:bodyPr/>
+          <a:lstStyle/>
+          <a:p>
+            <a:endParaRPr lang="zh-TW" altLang="en-US"/>
+          </a:p>
+        </p:txBody>
+      </p:sp>
+    </p:spTree>
+    <p:extLst>
+      <p:ext uri="{BB962C8B-B14F-4D97-AF65-F5344CB8AC3E}">
+        <p14:creationId xmlns:p14="http://schemas.microsoft.com/office/powerpoint/2010/main" val="2241814184"/>
+      </p:ext>
+    </p:extLst>
+  </p:cSld>
+  <p:clrMapOvr>
+    <a:masterClrMapping/>
+  </p:clrMapOvr>
+</p:sld>
+</file>
+
+<file path=ppt/slides/slide7.xml><?xml version="1.0" encoding="utf-8"?>
+<p:sld xmlns:a="http://schemas.openxmlformats.org/drawingml/2006/main" xmlns:r="http://schemas.openxmlformats.org/officeDocument/2006/relationships" xmlns:p="http://schemas.openxmlformats.org/presentationml/2006/main">
+  <p:cSld>
+    <p:spTree>
+      <p:nvGrpSpPr>
+        <p:cNvPr id="1" name=""/>
+        <p:cNvGrpSpPr/>
+        <p:nvPr/>
+      </p:nvGrpSpPr>
+      <p:grpSpPr>
+        <a:xfrm>
+          <a:off x="0" y="0"/>
+          <a:ext cx="0" cy="0"/>
+          <a:chOff x="0" y="0"/>
+          <a:chExt cx="0" cy="0"/>
+        </a:xfrm>
+      </p:grpSpPr>
+      <p:sp>
+        <p:nvSpPr>
+          <p:cNvPr id="2" name="標題 1"/>
+          <p:cNvSpPr>
+            <a:spLocks noGrp="1"/>
+          </p:cNvSpPr>
+          <p:nvPr>
             <p:ph type="title"/>
           </p:nvPr>
         </p:nvSpPr>
@@ -3692,7 +5580,7 @@
 </p:sld>
 </file>
 
-<file path=ppt/slides/slide6.xml><?xml version="1.0" encoding="utf-8"?>
+<file path=ppt/slides/slide8.xml><?xml version="1.0" encoding="utf-8"?>
 <p:sld xmlns:a="http://schemas.openxmlformats.org/drawingml/2006/main" xmlns:r="http://schemas.openxmlformats.org/officeDocument/2006/relationships" xmlns:p="http://schemas.openxmlformats.org/presentationml/2006/main">
   <p:cSld>
     <p:spTree>
@@ -3829,257 +5717,156 @@
           </a:prstGeom>
         </p:spPr>
       </p:pic>
+      <p:sp>
+        <p:nvSpPr>
+          <p:cNvPr id="9" name="文字方塊 8"/>
+          <p:cNvSpPr txBox="1"/>
+          <p:nvPr/>
+        </p:nvSpPr>
+        <p:spPr>
+          <a:xfrm>
+            <a:off x="4989195" y="95680"/>
+            <a:ext cx="856325" cy="369332"/>
+          </a:xfrm>
+          <a:prstGeom prst="rect">
+            <a:avLst/>
+          </a:prstGeom>
+          <a:noFill/>
+        </p:spPr>
+        <p:txBody>
+          <a:bodyPr wrap="none" rtlCol="0">
+            <a:spAutoFit/>
+          </a:bodyPr>
+          <a:lstStyle/>
+          <a:p>
+            <a:r>
+              <a:rPr lang="en-US" altLang="zh-TW" dirty="0" smtClean="0">
+                <a:solidFill>
+                  <a:srgbClr val="FF0000"/>
+                </a:solidFill>
+              </a:rPr>
+              <a:t>main.js</a:t>
+            </a:r>
+            <a:endParaRPr lang="zh-TW" altLang="en-US" dirty="0">
+              <a:solidFill>
+                <a:srgbClr val="FF0000"/>
+              </a:solidFill>
+            </a:endParaRPr>
+          </a:p>
+        </p:txBody>
+      </p:sp>
+      <p:sp>
+        <p:nvSpPr>
+          <p:cNvPr id="10" name="文字方塊 9"/>
+          <p:cNvSpPr txBox="1"/>
+          <p:nvPr/>
+        </p:nvSpPr>
+        <p:spPr>
+          <a:xfrm>
+            <a:off x="5235021" y="1066256"/>
+            <a:ext cx="744756" cy="369332"/>
+          </a:xfrm>
+          <a:prstGeom prst="rect">
+            <a:avLst/>
+          </a:prstGeom>
+          <a:noFill/>
+        </p:spPr>
+        <p:txBody>
+          <a:bodyPr wrap="none" rtlCol="0">
+            <a:spAutoFit/>
+          </a:bodyPr>
+          <a:lstStyle/>
+          <a:p>
+            <a:r>
+              <a:rPr lang="en-US" altLang="zh-TW" dirty="0" smtClean="0">
+                <a:solidFill>
+                  <a:srgbClr val="FF0000"/>
+                </a:solidFill>
+              </a:rPr>
+              <a:t>“/</a:t>
+            </a:r>
+            <a:r>
+              <a:rPr lang="en-US" altLang="zh-TW" dirty="0" err="1" smtClean="0">
+                <a:solidFill>
+                  <a:srgbClr val="FF0000"/>
+                </a:solidFill>
+              </a:rPr>
+              <a:t>api</a:t>
+            </a:r>
+            <a:r>
+              <a:rPr lang="en-US" altLang="zh-TW" dirty="0" smtClean="0">
+                <a:solidFill>
+                  <a:srgbClr val="FF0000"/>
+                </a:solidFill>
+              </a:rPr>
+              <a:t>”</a:t>
+            </a:r>
+            <a:endParaRPr lang="zh-TW" altLang="en-US" dirty="0">
+              <a:solidFill>
+                <a:srgbClr val="FF0000"/>
+              </a:solidFill>
+            </a:endParaRPr>
+          </a:p>
+        </p:txBody>
+      </p:sp>
+      <p:sp>
+        <p:nvSpPr>
+          <p:cNvPr id="11" name="文字方塊 10"/>
+          <p:cNvSpPr txBox="1"/>
+          <p:nvPr/>
+        </p:nvSpPr>
+        <p:spPr>
+          <a:xfrm>
+            <a:off x="4909778" y="1628646"/>
+            <a:ext cx="1067985" cy="369332"/>
+          </a:xfrm>
+          <a:prstGeom prst="rect">
+            <a:avLst/>
+          </a:prstGeom>
+          <a:noFill/>
+        </p:spPr>
+        <p:txBody>
+          <a:bodyPr wrap="none" rtlCol="0">
+            <a:spAutoFit/>
+          </a:bodyPr>
+          <a:lstStyle/>
+          <a:p>
+            <a:r>
+              <a:rPr lang="en-US" altLang="zh-TW" dirty="0" smtClean="0">
+                <a:solidFill>
+                  <a:srgbClr val="FF0000"/>
+                </a:solidFill>
+              </a:rPr>
+              <a:t>{ </a:t>
+            </a:r>
+            <a:r>
+              <a:rPr lang="en-US" altLang="zh-TW" dirty="0" err="1" smtClean="0">
+                <a:solidFill>
+                  <a:srgbClr val="FF0000"/>
+                </a:solidFill>
+              </a:rPr>
+              <a:t>argv</a:t>
+            </a:r>
+            <a:r>
+              <a:rPr lang="en-US" altLang="zh-TW" dirty="0" smtClean="0">
+                <a:solidFill>
+                  <a:srgbClr val="FF0000"/>
+                </a:solidFill>
+              </a:rPr>
+              <a:t>: 5 }</a:t>
+            </a:r>
+            <a:endParaRPr lang="zh-TW" altLang="en-US" dirty="0">
+              <a:solidFill>
+                <a:srgbClr val="FF0000"/>
+              </a:solidFill>
+            </a:endParaRPr>
+          </a:p>
+        </p:txBody>
+      </p:sp>
     </p:spTree>
     <p:extLst>
       <p:ext uri="{BB962C8B-B14F-4D97-AF65-F5344CB8AC3E}">
         <p14:creationId xmlns:p14="http://schemas.microsoft.com/office/powerpoint/2010/main" val="1912102592"/>
-      </p:ext>
-    </p:extLst>
-  </p:cSld>
-  <p:clrMapOvr>
-    <a:masterClrMapping/>
-  </p:clrMapOvr>
-</p:sld>
-</file>
-
-<file path=ppt/slides/slide7.xml><?xml version="1.0" encoding="utf-8"?>
-<p:sld xmlns:a="http://schemas.openxmlformats.org/drawingml/2006/main" xmlns:r="http://schemas.openxmlformats.org/officeDocument/2006/relationships" xmlns:p="http://schemas.openxmlformats.org/presentationml/2006/main">
-  <p:cSld>
-    <p:spTree>
-      <p:nvGrpSpPr>
-        <p:cNvPr id="1" name=""/>
-        <p:cNvGrpSpPr/>
-        <p:nvPr/>
-      </p:nvGrpSpPr>
-      <p:grpSpPr>
-        <a:xfrm>
-          <a:off x="0" y="0"/>
-          <a:ext cx="0" cy="0"/>
-          <a:chOff x="0" y="0"/>
-          <a:chExt cx="0" cy="0"/>
-        </a:xfrm>
-      </p:grpSpPr>
-      <p:pic>
-        <p:nvPicPr>
-          <p:cNvPr id="3" name="圖片 2"/>
-          <p:cNvPicPr>
-            <a:picLocks noChangeAspect="1"/>
-          </p:cNvPicPr>
-          <p:nvPr/>
-        </p:nvPicPr>
-        <p:blipFill>
-          <a:blip r:embed="rId2"/>
-          <a:stretch>
-            <a:fillRect/>
-          </a:stretch>
-        </p:blipFill>
-        <p:spPr>
-          <a:xfrm>
-            <a:off x="151258" y="316095"/>
-            <a:ext cx="2715004" cy="857370"/>
-          </a:xfrm>
-          <a:prstGeom prst="rect">
-            <a:avLst/>
-          </a:prstGeom>
-        </p:spPr>
-      </p:pic>
-      <p:pic>
-        <p:nvPicPr>
-          <p:cNvPr id="4" name="圖片 3"/>
-          <p:cNvPicPr>
-            <a:picLocks noChangeAspect="1"/>
-          </p:cNvPicPr>
-          <p:nvPr/>
-        </p:nvPicPr>
-        <p:blipFill>
-          <a:blip r:embed="rId3"/>
-          <a:stretch>
-            <a:fillRect/>
-          </a:stretch>
-        </p:blipFill>
-        <p:spPr>
-          <a:xfrm>
-            <a:off x="4895257" y="365126"/>
-            <a:ext cx="4248743" cy="1581371"/>
-          </a:xfrm>
-          <a:prstGeom prst="rect">
-            <a:avLst/>
-          </a:prstGeom>
-        </p:spPr>
-      </p:pic>
-      <p:pic>
-        <p:nvPicPr>
-          <p:cNvPr id="5" name="圖片 4"/>
-          <p:cNvPicPr>
-            <a:picLocks noChangeAspect="1"/>
-          </p:cNvPicPr>
-          <p:nvPr/>
-        </p:nvPicPr>
-        <p:blipFill>
-          <a:blip r:embed="rId4"/>
-          <a:stretch>
-            <a:fillRect/>
-          </a:stretch>
-        </p:blipFill>
-        <p:spPr>
-          <a:xfrm>
-            <a:off x="151258" y="1731434"/>
-            <a:ext cx="4505954" cy="5048955"/>
-          </a:xfrm>
-          <a:prstGeom prst="rect">
-            <a:avLst/>
-          </a:prstGeom>
-        </p:spPr>
-      </p:pic>
-      <p:pic>
-        <p:nvPicPr>
-          <p:cNvPr id="6" name="圖片 5"/>
-          <p:cNvPicPr>
-            <a:picLocks noChangeAspect="1"/>
-          </p:cNvPicPr>
-          <p:nvPr/>
-        </p:nvPicPr>
-        <p:blipFill>
-          <a:blip r:embed="rId5"/>
-          <a:stretch>
-            <a:fillRect/>
-          </a:stretch>
-        </p:blipFill>
-        <p:spPr>
-          <a:xfrm>
-            <a:off x="4895257" y="2519650"/>
-            <a:ext cx="2667372" cy="1343212"/>
-          </a:xfrm>
-          <a:prstGeom prst="rect">
-            <a:avLst/>
-          </a:prstGeom>
-        </p:spPr>
-      </p:pic>
-    </p:spTree>
-    <p:extLst>
-      <p:ext uri="{BB962C8B-B14F-4D97-AF65-F5344CB8AC3E}">
-        <p14:creationId xmlns:p14="http://schemas.microsoft.com/office/powerpoint/2010/main" val="2551623350"/>
-      </p:ext>
-    </p:extLst>
-  </p:cSld>
-  <p:clrMapOvr>
-    <a:masterClrMapping/>
-  </p:clrMapOvr>
-</p:sld>
-</file>
-
-<file path=ppt/slides/slide8.xml><?xml version="1.0" encoding="utf-8"?>
-<p:sld xmlns:a="http://schemas.openxmlformats.org/drawingml/2006/main" xmlns:r="http://schemas.openxmlformats.org/officeDocument/2006/relationships" xmlns:p="http://schemas.openxmlformats.org/presentationml/2006/main">
-  <p:cSld>
-    <p:spTree>
-      <p:nvGrpSpPr>
-        <p:cNvPr id="1" name=""/>
-        <p:cNvGrpSpPr/>
-        <p:nvPr/>
-      </p:nvGrpSpPr>
-      <p:grpSpPr>
-        <a:xfrm>
-          <a:off x="0" y="0"/>
-          <a:ext cx="0" cy="0"/>
-          <a:chOff x="0" y="0"/>
-          <a:chExt cx="0" cy="0"/>
-        </a:xfrm>
-      </p:grpSpPr>
-      <p:sp>
-        <p:nvSpPr>
-          <p:cNvPr id="2" name="標題 1"/>
-          <p:cNvSpPr>
-            <a:spLocks noGrp="1"/>
-          </p:cNvSpPr>
-          <p:nvPr>
-            <p:ph type="title"/>
-          </p:nvPr>
-        </p:nvSpPr>
-        <p:spPr/>
-        <p:txBody>
-          <a:bodyPr/>
-          <a:lstStyle/>
-          <a:p>
-            <a:endParaRPr lang="zh-TW" altLang="en-US"/>
-          </a:p>
-        </p:txBody>
-      </p:sp>
-      <p:pic>
-        <p:nvPicPr>
-          <p:cNvPr id="3" name="圖片 2"/>
-          <p:cNvPicPr>
-            <a:picLocks noChangeAspect="1"/>
-          </p:cNvPicPr>
-          <p:nvPr/>
-        </p:nvPicPr>
-        <p:blipFill>
-          <a:blip r:embed="rId2"/>
-          <a:stretch>
-            <a:fillRect/>
-          </a:stretch>
-        </p:blipFill>
-        <p:spPr>
-          <a:xfrm>
-            <a:off x="89878" y="91481"/>
-            <a:ext cx="4525690" cy="2093976"/>
-          </a:xfrm>
-          <a:prstGeom prst="rect">
-            <a:avLst/>
-          </a:prstGeom>
-        </p:spPr>
-      </p:pic>
-      <p:pic>
-        <p:nvPicPr>
-          <p:cNvPr id="4" name="圖片 3"/>
-          <p:cNvPicPr>
-            <a:picLocks noChangeAspect="1"/>
-          </p:cNvPicPr>
-          <p:nvPr/>
-        </p:nvPicPr>
-        <p:blipFill>
-          <a:blip r:embed="rId3"/>
-          <a:stretch>
-            <a:fillRect/>
-          </a:stretch>
-        </p:blipFill>
-        <p:spPr>
-          <a:xfrm>
-            <a:off x="89878" y="2242249"/>
-            <a:ext cx="5538583" cy="3448903"/>
-          </a:xfrm>
-          <a:prstGeom prst="rect">
-            <a:avLst/>
-          </a:prstGeom>
-        </p:spPr>
-      </p:pic>
-      <p:pic>
-        <p:nvPicPr>
-          <p:cNvPr id="5" name="圖片 4"/>
-          <p:cNvPicPr>
-            <a:picLocks noChangeAspect="1"/>
-          </p:cNvPicPr>
-          <p:nvPr/>
-        </p:nvPicPr>
-        <p:blipFill>
-          <a:blip r:embed="rId4"/>
-          <a:stretch>
-            <a:fillRect/>
-          </a:stretch>
-        </p:blipFill>
-        <p:spPr>
-          <a:xfrm>
-            <a:off x="89878" y="5691152"/>
-            <a:ext cx="3175167" cy="1053831"/>
-          </a:xfrm>
-          <a:prstGeom prst="rect">
-            <a:avLst/>
-          </a:prstGeom>
-        </p:spPr>
-      </p:pic>
-    </p:spTree>
-    <p:extLst>
-      <p:ext uri="{BB962C8B-B14F-4D97-AF65-F5344CB8AC3E}">
-        <p14:creationId xmlns:p14="http://schemas.microsoft.com/office/powerpoint/2010/main" val="3280697427"/>
       </p:ext>
     </p:extLst>
   </p:cSld>
@@ -4106,128 +5893,52 @@
           <a:chExt cx="0" cy="0"/>
         </a:xfrm>
       </p:grpSpPr>
-      <p:pic>
-        <p:nvPicPr>
-          <p:cNvPr id="2" name="圖片 1"/>
-          <p:cNvPicPr>
-            <a:picLocks noChangeAspect="1"/>
-          </p:cNvPicPr>
-          <p:nvPr/>
-        </p:nvPicPr>
-        <p:blipFill>
-          <a:blip r:embed="rId2"/>
-          <a:stretch>
-            <a:fillRect/>
-          </a:stretch>
-        </p:blipFill>
-        <p:spPr>
-          <a:xfrm>
-            <a:off x="238683" y="1242436"/>
-            <a:ext cx="5649113" cy="5525271"/>
-          </a:xfrm>
-          <a:prstGeom prst="rect">
-            <a:avLst/>
-          </a:prstGeom>
-        </p:spPr>
-      </p:pic>
-      <p:pic>
-        <p:nvPicPr>
-          <p:cNvPr id="3" name="圖片 2"/>
-          <p:cNvPicPr>
-            <a:picLocks noChangeAspect="1"/>
-          </p:cNvPicPr>
-          <p:nvPr/>
-        </p:nvPicPr>
-        <p:blipFill>
-          <a:blip r:embed="rId3"/>
-          <a:stretch>
-            <a:fillRect/>
-          </a:stretch>
-        </p:blipFill>
-        <p:spPr>
-          <a:xfrm>
-            <a:off x="238683" y="213592"/>
-            <a:ext cx="1848108" cy="1028844"/>
-          </a:xfrm>
-          <a:prstGeom prst="rect">
-            <a:avLst/>
-          </a:prstGeom>
-        </p:spPr>
-      </p:pic>
-      <p:grpSp>
-        <p:nvGrpSpPr>
-          <p:cNvPr id="6" name="群組 5"/>
-          <p:cNvGrpSpPr/>
-          <p:nvPr/>
-        </p:nvGrpSpPr>
-        <p:grpSpPr>
-          <a:xfrm>
-            <a:off x="4555148" y="0"/>
-            <a:ext cx="4481036" cy="1764792"/>
-            <a:chOff x="4555148" y="0"/>
-            <a:chExt cx="4481036" cy="1764792"/>
-          </a:xfrm>
-        </p:grpSpPr>
-        <p:pic>
-          <p:nvPicPr>
-            <p:cNvPr id="4" name="圖片 3"/>
-            <p:cNvPicPr>
-              <a:picLocks noChangeAspect="1"/>
-            </p:cNvPicPr>
-            <p:nvPr/>
-          </p:nvPicPr>
-          <p:blipFill>
-            <a:blip r:embed="rId4"/>
-            <a:stretch>
-              <a:fillRect/>
-            </a:stretch>
-          </p:blipFill>
-          <p:spPr>
-            <a:xfrm>
-              <a:off x="4555148" y="0"/>
-              <a:ext cx="4481036" cy="1764792"/>
-            </a:xfrm>
-            <a:prstGeom prst="rect">
-              <a:avLst/>
-            </a:prstGeom>
-          </p:spPr>
-        </p:pic>
-        <p:sp>
-          <p:nvSpPr>
-            <p:cNvPr id="5" name="矩形 4"/>
-            <p:cNvSpPr/>
-            <p:nvPr/>
-          </p:nvSpPr>
-          <p:spPr>
-            <a:xfrm>
-              <a:off x="7737736" y="873104"/>
-              <a:ext cx="1298448" cy="369332"/>
-            </a:xfrm>
-            <a:prstGeom prst="rect">
-              <a:avLst/>
-            </a:prstGeom>
-          </p:spPr>
-          <p:txBody>
-            <a:bodyPr wrap="square">
-              <a:spAutoFit/>
-            </a:bodyPr>
-            <a:lstStyle/>
-            <a:p>
-              <a:r>
-                <a:rPr lang="en-US" altLang="zh-TW" dirty="0" smtClean="0">
-                  <a:hlinkClick r:id="rId5"/>
-                </a:rPr>
-                <a:t>reference</a:t>
-              </a:r>
-              <a:endParaRPr lang="zh-TW" altLang="en-US" dirty="0"/>
-            </a:p>
-          </p:txBody>
-        </p:sp>
-      </p:grpSp>
+      <p:sp>
+        <p:nvSpPr>
+          <p:cNvPr id="2" name="標題 1"/>
+          <p:cNvSpPr>
+            <a:spLocks noGrp="1"/>
+          </p:cNvSpPr>
+          <p:nvPr>
+            <p:ph type="ctrTitle"/>
+          </p:nvPr>
+        </p:nvSpPr>
+        <p:spPr/>
+        <p:txBody>
+          <a:bodyPr/>
+          <a:lstStyle/>
+          <a:p>
+            <a:r>
+              <a:rPr lang="en-US" altLang="zh-TW" dirty="0" err="1" smtClean="0"/>
+              <a:t>callShellWithServerAndThree</a:t>
+            </a:r>
+            <a:endParaRPr lang="zh-TW" altLang="en-US" dirty="0"/>
+          </a:p>
+        </p:txBody>
+      </p:sp>
+      <p:sp>
+        <p:nvSpPr>
+          <p:cNvPr id="3" name="副標題 2"/>
+          <p:cNvSpPr>
+            <a:spLocks noGrp="1"/>
+          </p:cNvSpPr>
+          <p:nvPr>
+            <p:ph type="subTitle" idx="1"/>
+          </p:nvPr>
+        </p:nvSpPr>
+        <p:spPr/>
+        <p:txBody>
+          <a:bodyPr/>
+          <a:lstStyle/>
+          <a:p>
+            <a:endParaRPr lang="zh-TW" altLang="en-US"/>
+          </a:p>
+        </p:txBody>
+      </p:sp>
     </p:spTree>
     <p:extLst>
       <p:ext uri="{BB962C8B-B14F-4D97-AF65-F5344CB8AC3E}">
-        <p14:creationId xmlns:p14="http://schemas.microsoft.com/office/powerpoint/2010/main" val="608100771"/>
+        <p14:creationId xmlns:p14="http://schemas.microsoft.com/office/powerpoint/2010/main" val="2576007725"/>
       </p:ext>
     </p:extLst>
   </p:cSld>

--- a/study.pptx
+++ b/study.pptx
@@ -20,6 +20,9 @@
     <p:sldId id="270" r:id="rId14"/>
     <p:sldId id="271" r:id="rId15"/>
     <p:sldId id="274" r:id="rId16"/>
+    <p:sldId id="275" r:id="rId17"/>
+    <p:sldId id="276" r:id="rId18"/>
+    <p:sldId id="277" r:id="rId19"/>
   </p:sldIdLst>
   <p:sldSz cx="9144000" cy="6858000" type="screen4x3"/>
   <p:notesSz cx="7086600" cy="10223500"/>
@@ -257,7 +260,7 @@
           <a:p>
             <a:fld id="{7F9F86A8-B706-4BC7-85EA-36E329DE64A0}" type="datetimeFigureOut">
               <a:rPr lang="zh-TW" altLang="en-US" smtClean="0"/>
-              <a:t>2015/7/10</a:t>
+              <a:t>2015/9/7</a:t>
             </a:fld>
             <a:endParaRPr lang="zh-TW" altLang="en-US"/>
           </a:p>
@@ -427,7 +430,7 @@
           <a:p>
             <a:fld id="{7F9F86A8-B706-4BC7-85EA-36E329DE64A0}" type="datetimeFigureOut">
               <a:rPr lang="zh-TW" altLang="en-US" smtClean="0"/>
-              <a:t>2015/7/10</a:t>
+              <a:t>2015/9/7</a:t>
             </a:fld>
             <a:endParaRPr lang="zh-TW" altLang="en-US"/>
           </a:p>
@@ -607,7 +610,7 @@
           <a:p>
             <a:fld id="{7F9F86A8-B706-4BC7-85EA-36E329DE64A0}" type="datetimeFigureOut">
               <a:rPr lang="zh-TW" altLang="en-US" smtClean="0"/>
-              <a:t>2015/7/10</a:t>
+              <a:t>2015/9/7</a:t>
             </a:fld>
             <a:endParaRPr lang="zh-TW" altLang="en-US"/>
           </a:p>
@@ -777,7 +780,7 @@
           <a:p>
             <a:fld id="{7F9F86A8-B706-4BC7-85EA-36E329DE64A0}" type="datetimeFigureOut">
               <a:rPr lang="zh-TW" altLang="en-US" smtClean="0"/>
-              <a:t>2015/7/10</a:t>
+              <a:t>2015/9/7</a:t>
             </a:fld>
             <a:endParaRPr lang="zh-TW" altLang="en-US"/>
           </a:p>
@@ -1023,7 +1026,7 @@
           <a:p>
             <a:fld id="{7F9F86A8-B706-4BC7-85EA-36E329DE64A0}" type="datetimeFigureOut">
               <a:rPr lang="zh-TW" altLang="en-US" smtClean="0"/>
-              <a:t>2015/7/10</a:t>
+              <a:t>2015/9/7</a:t>
             </a:fld>
             <a:endParaRPr lang="zh-TW" altLang="en-US"/>
           </a:p>
@@ -1255,7 +1258,7 @@
           <a:p>
             <a:fld id="{7F9F86A8-B706-4BC7-85EA-36E329DE64A0}" type="datetimeFigureOut">
               <a:rPr lang="zh-TW" altLang="en-US" smtClean="0"/>
-              <a:t>2015/7/10</a:t>
+              <a:t>2015/9/7</a:t>
             </a:fld>
             <a:endParaRPr lang="zh-TW" altLang="en-US"/>
           </a:p>
@@ -1622,7 +1625,7 @@
           <a:p>
             <a:fld id="{7F9F86A8-B706-4BC7-85EA-36E329DE64A0}" type="datetimeFigureOut">
               <a:rPr lang="zh-TW" altLang="en-US" smtClean="0"/>
-              <a:t>2015/7/10</a:t>
+              <a:t>2015/9/7</a:t>
             </a:fld>
             <a:endParaRPr lang="zh-TW" altLang="en-US"/>
           </a:p>
@@ -1740,7 +1743,7 @@
           <a:p>
             <a:fld id="{7F9F86A8-B706-4BC7-85EA-36E329DE64A0}" type="datetimeFigureOut">
               <a:rPr lang="zh-TW" altLang="en-US" smtClean="0"/>
-              <a:t>2015/7/10</a:t>
+              <a:t>2015/9/7</a:t>
             </a:fld>
             <a:endParaRPr lang="zh-TW" altLang="en-US"/>
           </a:p>
@@ -1835,7 +1838,7 @@
           <a:p>
             <a:fld id="{7F9F86A8-B706-4BC7-85EA-36E329DE64A0}" type="datetimeFigureOut">
               <a:rPr lang="zh-TW" altLang="en-US" smtClean="0"/>
-              <a:t>2015/7/10</a:t>
+              <a:t>2015/9/7</a:t>
             </a:fld>
             <a:endParaRPr lang="zh-TW" altLang="en-US"/>
           </a:p>
@@ -2112,7 +2115,7 @@
           <a:p>
             <a:fld id="{7F9F86A8-B706-4BC7-85EA-36E329DE64A0}" type="datetimeFigureOut">
               <a:rPr lang="zh-TW" altLang="en-US" smtClean="0"/>
-              <a:t>2015/7/10</a:t>
+              <a:t>2015/9/7</a:t>
             </a:fld>
             <a:endParaRPr lang="zh-TW" altLang="en-US"/>
           </a:p>
@@ -2365,7 +2368,7 @@
           <a:p>
             <a:fld id="{7F9F86A8-B706-4BC7-85EA-36E329DE64A0}" type="datetimeFigureOut">
               <a:rPr lang="zh-TW" altLang="en-US" smtClean="0"/>
-              <a:t>2015/7/10</a:t>
+              <a:t>2015/9/7</a:t>
             </a:fld>
             <a:endParaRPr lang="zh-TW" altLang="en-US"/>
           </a:p>
@@ -2578,7 +2581,7 @@
           <a:p>
             <a:fld id="{7F9F86A8-B706-4BC7-85EA-36E329DE64A0}" type="datetimeFigureOut">
               <a:rPr lang="zh-TW" altLang="en-US" smtClean="0"/>
-              <a:t>2015/7/10</a:t>
+              <a:t>2015/9/7</a:t>
             </a:fld>
             <a:endParaRPr lang="zh-TW" altLang="en-US"/>
           </a:p>
@@ -4528,6 +4531,605 @@
 </p:sld>
 </file>
 
+<file path=ppt/slides/slide16.xml><?xml version="1.0" encoding="utf-8"?>
+<p:sld xmlns:a="http://schemas.openxmlformats.org/drawingml/2006/main" xmlns:r="http://schemas.openxmlformats.org/officeDocument/2006/relationships" xmlns:p="http://schemas.openxmlformats.org/presentationml/2006/main">
+  <p:cSld>
+    <p:spTree>
+      <p:nvGrpSpPr>
+        <p:cNvPr id="1" name=""/>
+        <p:cNvGrpSpPr/>
+        <p:nvPr/>
+      </p:nvGrpSpPr>
+      <p:grpSpPr>
+        <a:xfrm>
+          <a:off x="0" y="0"/>
+          <a:ext cx="0" cy="0"/>
+          <a:chOff x="0" y="0"/>
+          <a:chExt cx="0" cy="0"/>
+        </a:xfrm>
+      </p:grpSpPr>
+      <p:sp>
+        <p:nvSpPr>
+          <p:cNvPr id="3" name="標題 2"/>
+          <p:cNvSpPr>
+            <a:spLocks noGrp="1"/>
+          </p:cNvSpPr>
+          <p:nvPr>
+            <p:ph type="ctrTitle"/>
+          </p:nvPr>
+        </p:nvSpPr>
+        <p:spPr/>
+        <p:txBody>
+          <a:bodyPr/>
+          <a:lstStyle/>
+          <a:p>
+            <a:r>
+              <a:rPr lang="en-US" altLang="zh-TW" dirty="0"/>
+              <a:t>Statistics Server </a:t>
+            </a:r>
+            <a:r>
+              <a:rPr lang="en-US" altLang="zh-TW" dirty="0" smtClean="0"/>
+              <a:t>of </a:t>
+            </a:r>
+            <a:br>
+              <a:rPr lang="en-US" altLang="zh-TW" dirty="0" smtClean="0"/>
+            </a:br>
+            <a:r>
+              <a:rPr lang="en-US" altLang="zh-TW" dirty="0" smtClean="0"/>
+              <a:t>Game Action Prediction</a:t>
+            </a:r>
+            <a:endParaRPr lang="zh-TW" altLang="en-US" dirty="0"/>
+          </a:p>
+        </p:txBody>
+      </p:sp>
+      <p:sp>
+        <p:nvSpPr>
+          <p:cNvPr id="4" name="副標題 3"/>
+          <p:cNvSpPr>
+            <a:spLocks noGrp="1"/>
+          </p:cNvSpPr>
+          <p:nvPr>
+            <p:ph type="subTitle" idx="1"/>
+          </p:nvPr>
+        </p:nvSpPr>
+        <p:spPr/>
+        <p:txBody>
+          <a:bodyPr/>
+          <a:lstStyle/>
+          <a:p>
+            <a:endParaRPr lang="zh-TW" altLang="en-US"/>
+          </a:p>
+        </p:txBody>
+      </p:sp>
+    </p:spTree>
+    <p:extLst>
+      <p:ext uri="{BB962C8B-B14F-4D97-AF65-F5344CB8AC3E}">
+        <p14:creationId xmlns:p14="http://schemas.microsoft.com/office/powerpoint/2010/main" val="2036445613"/>
+      </p:ext>
+    </p:extLst>
+  </p:cSld>
+  <p:clrMapOvr>
+    <a:masterClrMapping/>
+  </p:clrMapOvr>
+</p:sld>
+</file>
+
+<file path=ppt/slides/slide17.xml><?xml version="1.0" encoding="utf-8"?>
+<p:sld xmlns:a="http://schemas.openxmlformats.org/drawingml/2006/main" xmlns:r="http://schemas.openxmlformats.org/officeDocument/2006/relationships" xmlns:p="http://schemas.openxmlformats.org/presentationml/2006/main">
+  <p:cSld>
+    <p:spTree>
+      <p:nvGrpSpPr>
+        <p:cNvPr id="1" name=""/>
+        <p:cNvGrpSpPr/>
+        <p:nvPr/>
+      </p:nvGrpSpPr>
+      <p:grpSpPr>
+        <a:xfrm>
+          <a:off x="0" y="0"/>
+          <a:ext cx="0" cy="0"/>
+          <a:chOff x="0" y="0"/>
+          <a:chExt cx="0" cy="0"/>
+        </a:xfrm>
+      </p:grpSpPr>
+      <p:sp>
+        <p:nvSpPr>
+          <p:cNvPr id="2" name="標題 1"/>
+          <p:cNvSpPr>
+            <a:spLocks noGrp="1"/>
+          </p:cNvSpPr>
+          <p:nvPr>
+            <p:ph type="title"/>
+          </p:nvPr>
+        </p:nvSpPr>
+        <p:spPr/>
+        <p:txBody>
+          <a:bodyPr/>
+          <a:lstStyle/>
+          <a:p>
+            <a:r>
+              <a:rPr lang="en-US" altLang="zh-TW" dirty="0" smtClean="0"/>
+              <a:t>Prototype</a:t>
+            </a:r>
+            <a:endParaRPr lang="zh-TW" altLang="en-US" dirty="0"/>
+          </a:p>
+        </p:txBody>
+      </p:sp>
+      <p:sp>
+        <p:nvSpPr>
+          <p:cNvPr id="4" name="矩形 3"/>
+          <p:cNvSpPr/>
+          <p:nvPr/>
+        </p:nvSpPr>
+        <p:spPr>
+          <a:xfrm>
+            <a:off x="810195" y="1592077"/>
+            <a:ext cx="3908612" cy="2728911"/>
+          </a:xfrm>
+          <a:prstGeom prst="rect">
+            <a:avLst/>
+          </a:prstGeom>
+          <a:solidFill>
+            <a:schemeClr val="bg1"/>
+          </a:solidFill>
+        </p:spPr>
+        <p:style>
+          <a:lnRef idx="2">
+            <a:schemeClr val="accent1">
+              <a:shade val="50000"/>
+            </a:schemeClr>
+          </a:lnRef>
+          <a:fillRef idx="1">
+            <a:schemeClr val="accent1"/>
+          </a:fillRef>
+          <a:effectRef idx="0">
+            <a:schemeClr val="accent1"/>
+          </a:effectRef>
+          <a:fontRef idx="minor">
+            <a:schemeClr val="lt1"/>
+          </a:fontRef>
+        </p:style>
+        <p:txBody>
+          <a:bodyPr rtlCol="0" anchor="ctr"/>
+          <a:lstStyle/>
+          <a:p>
+            <a:pPr algn="ctr"/>
+            <a:endParaRPr lang="zh-TW" altLang="en-US" dirty="0"/>
+          </a:p>
+        </p:txBody>
+      </p:sp>
+      <p:grpSp>
+        <p:nvGrpSpPr>
+          <p:cNvPr id="8" name="群組 7"/>
+          <p:cNvGrpSpPr/>
+          <p:nvPr/>
+        </p:nvGrpSpPr>
+        <p:grpSpPr>
+          <a:xfrm>
+            <a:off x="1015578" y="1927343"/>
+            <a:ext cx="3497846" cy="718997"/>
+            <a:chOff x="3931440" y="3055144"/>
+            <a:chExt cx="3497846" cy="718997"/>
+          </a:xfrm>
+        </p:grpSpPr>
+        <p:sp>
+          <p:nvSpPr>
+            <p:cNvPr id="5" name="文字方塊 4"/>
+            <p:cNvSpPr txBox="1"/>
+            <p:nvPr/>
+          </p:nvSpPr>
+          <p:spPr>
+            <a:xfrm>
+              <a:off x="6266788" y="3055144"/>
+              <a:ext cx="1162498" cy="707886"/>
+            </a:xfrm>
+            <a:prstGeom prst="rect">
+              <a:avLst/>
+            </a:prstGeom>
+            <a:noFill/>
+          </p:spPr>
+          <p:txBody>
+            <a:bodyPr wrap="none" rtlCol="0">
+              <a:spAutoFit/>
+            </a:bodyPr>
+            <a:lstStyle/>
+            <a:p>
+              <a:r>
+                <a:rPr lang="en-US" altLang="zh-TW" sz="4000" dirty="0" smtClean="0"/>
+                <a:t>/100</a:t>
+              </a:r>
+              <a:endParaRPr lang="zh-TW" altLang="en-US" sz="4000" dirty="0"/>
+            </a:p>
+          </p:txBody>
+        </p:sp>
+        <p:sp>
+          <p:nvSpPr>
+            <p:cNvPr id="6" name="矩形 5"/>
+            <p:cNvSpPr/>
+            <p:nvPr/>
+          </p:nvSpPr>
+          <p:spPr>
+            <a:xfrm>
+              <a:off x="5208952" y="3055144"/>
+              <a:ext cx="1057836" cy="718997"/>
+            </a:xfrm>
+            <a:prstGeom prst="rect">
+              <a:avLst/>
+            </a:prstGeom>
+            <a:solidFill>
+              <a:schemeClr val="bg1"/>
+            </a:solidFill>
+          </p:spPr>
+          <p:style>
+            <a:lnRef idx="2">
+              <a:schemeClr val="accent1">
+                <a:shade val="50000"/>
+              </a:schemeClr>
+            </a:lnRef>
+            <a:fillRef idx="1">
+              <a:schemeClr val="accent1"/>
+            </a:fillRef>
+            <a:effectRef idx="0">
+              <a:schemeClr val="accent1"/>
+            </a:effectRef>
+            <a:fontRef idx="minor">
+              <a:schemeClr val="lt1"/>
+            </a:fontRef>
+          </p:style>
+          <p:txBody>
+            <a:bodyPr rtlCol="0" anchor="ctr"/>
+            <a:lstStyle/>
+            <a:p>
+              <a:pPr algn="ctr"/>
+              <a:endParaRPr lang="zh-TW" altLang="en-US"/>
+            </a:p>
+          </p:txBody>
+        </p:sp>
+        <p:sp>
+          <p:nvSpPr>
+            <p:cNvPr id="7" name="文字方塊 6"/>
+            <p:cNvSpPr txBox="1"/>
+            <p:nvPr/>
+          </p:nvSpPr>
+          <p:spPr>
+            <a:xfrm>
+              <a:off x="3931440" y="3055144"/>
+              <a:ext cx="1281120" cy="707886"/>
+            </a:xfrm>
+            <a:prstGeom prst="rect">
+              <a:avLst/>
+            </a:prstGeom>
+            <a:noFill/>
+          </p:spPr>
+          <p:txBody>
+            <a:bodyPr wrap="none" rtlCol="0">
+              <a:spAutoFit/>
+            </a:bodyPr>
+            <a:lstStyle/>
+            <a:p>
+              <a:r>
+                <a:rPr lang="en-US" altLang="zh-TW" sz="4000" dirty="0" smtClean="0"/>
+                <a:t>Win: </a:t>
+              </a:r>
+              <a:endParaRPr lang="zh-TW" altLang="en-US" sz="4000" dirty="0"/>
+            </a:p>
+          </p:txBody>
+        </p:sp>
+      </p:grpSp>
+      <p:sp>
+        <p:nvSpPr>
+          <p:cNvPr id="9" name="圓角矩形 8"/>
+          <p:cNvSpPr/>
+          <p:nvPr/>
+        </p:nvSpPr>
+        <p:spPr>
+          <a:xfrm>
+            <a:off x="1739153" y="3154306"/>
+            <a:ext cx="2339788" cy="636494"/>
+          </a:xfrm>
+          <a:prstGeom prst="roundRect">
+            <a:avLst/>
+          </a:prstGeom>
+        </p:spPr>
+        <p:style>
+          <a:lnRef idx="2">
+            <a:schemeClr val="accent1">
+              <a:shade val="50000"/>
+            </a:schemeClr>
+          </a:lnRef>
+          <a:fillRef idx="1">
+            <a:schemeClr val="accent1"/>
+          </a:fillRef>
+          <a:effectRef idx="0">
+            <a:schemeClr val="accent1"/>
+          </a:effectRef>
+          <a:fontRef idx="minor">
+            <a:schemeClr val="lt1"/>
+          </a:fontRef>
+        </p:style>
+        <p:txBody>
+          <a:bodyPr rtlCol="0" anchor="ctr"/>
+          <a:lstStyle/>
+          <a:p>
+            <a:pPr algn="ctr"/>
+            <a:r>
+              <a:rPr lang="en-US" altLang="zh-TW" sz="3200" dirty="0" smtClean="0"/>
+              <a:t>Submit</a:t>
+            </a:r>
+            <a:endParaRPr lang="zh-TW" altLang="en-US" sz="3200" dirty="0"/>
+          </a:p>
+        </p:txBody>
+      </p:sp>
+      <p:sp>
+        <p:nvSpPr>
+          <p:cNvPr id="10" name="圓角矩形 9"/>
+          <p:cNvSpPr/>
+          <p:nvPr/>
+        </p:nvSpPr>
+        <p:spPr>
+          <a:xfrm>
+            <a:off x="5334000" y="1592077"/>
+            <a:ext cx="3550024" cy="3114394"/>
+          </a:xfrm>
+          <a:prstGeom prst="roundRect">
+            <a:avLst/>
+          </a:prstGeom>
+          <a:solidFill>
+            <a:srgbClr val="FFFF00"/>
+          </a:solidFill>
+        </p:spPr>
+        <p:style>
+          <a:lnRef idx="2">
+            <a:schemeClr val="accent1">
+              <a:shade val="50000"/>
+            </a:schemeClr>
+          </a:lnRef>
+          <a:fillRef idx="1">
+            <a:schemeClr val="accent1"/>
+          </a:fillRef>
+          <a:effectRef idx="0">
+            <a:schemeClr val="accent1"/>
+          </a:effectRef>
+          <a:fontRef idx="minor">
+            <a:schemeClr val="lt1"/>
+          </a:fontRef>
+        </p:style>
+        <p:txBody>
+          <a:bodyPr rtlCol="0" anchor="ctr"/>
+          <a:lstStyle/>
+          <a:p>
+            <a:pPr algn="ctr"/>
+            <a:endParaRPr lang="zh-TW" altLang="en-US"/>
+          </a:p>
+        </p:txBody>
+      </p:sp>
+      <p:sp>
+        <p:nvSpPr>
+          <p:cNvPr id="11" name="文字方塊 10"/>
+          <p:cNvSpPr txBox="1"/>
+          <p:nvPr/>
+        </p:nvSpPr>
+        <p:spPr>
+          <a:xfrm>
+            <a:off x="5414682" y="1111622"/>
+            <a:ext cx="785664" cy="369332"/>
+          </a:xfrm>
+          <a:prstGeom prst="rect">
+            <a:avLst/>
+          </a:prstGeom>
+          <a:noFill/>
+        </p:spPr>
+        <p:txBody>
+          <a:bodyPr wrap="none" rtlCol="0">
+            <a:spAutoFit/>
+          </a:bodyPr>
+          <a:lstStyle/>
+          <a:p>
+            <a:r>
+              <a:rPr lang="en-US" altLang="zh-TW" dirty="0" smtClean="0"/>
+              <a:t>Server</a:t>
+            </a:r>
+            <a:endParaRPr lang="zh-TW" altLang="en-US" dirty="0"/>
+          </a:p>
+        </p:txBody>
+      </p:sp>
+      <p:cxnSp>
+        <p:nvCxnSpPr>
+          <p:cNvPr id="13" name="直線單箭頭接點 12"/>
+          <p:cNvCxnSpPr/>
+          <p:nvPr/>
+        </p:nvCxnSpPr>
+        <p:spPr>
+          <a:xfrm>
+            <a:off x="6200346" y="4168588"/>
+            <a:ext cx="0" cy="1165412"/>
+          </a:xfrm>
+          <a:prstGeom prst="straightConnector1">
+            <a:avLst/>
+          </a:prstGeom>
+          <a:ln>
+            <a:tailEnd type="triangle"/>
+          </a:ln>
+        </p:spPr>
+        <p:style>
+          <a:lnRef idx="1">
+            <a:schemeClr val="accent1"/>
+          </a:lnRef>
+          <a:fillRef idx="0">
+            <a:schemeClr val="accent1"/>
+          </a:fillRef>
+          <a:effectRef idx="0">
+            <a:schemeClr val="accent1"/>
+          </a:effectRef>
+          <a:fontRef idx="minor">
+            <a:schemeClr val="tx1"/>
+          </a:fontRef>
+        </p:style>
+      </p:cxnSp>
+      <p:sp>
+        <p:nvSpPr>
+          <p:cNvPr id="14" name="文字方塊 13"/>
+          <p:cNvSpPr txBox="1"/>
+          <p:nvPr/>
+        </p:nvSpPr>
+        <p:spPr>
+          <a:xfrm>
+            <a:off x="6248397" y="4787153"/>
+            <a:ext cx="1329595" cy="369332"/>
+          </a:xfrm>
+          <a:prstGeom prst="rect">
+            <a:avLst/>
+          </a:prstGeom>
+          <a:noFill/>
+        </p:spPr>
+        <p:txBody>
+          <a:bodyPr wrap="none" rtlCol="0">
+            <a:spAutoFit/>
+          </a:bodyPr>
+          <a:lstStyle/>
+          <a:p>
+            <a:r>
+              <a:rPr lang="en-US" altLang="zh-TW" dirty="0" err="1" smtClean="0"/>
+              <a:t>localStorage</a:t>
+            </a:r>
+            <a:endParaRPr lang="zh-TW" altLang="en-US" dirty="0"/>
+          </a:p>
+        </p:txBody>
+      </p:sp>
+    </p:spTree>
+    <p:extLst>
+      <p:ext uri="{BB962C8B-B14F-4D97-AF65-F5344CB8AC3E}">
+        <p14:creationId xmlns:p14="http://schemas.microsoft.com/office/powerpoint/2010/main" val="56203802"/>
+      </p:ext>
+    </p:extLst>
+  </p:cSld>
+  <p:clrMapOvr>
+    <a:masterClrMapping/>
+  </p:clrMapOvr>
+</p:sld>
+</file>
+
+<file path=ppt/slides/slide18.xml><?xml version="1.0" encoding="utf-8"?>
+<p:sld xmlns:a="http://schemas.openxmlformats.org/drawingml/2006/main" xmlns:r="http://schemas.openxmlformats.org/officeDocument/2006/relationships" xmlns:p="http://schemas.openxmlformats.org/presentationml/2006/main">
+  <p:cSld>
+    <p:spTree>
+      <p:nvGrpSpPr>
+        <p:cNvPr id="1" name=""/>
+        <p:cNvGrpSpPr/>
+        <p:nvPr/>
+      </p:nvGrpSpPr>
+      <p:grpSpPr>
+        <a:xfrm>
+          <a:off x="0" y="0"/>
+          <a:ext cx="0" cy="0"/>
+          <a:chOff x="0" y="0"/>
+          <a:chExt cx="0" cy="0"/>
+        </a:xfrm>
+      </p:grpSpPr>
+      <p:sp>
+        <p:nvSpPr>
+          <p:cNvPr id="2" name="標題 1"/>
+          <p:cNvSpPr>
+            <a:spLocks noGrp="1"/>
+          </p:cNvSpPr>
+          <p:nvPr>
+            <p:ph type="title"/>
+          </p:nvPr>
+        </p:nvSpPr>
+        <p:spPr/>
+        <p:txBody>
+          <a:bodyPr/>
+          <a:lstStyle/>
+          <a:p>
+            <a:r>
+              <a:rPr lang="en-US" altLang="zh-TW" dirty="0" err="1" smtClean="0"/>
+              <a:t>LocalStorage</a:t>
+            </a:r>
+            <a:r>
+              <a:rPr lang="en-US" altLang="zh-TW" dirty="0" smtClean="0"/>
+              <a:t> in Node.js</a:t>
+            </a:r>
+            <a:endParaRPr lang="zh-TW" altLang="en-US" dirty="0"/>
+          </a:p>
+        </p:txBody>
+      </p:sp>
+      <p:sp>
+        <p:nvSpPr>
+          <p:cNvPr id="3" name="內容版面配置區 2"/>
+          <p:cNvSpPr>
+            <a:spLocks noGrp="1"/>
+          </p:cNvSpPr>
+          <p:nvPr>
+            <p:ph idx="1"/>
+          </p:nvPr>
+        </p:nvSpPr>
+        <p:spPr/>
+        <p:txBody>
+          <a:bodyPr/>
+          <a:lstStyle/>
+          <a:p>
+            <a:r>
+              <a:rPr lang="en-US" altLang="zh-TW" dirty="0" err="1" smtClean="0"/>
+              <a:t>localStorage</a:t>
+            </a:r>
+            <a:r>
+              <a:rPr lang="en-US" altLang="zh-TW" dirty="0" smtClean="0"/>
+              <a:t> (of HTML 5) is client-side API. Not available in servers. (</a:t>
+            </a:r>
+            <a:r>
+              <a:rPr lang="en-US" altLang="zh-TW" dirty="0" smtClean="0">
+                <a:hlinkClick r:id="rId2"/>
+              </a:rPr>
+              <a:t>ref</a:t>
+            </a:r>
+            <a:r>
+              <a:rPr lang="en-US" altLang="zh-TW" dirty="0" smtClean="0"/>
+              <a:t>)</a:t>
+            </a:r>
+          </a:p>
+          <a:p>
+            <a:r>
+              <a:rPr lang="en-US" altLang="zh-TW" dirty="0" err="1" smtClean="0"/>
+              <a:t>Npm</a:t>
+            </a:r>
+            <a:r>
+              <a:rPr lang="en-US" altLang="zh-TW" dirty="0" smtClean="0"/>
+              <a:t> has </a:t>
+            </a:r>
+            <a:r>
+              <a:rPr lang="en-US" altLang="zh-TW" dirty="0" err="1" smtClean="0"/>
+              <a:t>localStorage</a:t>
+            </a:r>
+            <a:r>
+              <a:rPr lang="en-US" altLang="zh-TW" dirty="0" smtClean="0"/>
+              <a:t> extension (</a:t>
+            </a:r>
+            <a:r>
+              <a:rPr lang="en-US" altLang="zh-TW" dirty="0" smtClean="0">
+                <a:hlinkClick r:id="rId3"/>
+              </a:rPr>
+              <a:t>reference</a:t>
+            </a:r>
+            <a:r>
+              <a:rPr lang="en-US" altLang="zh-TW" dirty="0" smtClean="0"/>
+              <a:t>)</a:t>
+            </a:r>
+            <a:endParaRPr lang="zh-TW" altLang="en-US" dirty="0"/>
+          </a:p>
+        </p:txBody>
+      </p:sp>
+    </p:spTree>
+    <p:extLst>
+      <p:ext uri="{BB962C8B-B14F-4D97-AF65-F5344CB8AC3E}">
+        <p14:creationId xmlns:p14="http://schemas.microsoft.com/office/powerpoint/2010/main" val="2262304319"/>
+      </p:ext>
+    </p:extLst>
+  </p:cSld>
+  <p:clrMapOvr>
+    <a:masterClrMapping/>
+  </p:clrMapOvr>
+</p:sld>
+</file>
+
 <file path=ppt/slides/slide2.xml><?xml version="1.0" encoding="utf-8"?>
 <p:sld xmlns:a="http://schemas.openxmlformats.org/drawingml/2006/main" xmlns:r="http://schemas.openxmlformats.org/officeDocument/2006/relationships" xmlns:p="http://schemas.openxmlformats.org/presentationml/2006/main">
   <p:cSld>

--- a/study.pptx
+++ b/study.pptx
@@ -6,23 +6,44 @@
   </p:sldMasterIdLst>
   <p:sldIdLst>
     <p:sldId id="256" r:id="rId2"/>
-    <p:sldId id="257" r:id="rId3"/>
-    <p:sldId id="273" r:id="rId4"/>
-    <p:sldId id="261" r:id="rId5"/>
-    <p:sldId id="258" r:id="rId6"/>
-    <p:sldId id="266" r:id="rId7"/>
-    <p:sldId id="262" r:id="rId8"/>
-    <p:sldId id="259" r:id="rId9"/>
-    <p:sldId id="267" r:id="rId10"/>
-    <p:sldId id="272" r:id="rId11"/>
-    <p:sldId id="265" r:id="rId12"/>
-    <p:sldId id="269" r:id="rId13"/>
-    <p:sldId id="270" r:id="rId14"/>
-    <p:sldId id="271" r:id="rId15"/>
-    <p:sldId id="274" r:id="rId16"/>
-    <p:sldId id="275" r:id="rId17"/>
-    <p:sldId id="276" r:id="rId18"/>
-    <p:sldId id="277" r:id="rId19"/>
+    <p:sldId id="278" r:id="rId3"/>
+    <p:sldId id="297" r:id="rId4"/>
+    <p:sldId id="273" r:id="rId5"/>
+    <p:sldId id="298" r:id="rId6"/>
+    <p:sldId id="283" r:id="rId7"/>
+    <p:sldId id="279" r:id="rId8"/>
+    <p:sldId id="280" r:id="rId9"/>
+    <p:sldId id="282" r:id="rId10"/>
+    <p:sldId id="266" r:id="rId11"/>
+    <p:sldId id="284" r:id="rId12"/>
+    <p:sldId id="285" r:id="rId13"/>
+    <p:sldId id="267" r:id="rId14"/>
+    <p:sldId id="272" r:id="rId15"/>
+    <p:sldId id="294" r:id="rId16"/>
+    <p:sldId id="295" r:id="rId17"/>
+    <p:sldId id="290" r:id="rId18"/>
+    <p:sldId id="291" r:id="rId19"/>
+    <p:sldId id="293" r:id="rId20"/>
+    <p:sldId id="287" r:id="rId21"/>
+    <p:sldId id="274" r:id="rId22"/>
+    <p:sldId id="288" r:id="rId23"/>
+    <p:sldId id="289" r:id="rId24"/>
+    <p:sldId id="302" r:id="rId25"/>
+    <p:sldId id="303" r:id="rId26"/>
+    <p:sldId id="305" r:id="rId27"/>
+    <p:sldId id="306" r:id="rId28"/>
+    <p:sldId id="275" r:id="rId29"/>
+    <p:sldId id="276" r:id="rId30"/>
+    <p:sldId id="277" r:id="rId31"/>
+    <p:sldId id="296" r:id="rId32"/>
+    <p:sldId id="259" r:id="rId33"/>
+    <p:sldId id="265" r:id="rId34"/>
+    <p:sldId id="258" r:id="rId35"/>
+    <p:sldId id="286" r:id="rId36"/>
+    <p:sldId id="299" r:id="rId37"/>
+    <p:sldId id="300" r:id="rId38"/>
+    <p:sldId id="301" r:id="rId39"/>
+    <p:sldId id="304" r:id="rId40"/>
   </p:sldIdLst>
   <p:sldSz cx="9144000" cy="6858000" type="screen4x3"/>
   <p:notesSz cx="7086600" cy="10223500"/>
@@ -260,7 +281,7 @@
           <a:p>
             <a:fld id="{7F9F86A8-B706-4BC7-85EA-36E329DE64A0}" type="datetimeFigureOut">
               <a:rPr lang="zh-TW" altLang="en-US" smtClean="0"/>
-              <a:t>2015/9/7</a:t>
+              <a:t>2015/9/13</a:t>
             </a:fld>
             <a:endParaRPr lang="zh-TW" altLang="en-US"/>
           </a:p>
@@ -430,7 +451,7 @@
           <a:p>
             <a:fld id="{7F9F86A8-B706-4BC7-85EA-36E329DE64A0}" type="datetimeFigureOut">
               <a:rPr lang="zh-TW" altLang="en-US" smtClean="0"/>
-              <a:t>2015/9/7</a:t>
+              <a:t>2015/9/13</a:t>
             </a:fld>
             <a:endParaRPr lang="zh-TW" altLang="en-US"/>
           </a:p>
@@ -610,7 +631,7 @@
           <a:p>
             <a:fld id="{7F9F86A8-B706-4BC7-85EA-36E329DE64A0}" type="datetimeFigureOut">
               <a:rPr lang="zh-TW" altLang="en-US" smtClean="0"/>
-              <a:t>2015/9/7</a:t>
+              <a:t>2015/9/13</a:t>
             </a:fld>
             <a:endParaRPr lang="zh-TW" altLang="en-US"/>
           </a:p>
@@ -780,7 +801,7 @@
           <a:p>
             <a:fld id="{7F9F86A8-B706-4BC7-85EA-36E329DE64A0}" type="datetimeFigureOut">
               <a:rPr lang="zh-TW" altLang="en-US" smtClean="0"/>
-              <a:t>2015/9/7</a:t>
+              <a:t>2015/9/13</a:t>
             </a:fld>
             <a:endParaRPr lang="zh-TW" altLang="en-US"/>
           </a:p>
@@ -1026,7 +1047,7 @@
           <a:p>
             <a:fld id="{7F9F86A8-B706-4BC7-85EA-36E329DE64A0}" type="datetimeFigureOut">
               <a:rPr lang="zh-TW" altLang="en-US" smtClean="0"/>
-              <a:t>2015/9/7</a:t>
+              <a:t>2015/9/13</a:t>
             </a:fld>
             <a:endParaRPr lang="zh-TW" altLang="en-US"/>
           </a:p>
@@ -1258,7 +1279,7 @@
           <a:p>
             <a:fld id="{7F9F86A8-B706-4BC7-85EA-36E329DE64A0}" type="datetimeFigureOut">
               <a:rPr lang="zh-TW" altLang="en-US" smtClean="0"/>
-              <a:t>2015/9/7</a:t>
+              <a:t>2015/9/13</a:t>
             </a:fld>
             <a:endParaRPr lang="zh-TW" altLang="en-US"/>
           </a:p>
@@ -1625,7 +1646,7 @@
           <a:p>
             <a:fld id="{7F9F86A8-B706-4BC7-85EA-36E329DE64A0}" type="datetimeFigureOut">
               <a:rPr lang="zh-TW" altLang="en-US" smtClean="0"/>
-              <a:t>2015/9/7</a:t>
+              <a:t>2015/9/13</a:t>
             </a:fld>
             <a:endParaRPr lang="zh-TW" altLang="en-US"/>
           </a:p>
@@ -1743,7 +1764,7 @@
           <a:p>
             <a:fld id="{7F9F86A8-B706-4BC7-85EA-36E329DE64A0}" type="datetimeFigureOut">
               <a:rPr lang="zh-TW" altLang="en-US" smtClean="0"/>
-              <a:t>2015/9/7</a:t>
+              <a:t>2015/9/13</a:t>
             </a:fld>
             <a:endParaRPr lang="zh-TW" altLang="en-US"/>
           </a:p>
@@ -1838,7 +1859,7 @@
           <a:p>
             <a:fld id="{7F9F86A8-B706-4BC7-85EA-36E329DE64A0}" type="datetimeFigureOut">
               <a:rPr lang="zh-TW" altLang="en-US" smtClean="0"/>
-              <a:t>2015/9/7</a:t>
+              <a:t>2015/9/13</a:t>
             </a:fld>
             <a:endParaRPr lang="zh-TW" altLang="en-US"/>
           </a:p>
@@ -2115,7 +2136,7 @@
           <a:p>
             <a:fld id="{7F9F86A8-B706-4BC7-85EA-36E329DE64A0}" type="datetimeFigureOut">
               <a:rPr lang="zh-TW" altLang="en-US" smtClean="0"/>
-              <a:t>2015/9/7</a:t>
+              <a:t>2015/9/13</a:t>
             </a:fld>
             <a:endParaRPr lang="zh-TW" altLang="en-US"/>
           </a:p>
@@ -2368,7 +2389,7 @@
           <a:p>
             <a:fld id="{7F9F86A8-B706-4BC7-85EA-36E329DE64A0}" type="datetimeFigureOut">
               <a:rPr lang="zh-TW" altLang="en-US" smtClean="0"/>
-              <a:t>2015/9/7</a:t>
+              <a:t>2015/9/13</a:t>
             </a:fld>
             <a:endParaRPr lang="zh-TW" altLang="en-US"/>
           </a:p>
@@ -2581,7 +2602,7 @@
           <a:p>
             <a:fld id="{7F9F86A8-B706-4BC7-85EA-36E329DE64A0}" type="datetimeFigureOut">
               <a:rPr lang="zh-TW" altLang="en-US" smtClean="0"/>
-              <a:t>2015/9/7</a:t>
+              <a:t>2015/9/13</a:t>
             </a:fld>
             <a:endParaRPr lang="zh-TW" altLang="en-US"/>
           </a:p>
@@ -3058,38 +3079,14 @@
           <a:chExt cx="0" cy="0"/>
         </a:xfrm>
       </p:grpSpPr>
-      <p:pic>
-        <p:nvPicPr>
-          <p:cNvPr id="2" name="圖片 1"/>
-          <p:cNvPicPr>
-            <a:picLocks noChangeAspect="1"/>
-          </p:cNvPicPr>
-          <p:nvPr/>
-        </p:nvPicPr>
-        <p:blipFill>
-          <a:blip r:embed="rId2"/>
-          <a:stretch>
-            <a:fillRect/>
-          </a:stretch>
-        </p:blipFill>
-        <p:spPr>
-          <a:xfrm>
-            <a:off x="728855" y="1377228"/>
-            <a:ext cx="5982535" cy="3353268"/>
-          </a:xfrm>
-          <a:prstGeom prst="rect">
-            <a:avLst/>
-          </a:prstGeom>
-        </p:spPr>
-      </p:pic>
-      <p:sp>
-        <p:nvSpPr>
-          <p:cNvPr id="3" name="標題 2"/>
+      <p:sp>
+        <p:nvSpPr>
+          <p:cNvPr id="2" name="標題 1"/>
           <p:cNvSpPr>
             <a:spLocks noGrp="1"/>
           </p:cNvSpPr>
           <p:nvPr>
-            <p:ph type="title"/>
+            <p:ph type="ctrTitle"/>
           </p:nvPr>
         </p:nvSpPr>
         <p:spPr/>
@@ -3099,7 +3096,7 @@
           <a:p>
             <a:r>
               <a:rPr lang="en-US" altLang="zh-TW" dirty="0" err="1" smtClean="0"/>
-              <a:t>Package.json</a:t>
+              <a:t>callShellWithServer</a:t>
             </a:r>
             <a:endParaRPr lang="zh-TW" altLang="en-US" dirty="0"/>
           </a:p>
@@ -3107,338 +3104,27 @@
       </p:sp>
       <p:sp>
         <p:nvSpPr>
-          <p:cNvPr id="4" name="圓角矩形 3"/>
-          <p:cNvSpPr/>
-          <p:nvPr/>
-        </p:nvSpPr>
-        <p:spPr>
-          <a:xfrm>
-            <a:off x="3779661" y="3882771"/>
-            <a:ext cx="1381125" cy="847725"/>
-          </a:xfrm>
-          <a:prstGeom prst="roundRect">
-            <a:avLst/>
-          </a:prstGeom>
-        </p:spPr>
-        <p:style>
-          <a:lnRef idx="2">
-            <a:schemeClr val="accent1">
-              <a:shade val="50000"/>
-            </a:schemeClr>
-          </a:lnRef>
-          <a:fillRef idx="1">
-            <a:schemeClr val="accent1"/>
-          </a:fillRef>
-          <a:effectRef idx="0">
-            <a:schemeClr val="accent1"/>
-          </a:effectRef>
-          <a:fontRef idx="minor">
-            <a:schemeClr val="lt1"/>
-          </a:fontRef>
-        </p:style>
-        <p:txBody>
-          <a:bodyPr rtlCol="0" anchor="ctr"/>
-          <a:lstStyle/>
-          <a:p>
-            <a:pPr algn="ctr"/>
-            <a:r>
-              <a:rPr lang="en-US" altLang="zh-TW" dirty="0" smtClean="0"/>
-              <a:t>Cube.html</a:t>
-            </a:r>
-            <a:endParaRPr lang="zh-TW" altLang="en-US" dirty="0"/>
-          </a:p>
-        </p:txBody>
-      </p:sp>
-      <p:grpSp>
-        <p:nvGrpSpPr>
-          <p:cNvPr id="12" name="群組 11"/>
-          <p:cNvGrpSpPr/>
-          <p:nvPr/>
-        </p:nvGrpSpPr>
-        <p:grpSpPr>
-          <a:xfrm>
-            <a:off x="5543550" y="3095625"/>
-            <a:ext cx="2657475" cy="3076575"/>
-            <a:chOff x="5543550" y="3095625"/>
-            <a:chExt cx="2657475" cy="3076575"/>
-          </a:xfrm>
-        </p:grpSpPr>
-        <p:grpSp>
-          <p:nvGrpSpPr>
-            <p:cNvPr id="8" name="群組 7"/>
-            <p:cNvGrpSpPr/>
-            <p:nvPr/>
-          </p:nvGrpSpPr>
-          <p:grpSpPr>
-            <a:xfrm>
-              <a:off x="5543550" y="3419475"/>
-              <a:ext cx="2657475" cy="2752725"/>
-              <a:chOff x="5543550" y="3419475"/>
-              <a:chExt cx="2657475" cy="2752725"/>
-            </a:xfrm>
-          </p:grpSpPr>
-          <p:sp>
-            <p:nvSpPr>
-              <p:cNvPr id="5" name="圓角矩形 4"/>
-              <p:cNvSpPr/>
-              <p:nvPr/>
-            </p:nvSpPr>
-            <p:spPr>
-              <a:xfrm>
-                <a:off x="5543550" y="3419475"/>
-                <a:ext cx="2657475" cy="2752725"/>
-              </a:xfrm>
-              <a:prstGeom prst="roundRect">
-                <a:avLst/>
-              </a:prstGeom>
-            </p:spPr>
-            <p:style>
-              <a:lnRef idx="2">
-                <a:schemeClr val="accent1">
-                  <a:shade val="50000"/>
-                </a:schemeClr>
-              </a:lnRef>
-              <a:fillRef idx="1">
-                <a:schemeClr val="accent1"/>
-              </a:fillRef>
-              <a:effectRef idx="0">
-                <a:schemeClr val="accent1"/>
-              </a:effectRef>
-              <a:fontRef idx="minor">
-                <a:schemeClr val="lt1"/>
-              </a:fontRef>
-            </p:style>
-            <p:txBody>
-              <a:bodyPr rtlCol="0" anchor="ctr"/>
-              <a:lstStyle/>
-              <a:p>
-                <a:pPr algn="ctr"/>
-                <a:endParaRPr lang="zh-TW" altLang="en-US" dirty="0"/>
-              </a:p>
-            </p:txBody>
-          </p:sp>
-          <p:sp>
-            <p:nvSpPr>
-              <p:cNvPr id="6" name="矩形 5"/>
-              <p:cNvSpPr/>
-              <p:nvPr/>
-            </p:nvSpPr>
-            <p:spPr>
-              <a:xfrm>
-                <a:off x="5543550" y="4000500"/>
-                <a:ext cx="828675" cy="590550"/>
-              </a:xfrm>
-              <a:prstGeom prst="rect">
-                <a:avLst/>
-              </a:prstGeom>
-              <a:solidFill>
-                <a:schemeClr val="bg1"/>
-              </a:solidFill>
-            </p:spPr>
-            <p:style>
-              <a:lnRef idx="2">
-                <a:schemeClr val="accent1">
-                  <a:shade val="50000"/>
-                </a:schemeClr>
-              </a:lnRef>
-              <a:fillRef idx="1">
-                <a:schemeClr val="accent1"/>
-              </a:fillRef>
-              <a:effectRef idx="0">
-                <a:schemeClr val="accent1"/>
-              </a:effectRef>
-              <a:fontRef idx="minor">
-                <a:schemeClr val="lt1"/>
-              </a:fontRef>
-            </p:style>
-            <p:txBody>
-              <a:bodyPr rtlCol="0" anchor="ctr"/>
-              <a:lstStyle/>
-              <a:p>
-                <a:pPr algn="ctr"/>
-                <a:r>
-                  <a:rPr lang="en-US" altLang="zh-TW" dirty="0" smtClean="0">
-                    <a:solidFill>
-                      <a:schemeClr val="tx1">
-                        <a:lumMod val="65000"/>
-                        <a:lumOff val="35000"/>
-                      </a:schemeClr>
-                    </a:solidFill>
-                  </a:rPr>
-                  <a:t>8080</a:t>
-                </a:r>
-                <a:endParaRPr lang="zh-TW" altLang="en-US" dirty="0">
-                  <a:solidFill>
-                    <a:schemeClr val="tx1">
-                      <a:lumMod val="65000"/>
-                      <a:lumOff val="35000"/>
-                    </a:schemeClr>
-                  </a:solidFill>
-                </a:endParaRPr>
-              </a:p>
-            </p:txBody>
-          </p:sp>
-          <p:sp>
-            <p:nvSpPr>
-              <p:cNvPr id="7" name="矩形 6"/>
-              <p:cNvSpPr/>
-              <p:nvPr/>
-            </p:nvSpPr>
-            <p:spPr>
-              <a:xfrm>
-                <a:off x="5543550" y="5114925"/>
-                <a:ext cx="828675" cy="590550"/>
-              </a:xfrm>
-              <a:prstGeom prst="rect">
-                <a:avLst/>
-              </a:prstGeom>
-              <a:solidFill>
-                <a:schemeClr val="bg1"/>
-              </a:solidFill>
-            </p:spPr>
-            <p:style>
-              <a:lnRef idx="2">
-                <a:schemeClr val="accent1">
-                  <a:shade val="50000"/>
-                </a:schemeClr>
-              </a:lnRef>
-              <a:fillRef idx="1">
-                <a:schemeClr val="accent1"/>
-              </a:fillRef>
-              <a:effectRef idx="0">
-                <a:schemeClr val="accent1"/>
-              </a:effectRef>
-              <a:fontRef idx="minor">
-                <a:schemeClr val="lt1"/>
-              </a:fontRef>
-            </p:style>
-            <p:txBody>
-              <a:bodyPr rtlCol="0" anchor="ctr"/>
-              <a:lstStyle/>
-              <a:p>
-                <a:pPr algn="ctr"/>
-                <a:r>
-                  <a:rPr lang="en-US" altLang="zh-TW" dirty="0" smtClean="0">
-                    <a:solidFill>
-                      <a:schemeClr val="tx1">
-                        <a:lumMod val="65000"/>
-                        <a:lumOff val="35000"/>
-                      </a:schemeClr>
-                    </a:solidFill>
-                  </a:rPr>
-                  <a:t>1337</a:t>
-                </a:r>
-                <a:endParaRPr lang="zh-TW" altLang="en-US" dirty="0">
-                  <a:solidFill>
-                    <a:schemeClr val="tx1">
-                      <a:lumMod val="65000"/>
-                      <a:lumOff val="35000"/>
-                    </a:schemeClr>
-                  </a:solidFill>
-                </a:endParaRPr>
-              </a:p>
-            </p:txBody>
-          </p:sp>
-        </p:grpSp>
-        <p:sp>
-          <p:nvSpPr>
-            <p:cNvPr id="11" name="文字方塊 10"/>
-            <p:cNvSpPr txBox="1"/>
-            <p:nvPr/>
-          </p:nvSpPr>
-          <p:spPr>
-            <a:xfrm>
-              <a:off x="6286500" y="3095625"/>
-              <a:ext cx="1059906" cy="369332"/>
-            </a:xfrm>
-            <a:prstGeom prst="rect">
-              <a:avLst/>
-            </a:prstGeom>
-            <a:noFill/>
-          </p:spPr>
-          <p:txBody>
-            <a:bodyPr wrap="none" rtlCol="0">
-              <a:spAutoFit/>
-            </a:bodyPr>
-            <a:lstStyle/>
-            <a:p>
-              <a:r>
-                <a:rPr lang="en-US" altLang="zh-TW" dirty="0" smtClean="0"/>
-                <a:t>127.0.0.1</a:t>
-              </a:r>
-              <a:endParaRPr lang="zh-TW" altLang="en-US" dirty="0"/>
-            </a:p>
-          </p:txBody>
-        </p:sp>
-      </p:grpSp>
-      <p:sp>
-        <p:nvSpPr>
-          <p:cNvPr id="13" name="文字方塊 12"/>
-          <p:cNvSpPr txBox="1"/>
-          <p:nvPr/>
-        </p:nvSpPr>
-        <p:spPr>
-          <a:xfrm>
-            <a:off x="6381044" y="4107727"/>
-            <a:ext cx="1232325" cy="369332"/>
-          </a:xfrm>
-          <a:prstGeom prst="rect">
-            <a:avLst/>
-          </a:prstGeom>
-          <a:noFill/>
-        </p:spPr>
-        <p:txBody>
-          <a:bodyPr wrap="none" rtlCol="0">
-            <a:spAutoFit/>
-          </a:bodyPr>
-          <a:lstStyle/>
-          <a:p>
-            <a:r>
-              <a:rPr lang="en-US" altLang="zh-TW" dirty="0" smtClean="0"/>
-              <a:t>http-server</a:t>
-            </a:r>
-            <a:endParaRPr lang="zh-TW" altLang="en-US" dirty="0"/>
-          </a:p>
-        </p:txBody>
-      </p:sp>
-      <p:cxnSp>
-        <p:nvCxnSpPr>
-          <p:cNvPr id="16" name="直線單箭頭接點 15"/>
-          <p:cNvCxnSpPr/>
-          <p:nvPr/>
-        </p:nvCxnSpPr>
-        <p:spPr>
-          <a:xfrm>
-            <a:off x="5171440" y="4292393"/>
-            <a:ext cx="386080" cy="0"/>
-          </a:xfrm>
-          <a:prstGeom prst="straightConnector1">
-            <a:avLst/>
-          </a:prstGeom>
-          <a:ln>
-            <a:headEnd type="triangle"/>
-            <a:tailEnd type="triangle"/>
-          </a:ln>
-        </p:spPr>
-        <p:style>
-          <a:lnRef idx="1">
-            <a:schemeClr val="accent1"/>
-          </a:lnRef>
-          <a:fillRef idx="0">
-            <a:schemeClr val="accent1"/>
-          </a:fillRef>
-          <a:effectRef idx="0">
-            <a:schemeClr val="accent1"/>
-          </a:effectRef>
-          <a:fontRef idx="minor">
-            <a:schemeClr val="tx1"/>
-          </a:fontRef>
-        </p:style>
-      </p:cxnSp>
+          <p:cNvPr id="3" name="副標題 2"/>
+          <p:cNvSpPr>
+            <a:spLocks noGrp="1"/>
+          </p:cNvSpPr>
+          <p:nvPr>
+            <p:ph type="subTitle" idx="1"/>
+          </p:nvPr>
+        </p:nvSpPr>
+        <p:spPr/>
+        <p:txBody>
+          <a:bodyPr/>
+          <a:lstStyle/>
+          <a:p>
+            <a:endParaRPr lang="zh-TW" altLang="en-US"/>
+          </a:p>
+        </p:txBody>
+      </p:sp>
     </p:spTree>
     <p:extLst>
       <p:ext uri="{BB962C8B-B14F-4D97-AF65-F5344CB8AC3E}">
-        <p14:creationId xmlns:p14="http://schemas.microsoft.com/office/powerpoint/2010/main" val="1253353672"/>
+        <p14:creationId xmlns:p14="http://schemas.microsoft.com/office/powerpoint/2010/main" val="2241814184"/>
       </p:ext>
     </p:extLst>
   </p:cSld>
@@ -3465,47 +3151,75 @@
           <a:chExt cx="0" cy="0"/>
         </a:xfrm>
       </p:grpSpPr>
-      <p:pic>
-        <p:nvPicPr>
-          <p:cNvPr id="4" name="圖片 3"/>
-          <p:cNvPicPr>
-            <a:picLocks noChangeAspect="1"/>
-          </p:cNvPicPr>
-          <p:nvPr/>
-        </p:nvPicPr>
-        <p:blipFill>
-          <a:blip r:embed="rId2"/>
-          <a:stretch>
-            <a:fillRect/>
-          </a:stretch>
-        </p:blipFill>
-        <p:spPr>
-          <a:xfrm>
-            <a:off x="146542" y="41417"/>
-            <a:ext cx="3046553" cy="3186415"/>
-          </a:xfrm>
-          <a:prstGeom prst="rect">
-            <a:avLst/>
-          </a:prstGeom>
-        </p:spPr>
-      </p:pic>
+      <p:sp>
+        <p:nvSpPr>
+          <p:cNvPr id="2" name="標題 1"/>
+          <p:cNvSpPr>
+            <a:spLocks noGrp="1"/>
+          </p:cNvSpPr>
+          <p:nvPr>
+            <p:ph type="title"/>
+          </p:nvPr>
+        </p:nvSpPr>
+        <p:spPr/>
+        <p:txBody>
+          <a:bodyPr/>
+          <a:lstStyle/>
+          <a:p>
+            <a:pPr algn="r"/>
+            <a:r>
+              <a:rPr lang="en-US" altLang="zh-TW" dirty="0"/>
+              <a:t>m</a:t>
+            </a:r>
+            <a:r>
+              <a:rPr lang="en-US" altLang="zh-TW" dirty="0" smtClean="0"/>
+              <a:t>ain.js</a:t>
+            </a:r>
+            <a:endParaRPr lang="zh-TW" altLang="en-US" dirty="0"/>
+          </a:p>
+        </p:txBody>
+      </p:sp>
       <p:grpSp>
         <p:nvGrpSpPr>
-          <p:cNvPr id="7" name="群組 6"/>
+          <p:cNvPr id="5" name="群組 4"/>
           <p:cNvGrpSpPr/>
           <p:nvPr/>
         </p:nvGrpSpPr>
         <p:grpSpPr>
           <a:xfrm>
-            <a:off x="3193095" y="41417"/>
-            <a:ext cx="6416340" cy="5881975"/>
-            <a:chOff x="3193095" y="457200"/>
-            <a:chExt cx="6416340" cy="5881975"/>
+            <a:off x="147637" y="89646"/>
+            <a:ext cx="6378669" cy="6642848"/>
+            <a:chOff x="291072" y="-485872"/>
+            <a:chExt cx="6715125" cy="7343872"/>
           </a:xfrm>
         </p:grpSpPr>
         <p:pic>
           <p:nvPicPr>
-            <p:cNvPr id="2" name="圖片 1"/>
+            <p:cNvPr id="3" name="圖片 2"/>
+            <p:cNvPicPr>
+              <a:picLocks noChangeAspect="1"/>
+            </p:cNvPicPr>
+            <p:nvPr/>
+          </p:nvPicPr>
+          <p:blipFill>
+            <a:blip r:embed="rId2"/>
+            <a:stretch>
+              <a:fillRect/>
+            </a:stretch>
+          </p:blipFill>
+          <p:spPr>
+            <a:xfrm>
+              <a:off x="291072" y="725021"/>
+              <a:ext cx="6715125" cy="6132979"/>
+            </a:xfrm>
+            <a:prstGeom prst="rect">
+              <a:avLst/>
+            </a:prstGeom>
+          </p:spPr>
+        </p:pic>
+        <p:pic>
+          <p:nvPicPr>
+            <p:cNvPr id="4" name="圖片 3"/>
             <p:cNvPicPr>
               <a:picLocks noChangeAspect="1"/>
             </p:cNvPicPr>
@@ -3519,32 +3233,8 @@
           </p:blipFill>
           <p:spPr>
             <a:xfrm>
-              <a:off x="3193095" y="2535716"/>
-              <a:ext cx="6416340" cy="3803459"/>
-            </a:xfrm>
-            <a:prstGeom prst="rect">
-              <a:avLst/>
-            </a:prstGeom>
-          </p:spPr>
-        </p:pic>
-        <p:pic>
-          <p:nvPicPr>
-            <p:cNvPr id="5" name="圖片 4"/>
-            <p:cNvPicPr>
-              <a:picLocks noChangeAspect="1"/>
-            </p:cNvPicPr>
-            <p:nvPr/>
-          </p:nvPicPr>
-          <p:blipFill>
-            <a:blip r:embed="rId4"/>
-            <a:stretch>
-              <a:fillRect/>
-            </a:stretch>
-          </p:blipFill>
-          <p:spPr>
-            <a:xfrm>
-              <a:off x="3193095" y="457200"/>
-              <a:ext cx="6416340" cy="2576356"/>
+              <a:off x="291072" y="-485872"/>
+              <a:ext cx="2676899" cy="1210893"/>
             </a:xfrm>
             <a:prstGeom prst="rect">
               <a:avLst/>
@@ -3552,94 +3242,118 @@
           </p:spPr>
         </p:pic>
       </p:grpSp>
-      <p:grpSp>
-        <p:nvGrpSpPr>
-          <p:cNvPr id="10" name="群組 9"/>
-          <p:cNvGrpSpPr/>
-          <p:nvPr/>
-        </p:nvGrpSpPr>
-        <p:grpSpPr>
-          <a:xfrm>
-            <a:off x="10625" y="4458542"/>
-            <a:ext cx="4455938" cy="2399458"/>
-            <a:chOff x="146542" y="3981022"/>
-            <a:chExt cx="4455938" cy="2399458"/>
-          </a:xfrm>
-          <a:solidFill>
-            <a:srgbClr val="FFFFC9"/>
-          </a:solidFill>
-        </p:grpSpPr>
-        <p:sp>
-          <p:nvSpPr>
-            <p:cNvPr id="9" name="圓角矩形 8"/>
-            <p:cNvSpPr/>
-            <p:nvPr/>
-          </p:nvSpPr>
-          <p:spPr>
-            <a:xfrm>
-              <a:off x="146542" y="3981022"/>
-              <a:ext cx="4455938" cy="2399458"/>
-            </a:xfrm>
-            <a:prstGeom prst="roundRect">
-              <a:avLst/>
-            </a:prstGeom>
-            <a:grpFill/>
-          </p:spPr>
-          <p:style>
-            <a:lnRef idx="2">
-              <a:schemeClr val="accent1">
-                <a:shade val="50000"/>
-              </a:schemeClr>
-            </a:lnRef>
-            <a:fillRef idx="1">
-              <a:schemeClr val="accent1"/>
-            </a:fillRef>
-            <a:effectRef idx="0">
-              <a:schemeClr val="accent1"/>
-            </a:effectRef>
-            <a:fontRef idx="minor">
-              <a:schemeClr val="lt1"/>
-            </a:fontRef>
-          </p:style>
-          <p:txBody>
-            <a:bodyPr rtlCol="0" anchor="ctr"/>
-            <a:lstStyle/>
-            <a:p>
-              <a:pPr algn="ctr"/>
-              <a:endParaRPr lang="zh-TW" altLang="en-US"/>
-            </a:p>
-          </p:txBody>
-        </p:sp>
-        <p:pic>
-          <p:nvPicPr>
-            <p:cNvPr id="8" name="圖片 7"/>
-            <p:cNvPicPr>
-              <a:picLocks noChangeAspect="1"/>
-            </p:cNvPicPr>
-            <p:nvPr/>
-          </p:nvPicPr>
-          <p:blipFill>
-            <a:blip r:embed="rId5"/>
-            <a:stretch>
-              <a:fillRect/>
-            </a:stretch>
-          </p:blipFill>
-          <p:spPr>
-            <a:xfrm>
-              <a:off x="315277" y="4134167"/>
-              <a:ext cx="4124325" cy="2105025"/>
-            </a:xfrm>
-            <a:prstGeom prst="rect">
-              <a:avLst/>
-            </a:prstGeom>
-            <a:grpFill/>
-          </p:spPr>
-        </p:pic>
-      </p:grpSp>
+      <p:sp>
+        <p:nvSpPr>
+          <p:cNvPr id="6" name="文字方塊 5"/>
+          <p:cNvSpPr txBox="1"/>
+          <p:nvPr/>
+        </p:nvSpPr>
+        <p:spPr>
+          <a:xfrm>
+            <a:off x="5507279" y="1997978"/>
+            <a:ext cx="744756" cy="369332"/>
+          </a:xfrm>
+          <a:prstGeom prst="rect">
+            <a:avLst/>
+          </a:prstGeom>
+          <a:noFill/>
+        </p:spPr>
+        <p:txBody>
+          <a:bodyPr wrap="none" rtlCol="0">
+            <a:spAutoFit/>
+          </a:bodyPr>
+          <a:lstStyle/>
+          <a:p>
+            <a:r>
+              <a:rPr lang="en-US" altLang="zh-TW" dirty="0" smtClean="0">
+                <a:solidFill>
+                  <a:srgbClr val="FF0000"/>
+                </a:solidFill>
+              </a:rPr>
+              <a:t>“/</a:t>
+            </a:r>
+            <a:r>
+              <a:rPr lang="en-US" altLang="zh-TW" dirty="0" err="1" smtClean="0">
+                <a:solidFill>
+                  <a:srgbClr val="FF0000"/>
+                </a:solidFill>
+              </a:rPr>
+              <a:t>api</a:t>
+            </a:r>
+            <a:r>
+              <a:rPr lang="en-US" altLang="zh-TW" dirty="0" smtClean="0">
+                <a:solidFill>
+                  <a:srgbClr val="FF0000"/>
+                </a:solidFill>
+              </a:rPr>
+              <a:t>”</a:t>
+            </a:r>
+            <a:endParaRPr lang="zh-TW" altLang="en-US" dirty="0">
+              <a:solidFill>
+                <a:srgbClr val="FF0000"/>
+              </a:solidFill>
+            </a:endParaRPr>
+          </a:p>
+        </p:txBody>
+      </p:sp>
+      <p:sp>
+        <p:nvSpPr>
+          <p:cNvPr id="7" name="文字方塊 6"/>
+          <p:cNvSpPr txBox="1"/>
+          <p:nvPr/>
+        </p:nvSpPr>
+        <p:spPr>
+          <a:xfrm>
+            <a:off x="5507279" y="2416662"/>
+            <a:ext cx="1067985" cy="369332"/>
+          </a:xfrm>
+          <a:prstGeom prst="rect">
+            <a:avLst/>
+          </a:prstGeom>
+          <a:noFill/>
+        </p:spPr>
+        <p:txBody>
+          <a:bodyPr wrap="none" rtlCol="0">
+            <a:spAutoFit/>
+          </a:bodyPr>
+          <a:lstStyle/>
+          <a:p>
+            <a:r>
+              <a:rPr lang="en-US" altLang="zh-TW" dirty="0" smtClean="0">
+                <a:solidFill>
+                  <a:srgbClr val="FF0000"/>
+                </a:solidFill>
+              </a:rPr>
+              <a:t>{ </a:t>
+            </a:r>
+            <a:r>
+              <a:rPr lang="en-US" altLang="zh-TW" dirty="0" err="1" smtClean="0">
+                <a:solidFill>
+                  <a:srgbClr val="FF0000"/>
+                </a:solidFill>
+              </a:rPr>
+              <a:t>argv</a:t>
+            </a:r>
+            <a:r>
+              <a:rPr lang="en-US" altLang="zh-TW" dirty="0" smtClean="0">
+                <a:solidFill>
+                  <a:srgbClr val="FF0000"/>
+                </a:solidFill>
+              </a:rPr>
+              <a:t>: 6 }</a:t>
+            </a:r>
+            <a:endParaRPr lang="zh-TW" altLang="en-US" dirty="0">
+              <a:solidFill>
+                <a:srgbClr val="FF0000"/>
+              </a:solidFill>
+            </a:endParaRPr>
+          </a:p>
+        </p:txBody>
+      </p:sp>
     </p:spTree>
     <p:extLst>
       <p:ext uri="{BB962C8B-B14F-4D97-AF65-F5344CB8AC3E}">
-        <p14:creationId xmlns:p14="http://schemas.microsoft.com/office/powerpoint/2010/main" val="56574487"/>
+        <p14:creationId xmlns:p14="http://schemas.microsoft.com/office/powerpoint/2010/main" val="161594808"/>
       </p:ext>
     </p:extLst>
   </p:cSld>
@@ -3682,8 +3396,8 @@
         </p:blipFill>
         <p:spPr>
           <a:xfrm>
-            <a:off x="1" y="0"/>
-            <a:ext cx="9070848" cy="743054"/>
+            <a:off x="971859" y="1526464"/>
+            <a:ext cx="7630590" cy="828791"/>
           </a:xfrm>
           <a:prstGeom prst="rect">
             <a:avLst/>
@@ -3692,7 +3406,7 @@
       </p:pic>
       <p:pic>
         <p:nvPicPr>
-          <p:cNvPr id="3" name="圖片 2"/>
+          <p:cNvPr id="5" name="圖片 4"/>
           <p:cNvPicPr>
             <a:picLocks noChangeAspect="1"/>
           </p:cNvPicPr>
@@ -3706,135 +3420,418 @@
         </p:blipFill>
         <p:spPr>
           <a:xfrm>
-            <a:off x="1" y="743054"/>
-            <a:ext cx="8997696" cy="212173"/>
+            <a:off x="971859" y="3860176"/>
+            <a:ext cx="4229690" cy="1324160"/>
           </a:xfrm>
           <a:prstGeom prst="rect">
             <a:avLst/>
           </a:prstGeom>
         </p:spPr>
       </p:pic>
-      <p:grpSp>
-        <p:nvGrpSpPr>
-          <p:cNvPr id="7" name="群組 6"/>
-          <p:cNvGrpSpPr/>
-          <p:nvPr/>
-        </p:nvGrpSpPr>
-        <p:grpSpPr>
-          <a:xfrm>
-            <a:off x="1" y="1086830"/>
-            <a:ext cx="9070848" cy="5636700"/>
-            <a:chOff x="1" y="1086829"/>
-            <a:chExt cx="10517068" cy="6003803"/>
-          </a:xfrm>
-        </p:grpSpPr>
-        <p:pic>
-          <p:nvPicPr>
-            <p:cNvPr id="4" name="圖片 3"/>
-            <p:cNvPicPr>
-              <a:picLocks noChangeAspect="1"/>
-            </p:cNvPicPr>
-            <p:nvPr/>
-          </p:nvPicPr>
-          <p:blipFill>
-            <a:blip r:embed="rId4"/>
-            <a:stretch>
-              <a:fillRect/>
-            </a:stretch>
-          </p:blipFill>
-          <p:spPr>
-            <a:xfrm>
-              <a:off x="1" y="1086829"/>
-              <a:ext cx="10517068" cy="2343477"/>
-            </a:xfrm>
-            <a:prstGeom prst="rect">
-              <a:avLst/>
-            </a:prstGeom>
-          </p:spPr>
-        </p:pic>
-        <p:pic>
-          <p:nvPicPr>
-            <p:cNvPr id="5" name="圖片 4"/>
-            <p:cNvPicPr>
-              <a:picLocks noChangeAspect="1"/>
-            </p:cNvPicPr>
-            <p:nvPr/>
-          </p:nvPicPr>
-          <p:blipFill>
-            <a:blip r:embed="rId5"/>
-            <a:stretch>
-              <a:fillRect/>
-            </a:stretch>
-          </p:blipFill>
-          <p:spPr>
-            <a:xfrm>
-              <a:off x="68404" y="3499206"/>
-              <a:ext cx="2514951" cy="752580"/>
-            </a:xfrm>
-            <a:prstGeom prst="rect">
-              <a:avLst/>
-            </a:prstGeom>
-          </p:spPr>
-        </p:pic>
-        <p:pic>
-          <p:nvPicPr>
-            <p:cNvPr id="6" name="圖片 5"/>
-            <p:cNvPicPr>
-              <a:picLocks noChangeAspect="1"/>
-            </p:cNvPicPr>
-            <p:nvPr/>
-          </p:nvPicPr>
-          <p:blipFill>
-            <a:blip r:embed="rId6"/>
-            <a:stretch>
-              <a:fillRect/>
-            </a:stretch>
-          </p:blipFill>
-          <p:spPr>
-            <a:xfrm>
-              <a:off x="68404" y="4251786"/>
-              <a:ext cx="3915321" cy="2838846"/>
-            </a:xfrm>
-            <a:prstGeom prst="rect">
-              <a:avLst/>
-            </a:prstGeom>
-          </p:spPr>
-        </p:pic>
-      </p:grpSp>
       <p:pic>
         <p:nvPicPr>
-          <p:cNvPr id="9" name="圖片 8"/>
+          <p:cNvPr id="6" name="圖片 5"/>
           <p:cNvPicPr>
             <a:picLocks noChangeAspect="1"/>
           </p:cNvPicPr>
           <p:nvPr/>
         </p:nvPicPr>
         <p:blipFill>
-          <a:blip r:embed="rId7"/>
+          <a:blip r:embed="rId4"/>
           <a:stretch>
             <a:fillRect/>
           </a:stretch>
         </p:blipFill>
         <p:spPr>
           <a:xfrm>
-            <a:off x="4037683" y="3418618"/>
-            <a:ext cx="3046553" cy="3186415"/>
+            <a:off x="5056247" y="5768563"/>
+            <a:ext cx="3477110" cy="847843"/>
           </a:xfrm>
           <a:prstGeom prst="rect">
             <a:avLst/>
           </a:prstGeom>
         </p:spPr>
       </p:pic>
-      <p:sp>
-        <p:nvSpPr>
-          <p:cNvPr id="8" name="文字方塊 7"/>
+      <p:pic>
+        <p:nvPicPr>
+          <p:cNvPr id="7" name="圖片 6"/>
+          <p:cNvPicPr>
+            <a:picLocks noChangeAspect="1"/>
+          </p:cNvPicPr>
+          <p:nvPr/>
+        </p:nvPicPr>
+        <p:blipFill>
+          <a:blip r:embed="rId5"/>
+          <a:stretch>
+            <a:fillRect/>
+          </a:stretch>
+        </p:blipFill>
+        <p:spPr>
+          <a:xfrm>
+            <a:off x="5056732" y="2925674"/>
+            <a:ext cx="3476625" cy="514350"/>
+          </a:xfrm>
+          <a:prstGeom prst="rect">
+            <a:avLst/>
+          </a:prstGeom>
+        </p:spPr>
+      </p:pic>
+      <p:sp>
+        <p:nvSpPr>
+          <p:cNvPr id="8" name="標題 7"/>
+          <p:cNvSpPr>
+            <a:spLocks noGrp="1"/>
+          </p:cNvSpPr>
+          <p:nvPr>
+            <p:ph type="title"/>
+          </p:nvPr>
+        </p:nvSpPr>
+        <p:spPr/>
+        <p:txBody>
+          <a:bodyPr/>
+          <a:lstStyle/>
+          <a:p>
+            <a:pPr algn="r"/>
+            <a:r>
+              <a:rPr lang="en-US" altLang="zh-TW" dirty="0" smtClean="0"/>
+              <a:t>Running …</a:t>
+            </a:r>
+            <a:endParaRPr lang="zh-TW" altLang="en-US" dirty="0"/>
+          </a:p>
+        </p:txBody>
+      </p:sp>
+      <p:sp>
+        <p:nvSpPr>
+          <p:cNvPr id="9" name="文字方塊 8"/>
           <p:cNvSpPr txBox="1"/>
           <p:nvPr/>
         </p:nvSpPr>
         <p:spPr>
           <a:xfrm>
-            <a:off x="7232142" y="3412595"/>
-            <a:ext cx="1574470" cy="584775"/>
+            <a:off x="610718" y="1075246"/>
+            <a:ext cx="1913922" cy="338554"/>
+          </a:xfrm>
+          <a:prstGeom prst="rect">
+            <a:avLst/>
+          </a:prstGeom>
+          <a:solidFill>
+            <a:srgbClr val="FFFF00"/>
+          </a:solidFill>
+        </p:spPr>
+        <p:txBody>
+          <a:bodyPr wrap="none" rtlCol="0">
+            <a:spAutoFit/>
+          </a:bodyPr>
+          <a:lstStyle/>
+          <a:p>
+            <a:r>
+              <a:rPr lang="en-US" altLang="zh-TW" sz="1600" dirty="0" smtClean="0">
+                <a:solidFill>
+                  <a:srgbClr val="FF0000"/>
+                </a:solidFill>
+              </a:rPr>
+              <a:t>1. Start </a:t>
+            </a:r>
+            <a:r>
+              <a:rPr lang="en-US" altLang="zh-TW" sz="1600" dirty="0" smtClean="0">
+                <a:solidFill>
+                  <a:srgbClr val="FF0000"/>
+                </a:solidFill>
+              </a:rPr>
+              <a:t>server first …</a:t>
+            </a:r>
+            <a:endParaRPr lang="zh-TW" altLang="en-US" sz="1600" dirty="0">
+              <a:solidFill>
+                <a:srgbClr val="FF0000"/>
+              </a:solidFill>
+            </a:endParaRPr>
+          </a:p>
+        </p:txBody>
+      </p:sp>
+      <p:sp>
+        <p:nvSpPr>
+          <p:cNvPr id="10" name="文字方塊 9"/>
+          <p:cNvSpPr txBox="1"/>
+          <p:nvPr/>
+        </p:nvSpPr>
+        <p:spPr>
+          <a:xfrm>
+            <a:off x="4375894" y="2513473"/>
+            <a:ext cx="2450799" cy="338554"/>
+          </a:xfrm>
+          <a:prstGeom prst="rect">
+            <a:avLst/>
+          </a:prstGeom>
+          <a:solidFill>
+            <a:schemeClr val="accent3">
+              <a:lumMod val="20000"/>
+              <a:lumOff val="80000"/>
+            </a:schemeClr>
+          </a:solidFill>
+        </p:spPr>
+        <p:txBody>
+          <a:bodyPr wrap="none" rtlCol="0">
+            <a:spAutoFit/>
+          </a:bodyPr>
+          <a:lstStyle/>
+          <a:p>
+            <a:r>
+              <a:rPr lang="en-US" altLang="zh-TW" sz="1600" dirty="0" smtClean="0">
+                <a:solidFill>
+                  <a:srgbClr val="FF0000"/>
+                </a:solidFill>
+              </a:rPr>
+              <a:t>2. Client </a:t>
+            </a:r>
+            <a:r>
+              <a:rPr lang="en-US" altLang="zh-TW" sz="1600" dirty="0" smtClean="0">
+                <a:solidFill>
+                  <a:srgbClr val="FF0000"/>
+                </a:solidFill>
+              </a:rPr>
+              <a:t>issued a request …</a:t>
+            </a:r>
+            <a:endParaRPr lang="zh-TW" altLang="en-US" sz="1600" dirty="0">
+              <a:solidFill>
+                <a:srgbClr val="FF0000"/>
+              </a:solidFill>
+            </a:endParaRPr>
+          </a:p>
+        </p:txBody>
+      </p:sp>
+      <p:sp>
+        <p:nvSpPr>
+          <p:cNvPr id="11" name="文字方塊 10"/>
+          <p:cNvSpPr txBox="1"/>
+          <p:nvPr/>
+        </p:nvSpPr>
+        <p:spPr>
+          <a:xfrm>
+            <a:off x="610718" y="3437487"/>
+            <a:ext cx="1921167" cy="338554"/>
+          </a:xfrm>
+          <a:prstGeom prst="rect">
+            <a:avLst/>
+          </a:prstGeom>
+          <a:solidFill>
+            <a:srgbClr val="FFFF00"/>
+          </a:solidFill>
+        </p:spPr>
+        <p:txBody>
+          <a:bodyPr wrap="none" rtlCol="0">
+            <a:spAutoFit/>
+          </a:bodyPr>
+          <a:lstStyle/>
+          <a:p>
+            <a:r>
+              <a:rPr lang="en-US" altLang="zh-TW" sz="1600" dirty="0" smtClean="0">
+                <a:solidFill>
+                  <a:srgbClr val="FF0000"/>
+                </a:solidFill>
+              </a:rPr>
+              <a:t>3. Server </a:t>
+            </a:r>
+            <a:r>
+              <a:rPr lang="en-US" altLang="zh-TW" sz="1600" dirty="0" smtClean="0">
+                <a:solidFill>
+                  <a:srgbClr val="FF0000"/>
+                </a:solidFill>
+              </a:rPr>
+              <a:t>responds …</a:t>
+            </a:r>
+            <a:endParaRPr lang="zh-TW" altLang="en-US" sz="1600" dirty="0">
+              <a:solidFill>
+                <a:srgbClr val="FF0000"/>
+              </a:solidFill>
+            </a:endParaRPr>
+          </a:p>
+        </p:txBody>
+      </p:sp>
+      <p:sp>
+        <p:nvSpPr>
+          <p:cNvPr id="12" name="文字方塊 11"/>
+          <p:cNvSpPr txBox="1"/>
+          <p:nvPr/>
+        </p:nvSpPr>
+        <p:spPr>
+          <a:xfrm>
+            <a:off x="4375894" y="5329041"/>
+            <a:ext cx="2054345" cy="338554"/>
+          </a:xfrm>
+          <a:prstGeom prst="rect">
+            <a:avLst/>
+          </a:prstGeom>
+          <a:solidFill>
+            <a:schemeClr val="accent3">
+              <a:lumMod val="20000"/>
+              <a:lumOff val="80000"/>
+            </a:schemeClr>
+          </a:solidFill>
+        </p:spPr>
+        <p:txBody>
+          <a:bodyPr wrap="none" rtlCol="0">
+            <a:spAutoFit/>
+          </a:bodyPr>
+          <a:lstStyle/>
+          <a:p>
+            <a:r>
+              <a:rPr lang="en-US" altLang="zh-TW" sz="1600" dirty="0" smtClean="0">
+                <a:solidFill>
+                  <a:srgbClr val="FF0000"/>
+                </a:solidFill>
+              </a:rPr>
+              <a:t>4. Client </a:t>
+            </a:r>
+            <a:r>
+              <a:rPr lang="en-US" altLang="zh-TW" sz="1600" dirty="0" smtClean="0">
+                <a:solidFill>
+                  <a:srgbClr val="FF0000"/>
+                </a:solidFill>
+              </a:rPr>
+              <a:t>gets a reply …</a:t>
+            </a:r>
+            <a:endParaRPr lang="zh-TW" altLang="en-US" sz="1600" dirty="0">
+              <a:solidFill>
+                <a:srgbClr val="FF0000"/>
+              </a:solidFill>
+            </a:endParaRPr>
+          </a:p>
+        </p:txBody>
+      </p:sp>
+      <p:sp>
+        <p:nvSpPr>
+          <p:cNvPr id="13" name="圓角矩形 12"/>
+          <p:cNvSpPr/>
+          <p:nvPr/>
+        </p:nvSpPr>
+        <p:spPr>
+          <a:xfrm>
+            <a:off x="4697507" y="6329082"/>
+            <a:ext cx="1398494" cy="367553"/>
+          </a:xfrm>
+          <a:prstGeom prst="roundRect">
+            <a:avLst/>
+          </a:prstGeom>
+          <a:noFill/>
+          <a:ln w="28575">
+            <a:solidFill>
+              <a:srgbClr val="FF0000"/>
+            </a:solidFill>
+          </a:ln>
+        </p:spPr>
+        <p:style>
+          <a:lnRef idx="2">
+            <a:schemeClr val="accent1">
+              <a:shade val="50000"/>
+            </a:schemeClr>
+          </a:lnRef>
+          <a:fillRef idx="1">
+            <a:schemeClr val="accent1"/>
+          </a:fillRef>
+          <a:effectRef idx="0">
+            <a:schemeClr val="accent1"/>
+          </a:effectRef>
+          <a:fontRef idx="minor">
+            <a:schemeClr val="lt1"/>
+          </a:fontRef>
+        </p:style>
+        <p:txBody>
+          <a:bodyPr rtlCol="0" anchor="ctr"/>
+          <a:lstStyle/>
+          <a:p>
+            <a:pPr algn="ctr"/>
+            <a:endParaRPr lang="zh-TW" altLang="en-US"/>
+          </a:p>
+        </p:txBody>
+      </p:sp>
+      <p:sp>
+        <p:nvSpPr>
+          <p:cNvPr id="14" name="左大括弧 13"/>
+          <p:cNvSpPr/>
+          <p:nvPr/>
+        </p:nvSpPr>
+        <p:spPr>
+          <a:xfrm>
+            <a:off x="851647" y="4733365"/>
+            <a:ext cx="45719" cy="450971"/>
+          </a:xfrm>
+          <a:prstGeom prst="leftBrace">
+            <a:avLst/>
+          </a:prstGeom>
+          <a:ln w="38100"/>
+        </p:spPr>
+        <p:style>
+          <a:lnRef idx="1">
+            <a:schemeClr val="accent1"/>
+          </a:lnRef>
+          <a:fillRef idx="0">
+            <a:schemeClr val="accent1"/>
+          </a:fillRef>
+          <a:effectRef idx="0">
+            <a:schemeClr val="accent1"/>
+          </a:effectRef>
+          <a:fontRef idx="minor">
+            <a:schemeClr val="tx1"/>
+          </a:fontRef>
+        </p:style>
+        <p:txBody>
+          <a:bodyPr rtlCol="0" anchor="ctr"/>
+          <a:lstStyle/>
+          <a:p>
+            <a:pPr algn="ctr"/>
+            <a:endParaRPr lang="zh-TW" altLang="en-US"/>
+          </a:p>
+        </p:txBody>
+      </p:sp>
+      <p:sp>
+        <p:nvSpPr>
+          <p:cNvPr id="15" name="左大括弧 14"/>
+          <p:cNvSpPr/>
+          <p:nvPr/>
+        </p:nvSpPr>
+        <p:spPr>
+          <a:xfrm>
+            <a:off x="851647" y="3860176"/>
+            <a:ext cx="45719" cy="774577"/>
+          </a:xfrm>
+          <a:prstGeom prst="leftBrace">
+            <a:avLst/>
+          </a:prstGeom>
+          <a:ln w="38100"/>
+        </p:spPr>
+        <p:style>
+          <a:lnRef idx="1">
+            <a:schemeClr val="accent1"/>
+          </a:lnRef>
+          <a:fillRef idx="0">
+            <a:schemeClr val="accent1"/>
+          </a:fillRef>
+          <a:effectRef idx="0">
+            <a:schemeClr val="accent1"/>
+          </a:effectRef>
+          <a:fontRef idx="minor">
+            <a:schemeClr val="tx1"/>
+          </a:fontRef>
+        </p:style>
+        <p:txBody>
+          <a:bodyPr rtlCol="0" anchor="ctr"/>
+          <a:lstStyle/>
+          <a:p>
+            <a:pPr algn="ctr"/>
+            <a:endParaRPr lang="zh-TW" altLang="en-US"/>
+          </a:p>
+        </p:txBody>
+      </p:sp>
+      <p:sp>
+        <p:nvSpPr>
+          <p:cNvPr id="16" name="文字方塊 15"/>
+          <p:cNvSpPr txBox="1"/>
+          <p:nvPr/>
+        </p:nvSpPr>
+        <p:spPr>
+          <a:xfrm>
+            <a:off x="295533" y="5329041"/>
+            <a:ext cx="1112228" cy="369332"/>
           </a:xfrm>
           <a:prstGeom prst="rect">
             <a:avLst/>
@@ -3848,25 +3845,41 @@
           <a:lstStyle/>
           <a:p>
             <a:r>
-              <a:rPr lang="en-US" altLang="zh-TW" sz="3200" dirty="0" smtClean="0">
-                <a:solidFill>
-                  <a:srgbClr val="FF0000"/>
-                </a:solidFill>
-              </a:rPr>
-              <a:t>Three.JS</a:t>
-            </a:r>
-            <a:endParaRPr lang="zh-TW" altLang="en-US" sz="3200" dirty="0">
-              <a:solidFill>
-                <a:srgbClr val="FF0000"/>
-              </a:solidFill>
-            </a:endParaRPr>
-          </a:p>
-        </p:txBody>
-      </p:sp>
+              <a:rPr lang="en-US" altLang="zh-TW" dirty="0" smtClean="0"/>
+              <a:t>Two POST</a:t>
+            </a:r>
+            <a:endParaRPr lang="zh-TW" altLang="en-US" dirty="0"/>
+          </a:p>
+        </p:txBody>
+      </p:sp>
+      <p:pic>
+        <p:nvPicPr>
+          <p:cNvPr id="17" name="圖片 16"/>
+          <p:cNvPicPr>
+            <a:picLocks noChangeAspect="1"/>
+          </p:cNvPicPr>
+          <p:nvPr/>
+        </p:nvPicPr>
+        <p:blipFill>
+          <a:blip r:embed="rId6"/>
+          <a:stretch>
+            <a:fillRect/>
+          </a:stretch>
+        </p:blipFill>
+        <p:spPr>
+          <a:xfrm>
+            <a:off x="3792016" y="3968408"/>
+            <a:ext cx="5040240" cy="538860"/>
+          </a:xfrm>
+          <a:prstGeom prst="rect">
+            <a:avLst/>
+          </a:prstGeom>
+        </p:spPr>
+      </p:pic>
     </p:spTree>
     <p:extLst>
       <p:ext uri="{BB962C8B-B14F-4D97-AF65-F5344CB8AC3E}">
-        <p14:creationId xmlns:p14="http://schemas.microsoft.com/office/powerpoint/2010/main" val="1992061681"/>
+        <p14:creationId xmlns:p14="http://schemas.microsoft.com/office/powerpoint/2010/main" val="309174008"/>
       </p:ext>
     </p:extLst>
   </p:cSld>
@@ -3893,23 +3906,1239 @@
           <a:chExt cx="0" cy="0"/>
         </a:xfrm>
       </p:grpSpPr>
+      <p:sp>
+        <p:nvSpPr>
+          <p:cNvPr id="2" name="標題 1"/>
+          <p:cNvSpPr>
+            <a:spLocks noGrp="1"/>
+          </p:cNvSpPr>
+          <p:nvPr>
+            <p:ph type="ctrTitle"/>
+          </p:nvPr>
+        </p:nvSpPr>
+        <p:spPr/>
+        <p:txBody>
+          <a:bodyPr/>
+          <a:lstStyle/>
+          <a:p>
+            <a:r>
+              <a:rPr lang="en-US" altLang="zh-TW" dirty="0" err="1" smtClean="0"/>
+              <a:t>callShellWithServerAndThree_differentDomain</a:t>
+            </a:r>
+            <a:endParaRPr lang="zh-TW" altLang="en-US" dirty="0"/>
+          </a:p>
+        </p:txBody>
+      </p:sp>
+      <p:sp>
+        <p:nvSpPr>
+          <p:cNvPr id="3" name="副標題 2"/>
+          <p:cNvSpPr>
+            <a:spLocks noGrp="1"/>
+          </p:cNvSpPr>
+          <p:nvPr>
+            <p:ph type="subTitle" idx="1"/>
+          </p:nvPr>
+        </p:nvSpPr>
+        <p:spPr/>
+        <p:txBody>
+          <a:bodyPr/>
+          <a:lstStyle/>
+          <a:p>
+            <a:endParaRPr lang="zh-TW" altLang="en-US"/>
+          </a:p>
+        </p:txBody>
+      </p:sp>
+    </p:spTree>
+    <p:extLst>
+      <p:ext uri="{BB962C8B-B14F-4D97-AF65-F5344CB8AC3E}">
+        <p14:creationId xmlns:p14="http://schemas.microsoft.com/office/powerpoint/2010/main" val="2576007725"/>
+      </p:ext>
+    </p:extLst>
+  </p:cSld>
+  <p:clrMapOvr>
+    <a:masterClrMapping/>
+  </p:clrMapOvr>
+</p:sld>
+</file>
+
+<file path=ppt/slides/slide14.xml><?xml version="1.0" encoding="utf-8"?>
+<p:sld xmlns:a="http://schemas.openxmlformats.org/drawingml/2006/main" xmlns:r="http://schemas.openxmlformats.org/officeDocument/2006/relationships" xmlns:p="http://schemas.openxmlformats.org/presentationml/2006/main">
+  <p:cSld>
+    <p:spTree>
+      <p:nvGrpSpPr>
+        <p:cNvPr id="1" name=""/>
+        <p:cNvGrpSpPr/>
+        <p:nvPr/>
+      </p:nvGrpSpPr>
+      <p:grpSpPr>
+        <a:xfrm>
+          <a:off x="0" y="0"/>
+          <a:ext cx="0" cy="0"/>
+          <a:chOff x="0" y="0"/>
+          <a:chExt cx="0" cy="0"/>
+        </a:xfrm>
+      </p:grpSpPr>
+      <p:pic>
+        <p:nvPicPr>
+          <p:cNvPr id="2" name="圖片 1"/>
+          <p:cNvPicPr>
+            <a:picLocks noChangeAspect="1"/>
+          </p:cNvPicPr>
+          <p:nvPr/>
+        </p:nvPicPr>
+        <p:blipFill>
+          <a:blip r:embed="rId2"/>
+          <a:stretch>
+            <a:fillRect/>
+          </a:stretch>
+        </p:blipFill>
+        <p:spPr>
+          <a:xfrm>
+            <a:off x="539862" y="1491099"/>
+            <a:ext cx="5982535" cy="3353268"/>
+          </a:xfrm>
+          <a:prstGeom prst="rect">
+            <a:avLst/>
+          </a:prstGeom>
+        </p:spPr>
+      </p:pic>
+      <p:sp>
+        <p:nvSpPr>
+          <p:cNvPr id="3" name="標題 2"/>
+          <p:cNvSpPr>
+            <a:spLocks noGrp="1"/>
+          </p:cNvSpPr>
+          <p:nvPr>
+            <p:ph type="title"/>
+          </p:nvPr>
+        </p:nvSpPr>
+        <p:spPr/>
+        <p:txBody>
+          <a:bodyPr/>
+          <a:lstStyle/>
+          <a:p>
+            <a:r>
+              <a:rPr lang="en-US" altLang="zh-TW" dirty="0" err="1" smtClean="0"/>
+              <a:t>Package.json</a:t>
+            </a:r>
+            <a:endParaRPr lang="zh-TW" altLang="en-US" dirty="0"/>
+          </a:p>
+        </p:txBody>
+      </p:sp>
       <p:grpSp>
         <p:nvGrpSpPr>
-          <p:cNvPr id="4" name="群組 3"/>
+          <p:cNvPr id="14" name="群組 13"/>
           <p:cNvGrpSpPr/>
           <p:nvPr/>
         </p:nvGrpSpPr>
         <p:grpSpPr>
           <a:xfrm>
-            <a:off x="97818" y="107577"/>
-            <a:ext cx="8893781" cy="6667446"/>
-            <a:chOff x="115748" y="138848"/>
-            <a:chExt cx="12003175" cy="8402222"/>
+            <a:off x="4669719" y="91158"/>
+            <a:ext cx="4421364" cy="2752725"/>
+            <a:chOff x="3779661" y="3419475"/>
+            <a:chExt cx="4421364" cy="2752725"/>
+          </a:xfrm>
+        </p:grpSpPr>
+        <p:sp>
+          <p:nvSpPr>
+            <p:cNvPr id="4" name="圓角矩形 3"/>
+            <p:cNvSpPr/>
+            <p:nvPr/>
+          </p:nvSpPr>
+          <p:spPr>
+            <a:xfrm>
+              <a:off x="3779661" y="3882771"/>
+              <a:ext cx="1381125" cy="847725"/>
+            </a:xfrm>
+            <a:prstGeom prst="roundRect">
+              <a:avLst/>
+            </a:prstGeom>
+          </p:spPr>
+          <p:style>
+            <a:lnRef idx="2">
+              <a:schemeClr val="accent1">
+                <a:shade val="50000"/>
+              </a:schemeClr>
+            </a:lnRef>
+            <a:fillRef idx="1">
+              <a:schemeClr val="accent1"/>
+            </a:fillRef>
+            <a:effectRef idx="0">
+              <a:schemeClr val="accent1"/>
+            </a:effectRef>
+            <a:fontRef idx="minor">
+              <a:schemeClr val="lt1"/>
+            </a:fontRef>
+          </p:style>
+          <p:txBody>
+            <a:bodyPr rtlCol="0" anchor="ctr"/>
+            <a:lstStyle/>
+            <a:p>
+              <a:pPr algn="ctr"/>
+              <a:r>
+                <a:rPr lang="en-US" altLang="zh-TW" dirty="0" smtClean="0"/>
+                <a:t>Cube.html</a:t>
+              </a:r>
+              <a:endParaRPr lang="zh-TW" altLang="en-US" dirty="0"/>
+            </a:p>
+          </p:txBody>
+        </p:sp>
+        <p:grpSp>
+          <p:nvGrpSpPr>
+            <p:cNvPr id="12" name="群組 11"/>
+            <p:cNvGrpSpPr/>
+            <p:nvPr/>
+          </p:nvGrpSpPr>
+          <p:grpSpPr>
+            <a:xfrm>
+              <a:off x="5543550" y="3419475"/>
+              <a:ext cx="2657475" cy="2752725"/>
+              <a:chOff x="5543550" y="3419475"/>
+              <a:chExt cx="2657475" cy="2752725"/>
+            </a:xfrm>
+          </p:grpSpPr>
+          <p:grpSp>
+            <p:nvGrpSpPr>
+              <p:cNvPr id="8" name="群組 7"/>
+              <p:cNvGrpSpPr/>
+              <p:nvPr/>
+            </p:nvGrpSpPr>
+            <p:grpSpPr>
+              <a:xfrm>
+                <a:off x="5543550" y="3419475"/>
+                <a:ext cx="2657475" cy="2752725"/>
+                <a:chOff x="5543550" y="3419475"/>
+                <a:chExt cx="2657475" cy="2752725"/>
+              </a:xfrm>
+            </p:grpSpPr>
+            <p:sp>
+              <p:nvSpPr>
+                <p:cNvPr id="5" name="圓角矩形 4"/>
+                <p:cNvSpPr/>
+                <p:nvPr/>
+              </p:nvSpPr>
+              <p:spPr>
+                <a:xfrm>
+                  <a:off x="5543550" y="3419475"/>
+                  <a:ext cx="2657475" cy="2752725"/>
+                </a:xfrm>
+                <a:prstGeom prst="roundRect">
+                  <a:avLst/>
+                </a:prstGeom>
+              </p:spPr>
+              <p:style>
+                <a:lnRef idx="2">
+                  <a:schemeClr val="accent1">
+                    <a:shade val="50000"/>
+                  </a:schemeClr>
+                </a:lnRef>
+                <a:fillRef idx="1">
+                  <a:schemeClr val="accent1"/>
+                </a:fillRef>
+                <a:effectRef idx="0">
+                  <a:schemeClr val="accent1"/>
+                </a:effectRef>
+                <a:fontRef idx="minor">
+                  <a:schemeClr val="lt1"/>
+                </a:fontRef>
+              </p:style>
+              <p:txBody>
+                <a:bodyPr rtlCol="0" anchor="ctr"/>
+                <a:lstStyle/>
+                <a:p>
+                  <a:pPr algn="ctr"/>
+                  <a:endParaRPr lang="zh-TW" altLang="en-US" dirty="0"/>
+                </a:p>
+              </p:txBody>
+            </p:sp>
+            <p:sp>
+              <p:nvSpPr>
+                <p:cNvPr id="6" name="矩形 5"/>
+                <p:cNvSpPr/>
+                <p:nvPr/>
+              </p:nvSpPr>
+              <p:spPr>
+                <a:xfrm>
+                  <a:off x="5543550" y="4000500"/>
+                  <a:ext cx="828675" cy="590550"/>
+                </a:xfrm>
+                <a:prstGeom prst="rect">
+                  <a:avLst/>
+                </a:prstGeom>
+                <a:solidFill>
+                  <a:schemeClr val="bg1"/>
+                </a:solidFill>
+              </p:spPr>
+              <p:style>
+                <a:lnRef idx="2">
+                  <a:schemeClr val="accent1">
+                    <a:shade val="50000"/>
+                  </a:schemeClr>
+                </a:lnRef>
+                <a:fillRef idx="1">
+                  <a:schemeClr val="accent1"/>
+                </a:fillRef>
+                <a:effectRef idx="0">
+                  <a:schemeClr val="accent1"/>
+                </a:effectRef>
+                <a:fontRef idx="minor">
+                  <a:schemeClr val="lt1"/>
+                </a:fontRef>
+              </p:style>
+              <p:txBody>
+                <a:bodyPr rtlCol="0" anchor="ctr"/>
+                <a:lstStyle/>
+                <a:p>
+                  <a:pPr algn="ctr"/>
+                  <a:r>
+                    <a:rPr lang="en-US" altLang="zh-TW" dirty="0" smtClean="0">
+                      <a:solidFill>
+                        <a:schemeClr val="tx1">
+                          <a:lumMod val="65000"/>
+                          <a:lumOff val="35000"/>
+                        </a:schemeClr>
+                      </a:solidFill>
+                    </a:rPr>
+                    <a:t>8080</a:t>
+                  </a:r>
+                  <a:endParaRPr lang="zh-TW" altLang="en-US" dirty="0">
+                    <a:solidFill>
+                      <a:schemeClr val="tx1">
+                        <a:lumMod val="65000"/>
+                        <a:lumOff val="35000"/>
+                      </a:schemeClr>
+                    </a:solidFill>
+                  </a:endParaRPr>
+                </a:p>
+              </p:txBody>
+            </p:sp>
+            <p:sp>
+              <p:nvSpPr>
+                <p:cNvPr id="7" name="矩形 6"/>
+                <p:cNvSpPr/>
+                <p:nvPr/>
+              </p:nvSpPr>
+              <p:spPr>
+                <a:xfrm>
+                  <a:off x="5543550" y="5114925"/>
+                  <a:ext cx="828675" cy="590550"/>
+                </a:xfrm>
+                <a:prstGeom prst="rect">
+                  <a:avLst/>
+                </a:prstGeom>
+                <a:solidFill>
+                  <a:schemeClr val="bg1"/>
+                </a:solidFill>
+              </p:spPr>
+              <p:style>
+                <a:lnRef idx="2">
+                  <a:schemeClr val="accent1">
+                    <a:shade val="50000"/>
+                  </a:schemeClr>
+                </a:lnRef>
+                <a:fillRef idx="1">
+                  <a:schemeClr val="accent1"/>
+                </a:fillRef>
+                <a:effectRef idx="0">
+                  <a:schemeClr val="accent1"/>
+                </a:effectRef>
+                <a:fontRef idx="minor">
+                  <a:schemeClr val="lt1"/>
+                </a:fontRef>
+              </p:style>
+              <p:txBody>
+                <a:bodyPr rtlCol="0" anchor="ctr"/>
+                <a:lstStyle/>
+                <a:p>
+                  <a:pPr algn="ctr"/>
+                  <a:r>
+                    <a:rPr lang="en-US" altLang="zh-TW" dirty="0" smtClean="0">
+                      <a:solidFill>
+                        <a:schemeClr val="tx1">
+                          <a:lumMod val="65000"/>
+                          <a:lumOff val="35000"/>
+                        </a:schemeClr>
+                      </a:solidFill>
+                    </a:rPr>
+                    <a:t>1337</a:t>
+                  </a:r>
+                  <a:endParaRPr lang="zh-TW" altLang="en-US" dirty="0">
+                    <a:solidFill>
+                      <a:schemeClr val="tx1">
+                        <a:lumMod val="65000"/>
+                        <a:lumOff val="35000"/>
+                      </a:schemeClr>
+                    </a:solidFill>
+                  </a:endParaRPr>
+                </a:p>
+              </p:txBody>
+            </p:sp>
+          </p:grpSp>
+          <p:sp>
+            <p:nvSpPr>
+              <p:cNvPr id="11" name="文字方塊 10"/>
+              <p:cNvSpPr txBox="1"/>
+              <p:nvPr/>
+            </p:nvSpPr>
+            <p:spPr>
+              <a:xfrm>
+                <a:off x="6323300" y="3445767"/>
+                <a:ext cx="1059906" cy="369332"/>
+              </a:xfrm>
+              <a:prstGeom prst="rect">
+                <a:avLst/>
+              </a:prstGeom>
+              <a:solidFill>
+                <a:srgbClr val="FFFFC9"/>
+              </a:solidFill>
+            </p:spPr>
+            <p:txBody>
+              <a:bodyPr wrap="none" rtlCol="0">
+                <a:spAutoFit/>
+              </a:bodyPr>
+              <a:lstStyle/>
+              <a:p>
+                <a:r>
+                  <a:rPr lang="en-US" altLang="zh-TW" dirty="0" smtClean="0"/>
+                  <a:t>127.0.0.1</a:t>
+                </a:r>
+                <a:endParaRPr lang="zh-TW" altLang="en-US" dirty="0"/>
+              </a:p>
+            </p:txBody>
+          </p:sp>
+        </p:grpSp>
+        <p:sp>
+          <p:nvSpPr>
+            <p:cNvPr id="13" name="文字方塊 12"/>
+            <p:cNvSpPr txBox="1"/>
+            <p:nvPr/>
+          </p:nvSpPr>
+          <p:spPr>
+            <a:xfrm>
+              <a:off x="6381044" y="4107727"/>
+              <a:ext cx="1232325" cy="369332"/>
+            </a:xfrm>
+            <a:prstGeom prst="rect">
+              <a:avLst/>
+            </a:prstGeom>
+            <a:noFill/>
+          </p:spPr>
+          <p:txBody>
+            <a:bodyPr wrap="none" rtlCol="0">
+              <a:spAutoFit/>
+            </a:bodyPr>
+            <a:lstStyle/>
+            <a:p>
+              <a:r>
+                <a:rPr lang="en-US" altLang="zh-TW" dirty="0" smtClean="0"/>
+                <a:t>http-server</a:t>
+              </a:r>
+              <a:endParaRPr lang="zh-TW" altLang="en-US" dirty="0"/>
+            </a:p>
+          </p:txBody>
+        </p:sp>
+        <p:cxnSp>
+          <p:nvCxnSpPr>
+            <p:cNvPr id="16" name="直線單箭頭接點 15"/>
+            <p:cNvCxnSpPr/>
+            <p:nvPr/>
+          </p:nvCxnSpPr>
+          <p:spPr>
+            <a:xfrm>
+              <a:off x="5171440" y="4292393"/>
+              <a:ext cx="386080" cy="0"/>
+            </a:xfrm>
+            <a:prstGeom prst="straightConnector1">
+              <a:avLst/>
+            </a:prstGeom>
+            <a:ln>
+              <a:headEnd type="triangle"/>
+              <a:tailEnd type="triangle"/>
+            </a:ln>
+          </p:spPr>
+          <p:style>
+            <a:lnRef idx="1">
+              <a:schemeClr val="accent1"/>
+            </a:lnRef>
+            <a:fillRef idx="0">
+              <a:schemeClr val="accent1"/>
+            </a:fillRef>
+            <a:effectRef idx="0">
+              <a:schemeClr val="accent1"/>
+            </a:effectRef>
+            <a:fontRef idx="minor">
+              <a:schemeClr val="tx1"/>
+            </a:fontRef>
+          </p:style>
+        </p:cxnSp>
+        <p:sp>
+          <p:nvSpPr>
+            <p:cNvPr id="9" name="矩形 8"/>
+            <p:cNvSpPr/>
+            <p:nvPr/>
+          </p:nvSpPr>
+          <p:spPr>
+            <a:xfrm>
+              <a:off x="6381044" y="5266682"/>
+              <a:ext cx="1125501" cy="369332"/>
+            </a:xfrm>
+            <a:prstGeom prst="rect">
+              <a:avLst/>
+            </a:prstGeom>
+          </p:spPr>
+          <p:txBody>
+            <a:bodyPr wrap="none">
+              <a:spAutoFit/>
+            </a:bodyPr>
+            <a:lstStyle/>
+            <a:p>
+              <a:r>
+                <a:rPr lang="en-US" altLang="zh-TW" dirty="0" err="1" smtClean="0"/>
+                <a:t>api</a:t>
+              </a:r>
+              <a:r>
+                <a:rPr lang="en-US" altLang="zh-TW" dirty="0" smtClean="0"/>
+                <a:t>-server</a:t>
+              </a:r>
+              <a:endParaRPr lang="zh-TW" altLang="en-US" dirty="0"/>
+            </a:p>
+          </p:txBody>
+        </p:sp>
+      </p:grpSp>
+      <p:pic>
+        <p:nvPicPr>
+          <p:cNvPr id="10" name="圖片 9"/>
+          <p:cNvPicPr>
+            <a:picLocks noChangeAspect="1"/>
+          </p:cNvPicPr>
+          <p:nvPr/>
+        </p:nvPicPr>
+        <p:blipFill>
+          <a:blip r:embed="rId3"/>
+          <a:stretch>
+            <a:fillRect/>
+          </a:stretch>
+        </p:blipFill>
+        <p:spPr>
+          <a:xfrm>
+            <a:off x="2738437" y="4391025"/>
+            <a:ext cx="6181725" cy="2352675"/>
+          </a:xfrm>
+          <a:prstGeom prst="rect">
+            <a:avLst/>
+          </a:prstGeom>
+        </p:spPr>
+      </p:pic>
+      <p:sp>
+        <p:nvSpPr>
+          <p:cNvPr id="15" name="圓角矩形 14"/>
+          <p:cNvSpPr/>
+          <p:nvPr/>
+        </p:nvSpPr>
+        <p:spPr>
+          <a:xfrm>
+            <a:off x="809625" y="3857625"/>
+            <a:ext cx="2162175" cy="533400"/>
+          </a:xfrm>
+          <a:prstGeom prst="roundRect">
+            <a:avLst/>
+          </a:prstGeom>
+          <a:noFill/>
+          <a:ln w="28575">
+            <a:solidFill>
+              <a:srgbClr val="FF0000"/>
+            </a:solidFill>
+          </a:ln>
+        </p:spPr>
+        <p:style>
+          <a:lnRef idx="2">
+            <a:schemeClr val="accent1">
+              <a:shade val="50000"/>
+            </a:schemeClr>
+          </a:lnRef>
+          <a:fillRef idx="1">
+            <a:schemeClr val="accent1"/>
+          </a:fillRef>
+          <a:effectRef idx="0">
+            <a:schemeClr val="accent1"/>
+          </a:effectRef>
+          <a:fontRef idx="minor">
+            <a:schemeClr val="lt1"/>
+          </a:fontRef>
+        </p:style>
+        <p:txBody>
+          <a:bodyPr rtlCol="0" anchor="ctr"/>
+          <a:lstStyle/>
+          <a:p>
+            <a:pPr algn="ctr"/>
+            <a:endParaRPr lang="zh-TW" altLang="en-US"/>
+          </a:p>
+        </p:txBody>
+      </p:sp>
+    </p:spTree>
+    <p:extLst>
+      <p:ext uri="{BB962C8B-B14F-4D97-AF65-F5344CB8AC3E}">
+        <p14:creationId xmlns:p14="http://schemas.microsoft.com/office/powerpoint/2010/main" val="1253353672"/>
+      </p:ext>
+    </p:extLst>
+  </p:cSld>
+  <p:clrMapOvr>
+    <a:masterClrMapping/>
+  </p:clrMapOvr>
+</p:sld>
+</file>
+
+<file path=ppt/slides/slide15.xml><?xml version="1.0" encoding="utf-8"?>
+<p:sld xmlns:a="http://schemas.openxmlformats.org/drawingml/2006/main" xmlns:r="http://schemas.openxmlformats.org/officeDocument/2006/relationships" xmlns:p="http://schemas.openxmlformats.org/presentationml/2006/main">
+  <p:cSld>
+    <p:spTree>
+      <p:nvGrpSpPr>
+        <p:cNvPr id="1" name=""/>
+        <p:cNvGrpSpPr/>
+        <p:nvPr/>
+      </p:nvGrpSpPr>
+      <p:grpSpPr>
+        <a:xfrm>
+          <a:off x="0" y="0"/>
+          <a:ext cx="0" cy="0"/>
+          <a:chOff x="0" y="0"/>
+          <a:chExt cx="0" cy="0"/>
+        </a:xfrm>
+      </p:grpSpPr>
+      <p:sp>
+        <p:nvSpPr>
+          <p:cNvPr id="2" name="標題 1"/>
+          <p:cNvSpPr>
+            <a:spLocks noGrp="1"/>
+          </p:cNvSpPr>
+          <p:nvPr>
+            <p:ph type="title"/>
+          </p:nvPr>
+        </p:nvSpPr>
+        <p:spPr/>
+        <p:txBody>
+          <a:bodyPr/>
+          <a:lstStyle/>
+          <a:p>
+            <a:pPr algn="r"/>
+            <a:r>
+              <a:rPr lang="en-US" altLang="zh-TW" dirty="0" smtClean="0"/>
+              <a:t>main.js</a:t>
+            </a:r>
+            <a:endParaRPr lang="zh-TW" altLang="en-US" dirty="0"/>
+          </a:p>
+        </p:txBody>
+      </p:sp>
+      <p:pic>
+        <p:nvPicPr>
+          <p:cNvPr id="3" name="圖片 2"/>
+          <p:cNvPicPr>
+            <a:picLocks noChangeAspect="1"/>
+          </p:cNvPicPr>
+          <p:nvPr/>
+        </p:nvPicPr>
+        <p:blipFill>
+          <a:blip r:embed="rId2"/>
+          <a:stretch>
+            <a:fillRect/>
+          </a:stretch>
+        </p:blipFill>
+        <p:spPr>
+          <a:xfrm>
+            <a:off x="157162" y="114300"/>
+            <a:ext cx="5114925" cy="4038600"/>
+          </a:xfrm>
+          <a:prstGeom prst="rect">
+            <a:avLst/>
+          </a:prstGeom>
+        </p:spPr>
+      </p:pic>
+      <p:sp>
+        <p:nvSpPr>
+          <p:cNvPr id="7" name="圓角矩形 6"/>
+          <p:cNvSpPr/>
+          <p:nvPr/>
+        </p:nvSpPr>
+        <p:spPr>
+          <a:xfrm>
+            <a:off x="157162" y="4317206"/>
+            <a:ext cx="5114925" cy="1428750"/>
+          </a:xfrm>
+          <a:prstGeom prst="roundRect">
+            <a:avLst/>
+          </a:prstGeom>
+          <a:solidFill>
+            <a:schemeClr val="bg1">
+              <a:lumMod val="95000"/>
+            </a:schemeClr>
+          </a:solidFill>
+        </p:spPr>
+        <p:style>
+          <a:lnRef idx="2">
+            <a:schemeClr val="accent1">
+              <a:shade val="50000"/>
+            </a:schemeClr>
+          </a:lnRef>
+          <a:fillRef idx="1">
+            <a:schemeClr val="accent1"/>
+          </a:fillRef>
+          <a:effectRef idx="0">
+            <a:schemeClr val="accent1"/>
+          </a:effectRef>
+          <a:fontRef idx="minor">
+            <a:schemeClr val="lt1"/>
+          </a:fontRef>
+        </p:style>
+        <p:txBody>
+          <a:bodyPr rtlCol="0" anchor="ctr"/>
+          <a:lstStyle/>
+          <a:p>
+            <a:pPr algn="ctr"/>
+            <a:r>
+              <a:rPr lang="en-US" altLang="zh-TW" dirty="0" smtClean="0">
+                <a:solidFill>
+                  <a:schemeClr val="tx1"/>
+                </a:solidFill>
+              </a:rPr>
+              <a:t>Router handler: next page</a:t>
+            </a:r>
+            <a:endParaRPr lang="zh-TW" altLang="en-US" dirty="0">
+              <a:solidFill>
+                <a:schemeClr val="tx1"/>
+              </a:solidFill>
+            </a:endParaRPr>
+          </a:p>
+        </p:txBody>
+      </p:sp>
+      <p:pic>
+        <p:nvPicPr>
+          <p:cNvPr id="8" name="圖片 7"/>
+          <p:cNvPicPr>
+            <a:picLocks noChangeAspect="1"/>
+          </p:cNvPicPr>
+          <p:nvPr/>
+        </p:nvPicPr>
+        <p:blipFill>
+          <a:blip r:embed="rId3"/>
+          <a:stretch>
+            <a:fillRect/>
+          </a:stretch>
+        </p:blipFill>
+        <p:spPr>
+          <a:xfrm>
+            <a:off x="157162" y="5910262"/>
+            <a:ext cx="5114925" cy="390525"/>
+          </a:xfrm>
+          <a:prstGeom prst="rect">
+            <a:avLst/>
+          </a:prstGeom>
+        </p:spPr>
+      </p:pic>
+    </p:spTree>
+    <p:extLst>
+      <p:ext uri="{BB962C8B-B14F-4D97-AF65-F5344CB8AC3E}">
+        <p14:creationId xmlns:p14="http://schemas.microsoft.com/office/powerpoint/2010/main" val="2574344045"/>
+      </p:ext>
+    </p:extLst>
+  </p:cSld>
+  <p:clrMapOvr>
+    <a:masterClrMapping/>
+  </p:clrMapOvr>
+</p:sld>
+</file>
+
+<file path=ppt/slides/slide16.xml><?xml version="1.0" encoding="utf-8"?>
+<p:sld xmlns:a="http://schemas.openxmlformats.org/drawingml/2006/main" xmlns:r="http://schemas.openxmlformats.org/officeDocument/2006/relationships" xmlns:p="http://schemas.openxmlformats.org/presentationml/2006/main">
+  <p:cSld>
+    <p:spTree>
+      <p:nvGrpSpPr>
+        <p:cNvPr id="1" name=""/>
+        <p:cNvGrpSpPr/>
+        <p:nvPr/>
+      </p:nvGrpSpPr>
+      <p:grpSpPr>
+        <a:xfrm>
+          <a:off x="0" y="0"/>
+          <a:ext cx="0" cy="0"/>
+          <a:chOff x="0" y="0"/>
+          <a:chExt cx="0" cy="0"/>
+        </a:xfrm>
+      </p:grpSpPr>
+      <p:sp>
+        <p:nvSpPr>
+          <p:cNvPr id="2" name="標題 1"/>
+          <p:cNvSpPr>
+            <a:spLocks noGrp="1"/>
+          </p:cNvSpPr>
+          <p:nvPr>
+            <p:ph type="title"/>
+          </p:nvPr>
+        </p:nvSpPr>
+        <p:spPr/>
+        <p:txBody>
+          <a:bodyPr/>
+          <a:lstStyle/>
+          <a:p>
+            <a:endParaRPr lang="zh-TW" altLang="en-US"/>
+          </a:p>
+        </p:txBody>
+      </p:sp>
+      <p:pic>
+        <p:nvPicPr>
+          <p:cNvPr id="3" name="圖片 2"/>
+          <p:cNvPicPr>
+            <a:picLocks noChangeAspect="1"/>
+          </p:cNvPicPr>
+          <p:nvPr/>
+        </p:nvPicPr>
+        <p:blipFill>
+          <a:blip r:embed="rId2"/>
+          <a:stretch>
+            <a:fillRect/>
+          </a:stretch>
+        </p:blipFill>
+        <p:spPr>
+          <a:xfrm>
+            <a:off x="161925" y="78015"/>
+            <a:ext cx="6600337" cy="5903685"/>
+          </a:xfrm>
+          <a:prstGeom prst="rect">
+            <a:avLst/>
+          </a:prstGeom>
+        </p:spPr>
+      </p:pic>
+      <p:sp>
+        <p:nvSpPr>
+          <p:cNvPr id="5" name="圓角矩形 4"/>
+          <p:cNvSpPr/>
+          <p:nvPr/>
+        </p:nvSpPr>
+        <p:spPr>
+          <a:xfrm>
+            <a:off x="733425" y="1409700"/>
+            <a:ext cx="1733550" cy="809625"/>
+          </a:xfrm>
+          <a:prstGeom prst="roundRect">
+            <a:avLst/>
+          </a:prstGeom>
+          <a:noFill/>
+          <a:ln w="28575">
+            <a:solidFill>
+              <a:srgbClr val="FF0000"/>
+            </a:solidFill>
+          </a:ln>
+        </p:spPr>
+        <p:style>
+          <a:lnRef idx="2">
+            <a:schemeClr val="accent1">
+              <a:shade val="50000"/>
+            </a:schemeClr>
+          </a:lnRef>
+          <a:fillRef idx="1">
+            <a:schemeClr val="accent1"/>
+          </a:fillRef>
+          <a:effectRef idx="0">
+            <a:schemeClr val="accent1"/>
+          </a:effectRef>
+          <a:fontRef idx="minor">
+            <a:schemeClr val="lt1"/>
+          </a:fontRef>
+        </p:style>
+        <p:txBody>
+          <a:bodyPr rtlCol="0" anchor="ctr"/>
+          <a:lstStyle/>
+          <a:p>
+            <a:pPr algn="ctr"/>
+            <a:endParaRPr lang="zh-TW" altLang="en-US"/>
+          </a:p>
+        </p:txBody>
+      </p:sp>
+      <p:sp>
+        <p:nvSpPr>
+          <p:cNvPr id="6" name="圓角矩形 5"/>
+          <p:cNvSpPr/>
+          <p:nvPr/>
+        </p:nvSpPr>
+        <p:spPr>
+          <a:xfrm>
+            <a:off x="2009774" y="4086226"/>
+            <a:ext cx="1914525" cy="323850"/>
+          </a:xfrm>
+          <a:prstGeom prst="roundRect">
+            <a:avLst/>
+          </a:prstGeom>
+          <a:noFill/>
+          <a:ln w="28575">
+            <a:solidFill>
+              <a:srgbClr val="FF0000"/>
+            </a:solidFill>
+          </a:ln>
+        </p:spPr>
+        <p:style>
+          <a:lnRef idx="2">
+            <a:schemeClr val="accent1">
+              <a:shade val="50000"/>
+            </a:schemeClr>
+          </a:lnRef>
+          <a:fillRef idx="1">
+            <a:schemeClr val="accent1"/>
+          </a:fillRef>
+          <a:effectRef idx="0">
+            <a:schemeClr val="accent1"/>
+          </a:effectRef>
+          <a:fontRef idx="minor">
+            <a:schemeClr val="lt1"/>
+          </a:fontRef>
+        </p:style>
+        <p:txBody>
+          <a:bodyPr rtlCol="0" anchor="ctr"/>
+          <a:lstStyle/>
+          <a:p>
+            <a:pPr algn="ctr"/>
+            <a:endParaRPr lang="zh-TW" altLang="en-US"/>
+          </a:p>
+        </p:txBody>
+      </p:sp>
+      <p:pic>
+        <p:nvPicPr>
+          <p:cNvPr id="8" name="圖片 7"/>
+          <p:cNvPicPr>
+            <a:picLocks noChangeAspect="1"/>
+          </p:cNvPicPr>
+          <p:nvPr/>
+        </p:nvPicPr>
+        <p:blipFill>
+          <a:blip r:embed="rId3"/>
+          <a:stretch>
+            <a:fillRect/>
+          </a:stretch>
+        </p:blipFill>
+        <p:spPr>
+          <a:xfrm>
+            <a:off x="528637" y="5866946"/>
+            <a:ext cx="7877175" cy="847725"/>
+          </a:xfrm>
+          <a:prstGeom prst="rect">
+            <a:avLst/>
+          </a:prstGeom>
+        </p:spPr>
+      </p:pic>
+      <p:sp>
+        <p:nvSpPr>
+          <p:cNvPr id="9" name="右大括弧 8"/>
+          <p:cNvSpPr/>
+          <p:nvPr/>
+        </p:nvSpPr>
+        <p:spPr>
+          <a:xfrm>
+            <a:off x="4829175" y="2219325"/>
+            <a:ext cx="314325" cy="1752600"/>
+          </a:xfrm>
+          <a:prstGeom prst="rightBrace">
+            <a:avLst/>
+          </a:prstGeom>
+          <a:ln>
+            <a:solidFill>
+              <a:srgbClr val="FF0000"/>
+            </a:solidFill>
+          </a:ln>
+        </p:spPr>
+        <p:style>
+          <a:lnRef idx="1">
+            <a:schemeClr val="accent1"/>
+          </a:lnRef>
+          <a:fillRef idx="0">
+            <a:schemeClr val="accent1"/>
+          </a:fillRef>
+          <a:effectRef idx="0">
+            <a:schemeClr val="accent1"/>
+          </a:effectRef>
+          <a:fontRef idx="minor">
+            <a:schemeClr val="tx1"/>
+          </a:fontRef>
+        </p:style>
+        <p:txBody>
+          <a:bodyPr rtlCol="0" anchor="ctr"/>
+          <a:lstStyle/>
+          <a:p>
+            <a:pPr algn="ctr"/>
+            <a:endParaRPr lang="zh-TW" altLang="en-US"/>
+          </a:p>
+        </p:txBody>
+      </p:sp>
+    </p:spTree>
+    <p:extLst>
+      <p:ext uri="{BB962C8B-B14F-4D97-AF65-F5344CB8AC3E}">
+        <p14:creationId xmlns:p14="http://schemas.microsoft.com/office/powerpoint/2010/main" val="2102366764"/>
+      </p:ext>
+    </p:extLst>
+  </p:cSld>
+  <p:clrMapOvr>
+    <a:masterClrMapping/>
+  </p:clrMapOvr>
+</p:sld>
+</file>
+
+<file path=ppt/slides/slide17.xml><?xml version="1.0" encoding="utf-8"?>
+<p:sld xmlns:a="http://schemas.openxmlformats.org/drawingml/2006/main" xmlns:r="http://schemas.openxmlformats.org/officeDocument/2006/relationships" xmlns:p="http://schemas.openxmlformats.org/presentationml/2006/main">
+  <p:cSld>
+    <p:spTree>
+      <p:nvGrpSpPr>
+        <p:cNvPr id="1" name=""/>
+        <p:cNvGrpSpPr/>
+        <p:nvPr/>
+      </p:nvGrpSpPr>
+      <p:grpSpPr>
+        <a:xfrm>
+          <a:off x="0" y="0"/>
+          <a:ext cx="0" cy="0"/>
+          <a:chOff x="0" y="0"/>
+          <a:chExt cx="0" cy="0"/>
+        </a:xfrm>
+      </p:grpSpPr>
+      <p:sp>
+        <p:nvSpPr>
+          <p:cNvPr id="2" name="標題 1"/>
+          <p:cNvSpPr>
+            <a:spLocks noGrp="1"/>
+          </p:cNvSpPr>
+          <p:nvPr>
+            <p:ph type="title"/>
+          </p:nvPr>
+        </p:nvSpPr>
+        <p:spPr/>
+        <p:txBody>
+          <a:bodyPr/>
+          <a:lstStyle/>
+          <a:p>
+            <a:pPr algn="r"/>
+            <a:r>
+              <a:rPr lang="en-US" altLang="zh-TW" dirty="0" smtClean="0"/>
+              <a:t>cube.html</a:t>
+            </a:r>
+            <a:endParaRPr lang="zh-TW" altLang="en-US" dirty="0"/>
+          </a:p>
+        </p:txBody>
+      </p:sp>
+      <p:pic>
+        <p:nvPicPr>
+          <p:cNvPr id="3" name="圖片 2"/>
+          <p:cNvPicPr>
+            <a:picLocks noChangeAspect="1"/>
+          </p:cNvPicPr>
+          <p:nvPr/>
+        </p:nvPicPr>
+        <p:blipFill>
+          <a:blip r:embed="rId2"/>
+          <a:stretch>
+            <a:fillRect/>
+          </a:stretch>
+        </p:blipFill>
+        <p:spPr>
+          <a:xfrm>
+            <a:off x="542556" y="5186279"/>
+            <a:ext cx="8058887" cy="1190791"/>
+          </a:xfrm>
+          <a:prstGeom prst="rect">
+            <a:avLst/>
+          </a:prstGeom>
+        </p:spPr>
+      </p:pic>
+      <p:pic>
+        <p:nvPicPr>
+          <p:cNvPr id="4" name="圖片 3"/>
+          <p:cNvPicPr>
+            <a:picLocks noChangeAspect="1"/>
+          </p:cNvPicPr>
+          <p:nvPr/>
+        </p:nvPicPr>
+        <p:blipFill>
+          <a:blip r:embed="rId3"/>
+          <a:stretch>
+            <a:fillRect/>
+          </a:stretch>
+        </p:blipFill>
+        <p:spPr>
+          <a:xfrm>
+            <a:off x="5914253" y="1690689"/>
+            <a:ext cx="3046553" cy="3186415"/>
+          </a:xfrm>
+          <a:prstGeom prst="rect">
+            <a:avLst/>
+          </a:prstGeom>
+        </p:spPr>
+      </p:pic>
+      <p:pic>
+        <p:nvPicPr>
+          <p:cNvPr id="5" name="圖片 4"/>
+          <p:cNvPicPr>
+            <a:picLocks noChangeAspect="1"/>
+          </p:cNvPicPr>
+          <p:nvPr/>
+        </p:nvPicPr>
+        <p:blipFill>
+          <a:blip r:embed="rId4"/>
+          <a:stretch>
+            <a:fillRect/>
+          </a:stretch>
+        </p:blipFill>
+        <p:spPr>
+          <a:xfrm>
+            <a:off x="183194" y="553536"/>
+            <a:ext cx="5503231" cy="1800225"/>
+          </a:xfrm>
+          <a:prstGeom prst="rect">
+            <a:avLst/>
+          </a:prstGeom>
+        </p:spPr>
+      </p:pic>
+      <p:pic>
+        <p:nvPicPr>
+          <p:cNvPr id="6" name="圖片 5"/>
+          <p:cNvPicPr>
+            <a:picLocks noChangeAspect="1"/>
+          </p:cNvPicPr>
+          <p:nvPr/>
+        </p:nvPicPr>
+        <p:blipFill>
+          <a:blip r:embed="rId5"/>
+          <a:stretch>
+            <a:fillRect/>
+          </a:stretch>
+        </p:blipFill>
+        <p:spPr>
+          <a:xfrm>
+            <a:off x="183194" y="2646070"/>
+            <a:ext cx="5496343" cy="1571625"/>
+          </a:xfrm>
+          <a:prstGeom prst="rect">
+            <a:avLst/>
+          </a:prstGeom>
+        </p:spPr>
+      </p:pic>
+      <p:sp>
+        <p:nvSpPr>
+          <p:cNvPr id="7" name="文字方塊 6"/>
+          <p:cNvSpPr txBox="1"/>
+          <p:nvPr/>
+        </p:nvSpPr>
+        <p:spPr>
+          <a:xfrm>
+            <a:off x="133350" y="113210"/>
+            <a:ext cx="1795171" cy="369332"/>
+          </a:xfrm>
+          <a:prstGeom prst="rect">
+            <a:avLst/>
+          </a:prstGeom>
+          <a:noFill/>
+        </p:spPr>
+        <p:txBody>
+          <a:bodyPr wrap="none" rtlCol="0">
+            <a:spAutoFit/>
+          </a:bodyPr>
+          <a:lstStyle/>
+          <a:p>
+            <a:r>
+              <a:rPr lang="en-US" altLang="zh-TW" dirty="0" smtClean="0">
+                <a:solidFill>
+                  <a:srgbClr val="FF0000"/>
+                </a:solidFill>
+              </a:rPr>
+              <a:t>1. Start servers …</a:t>
+            </a:r>
+            <a:endParaRPr lang="zh-TW" altLang="en-US" dirty="0">
+              <a:solidFill>
+                <a:srgbClr val="FF0000"/>
+              </a:solidFill>
+            </a:endParaRPr>
+          </a:p>
+        </p:txBody>
+      </p:sp>
+      <p:sp>
+        <p:nvSpPr>
+          <p:cNvPr id="8" name="文字方塊 7"/>
+          <p:cNvSpPr txBox="1"/>
+          <p:nvPr/>
+        </p:nvSpPr>
+        <p:spPr>
+          <a:xfrm>
+            <a:off x="5914253" y="1268982"/>
+            <a:ext cx="2256708" cy="369332"/>
+          </a:xfrm>
+          <a:prstGeom prst="rect">
+            <a:avLst/>
+          </a:prstGeom>
+          <a:noFill/>
+        </p:spPr>
+        <p:txBody>
+          <a:bodyPr wrap="none" rtlCol="0">
+            <a:spAutoFit/>
+          </a:bodyPr>
+          <a:lstStyle/>
+          <a:p>
+            <a:r>
+              <a:rPr lang="en-US" altLang="zh-TW" dirty="0" smtClean="0">
+                <a:solidFill>
+                  <a:srgbClr val="FF0000"/>
+                </a:solidFill>
+              </a:rPr>
+              <a:t>2. Connect to HTML …</a:t>
+            </a:r>
+            <a:endParaRPr lang="zh-TW" altLang="en-US" dirty="0">
+              <a:solidFill>
+                <a:srgbClr val="FF0000"/>
+              </a:solidFill>
+            </a:endParaRPr>
+          </a:p>
+        </p:txBody>
+      </p:sp>
+    </p:spTree>
+    <p:extLst>
+      <p:ext uri="{BB962C8B-B14F-4D97-AF65-F5344CB8AC3E}">
+        <p14:creationId xmlns:p14="http://schemas.microsoft.com/office/powerpoint/2010/main" val="1996078305"/>
+      </p:ext>
+    </p:extLst>
+  </p:cSld>
+  <p:clrMapOvr>
+    <a:masterClrMapping/>
+  </p:clrMapOvr>
+</p:sld>
+</file>
+
+<file path=ppt/slides/slide18.xml><?xml version="1.0" encoding="utf-8"?>
+<p:sld xmlns:a="http://schemas.openxmlformats.org/drawingml/2006/main" xmlns:r="http://schemas.openxmlformats.org/officeDocument/2006/relationships" xmlns:p="http://schemas.openxmlformats.org/presentationml/2006/main">
+  <p:cSld>
+    <p:spTree>
+      <p:nvGrpSpPr>
+        <p:cNvPr id="1" name=""/>
+        <p:cNvGrpSpPr/>
+        <p:nvPr/>
+      </p:nvGrpSpPr>
+      <p:grpSpPr>
+        <a:xfrm>
+          <a:off x="0" y="0"/>
+          <a:ext cx="0" cy="0"/>
+          <a:chOff x="0" y="0"/>
+          <a:chExt cx="0" cy="0"/>
+        </a:xfrm>
+      </p:grpSpPr>
+      <p:grpSp>
+        <p:nvGrpSpPr>
+          <p:cNvPr id="5" name="群組 4"/>
+          <p:cNvGrpSpPr/>
+          <p:nvPr/>
+        </p:nvGrpSpPr>
+        <p:grpSpPr>
+          <a:xfrm>
+            <a:off x="156457" y="123824"/>
+            <a:ext cx="8806568" cy="6600825"/>
+            <a:chOff x="156457" y="185342"/>
+            <a:chExt cx="8806568" cy="7668159"/>
           </a:xfrm>
         </p:grpSpPr>
         <p:pic>
           <p:nvPicPr>
-            <p:cNvPr id="2" name="圖片 1"/>
+            <p:cNvPr id="3" name="圖片 2"/>
             <p:cNvPicPr>
               <a:picLocks noChangeAspect="1"/>
             </p:cNvPicPr>
@@ -3923,8 +5152,8 @@
           </p:blipFill>
           <p:spPr>
             <a:xfrm>
-              <a:off x="115748" y="138848"/>
-              <a:ext cx="12003175" cy="3105583"/>
+              <a:off x="156457" y="185342"/>
+              <a:ext cx="8806568" cy="5668166"/>
             </a:xfrm>
             <a:prstGeom prst="rect">
               <a:avLst/>
@@ -3933,7 +5162,7 @@
         </p:pic>
         <p:pic>
           <p:nvPicPr>
-            <p:cNvPr id="3" name="圖片 2"/>
+            <p:cNvPr id="4" name="圖片 3"/>
             <p:cNvPicPr>
               <a:picLocks noChangeAspect="1"/>
             </p:cNvPicPr>
@@ -3947,8 +5176,8 @@
           </p:blipFill>
           <p:spPr>
             <a:xfrm>
-              <a:off x="115748" y="3244431"/>
-              <a:ext cx="7278116" cy="5296639"/>
+              <a:off x="156457" y="5862498"/>
+              <a:ext cx="3062993" cy="1991003"/>
             </a:xfrm>
             <a:prstGeom prst="rect">
               <a:avLst/>
@@ -3956,6 +5185,152 @@
           </p:spPr>
         </p:pic>
       </p:grpSp>
+      <p:sp>
+        <p:nvSpPr>
+          <p:cNvPr id="6" name="圓角矩形 5"/>
+          <p:cNvSpPr/>
+          <p:nvPr/>
+        </p:nvSpPr>
+        <p:spPr>
+          <a:xfrm>
+            <a:off x="1800225" y="2847975"/>
+            <a:ext cx="771525" cy="228600"/>
+          </a:xfrm>
+          <a:prstGeom prst="roundRect">
+            <a:avLst/>
+          </a:prstGeom>
+          <a:noFill/>
+          <a:ln w="19050">
+            <a:solidFill>
+              <a:srgbClr val="FF0000"/>
+            </a:solidFill>
+          </a:ln>
+        </p:spPr>
+        <p:style>
+          <a:lnRef idx="2">
+            <a:schemeClr val="accent1">
+              <a:shade val="50000"/>
+            </a:schemeClr>
+          </a:lnRef>
+          <a:fillRef idx="1">
+            <a:schemeClr val="accent1"/>
+          </a:fillRef>
+          <a:effectRef idx="0">
+            <a:schemeClr val="accent1"/>
+          </a:effectRef>
+          <a:fontRef idx="minor">
+            <a:schemeClr val="lt1"/>
+          </a:fontRef>
+        </p:style>
+        <p:txBody>
+          <a:bodyPr rtlCol="0" anchor="ctr"/>
+          <a:lstStyle/>
+          <a:p>
+            <a:pPr algn="ctr"/>
+            <a:endParaRPr lang="zh-TW" altLang="en-US"/>
+          </a:p>
+        </p:txBody>
+      </p:sp>
+      <p:sp>
+        <p:nvSpPr>
+          <p:cNvPr id="7" name="圓角矩形 6"/>
+          <p:cNvSpPr/>
+          <p:nvPr/>
+        </p:nvSpPr>
+        <p:spPr>
+          <a:xfrm>
+            <a:off x="2638425" y="4086225"/>
+            <a:ext cx="771525" cy="228600"/>
+          </a:xfrm>
+          <a:prstGeom prst="roundRect">
+            <a:avLst/>
+          </a:prstGeom>
+          <a:noFill/>
+          <a:ln w="19050">
+            <a:solidFill>
+              <a:srgbClr val="FF0000"/>
+            </a:solidFill>
+          </a:ln>
+        </p:spPr>
+        <p:style>
+          <a:lnRef idx="2">
+            <a:schemeClr val="accent1">
+              <a:shade val="50000"/>
+            </a:schemeClr>
+          </a:lnRef>
+          <a:fillRef idx="1">
+            <a:schemeClr val="accent1"/>
+          </a:fillRef>
+          <a:effectRef idx="0">
+            <a:schemeClr val="accent1"/>
+          </a:effectRef>
+          <a:fontRef idx="minor">
+            <a:schemeClr val="lt1"/>
+          </a:fontRef>
+        </p:style>
+        <p:txBody>
+          <a:bodyPr rtlCol="0" anchor="ctr"/>
+          <a:lstStyle/>
+          <a:p>
+            <a:pPr algn="ctr"/>
+            <a:endParaRPr lang="zh-TW" altLang="en-US"/>
+          </a:p>
+        </p:txBody>
+      </p:sp>
+    </p:spTree>
+    <p:extLst>
+      <p:ext uri="{BB962C8B-B14F-4D97-AF65-F5344CB8AC3E}">
+        <p14:creationId xmlns:p14="http://schemas.microsoft.com/office/powerpoint/2010/main" val="2861065955"/>
+      </p:ext>
+    </p:extLst>
+  </p:cSld>
+  <p:clrMapOvr>
+    <a:masterClrMapping/>
+  </p:clrMapOvr>
+</p:sld>
+</file>
+
+<file path=ppt/slides/slide19.xml><?xml version="1.0" encoding="utf-8"?>
+<p:sld xmlns:a="http://schemas.openxmlformats.org/drawingml/2006/main" xmlns:r="http://schemas.openxmlformats.org/officeDocument/2006/relationships" xmlns:p="http://schemas.openxmlformats.org/presentationml/2006/main">
+  <p:cSld>
+    <p:spTree>
+      <p:nvGrpSpPr>
+        <p:cNvPr id="1" name=""/>
+        <p:cNvGrpSpPr/>
+        <p:nvPr/>
+      </p:nvGrpSpPr>
+      <p:grpSpPr>
+        <a:xfrm>
+          <a:off x="0" y="0"/>
+          <a:ext cx="0" cy="0"/>
+          <a:chOff x="0" y="0"/>
+          <a:chExt cx="0" cy="0"/>
+        </a:xfrm>
+      </p:grpSpPr>
+      <p:pic>
+        <p:nvPicPr>
+          <p:cNvPr id="2" name="圖片 1"/>
+          <p:cNvPicPr>
+            <a:picLocks noChangeAspect="1"/>
+          </p:cNvPicPr>
+          <p:nvPr/>
+        </p:nvPicPr>
+        <p:blipFill>
+          <a:blip r:embed="rId2"/>
+          <a:stretch>
+            <a:fillRect/>
+          </a:stretch>
+        </p:blipFill>
+        <p:spPr>
+          <a:xfrm>
+            <a:off x="290084" y="323539"/>
+            <a:ext cx="7970227" cy="5801036"/>
+          </a:xfrm>
+          <a:prstGeom prst="rect">
+            <a:avLst/>
+          </a:prstGeom>
+        </p:spPr>
+      </p:pic>
       <p:grpSp>
         <p:nvGrpSpPr>
           <p:cNvPr id="5" name="群組 4"/>
@@ -3964,7 +5339,7 @@
         </p:nvGrpSpPr>
         <p:grpSpPr>
           <a:xfrm>
-            <a:off x="4510563" y="2571962"/>
+            <a:off x="4144919" y="4257887"/>
             <a:ext cx="4481036" cy="1764792"/>
             <a:chOff x="4555148" y="0"/>
             <a:chExt cx="4481036" cy="1764792"/>
@@ -3979,7 +5354,7 @@
             <p:nvPr/>
           </p:nvPicPr>
           <p:blipFill>
-            <a:blip r:embed="rId4"/>
+            <a:blip r:embed="rId3"/>
             <a:stretch>
               <a:fillRect/>
             </a:stretch>
@@ -4017,7 +5392,7 @@
             <a:p>
               <a:r>
                 <a:rPr lang="en-US" altLang="zh-TW" dirty="0" smtClean="0">
-                  <a:hlinkClick r:id="rId5"/>
+                  <a:hlinkClick r:id="rId4"/>
                 </a:rPr>
                 <a:t>reference</a:t>
               </a:r>
@@ -4028,71 +5403,49 @@
       </p:grpSp>
       <p:sp>
         <p:nvSpPr>
-          <p:cNvPr id="8" name="橢圓 7"/>
+          <p:cNvPr id="4" name="矩形 3"/>
           <p:cNvSpPr/>
           <p:nvPr/>
         </p:nvSpPr>
         <p:spPr>
           <a:xfrm>
-            <a:off x="243840" y="4775200"/>
-            <a:ext cx="619760" cy="355600"/>
-          </a:xfrm>
-          <a:prstGeom prst="ellipse">
+            <a:off x="7611087" y="4239303"/>
+            <a:ext cx="1298448" cy="369332"/>
+          </a:xfrm>
+          <a:prstGeom prst="rect">
             <a:avLst/>
           </a:prstGeom>
-          <a:noFill/>
-          <a:ln w="28575">
-            <a:solidFill>
-              <a:srgbClr val="FF0000"/>
-            </a:solidFill>
-          </a:ln>
-        </p:spPr>
-        <p:style>
-          <a:lnRef idx="2">
-            <a:schemeClr val="accent1">
-              <a:shade val="50000"/>
-            </a:schemeClr>
-          </a:lnRef>
-          <a:fillRef idx="1">
-            <a:schemeClr val="accent1"/>
-          </a:fillRef>
-          <a:effectRef idx="0">
-            <a:schemeClr val="accent1"/>
-          </a:effectRef>
-          <a:fontRef idx="minor">
-            <a:schemeClr val="lt1"/>
-          </a:fontRef>
-        </p:style>
-        <p:txBody>
-          <a:bodyPr rtlCol="0" anchor="ctr"/>
-          <a:lstStyle/>
-          <a:p>
-            <a:pPr algn="ctr"/>
-            <a:endParaRPr lang="zh-TW" altLang="en-US"/>
+        </p:spPr>
+        <p:txBody>
+          <a:bodyPr wrap="square">
+            <a:spAutoFit/>
+          </a:bodyPr>
+          <a:lstStyle/>
+          <a:p>
+            <a:r>
+              <a:rPr lang="en-US" altLang="zh-TW" dirty="0" smtClean="0">
+                <a:hlinkClick r:id="rId4"/>
+              </a:rPr>
+              <a:t>reference</a:t>
+            </a:r>
+            <a:endParaRPr lang="zh-TW" altLang="en-US" dirty="0"/>
           </a:p>
         </p:txBody>
       </p:sp>
     </p:spTree>
     <p:extLst>
       <p:ext uri="{BB962C8B-B14F-4D97-AF65-F5344CB8AC3E}">
-        <p14:creationId xmlns:p14="http://schemas.microsoft.com/office/powerpoint/2010/main" val="91413"/>
+        <p14:creationId xmlns:p14="http://schemas.microsoft.com/office/powerpoint/2010/main" val="1828925477"/>
       </p:ext>
     </p:extLst>
   </p:cSld>
   <p:clrMapOvr>
     <a:masterClrMapping/>
   </p:clrMapOvr>
-  <p:timing>
-    <p:tnLst>
-      <p:par>
-        <p:cTn id="1" dur="indefinite" restart="never" nodeType="tmRoot"/>
-      </p:par>
-    </p:tnLst>
-  </p:timing>
 </p:sld>
 </file>
 
-<file path=ppt/slides/slide14.xml><?xml version="1.0" encoding="utf-8"?>
+<file path=ppt/slides/slide2.xml><?xml version="1.0" encoding="utf-8"?>
 <p:sld xmlns:a="http://schemas.openxmlformats.org/drawingml/2006/main" xmlns:r="http://schemas.openxmlformats.org/officeDocument/2006/relationships" xmlns:p="http://schemas.openxmlformats.org/presentationml/2006/main">
   <p:cSld>
     <p:spTree>
@@ -4109,308 +5462,144 @@
           <a:chExt cx="0" cy="0"/>
         </a:xfrm>
       </p:grpSpPr>
-      <p:grpSp>
-        <p:nvGrpSpPr>
-          <p:cNvPr id="7" name="群組 6"/>
-          <p:cNvGrpSpPr/>
-          <p:nvPr/>
-        </p:nvGrpSpPr>
-        <p:grpSpPr>
-          <a:xfrm>
-            <a:off x="0" y="0"/>
-            <a:ext cx="5029200" cy="6629446"/>
-            <a:chOff x="74933" y="126769"/>
-            <a:chExt cx="6345784" cy="9980983"/>
-          </a:xfrm>
-        </p:grpSpPr>
-        <p:pic>
-          <p:nvPicPr>
-            <p:cNvPr id="3" name="圖片 2"/>
-            <p:cNvPicPr>
-              <a:picLocks noChangeAspect="1"/>
-            </p:cNvPicPr>
-            <p:nvPr/>
-          </p:nvPicPr>
-          <p:blipFill>
-            <a:blip r:embed="rId2"/>
-            <a:stretch>
-              <a:fillRect/>
-            </a:stretch>
-          </p:blipFill>
-          <p:spPr>
-            <a:xfrm>
-              <a:off x="85708" y="126769"/>
-              <a:ext cx="4239217" cy="438211"/>
-            </a:xfrm>
-            <a:prstGeom prst="rect">
-              <a:avLst/>
-            </a:prstGeom>
-          </p:spPr>
-        </p:pic>
-        <p:pic>
-          <p:nvPicPr>
-            <p:cNvPr id="4" name="圖片 3"/>
-            <p:cNvPicPr>
-              <a:picLocks noChangeAspect="1"/>
-            </p:cNvPicPr>
-            <p:nvPr/>
-          </p:nvPicPr>
-          <p:blipFill>
-            <a:blip r:embed="rId3"/>
-            <a:stretch>
-              <a:fillRect/>
-            </a:stretch>
-          </p:blipFill>
-          <p:spPr>
-            <a:xfrm>
-              <a:off x="85708" y="564980"/>
-              <a:ext cx="6335009" cy="1686160"/>
-            </a:xfrm>
-            <a:prstGeom prst="rect">
-              <a:avLst/>
-            </a:prstGeom>
-          </p:spPr>
-        </p:pic>
-        <p:pic>
-          <p:nvPicPr>
-            <p:cNvPr id="5" name="圖片 4"/>
-            <p:cNvPicPr>
-              <a:picLocks noChangeAspect="1"/>
-            </p:cNvPicPr>
-            <p:nvPr/>
-          </p:nvPicPr>
-          <p:blipFill>
-            <a:blip r:embed="rId4"/>
-            <a:stretch>
-              <a:fillRect/>
-            </a:stretch>
-          </p:blipFill>
-          <p:spPr>
-            <a:xfrm>
-              <a:off x="85708" y="2251140"/>
-              <a:ext cx="6230219" cy="3124636"/>
-            </a:xfrm>
-            <a:prstGeom prst="rect">
-              <a:avLst/>
-            </a:prstGeom>
-          </p:spPr>
-        </p:pic>
-        <p:pic>
-          <p:nvPicPr>
-            <p:cNvPr id="6" name="圖片 5"/>
-            <p:cNvPicPr>
-              <a:picLocks noChangeAspect="1"/>
-            </p:cNvPicPr>
-            <p:nvPr/>
-          </p:nvPicPr>
-          <p:blipFill>
-            <a:blip r:embed="rId5"/>
-            <a:stretch>
-              <a:fillRect/>
-            </a:stretch>
-          </p:blipFill>
-          <p:spPr>
-            <a:xfrm>
-              <a:off x="74933" y="5392219"/>
-              <a:ext cx="6125430" cy="4715533"/>
-            </a:xfrm>
-            <a:prstGeom prst="rect">
-              <a:avLst/>
-            </a:prstGeom>
-          </p:spPr>
-        </p:pic>
-      </p:grpSp>
-      <p:pic>
-        <p:nvPicPr>
-          <p:cNvPr id="8" name="圖片 7"/>
-          <p:cNvPicPr>
-            <a:picLocks noChangeAspect="1"/>
-          </p:cNvPicPr>
-          <p:nvPr/>
-        </p:nvPicPr>
-        <p:blipFill>
-          <a:blip r:embed="rId6"/>
-          <a:stretch>
-            <a:fillRect/>
-          </a:stretch>
-        </p:blipFill>
-        <p:spPr>
-          <a:xfrm>
-            <a:off x="-90967" y="6622377"/>
-            <a:ext cx="5454275" cy="248144"/>
-          </a:xfrm>
-          <a:prstGeom prst="rect">
-            <a:avLst/>
-          </a:prstGeom>
-        </p:spPr>
-      </p:pic>
-      <p:sp>
-        <p:nvSpPr>
-          <p:cNvPr id="10" name="文字方塊 9"/>
-          <p:cNvSpPr txBox="1"/>
-          <p:nvPr/>
-        </p:nvSpPr>
-        <p:spPr>
-          <a:xfrm>
-            <a:off x="6955917" y="2345795"/>
-            <a:ext cx="1383712" cy="584775"/>
-          </a:xfrm>
-          <a:prstGeom prst="rect">
-            <a:avLst/>
-          </a:prstGeom>
-          <a:noFill/>
-        </p:spPr>
-        <p:txBody>
-          <a:bodyPr wrap="none" rtlCol="0">
-            <a:spAutoFit/>
-          </a:bodyPr>
-          <a:lstStyle/>
-          <a:p>
-            <a:r>
-              <a:rPr lang="en-US" altLang="zh-TW" sz="3200" dirty="0" smtClean="0">
-                <a:solidFill>
-                  <a:srgbClr val="FF0000"/>
-                </a:solidFill>
-              </a:rPr>
-              <a:t>main.js</a:t>
-            </a:r>
-            <a:endParaRPr lang="zh-TW" altLang="en-US" sz="3200" dirty="0">
-              <a:solidFill>
-                <a:srgbClr val="FF0000"/>
-              </a:solidFill>
-            </a:endParaRPr>
-          </a:p>
-        </p:txBody>
-      </p:sp>
-      <p:sp>
-        <p:nvSpPr>
-          <p:cNvPr id="11" name="圓角矩形 10"/>
-          <p:cNvSpPr/>
-          <p:nvPr/>
-        </p:nvSpPr>
-        <p:spPr>
-          <a:xfrm>
-            <a:off x="685800" y="3468778"/>
-            <a:ext cx="4286250" cy="960347"/>
-          </a:xfrm>
-          <a:prstGeom prst="roundRect">
-            <a:avLst/>
-          </a:prstGeom>
-          <a:noFill/>
-          <a:ln w="28575">
-            <a:solidFill>
-              <a:srgbClr val="FF0000"/>
-            </a:solidFill>
-          </a:ln>
-        </p:spPr>
-        <p:style>
-          <a:lnRef idx="2">
-            <a:schemeClr val="accent1">
-              <a:shade val="50000"/>
-            </a:schemeClr>
-          </a:lnRef>
-          <a:fillRef idx="1">
-            <a:schemeClr val="accent1"/>
-          </a:fillRef>
-          <a:effectRef idx="0">
-            <a:schemeClr val="accent1"/>
-          </a:effectRef>
-          <a:fontRef idx="minor">
-            <a:schemeClr val="lt1"/>
-          </a:fontRef>
-        </p:style>
-        <p:txBody>
-          <a:bodyPr rtlCol="0" anchor="ctr"/>
-          <a:lstStyle/>
-          <a:p>
-            <a:pPr algn="ctr"/>
-            <a:endParaRPr lang="zh-TW" altLang="en-US"/>
-          </a:p>
-        </p:txBody>
-      </p:sp>
-      <p:sp>
-        <p:nvSpPr>
-          <p:cNvPr id="12" name="文字方塊 11"/>
-          <p:cNvSpPr txBox="1"/>
-          <p:nvPr/>
-        </p:nvSpPr>
-        <p:spPr>
-          <a:xfrm>
-            <a:off x="5076825" y="3748926"/>
-            <a:ext cx="1006686" cy="369332"/>
-          </a:xfrm>
-          <a:prstGeom prst="rect">
-            <a:avLst/>
-          </a:prstGeom>
-          <a:noFill/>
-        </p:spPr>
-        <p:txBody>
-          <a:bodyPr wrap="none" rtlCol="0">
-            <a:spAutoFit/>
-          </a:bodyPr>
-          <a:lstStyle/>
-          <a:p>
-            <a:r>
-              <a:rPr lang="en-US" altLang="zh-TW" dirty="0" smtClean="0">
-                <a:solidFill>
-                  <a:srgbClr val="FF0000"/>
-                </a:solidFill>
-              </a:rPr>
-              <a:t>for CORS</a:t>
-            </a:r>
-            <a:endParaRPr lang="zh-TW" altLang="en-US" dirty="0">
-              <a:solidFill>
-                <a:srgbClr val="FF0000"/>
-              </a:solidFill>
-            </a:endParaRPr>
-          </a:p>
-        </p:txBody>
-      </p:sp>
-      <p:pic>
-        <p:nvPicPr>
-          <p:cNvPr id="13" name="圖片 12"/>
-          <p:cNvPicPr>
-            <a:picLocks noChangeAspect="1"/>
-          </p:cNvPicPr>
-          <p:nvPr/>
-        </p:nvPicPr>
-        <p:blipFill>
-          <a:blip r:embed="rId7"/>
-          <a:stretch>
-            <a:fillRect/>
-          </a:stretch>
-        </p:blipFill>
-        <p:spPr>
-          <a:xfrm>
-            <a:off x="5965302" y="145531"/>
-            <a:ext cx="2943636" cy="1181265"/>
-          </a:xfrm>
-          <a:prstGeom prst="rect">
-            <a:avLst/>
-          </a:prstGeom>
-        </p:spPr>
-      </p:pic>
+      <p:sp>
+        <p:nvSpPr>
+          <p:cNvPr id="2" name="標題 1"/>
+          <p:cNvSpPr>
+            <a:spLocks noGrp="1"/>
+          </p:cNvSpPr>
+          <p:nvPr>
+            <p:ph type="title"/>
+          </p:nvPr>
+        </p:nvSpPr>
+        <p:spPr/>
+        <p:txBody>
+          <a:bodyPr/>
+          <a:lstStyle/>
+          <a:p>
+            <a:r>
+              <a:rPr lang="en-US" altLang="zh-TW" dirty="0" smtClean="0"/>
+              <a:t>Node.js &amp; NPM</a:t>
+            </a:r>
+            <a:endParaRPr lang="zh-TW" altLang="en-US" dirty="0"/>
+          </a:p>
+        </p:txBody>
+      </p:sp>
+      <p:sp>
+        <p:nvSpPr>
+          <p:cNvPr id="3" name="內容版面配置區 2"/>
+          <p:cNvSpPr>
+            <a:spLocks noGrp="1"/>
+          </p:cNvSpPr>
+          <p:nvPr>
+            <p:ph idx="1"/>
+          </p:nvPr>
+        </p:nvSpPr>
+        <p:spPr/>
+        <p:txBody>
+          <a:bodyPr/>
+          <a:lstStyle/>
+          <a:p>
+            <a:r>
+              <a:rPr lang="en-US" altLang="zh-TW" dirty="0" smtClean="0"/>
+              <a:t>Node.js: a program and an environment</a:t>
+            </a:r>
+          </a:p>
+          <a:p>
+            <a:r>
+              <a:rPr lang="en-US" altLang="zh-TW" dirty="0" smtClean="0"/>
+              <a:t>NPM (node.js package manager): the name says it all</a:t>
+            </a:r>
+            <a:endParaRPr lang="zh-TW" altLang="en-US" dirty="0"/>
+          </a:p>
+        </p:txBody>
+      </p:sp>
     </p:spTree>
     <p:extLst>
       <p:ext uri="{BB962C8B-B14F-4D97-AF65-F5344CB8AC3E}">
-        <p14:creationId xmlns:p14="http://schemas.microsoft.com/office/powerpoint/2010/main" val="3239258205"/>
+        <p14:creationId xmlns:p14="http://schemas.microsoft.com/office/powerpoint/2010/main" val="2284706216"/>
       </p:ext>
     </p:extLst>
   </p:cSld>
   <p:clrMapOvr>
     <a:masterClrMapping/>
   </p:clrMapOvr>
-  <p:timing>
-    <p:tnLst>
-      <p:par>
-        <p:cTn id="1" dur="indefinite" restart="never" nodeType="tmRoot"/>
-      </p:par>
-    </p:tnLst>
-  </p:timing>
 </p:sld>
 </file>
 
-<file path=ppt/slides/slide15.xml><?xml version="1.0" encoding="utf-8"?>
+<file path=ppt/slides/slide20.xml><?xml version="1.0" encoding="utf-8"?>
+<p:sld xmlns:a="http://schemas.openxmlformats.org/drawingml/2006/main" xmlns:r="http://schemas.openxmlformats.org/officeDocument/2006/relationships" xmlns:p="http://schemas.openxmlformats.org/presentationml/2006/main">
+  <p:cSld>
+    <p:spTree>
+      <p:nvGrpSpPr>
+        <p:cNvPr id="1" name=""/>
+        <p:cNvGrpSpPr/>
+        <p:nvPr/>
+      </p:nvGrpSpPr>
+      <p:grpSpPr>
+        <a:xfrm>
+          <a:off x="0" y="0"/>
+          <a:ext cx="0" cy="0"/>
+          <a:chOff x="0" y="0"/>
+          <a:chExt cx="0" cy="0"/>
+        </a:xfrm>
+      </p:grpSpPr>
+      <p:sp>
+        <p:nvSpPr>
+          <p:cNvPr id="2" name="標題 1"/>
+          <p:cNvSpPr>
+            <a:spLocks noGrp="1"/>
+          </p:cNvSpPr>
+          <p:nvPr>
+            <p:ph type="ctrTitle"/>
+          </p:nvPr>
+        </p:nvSpPr>
+        <p:spPr/>
+        <p:txBody>
+          <a:bodyPr/>
+          <a:lstStyle/>
+          <a:p>
+            <a:r>
+              <a:rPr lang="en-US" altLang="zh-TW" dirty="0" smtClean="0"/>
+              <a:t>Rose Curve</a:t>
+            </a:r>
+            <a:endParaRPr lang="zh-TW" altLang="en-US" dirty="0"/>
+          </a:p>
+        </p:txBody>
+      </p:sp>
+      <p:sp>
+        <p:nvSpPr>
+          <p:cNvPr id="3" name="副標題 2"/>
+          <p:cNvSpPr>
+            <a:spLocks noGrp="1"/>
+          </p:cNvSpPr>
+          <p:nvPr>
+            <p:ph type="subTitle" idx="1"/>
+          </p:nvPr>
+        </p:nvSpPr>
+        <p:spPr/>
+        <p:txBody>
+          <a:bodyPr/>
+          <a:lstStyle/>
+          <a:p>
+            <a:endParaRPr lang="zh-TW" altLang="en-US"/>
+          </a:p>
+        </p:txBody>
+      </p:sp>
+    </p:spTree>
+    <p:extLst>
+      <p:ext uri="{BB962C8B-B14F-4D97-AF65-F5344CB8AC3E}">
+        <p14:creationId xmlns:p14="http://schemas.microsoft.com/office/powerpoint/2010/main" val="112582684"/>
+      </p:ext>
+    </p:extLst>
+  </p:cSld>
+  <p:clrMapOvr>
+    <a:masterClrMapping/>
+  </p:clrMapOvr>
+</p:sld>
+</file>
+
+<file path=ppt/slides/slide21.xml><?xml version="1.0" encoding="utf-8"?>
 <p:sld xmlns:a="http://schemas.openxmlformats.org/drawingml/2006/main" xmlns:r="http://schemas.openxmlformats.org/officeDocument/2006/relationships" xmlns:p="http://schemas.openxmlformats.org/presentationml/2006/main">
   <p:cSld>
     <p:spTree>
@@ -4531,7 +5720,7 @@
 </p:sld>
 </file>
 
-<file path=ppt/slides/slide16.xml><?xml version="1.0" encoding="utf-8"?>
+<file path=ppt/slides/slide22.xml><?xml version="1.0" encoding="utf-8"?>
 <p:sld xmlns:a="http://schemas.openxmlformats.org/drawingml/2006/main" xmlns:r="http://schemas.openxmlformats.org/officeDocument/2006/relationships" xmlns:p="http://schemas.openxmlformats.org/presentationml/2006/main">
   <p:cSld>
     <p:spTree>
@@ -4550,6 +5739,597 @@
       </p:grpSpPr>
       <p:sp>
         <p:nvSpPr>
+          <p:cNvPr id="2" name="標題 1"/>
+          <p:cNvSpPr>
+            <a:spLocks noGrp="1"/>
+          </p:cNvSpPr>
+          <p:nvPr>
+            <p:ph type="title"/>
+          </p:nvPr>
+        </p:nvSpPr>
+        <p:spPr/>
+        <p:txBody>
+          <a:bodyPr/>
+          <a:lstStyle/>
+          <a:p>
+            <a:pPr algn="r"/>
+            <a:r>
+              <a:rPr lang="en-US" altLang="zh-TW" dirty="0" smtClean="0"/>
+              <a:t>main.cpp</a:t>
+            </a:r>
+            <a:endParaRPr lang="zh-TW" altLang="en-US" dirty="0"/>
+          </a:p>
+        </p:txBody>
+      </p:sp>
+      <p:pic>
+        <p:nvPicPr>
+          <p:cNvPr id="3" name="圖片 2"/>
+          <p:cNvPicPr>
+            <a:picLocks noChangeAspect="1"/>
+          </p:cNvPicPr>
+          <p:nvPr/>
+        </p:nvPicPr>
+        <p:blipFill>
+          <a:blip r:embed="rId2"/>
+          <a:stretch>
+            <a:fillRect/>
+          </a:stretch>
+        </p:blipFill>
+        <p:spPr>
+          <a:xfrm>
+            <a:off x="304544" y="365125"/>
+            <a:ext cx="4699448" cy="5874309"/>
+          </a:xfrm>
+          <a:prstGeom prst="rect">
+            <a:avLst/>
+          </a:prstGeom>
+        </p:spPr>
+      </p:pic>
+      <p:sp>
+        <p:nvSpPr>
+          <p:cNvPr id="4" name="圓角矩形 3"/>
+          <p:cNvSpPr/>
+          <p:nvPr/>
+        </p:nvSpPr>
+        <p:spPr>
+          <a:xfrm>
+            <a:off x="1066800" y="5181600"/>
+            <a:ext cx="2867025" cy="381000"/>
+          </a:xfrm>
+          <a:prstGeom prst="roundRect">
+            <a:avLst/>
+          </a:prstGeom>
+          <a:noFill/>
+          <a:ln w="28575">
+            <a:solidFill>
+              <a:srgbClr val="FF0000"/>
+            </a:solidFill>
+          </a:ln>
+        </p:spPr>
+        <p:style>
+          <a:lnRef idx="2">
+            <a:schemeClr val="accent1">
+              <a:shade val="50000"/>
+            </a:schemeClr>
+          </a:lnRef>
+          <a:fillRef idx="1">
+            <a:schemeClr val="accent1"/>
+          </a:fillRef>
+          <a:effectRef idx="0">
+            <a:schemeClr val="accent1"/>
+          </a:effectRef>
+          <a:fontRef idx="minor">
+            <a:schemeClr val="lt1"/>
+          </a:fontRef>
+        </p:style>
+        <p:txBody>
+          <a:bodyPr rtlCol="0" anchor="ctr"/>
+          <a:lstStyle/>
+          <a:p>
+            <a:pPr algn="ctr"/>
+            <a:endParaRPr lang="zh-TW" altLang="en-US"/>
+          </a:p>
+        </p:txBody>
+      </p:sp>
+    </p:spTree>
+    <p:extLst>
+      <p:ext uri="{BB962C8B-B14F-4D97-AF65-F5344CB8AC3E}">
+        <p14:creationId xmlns:p14="http://schemas.microsoft.com/office/powerpoint/2010/main" val="1533593040"/>
+      </p:ext>
+    </p:extLst>
+  </p:cSld>
+  <p:clrMapOvr>
+    <a:masterClrMapping/>
+  </p:clrMapOvr>
+</p:sld>
+</file>
+
+<file path=ppt/slides/slide23.xml><?xml version="1.0" encoding="utf-8"?>
+<p:sld xmlns:a="http://schemas.openxmlformats.org/drawingml/2006/main" xmlns:r="http://schemas.openxmlformats.org/officeDocument/2006/relationships" xmlns:p="http://schemas.openxmlformats.org/presentationml/2006/main">
+  <p:cSld>
+    <p:spTree>
+      <p:nvGrpSpPr>
+        <p:cNvPr id="1" name=""/>
+        <p:cNvGrpSpPr/>
+        <p:nvPr/>
+      </p:nvGrpSpPr>
+      <p:grpSpPr>
+        <a:xfrm>
+          <a:off x="0" y="0"/>
+          <a:ext cx="0" cy="0"/>
+          <a:chOff x="0" y="0"/>
+          <a:chExt cx="0" cy="0"/>
+        </a:xfrm>
+      </p:grpSpPr>
+      <p:pic>
+        <p:nvPicPr>
+          <p:cNvPr id="3" name="圖片 2"/>
+          <p:cNvPicPr>
+            <a:picLocks noChangeAspect="1"/>
+          </p:cNvPicPr>
+          <p:nvPr/>
+        </p:nvPicPr>
+        <p:blipFill>
+          <a:blip r:embed="rId2"/>
+          <a:stretch>
+            <a:fillRect/>
+          </a:stretch>
+        </p:blipFill>
+        <p:spPr>
+          <a:xfrm>
+            <a:off x="142875" y="114449"/>
+            <a:ext cx="7839668" cy="6591649"/>
+          </a:xfrm>
+          <a:prstGeom prst="rect">
+            <a:avLst/>
+          </a:prstGeom>
+        </p:spPr>
+      </p:pic>
+      <p:sp>
+        <p:nvSpPr>
+          <p:cNvPr id="2" name="標題 1"/>
+          <p:cNvSpPr>
+            <a:spLocks noGrp="1"/>
+          </p:cNvSpPr>
+          <p:nvPr>
+            <p:ph type="title"/>
+          </p:nvPr>
+        </p:nvSpPr>
+        <p:spPr>
+          <a:xfrm>
+            <a:off x="1114425" y="0"/>
+            <a:ext cx="7886700" cy="1325563"/>
+          </a:xfrm>
+        </p:spPr>
+        <p:txBody>
+          <a:bodyPr/>
+          <a:lstStyle/>
+          <a:p>
+            <a:pPr algn="r"/>
+            <a:r>
+              <a:rPr lang="en-US" altLang="zh-TW" dirty="0" smtClean="0"/>
+              <a:t>rose.html</a:t>
+            </a:r>
+            <a:endParaRPr lang="zh-TW" altLang="en-US" dirty="0"/>
+          </a:p>
+        </p:txBody>
+      </p:sp>
+    </p:spTree>
+    <p:extLst>
+      <p:ext uri="{BB962C8B-B14F-4D97-AF65-F5344CB8AC3E}">
+        <p14:creationId xmlns:p14="http://schemas.microsoft.com/office/powerpoint/2010/main" val="89586785"/>
+      </p:ext>
+    </p:extLst>
+  </p:cSld>
+  <p:clrMapOvr>
+    <a:masterClrMapping/>
+  </p:clrMapOvr>
+</p:sld>
+</file>
+
+<file path=ppt/slides/slide24.xml><?xml version="1.0" encoding="utf-8"?>
+<p:sld xmlns:a="http://schemas.openxmlformats.org/drawingml/2006/main" xmlns:r="http://schemas.openxmlformats.org/officeDocument/2006/relationships" xmlns:p="http://schemas.openxmlformats.org/presentationml/2006/main">
+  <p:cSld>
+    <p:spTree>
+      <p:nvGrpSpPr>
+        <p:cNvPr id="1" name=""/>
+        <p:cNvGrpSpPr/>
+        <p:nvPr/>
+      </p:nvGrpSpPr>
+      <p:grpSpPr>
+        <a:xfrm>
+          <a:off x="0" y="0"/>
+          <a:ext cx="0" cy="0"/>
+          <a:chOff x="0" y="0"/>
+          <a:chExt cx="0" cy="0"/>
+        </a:xfrm>
+      </p:grpSpPr>
+      <p:sp>
+        <p:nvSpPr>
+          <p:cNvPr id="2" name="標題 1"/>
+          <p:cNvSpPr>
+            <a:spLocks noGrp="1"/>
+          </p:cNvSpPr>
+          <p:nvPr>
+            <p:ph type="title"/>
+          </p:nvPr>
+        </p:nvSpPr>
+        <p:spPr/>
+        <p:txBody>
+          <a:bodyPr/>
+          <a:lstStyle/>
+          <a:p>
+            <a:pPr algn="r"/>
+            <a:r>
+              <a:rPr lang="en-US" altLang="zh-TW" dirty="0" smtClean="0"/>
+              <a:t>main.js</a:t>
+            </a:r>
+            <a:br>
+              <a:rPr lang="en-US" altLang="zh-TW" dirty="0" smtClean="0"/>
+            </a:br>
+            <a:r>
+              <a:rPr lang="en-US" altLang="zh-TW" dirty="0" smtClean="0"/>
+              <a:t>(same as previous one)</a:t>
+            </a:r>
+            <a:endParaRPr lang="zh-TW" altLang="en-US" dirty="0"/>
+          </a:p>
+        </p:txBody>
+      </p:sp>
+    </p:spTree>
+    <p:extLst>
+      <p:ext uri="{BB962C8B-B14F-4D97-AF65-F5344CB8AC3E}">
+        <p14:creationId xmlns:p14="http://schemas.microsoft.com/office/powerpoint/2010/main" val="2461018988"/>
+      </p:ext>
+    </p:extLst>
+  </p:cSld>
+  <p:clrMapOvr>
+    <a:masterClrMapping/>
+  </p:clrMapOvr>
+</p:sld>
+</file>
+
+<file path=ppt/slides/slide25.xml><?xml version="1.0" encoding="utf-8"?>
+<p:sld xmlns:a="http://schemas.openxmlformats.org/drawingml/2006/main" xmlns:r="http://schemas.openxmlformats.org/officeDocument/2006/relationships" xmlns:p="http://schemas.openxmlformats.org/presentationml/2006/main">
+  <p:cSld>
+    <p:spTree>
+      <p:nvGrpSpPr>
+        <p:cNvPr id="1" name=""/>
+        <p:cNvGrpSpPr/>
+        <p:nvPr/>
+      </p:nvGrpSpPr>
+      <p:grpSpPr>
+        <a:xfrm>
+          <a:off x="0" y="0"/>
+          <a:ext cx="0" cy="0"/>
+          <a:chOff x="0" y="0"/>
+          <a:chExt cx="0" cy="0"/>
+        </a:xfrm>
+      </p:grpSpPr>
+      <p:sp>
+        <p:nvSpPr>
+          <p:cNvPr id="2" name="標題 1"/>
+          <p:cNvSpPr>
+            <a:spLocks noGrp="1"/>
+          </p:cNvSpPr>
+          <p:nvPr>
+            <p:ph type="title"/>
+          </p:nvPr>
+        </p:nvSpPr>
+        <p:spPr/>
+        <p:txBody>
+          <a:bodyPr/>
+          <a:lstStyle/>
+          <a:p>
+            <a:pPr algn="r"/>
+            <a:r>
+              <a:rPr lang="en-US" altLang="zh-TW" dirty="0" smtClean="0"/>
+              <a:t>Running…</a:t>
+            </a:r>
+            <a:endParaRPr lang="zh-TW" altLang="en-US" dirty="0"/>
+          </a:p>
+        </p:txBody>
+      </p:sp>
+      <p:pic>
+        <p:nvPicPr>
+          <p:cNvPr id="3" name="圖片 2"/>
+          <p:cNvPicPr>
+            <a:picLocks noChangeAspect="1"/>
+          </p:cNvPicPr>
+          <p:nvPr/>
+        </p:nvPicPr>
+        <p:blipFill>
+          <a:blip r:embed="rId2">
+            <a:extLst>
+              <a:ext uri="{28A0092B-C50C-407E-A947-70E740481C1C}">
+                <a14:useLocalDpi xmlns:a14="http://schemas.microsoft.com/office/drawing/2010/main" val="0"/>
+              </a:ext>
+            </a:extLst>
+          </a:blip>
+          <a:stretch>
+            <a:fillRect/>
+          </a:stretch>
+        </p:blipFill>
+        <p:spPr>
+          <a:xfrm>
+            <a:off x="242887" y="2162175"/>
+            <a:ext cx="3114675" cy="3876675"/>
+          </a:xfrm>
+          <a:prstGeom prst="rect">
+            <a:avLst/>
+          </a:prstGeom>
+        </p:spPr>
+      </p:pic>
+      <p:pic>
+        <p:nvPicPr>
+          <p:cNvPr id="4" name="圖片 3"/>
+          <p:cNvPicPr>
+            <a:picLocks noChangeAspect="1"/>
+          </p:cNvPicPr>
+          <p:nvPr/>
+        </p:nvPicPr>
+        <p:blipFill>
+          <a:blip r:embed="rId3"/>
+          <a:stretch>
+            <a:fillRect/>
+          </a:stretch>
+        </p:blipFill>
+        <p:spPr>
+          <a:xfrm>
+            <a:off x="3571876" y="2162175"/>
+            <a:ext cx="5391150" cy="1600200"/>
+          </a:xfrm>
+          <a:prstGeom prst="rect">
+            <a:avLst/>
+          </a:prstGeom>
+        </p:spPr>
+      </p:pic>
+      <p:pic>
+        <p:nvPicPr>
+          <p:cNvPr id="5" name="圖片 4"/>
+          <p:cNvPicPr>
+            <a:picLocks noChangeAspect="1"/>
+          </p:cNvPicPr>
+          <p:nvPr/>
+        </p:nvPicPr>
+        <p:blipFill>
+          <a:blip r:embed="rId4"/>
+          <a:stretch>
+            <a:fillRect/>
+          </a:stretch>
+        </p:blipFill>
+        <p:spPr>
+          <a:xfrm>
+            <a:off x="3571876" y="4014787"/>
+            <a:ext cx="5140556" cy="1400175"/>
+          </a:xfrm>
+          <a:prstGeom prst="rect">
+            <a:avLst/>
+          </a:prstGeom>
+        </p:spPr>
+      </p:pic>
+    </p:spTree>
+    <p:extLst>
+      <p:ext uri="{BB962C8B-B14F-4D97-AF65-F5344CB8AC3E}">
+        <p14:creationId xmlns:p14="http://schemas.microsoft.com/office/powerpoint/2010/main" val="428230747"/>
+      </p:ext>
+    </p:extLst>
+  </p:cSld>
+  <p:clrMapOvr>
+    <a:masterClrMapping/>
+  </p:clrMapOvr>
+  <p:timing>
+    <p:tnLst>
+      <p:par>
+        <p:cTn id="1" dur="indefinite" restart="never" nodeType="tmRoot"/>
+      </p:par>
+    </p:tnLst>
+  </p:timing>
+</p:sld>
+</file>
+
+<file path=ppt/slides/slide26.xml><?xml version="1.0" encoding="utf-8"?>
+<p:sld xmlns:a="http://schemas.openxmlformats.org/drawingml/2006/main" xmlns:r="http://schemas.openxmlformats.org/officeDocument/2006/relationships" xmlns:p="http://schemas.openxmlformats.org/presentationml/2006/main">
+  <p:cSld>
+    <p:spTree>
+      <p:nvGrpSpPr>
+        <p:cNvPr id="1" name=""/>
+        <p:cNvGrpSpPr/>
+        <p:nvPr/>
+      </p:nvGrpSpPr>
+      <p:grpSpPr>
+        <a:xfrm>
+          <a:off x="0" y="0"/>
+          <a:ext cx="0" cy="0"/>
+          <a:chOff x="0" y="0"/>
+          <a:chExt cx="0" cy="0"/>
+        </a:xfrm>
+      </p:grpSpPr>
+      <p:sp>
+        <p:nvSpPr>
+          <p:cNvPr id="2" name="標題 1"/>
+          <p:cNvSpPr>
+            <a:spLocks noGrp="1"/>
+          </p:cNvSpPr>
+          <p:nvPr>
+            <p:ph type="title"/>
+          </p:nvPr>
+        </p:nvSpPr>
+        <p:spPr/>
+        <p:txBody>
+          <a:bodyPr/>
+          <a:lstStyle/>
+          <a:p>
+            <a:r>
+              <a:rPr lang="en-US" altLang="zh-TW" dirty="0" smtClean="0"/>
+              <a:t>HTTP: GET &amp; POST (</a:t>
+            </a:r>
+            <a:r>
+              <a:rPr lang="en-US" altLang="zh-TW" dirty="0" smtClean="0">
+                <a:hlinkClick r:id="rId2"/>
+              </a:rPr>
+              <a:t>reference</a:t>
+            </a:r>
+            <a:r>
+              <a:rPr lang="en-US" altLang="zh-TW" dirty="0" smtClean="0"/>
+              <a:t>)</a:t>
+            </a:r>
+            <a:endParaRPr lang="zh-TW" altLang="en-US" dirty="0"/>
+          </a:p>
+        </p:txBody>
+      </p:sp>
+      <p:pic>
+        <p:nvPicPr>
+          <p:cNvPr id="4" name="圖片 3"/>
+          <p:cNvPicPr>
+            <a:picLocks noChangeAspect="1"/>
+          </p:cNvPicPr>
+          <p:nvPr/>
+        </p:nvPicPr>
+        <p:blipFill>
+          <a:blip r:embed="rId3"/>
+          <a:stretch>
+            <a:fillRect/>
+          </a:stretch>
+        </p:blipFill>
+        <p:spPr>
+          <a:xfrm>
+            <a:off x="628650" y="1963739"/>
+            <a:ext cx="6867525" cy="2876550"/>
+          </a:xfrm>
+          <a:prstGeom prst="rect">
+            <a:avLst/>
+          </a:prstGeom>
+        </p:spPr>
+      </p:pic>
+      <p:pic>
+        <p:nvPicPr>
+          <p:cNvPr id="5" name="圖片 4"/>
+          <p:cNvPicPr>
+            <a:picLocks noChangeAspect="1"/>
+          </p:cNvPicPr>
+          <p:nvPr/>
+        </p:nvPicPr>
+        <p:blipFill>
+          <a:blip r:embed="rId4"/>
+          <a:stretch>
+            <a:fillRect/>
+          </a:stretch>
+        </p:blipFill>
+        <p:spPr>
+          <a:xfrm>
+            <a:off x="633412" y="4840289"/>
+            <a:ext cx="6705600" cy="1609725"/>
+          </a:xfrm>
+          <a:prstGeom prst="rect">
+            <a:avLst/>
+          </a:prstGeom>
+        </p:spPr>
+      </p:pic>
+    </p:spTree>
+    <p:extLst>
+      <p:ext uri="{BB962C8B-B14F-4D97-AF65-F5344CB8AC3E}">
+        <p14:creationId xmlns:p14="http://schemas.microsoft.com/office/powerpoint/2010/main" val="3643172254"/>
+      </p:ext>
+    </p:extLst>
+  </p:cSld>
+  <p:clrMapOvr>
+    <a:masterClrMapping/>
+  </p:clrMapOvr>
+</p:sld>
+</file>
+
+<file path=ppt/slides/slide27.xml><?xml version="1.0" encoding="utf-8"?>
+<p:sld xmlns:a="http://schemas.openxmlformats.org/drawingml/2006/main" xmlns:r="http://schemas.openxmlformats.org/officeDocument/2006/relationships" xmlns:p="http://schemas.openxmlformats.org/presentationml/2006/main">
+  <p:cSld>
+    <p:spTree>
+      <p:nvGrpSpPr>
+        <p:cNvPr id="1" name=""/>
+        <p:cNvGrpSpPr/>
+        <p:nvPr/>
+      </p:nvGrpSpPr>
+      <p:grpSpPr>
+        <a:xfrm>
+          <a:off x="0" y="0"/>
+          <a:ext cx="0" cy="0"/>
+          <a:chOff x="0" y="0"/>
+          <a:chExt cx="0" cy="0"/>
+        </a:xfrm>
+      </p:grpSpPr>
+      <p:sp>
+        <p:nvSpPr>
+          <p:cNvPr id="2" name="標題 1"/>
+          <p:cNvSpPr>
+            <a:spLocks noGrp="1"/>
+          </p:cNvSpPr>
+          <p:nvPr>
+            <p:ph type="title"/>
+          </p:nvPr>
+        </p:nvSpPr>
+        <p:spPr/>
+        <p:txBody>
+          <a:bodyPr/>
+          <a:lstStyle/>
+          <a:p>
+            <a:endParaRPr lang="zh-TW" altLang="en-US"/>
+          </a:p>
+        </p:txBody>
+      </p:sp>
+      <p:pic>
+        <p:nvPicPr>
+          <p:cNvPr id="3" name="圖片 2"/>
+          <p:cNvPicPr>
+            <a:picLocks noChangeAspect="1"/>
+          </p:cNvPicPr>
+          <p:nvPr/>
+        </p:nvPicPr>
+        <p:blipFill>
+          <a:blip r:embed="rId2"/>
+          <a:stretch>
+            <a:fillRect/>
+          </a:stretch>
+        </p:blipFill>
+        <p:spPr>
+          <a:xfrm>
+            <a:off x="628650" y="19050"/>
+            <a:ext cx="6981825" cy="6838950"/>
+          </a:xfrm>
+          <a:prstGeom prst="rect">
+            <a:avLst/>
+          </a:prstGeom>
+        </p:spPr>
+      </p:pic>
+    </p:spTree>
+    <p:extLst>
+      <p:ext uri="{BB962C8B-B14F-4D97-AF65-F5344CB8AC3E}">
+        <p14:creationId xmlns:p14="http://schemas.microsoft.com/office/powerpoint/2010/main" val="1352600364"/>
+      </p:ext>
+    </p:extLst>
+  </p:cSld>
+  <p:clrMapOvr>
+    <a:masterClrMapping/>
+  </p:clrMapOvr>
+</p:sld>
+</file>
+
+<file path=ppt/slides/slide28.xml><?xml version="1.0" encoding="utf-8"?>
+<p:sld xmlns:a="http://schemas.openxmlformats.org/drawingml/2006/main" xmlns:r="http://schemas.openxmlformats.org/officeDocument/2006/relationships" xmlns:p="http://schemas.openxmlformats.org/presentationml/2006/main">
+  <p:cSld>
+    <p:spTree>
+      <p:nvGrpSpPr>
+        <p:cNvPr id="1" name=""/>
+        <p:cNvGrpSpPr/>
+        <p:nvPr/>
+      </p:nvGrpSpPr>
+      <p:grpSpPr>
+        <a:xfrm>
+          <a:off x="0" y="0"/>
+          <a:ext cx="0" cy="0"/>
+          <a:chOff x="0" y="0"/>
+          <a:chExt cx="0" cy="0"/>
+        </a:xfrm>
+      </p:grpSpPr>
+      <p:sp>
+        <p:nvSpPr>
           <p:cNvPr id="3" name="標題 2"/>
           <p:cNvSpPr>
             <a:spLocks noGrp="1"/>
@@ -4614,7 +6394,7 @@
 </p:sld>
 </file>
 
-<file path=ppt/slides/slide17.xml><?xml version="1.0" encoding="utf-8"?>
+<file path=ppt/slides/slide29.xml><?xml version="1.0" encoding="utf-8"?>
 <p:sld xmlns:a="http://schemas.openxmlformats.org/drawingml/2006/main" xmlns:r="http://schemas.openxmlformats.org/officeDocument/2006/relationships" xmlns:p="http://schemas.openxmlformats.org/presentationml/2006/main">
   <p:cSld>
     <p:spTree>
@@ -5008,307 +6788,6 @@
 </p:sld>
 </file>
 
-<file path=ppt/slides/slide18.xml><?xml version="1.0" encoding="utf-8"?>
-<p:sld xmlns:a="http://schemas.openxmlformats.org/drawingml/2006/main" xmlns:r="http://schemas.openxmlformats.org/officeDocument/2006/relationships" xmlns:p="http://schemas.openxmlformats.org/presentationml/2006/main">
-  <p:cSld>
-    <p:spTree>
-      <p:nvGrpSpPr>
-        <p:cNvPr id="1" name=""/>
-        <p:cNvGrpSpPr/>
-        <p:nvPr/>
-      </p:nvGrpSpPr>
-      <p:grpSpPr>
-        <a:xfrm>
-          <a:off x="0" y="0"/>
-          <a:ext cx="0" cy="0"/>
-          <a:chOff x="0" y="0"/>
-          <a:chExt cx="0" cy="0"/>
-        </a:xfrm>
-      </p:grpSpPr>
-      <p:sp>
-        <p:nvSpPr>
-          <p:cNvPr id="2" name="標題 1"/>
-          <p:cNvSpPr>
-            <a:spLocks noGrp="1"/>
-          </p:cNvSpPr>
-          <p:nvPr>
-            <p:ph type="title"/>
-          </p:nvPr>
-        </p:nvSpPr>
-        <p:spPr/>
-        <p:txBody>
-          <a:bodyPr/>
-          <a:lstStyle/>
-          <a:p>
-            <a:r>
-              <a:rPr lang="en-US" altLang="zh-TW" dirty="0" err="1" smtClean="0"/>
-              <a:t>LocalStorage</a:t>
-            </a:r>
-            <a:r>
-              <a:rPr lang="en-US" altLang="zh-TW" dirty="0" smtClean="0"/>
-              <a:t> in Node.js</a:t>
-            </a:r>
-            <a:endParaRPr lang="zh-TW" altLang="en-US" dirty="0"/>
-          </a:p>
-        </p:txBody>
-      </p:sp>
-      <p:sp>
-        <p:nvSpPr>
-          <p:cNvPr id="3" name="內容版面配置區 2"/>
-          <p:cNvSpPr>
-            <a:spLocks noGrp="1"/>
-          </p:cNvSpPr>
-          <p:nvPr>
-            <p:ph idx="1"/>
-          </p:nvPr>
-        </p:nvSpPr>
-        <p:spPr/>
-        <p:txBody>
-          <a:bodyPr/>
-          <a:lstStyle/>
-          <a:p>
-            <a:r>
-              <a:rPr lang="en-US" altLang="zh-TW" dirty="0" err="1" smtClean="0"/>
-              <a:t>localStorage</a:t>
-            </a:r>
-            <a:r>
-              <a:rPr lang="en-US" altLang="zh-TW" dirty="0" smtClean="0"/>
-              <a:t> (of HTML 5) is client-side API. Not available in servers. (</a:t>
-            </a:r>
-            <a:r>
-              <a:rPr lang="en-US" altLang="zh-TW" dirty="0" smtClean="0">
-                <a:hlinkClick r:id="rId2"/>
-              </a:rPr>
-              <a:t>ref</a:t>
-            </a:r>
-            <a:r>
-              <a:rPr lang="en-US" altLang="zh-TW" dirty="0" smtClean="0"/>
-              <a:t>)</a:t>
-            </a:r>
-          </a:p>
-          <a:p>
-            <a:r>
-              <a:rPr lang="en-US" altLang="zh-TW" dirty="0" err="1" smtClean="0"/>
-              <a:t>Npm</a:t>
-            </a:r>
-            <a:r>
-              <a:rPr lang="en-US" altLang="zh-TW" dirty="0" smtClean="0"/>
-              <a:t> has </a:t>
-            </a:r>
-            <a:r>
-              <a:rPr lang="en-US" altLang="zh-TW" dirty="0" err="1" smtClean="0"/>
-              <a:t>localStorage</a:t>
-            </a:r>
-            <a:r>
-              <a:rPr lang="en-US" altLang="zh-TW" dirty="0" smtClean="0"/>
-              <a:t> extension (</a:t>
-            </a:r>
-            <a:r>
-              <a:rPr lang="en-US" altLang="zh-TW" dirty="0" smtClean="0">
-                <a:hlinkClick r:id="rId3"/>
-              </a:rPr>
-              <a:t>reference</a:t>
-            </a:r>
-            <a:r>
-              <a:rPr lang="en-US" altLang="zh-TW" dirty="0" smtClean="0"/>
-              <a:t>)</a:t>
-            </a:r>
-            <a:endParaRPr lang="zh-TW" altLang="en-US" dirty="0"/>
-          </a:p>
-        </p:txBody>
-      </p:sp>
-    </p:spTree>
-    <p:extLst>
-      <p:ext uri="{BB962C8B-B14F-4D97-AF65-F5344CB8AC3E}">
-        <p14:creationId xmlns:p14="http://schemas.microsoft.com/office/powerpoint/2010/main" val="2262304319"/>
-      </p:ext>
-    </p:extLst>
-  </p:cSld>
-  <p:clrMapOvr>
-    <a:masterClrMapping/>
-  </p:clrMapOvr>
-</p:sld>
-</file>
-
-<file path=ppt/slides/slide2.xml><?xml version="1.0" encoding="utf-8"?>
-<p:sld xmlns:a="http://schemas.openxmlformats.org/drawingml/2006/main" xmlns:r="http://schemas.openxmlformats.org/officeDocument/2006/relationships" xmlns:p="http://schemas.openxmlformats.org/presentationml/2006/main">
-  <p:cSld>
-    <p:spTree>
-      <p:nvGrpSpPr>
-        <p:cNvPr id="1" name=""/>
-        <p:cNvGrpSpPr/>
-        <p:nvPr/>
-      </p:nvGrpSpPr>
-      <p:grpSpPr>
-        <a:xfrm>
-          <a:off x="0" y="0"/>
-          <a:ext cx="0" cy="0"/>
-          <a:chOff x="0" y="0"/>
-          <a:chExt cx="0" cy="0"/>
-        </a:xfrm>
-      </p:grpSpPr>
-      <p:sp>
-        <p:nvSpPr>
-          <p:cNvPr id="2" name="標題 1"/>
-          <p:cNvSpPr>
-            <a:spLocks noGrp="1"/>
-          </p:cNvSpPr>
-          <p:nvPr>
-            <p:ph type="title"/>
-          </p:nvPr>
-        </p:nvSpPr>
-        <p:spPr/>
-        <p:txBody>
-          <a:bodyPr/>
-          <a:lstStyle/>
-          <a:p>
-            <a:r>
-              <a:rPr lang="en-US" altLang="zh-TW" dirty="0" err="1" smtClean="0"/>
-              <a:t>Package.json</a:t>
-            </a:r>
-            <a:endParaRPr lang="zh-TW" altLang="en-US" dirty="0"/>
-          </a:p>
-        </p:txBody>
-      </p:sp>
-      <p:pic>
-        <p:nvPicPr>
-          <p:cNvPr id="4" name="圖片 3"/>
-          <p:cNvPicPr>
-            <a:picLocks noChangeAspect="1"/>
-          </p:cNvPicPr>
-          <p:nvPr/>
-        </p:nvPicPr>
-        <p:blipFill>
-          <a:blip r:embed="rId2"/>
-          <a:stretch>
-            <a:fillRect/>
-          </a:stretch>
-        </p:blipFill>
-        <p:spPr>
-          <a:xfrm>
-            <a:off x="3003905" y="153935"/>
-            <a:ext cx="5981822" cy="1437122"/>
-          </a:xfrm>
-          <a:prstGeom prst="rect">
-            <a:avLst/>
-          </a:prstGeom>
-        </p:spPr>
-      </p:pic>
-      <p:pic>
-        <p:nvPicPr>
-          <p:cNvPr id="5" name="圖片 4"/>
-          <p:cNvPicPr>
-            <a:picLocks noChangeAspect="1"/>
-          </p:cNvPicPr>
-          <p:nvPr/>
-        </p:nvPicPr>
-        <p:blipFill>
-          <a:blip r:embed="rId3"/>
-          <a:stretch>
-            <a:fillRect/>
-          </a:stretch>
-        </p:blipFill>
-        <p:spPr>
-          <a:xfrm>
-            <a:off x="753455" y="2178820"/>
-            <a:ext cx="5058481" cy="3581900"/>
-          </a:xfrm>
-          <a:prstGeom prst="rect">
-            <a:avLst/>
-          </a:prstGeom>
-        </p:spPr>
-      </p:pic>
-      <p:sp>
-        <p:nvSpPr>
-          <p:cNvPr id="3" name="文字方塊 2"/>
-          <p:cNvSpPr txBox="1"/>
-          <p:nvPr/>
-        </p:nvSpPr>
-        <p:spPr>
-          <a:xfrm>
-            <a:off x="3952875" y="4867275"/>
-            <a:ext cx="2642775" cy="369332"/>
-          </a:xfrm>
-          <a:prstGeom prst="rect">
-            <a:avLst/>
-          </a:prstGeom>
-          <a:noFill/>
-        </p:spPr>
-        <p:txBody>
-          <a:bodyPr wrap="none" rtlCol="0">
-            <a:spAutoFit/>
-          </a:bodyPr>
-          <a:lstStyle/>
-          <a:p>
-            <a:r>
-              <a:rPr lang="en-US" altLang="zh-TW" dirty="0" err="1" smtClean="0">
-                <a:solidFill>
-                  <a:srgbClr val="FF0000"/>
-                </a:solidFill>
-              </a:rPr>
-              <a:t>Shelljs</a:t>
-            </a:r>
-            <a:r>
-              <a:rPr lang="en-US" altLang="zh-TW" dirty="0" smtClean="0">
-                <a:solidFill>
-                  <a:srgbClr val="FF0000"/>
-                </a:solidFill>
-              </a:rPr>
-              <a:t> of </a:t>
-            </a:r>
-            <a:r>
-              <a:rPr lang="en-US" altLang="zh-TW" i="1" dirty="0" smtClean="0">
-                <a:solidFill>
-                  <a:srgbClr val="FF0000"/>
-                </a:solidFill>
-              </a:rPr>
-              <a:t>any</a:t>
-            </a:r>
-            <a:r>
-              <a:rPr lang="en-US" altLang="zh-TW" dirty="0" smtClean="0">
-                <a:solidFill>
-                  <a:srgbClr val="FF0000"/>
-                </a:solidFill>
-              </a:rPr>
-              <a:t> (“</a:t>
-            </a:r>
-            <a:r>
-              <a:rPr lang="en-US" altLang="zh-TW" dirty="0">
-                <a:solidFill>
-                  <a:srgbClr val="FF0000"/>
-                </a:solidFill>
-              </a:rPr>
-              <a:t>*</a:t>
-            </a:r>
-            <a:r>
-              <a:rPr lang="en-US" altLang="zh-TW" dirty="0" smtClean="0">
-                <a:solidFill>
-                  <a:srgbClr val="FF0000"/>
-                </a:solidFill>
-              </a:rPr>
-              <a:t>”) version</a:t>
-            </a:r>
-            <a:endParaRPr lang="zh-TW" altLang="en-US" dirty="0">
-              <a:solidFill>
-                <a:srgbClr val="FF0000"/>
-              </a:solidFill>
-            </a:endParaRPr>
-          </a:p>
-        </p:txBody>
-      </p:sp>
-    </p:spTree>
-    <p:extLst>
-      <p:ext uri="{BB962C8B-B14F-4D97-AF65-F5344CB8AC3E}">
-        <p14:creationId xmlns:p14="http://schemas.microsoft.com/office/powerpoint/2010/main" val="2847219172"/>
-      </p:ext>
-    </p:extLst>
-  </p:cSld>
-  <p:clrMapOvr>
-    <a:masterClrMapping/>
-  </p:clrMapOvr>
-</p:sld>
-</file>
-
 <file path=ppt/slides/slide3.xml><?xml version="1.0" encoding="utf-8"?>
 <p:sld xmlns:a="http://schemas.openxmlformats.org/drawingml/2006/main" xmlns:r="http://schemas.openxmlformats.org/officeDocument/2006/relationships" xmlns:p="http://schemas.openxmlformats.org/presentationml/2006/main">
   <p:cSld>
@@ -5328,12 +6807,12 @@
       </p:grpSpPr>
       <p:sp>
         <p:nvSpPr>
-          <p:cNvPr id="3" name="標題 2"/>
+          <p:cNvPr id="2" name="標題 1"/>
           <p:cNvSpPr>
             <a:spLocks noGrp="1"/>
           </p:cNvSpPr>
           <p:nvPr>
-            <p:ph type="ctrTitle"/>
+            <p:ph type="title"/>
           </p:nvPr>
         </p:nvSpPr>
         <p:spPr/>
@@ -5342,12 +6821,8 @@
           <a:lstStyle/>
           <a:p>
             <a:r>
-              <a:rPr lang="en-US" altLang="zh-TW" dirty="0" err="1" smtClean="0"/>
-              <a:t>callShell</a:t>
-            </a:r>
-            <a:r>
               <a:rPr lang="en-US" altLang="zh-TW" dirty="0" smtClean="0"/>
-              <a:t> from node.js</a:t>
+              <a:t>Content</a:t>
             </a:r>
             <a:endParaRPr lang="zh-TW" altLang="en-US" dirty="0"/>
           </a:p>
@@ -5355,12 +6830,12 @@
       </p:sp>
       <p:sp>
         <p:nvSpPr>
-          <p:cNvPr id="4" name="副標題 3"/>
+          <p:cNvPr id="3" name="內容版面配置區 2"/>
           <p:cNvSpPr>
             <a:spLocks noGrp="1"/>
           </p:cNvSpPr>
           <p:nvPr>
-            <p:ph type="subTitle" idx="1"/>
+            <p:ph idx="1"/>
           </p:nvPr>
         </p:nvSpPr>
         <p:spPr/>
@@ -5368,14 +6843,49 @@
           <a:bodyPr/>
           <a:lstStyle/>
           <a:p>
-            <a:endParaRPr lang="zh-TW" altLang="en-US"/>
+            <a:r>
+              <a:rPr lang="en-US" altLang="zh-TW" dirty="0" smtClean="0"/>
+              <a:t>Explained in three examples</a:t>
+            </a:r>
+          </a:p>
+          <a:p>
+            <a:pPr lvl="1"/>
+            <a:r>
+              <a:rPr lang="en-US" altLang="zh-TW" dirty="0" err="1" smtClean="0"/>
+              <a:t>callShell</a:t>
+            </a:r>
+            <a:endParaRPr lang="en-US" altLang="zh-TW" dirty="0" smtClean="0"/>
+          </a:p>
+          <a:p>
+            <a:pPr lvl="1"/>
+            <a:r>
+              <a:rPr lang="en-US" altLang="zh-TW" dirty="0" err="1" smtClean="0"/>
+              <a:t>callShellWithServer</a:t>
+            </a:r>
+            <a:endParaRPr lang="en-US" altLang="zh-TW" dirty="0" smtClean="0"/>
+          </a:p>
+          <a:p>
+            <a:pPr lvl="1"/>
+            <a:r>
+              <a:rPr lang="en-US" altLang="zh-TW" dirty="0" err="1" smtClean="0"/>
+              <a:t>callShellWithServerAndThree_differentDomain</a:t>
+            </a:r>
+            <a:endParaRPr lang="en-US" altLang="zh-TW" dirty="0" smtClean="0"/>
+          </a:p>
+          <a:p>
+            <a:pPr lvl="1"/>
+            <a:r>
+              <a:rPr lang="en-US" altLang="zh-TW" dirty="0" err="1" smtClean="0"/>
+              <a:t>roseCurve</a:t>
+            </a:r>
+            <a:endParaRPr lang="zh-TW" altLang="en-US" dirty="0"/>
           </a:p>
         </p:txBody>
       </p:sp>
     </p:spTree>
     <p:extLst>
       <p:ext uri="{BB962C8B-B14F-4D97-AF65-F5344CB8AC3E}">
-        <p14:creationId xmlns:p14="http://schemas.microsoft.com/office/powerpoint/2010/main" val="1056714479"/>
+        <p14:creationId xmlns:p14="http://schemas.microsoft.com/office/powerpoint/2010/main" val="2604067568"/>
       </p:ext>
     </p:extLst>
   </p:cSld>
@@ -5385,7 +6895,7 @@
 </p:sld>
 </file>
 
-<file path=ppt/slides/slide4.xml><?xml version="1.0" encoding="utf-8"?>
+<file path=ppt/slides/slide30.xml><?xml version="1.0" encoding="utf-8"?>
 <p:sld xmlns:a="http://schemas.openxmlformats.org/drawingml/2006/main" xmlns:r="http://schemas.openxmlformats.org/officeDocument/2006/relationships" xmlns:p="http://schemas.openxmlformats.org/presentationml/2006/main">
   <p:cSld>
     <p:spTree>
@@ -5417,199 +6927,87 @@
           <a:bodyPr/>
           <a:lstStyle/>
           <a:p>
-            <a:endParaRPr lang="zh-TW" altLang="en-US"/>
-          </a:p>
-        </p:txBody>
-      </p:sp>
-      <p:pic>
-        <p:nvPicPr>
-          <p:cNvPr id="3" name="圖片 2"/>
-          <p:cNvPicPr>
-            <a:picLocks noChangeAspect="1"/>
-          </p:cNvPicPr>
-          <p:nvPr/>
-        </p:nvPicPr>
-        <p:blipFill>
-          <a:blip r:embed="rId2"/>
-          <a:stretch>
-            <a:fillRect/>
-          </a:stretch>
-        </p:blipFill>
-        <p:spPr>
-          <a:xfrm>
-            <a:off x="628650" y="396337"/>
-            <a:ext cx="7659169" cy="2438740"/>
-          </a:xfrm>
-          <a:prstGeom prst="rect">
-            <a:avLst/>
-          </a:prstGeom>
-        </p:spPr>
-      </p:pic>
-      <p:pic>
-        <p:nvPicPr>
-          <p:cNvPr id="5" name="圖片 4"/>
-          <p:cNvPicPr>
-            <a:picLocks noChangeAspect="1"/>
-          </p:cNvPicPr>
-          <p:nvPr/>
-        </p:nvPicPr>
-        <p:blipFill>
-          <a:blip r:embed="rId3"/>
-          <a:stretch>
-            <a:fillRect/>
-          </a:stretch>
-        </p:blipFill>
-        <p:spPr>
-          <a:xfrm>
-            <a:off x="372618" y="3648456"/>
-            <a:ext cx="2057687" cy="1324160"/>
-          </a:xfrm>
-          <a:prstGeom prst="rect">
-            <a:avLst/>
-          </a:prstGeom>
-        </p:spPr>
-      </p:pic>
-      <p:sp>
-        <p:nvSpPr>
-          <p:cNvPr id="6" name="向右箭號 5"/>
-          <p:cNvSpPr/>
-          <p:nvPr/>
-        </p:nvSpPr>
-        <p:spPr>
-          <a:xfrm>
-            <a:off x="2005032" y="3755516"/>
-            <a:ext cx="420624" cy="163958"/>
-          </a:xfrm>
-          <a:prstGeom prst="rightArrow">
-            <a:avLst/>
-          </a:prstGeom>
-        </p:spPr>
-        <p:style>
-          <a:lnRef idx="2">
-            <a:schemeClr val="accent1">
-              <a:shade val="50000"/>
-            </a:schemeClr>
-          </a:lnRef>
-          <a:fillRef idx="1">
-            <a:schemeClr val="accent1"/>
-          </a:fillRef>
-          <a:effectRef idx="0">
-            <a:schemeClr val="accent1"/>
-          </a:effectRef>
-          <a:fontRef idx="minor">
-            <a:schemeClr val="lt1"/>
-          </a:fontRef>
-        </p:style>
-        <p:txBody>
-          <a:bodyPr rtlCol="0" anchor="ctr"/>
-          <a:lstStyle/>
-          <a:p>
-            <a:pPr algn="ctr"/>
-            <a:endParaRPr lang="zh-TW" altLang="en-US"/>
-          </a:p>
-        </p:txBody>
-      </p:sp>
-      <p:sp>
-        <p:nvSpPr>
-          <p:cNvPr id="7" name="文字方塊 6"/>
-          <p:cNvSpPr txBox="1"/>
-          <p:nvPr/>
-        </p:nvSpPr>
-        <p:spPr>
-          <a:xfrm>
-            <a:off x="2425656" y="3652829"/>
-            <a:ext cx="3312414" cy="369332"/>
-          </a:xfrm>
-          <a:prstGeom prst="rect">
-            <a:avLst/>
-          </a:prstGeom>
-          <a:noFill/>
-        </p:spPr>
-        <p:txBody>
-          <a:bodyPr wrap="square" rtlCol="0">
-            <a:spAutoFit/>
-          </a:bodyPr>
-          <a:lstStyle/>
-          <a:p>
+            <a:r>
+              <a:rPr lang="en-US" altLang="zh-TW" dirty="0" err="1" smtClean="0"/>
+              <a:t>LocalStorage</a:t>
+            </a:r>
+            <a:r>
+              <a:rPr lang="en-US" altLang="zh-TW" dirty="0" smtClean="0"/>
+              <a:t> in Node.js</a:t>
+            </a:r>
+            <a:endParaRPr lang="zh-TW" altLang="en-US" dirty="0"/>
+          </a:p>
+        </p:txBody>
+      </p:sp>
+      <p:sp>
+        <p:nvSpPr>
+          <p:cNvPr id="3" name="內容版面配置區 2"/>
+          <p:cNvSpPr>
+            <a:spLocks noGrp="1"/>
+          </p:cNvSpPr>
+          <p:nvPr>
+            <p:ph idx="1"/>
+          </p:nvPr>
+        </p:nvSpPr>
+        <p:spPr/>
+        <p:txBody>
+          <a:bodyPr/>
+          <a:lstStyle/>
+          <a:p>
+            <a:r>
+              <a:rPr lang="en-US" altLang="zh-TW" dirty="0" err="1" smtClean="0"/>
+              <a:t>localStorage</a:t>
+            </a:r>
+            <a:r>
+              <a:rPr lang="en-US" altLang="zh-TW" dirty="0" smtClean="0"/>
+              <a:t> (of HTML 5) is client-side API. Not available in servers. (</a:t>
+            </a:r>
             <a:r>
               <a:rPr lang="en-US" altLang="zh-TW" dirty="0" smtClean="0">
-                <a:solidFill>
-                  <a:srgbClr val="FF0000"/>
-                </a:solidFill>
+                <a:hlinkClick r:id="rId2"/>
               </a:rPr>
-              <a:t>got created after ‘</a:t>
-            </a:r>
-            <a:r>
-              <a:rPr lang="en-US" altLang="zh-TW" dirty="0" err="1" smtClean="0">
-                <a:solidFill>
-                  <a:srgbClr val="FF0000"/>
-                </a:solidFill>
+              <a:t>ref</a:t>
+            </a:r>
+            <a:r>
+              <a:rPr lang="en-US" altLang="zh-TW" dirty="0" smtClean="0"/>
+              <a:t>)</a:t>
+            </a:r>
+          </a:p>
+          <a:p>
+            <a:r>
+              <a:rPr lang="en-US" altLang="zh-TW" dirty="0" err="1" smtClean="0"/>
+              <a:t>Npm</a:t>
+            </a:r>
+            <a:r>
+              <a:rPr lang="en-US" altLang="zh-TW" dirty="0" smtClean="0"/>
+              <a:t> has </a:t>
+            </a:r>
+            <a:r>
+              <a:rPr lang="en-US" altLang="zh-TW" dirty="0" err="1" smtClean="0"/>
+              <a:t>localStorage</a:t>
+            </a:r>
+            <a:r>
+              <a:rPr lang="en-US" altLang="zh-TW" dirty="0" smtClean="0"/>
+              <a:t> extension (</a:t>
+            </a:r>
+            <a:r>
+              <a:rPr lang="en-US" altLang="zh-TW" dirty="0" smtClean="0">
+                <a:hlinkClick r:id="rId3"/>
               </a:rPr>
-              <a:t>npm</a:t>
-            </a:r>
-            <a:r>
-              <a:rPr lang="en-US" altLang="zh-TW" dirty="0" smtClean="0">
-                <a:solidFill>
-                  <a:srgbClr val="FF0000"/>
-                </a:solidFill>
-              </a:rPr>
-              <a:t> install’</a:t>
-            </a:r>
-            <a:endParaRPr lang="zh-TW" altLang="en-US" dirty="0">
-              <a:solidFill>
-                <a:srgbClr val="FF0000"/>
-              </a:solidFill>
-            </a:endParaRPr>
-          </a:p>
-        </p:txBody>
-      </p:sp>
-      <p:sp>
-        <p:nvSpPr>
-          <p:cNvPr id="8" name="向右箭號 7"/>
-          <p:cNvSpPr/>
-          <p:nvPr/>
-        </p:nvSpPr>
-        <p:spPr>
-          <a:xfrm>
-            <a:off x="162306" y="725804"/>
-            <a:ext cx="420624" cy="163958"/>
-          </a:xfrm>
-          <a:prstGeom prst="rightArrow">
-            <a:avLst/>
-          </a:prstGeom>
-          <a:solidFill>
-            <a:srgbClr val="FF0000"/>
-          </a:solidFill>
-        </p:spPr>
-        <p:style>
-          <a:lnRef idx="2">
-            <a:schemeClr val="accent1">
-              <a:shade val="50000"/>
-            </a:schemeClr>
-          </a:lnRef>
-          <a:fillRef idx="1">
-            <a:schemeClr val="accent1"/>
-          </a:fillRef>
-          <a:effectRef idx="0">
-            <a:schemeClr val="accent1"/>
-          </a:effectRef>
-          <a:fontRef idx="minor">
-            <a:schemeClr val="lt1"/>
-          </a:fontRef>
-        </p:style>
-        <p:txBody>
-          <a:bodyPr rtlCol="0" anchor="ctr"/>
-          <a:lstStyle/>
-          <a:p>
-            <a:pPr algn="ctr"/>
-            <a:endParaRPr lang="zh-TW" altLang="en-US"/>
+              <a:t>reference</a:t>
+            </a:r>
+            <a:r>
+              <a:rPr lang="en-US" altLang="zh-TW" dirty="0" smtClean="0"/>
+              <a:t>)</a:t>
+            </a:r>
+            <a:endParaRPr lang="zh-TW" altLang="en-US" dirty="0"/>
           </a:p>
         </p:txBody>
       </p:sp>
     </p:spTree>
     <p:extLst>
       <p:ext uri="{BB962C8B-B14F-4D97-AF65-F5344CB8AC3E}">
-        <p14:creationId xmlns:p14="http://schemas.microsoft.com/office/powerpoint/2010/main" val="2234259979"/>
+        <p14:creationId xmlns:p14="http://schemas.microsoft.com/office/powerpoint/2010/main" val="2262304319"/>
       </p:ext>
     </p:extLst>
   </p:cSld>
@@ -5619,8 +7017,577 @@
 </p:sld>
 </file>
 
-<file path=ppt/slides/slide5.xml><?xml version="1.0" encoding="utf-8"?>
+<file path=ppt/slides/slide31.xml><?xml version="1.0" encoding="utf-8"?>
 <p:sld xmlns:a="http://schemas.openxmlformats.org/drawingml/2006/main" xmlns:r="http://schemas.openxmlformats.org/officeDocument/2006/relationships" xmlns:p="http://schemas.openxmlformats.org/presentationml/2006/main">
+  <p:cSld>
+    <p:spTree>
+      <p:nvGrpSpPr>
+        <p:cNvPr id="1" name=""/>
+        <p:cNvGrpSpPr/>
+        <p:nvPr/>
+      </p:nvGrpSpPr>
+      <p:grpSpPr>
+        <a:xfrm>
+          <a:off x="0" y="0"/>
+          <a:ext cx="0" cy="0"/>
+          <a:chOff x="0" y="0"/>
+          <a:chExt cx="0" cy="0"/>
+        </a:xfrm>
+      </p:grpSpPr>
+      <p:sp>
+        <p:nvSpPr>
+          <p:cNvPr id="4" name="標題 3"/>
+          <p:cNvSpPr>
+            <a:spLocks noGrp="1"/>
+          </p:cNvSpPr>
+          <p:nvPr>
+            <p:ph type="ctrTitle"/>
+          </p:nvPr>
+        </p:nvSpPr>
+        <p:spPr/>
+        <p:txBody>
+          <a:bodyPr/>
+          <a:lstStyle/>
+          <a:p>
+            <a:r>
+              <a:rPr lang="en-US" altLang="zh-TW" dirty="0" smtClean="0"/>
+              <a:t>obsolete</a:t>
+            </a:r>
+            <a:endParaRPr lang="zh-TW" altLang="en-US" dirty="0"/>
+          </a:p>
+        </p:txBody>
+      </p:sp>
+      <p:sp>
+        <p:nvSpPr>
+          <p:cNvPr id="5" name="副標題 4"/>
+          <p:cNvSpPr>
+            <a:spLocks noGrp="1"/>
+          </p:cNvSpPr>
+          <p:nvPr>
+            <p:ph type="subTitle" idx="1"/>
+          </p:nvPr>
+        </p:nvSpPr>
+        <p:spPr/>
+        <p:txBody>
+          <a:bodyPr/>
+          <a:lstStyle/>
+          <a:p>
+            <a:endParaRPr lang="zh-TW" altLang="en-US"/>
+          </a:p>
+        </p:txBody>
+      </p:sp>
+    </p:spTree>
+    <p:extLst>
+      <p:ext uri="{BB962C8B-B14F-4D97-AF65-F5344CB8AC3E}">
+        <p14:creationId xmlns:p14="http://schemas.microsoft.com/office/powerpoint/2010/main" val="644839930"/>
+      </p:ext>
+    </p:extLst>
+  </p:cSld>
+  <p:clrMapOvr>
+    <a:masterClrMapping/>
+  </p:clrMapOvr>
+</p:sld>
+</file>
+
+<file path=ppt/slides/slide32.xml><?xml version="1.0" encoding="utf-8"?>
+<p:sld xmlns:a="http://schemas.openxmlformats.org/drawingml/2006/main" xmlns:r="http://schemas.openxmlformats.org/officeDocument/2006/relationships" xmlns:p="http://schemas.openxmlformats.org/presentationml/2006/main">
+  <p:cSld>
+    <p:spTree>
+      <p:nvGrpSpPr>
+        <p:cNvPr id="1" name=""/>
+        <p:cNvGrpSpPr/>
+        <p:nvPr/>
+      </p:nvGrpSpPr>
+      <p:grpSpPr>
+        <a:xfrm>
+          <a:off x="0" y="0"/>
+          <a:ext cx="0" cy="0"/>
+          <a:chOff x="0" y="0"/>
+          <a:chExt cx="0" cy="0"/>
+        </a:xfrm>
+      </p:grpSpPr>
+      <p:pic>
+        <p:nvPicPr>
+          <p:cNvPr id="3" name="圖片 2"/>
+          <p:cNvPicPr>
+            <a:picLocks noChangeAspect="1"/>
+          </p:cNvPicPr>
+          <p:nvPr/>
+        </p:nvPicPr>
+        <p:blipFill>
+          <a:blip r:embed="rId2"/>
+          <a:stretch>
+            <a:fillRect/>
+          </a:stretch>
+        </p:blipFill>
+        <p:spPr>
+          <a:xfrm>
+            <a:off x="6062471" y="95680"/>
+            <a:ext cx="2829925" cy="1185722"/>
+          </a:xfrm>
+          <a:prstGeom prst="rect">
+            <a:avLst/>
+          </a:prstGeom>
+        </p:spPr>
+      </p:pic>
+      <p:pic>
+        <p:nvPicPr>
+          <p:cNvPr id="4" name="圖片 3"/>
+          <p:cNvPicPr>
+            <a:picLocks noChangeAspect="1"/>
+          </p:cNvPicPr>
+          <p:nvPr/>
+        </p:nvPicPr>
+        <p:blipFill>
+          <a:blip r:embed="rId3"/>
+          <a:stretch>
+            <a:fillRect/>
+          </a:stretch>
+        </p:blipFill>
+        <p:spPr>
+          <a:xfrm>
+            <a:off x="82933" y="0"/>
+            <a:ext cx="5888100" cy="6699453"/>
+          </a:xfrm>
+          <a:prstGeom prst="rect">
+            <a:avLst/>
+          </a:prstGeom>
+        </p:spPr>
+      </p:pic>
+      <p:pic>
+        <p:nvPicPr>
+          <p:cNvPr id="5" name="圖片 4"/>
+          <p:cNvPicPr>
+            <a:picLocks noChangeAspect="1"/>
+          </p:cNvPicPr>
+          <p:nvPr/>
+        </p:nvPicPr>
+        <p:blipFill>
+          <a:blip r:embed="rId4"/>
+          <a:stretch>
+            <a:fillRect/>
+          </a:stretch>
+        </p:blipFill>
+        <p:spPr>
+          <a:xfrm>
+            <a:off x="1537386" y="6223137"/>
+            <a:ext cx="7459116" cy="476316"/>
+          </a:xfrm>
+          <a:prstGeom prst="rect">
+            <a:avLst/>
+          </a:prstGeom>
+        </p:spPr>
+      </p:pic>
+      <p:pic>
+        <p:nvPicPr>
+          <p:cNvPr id="6" name="圖片 5"/>
+          <p:cNvPicPr>
+            <a:picLocks noChangeAspect="1"/>
+          </p:cNvPicPr>
+          <p:nvPr/>
+        </p:nvPicPr>
+        <p:blipFill>
+          <a:blip r:embed="rId5"/>
+          <a:stretch>
+            <a:fillRect/>
+          </a:stretch>
+        </p:blipFill>
+        <p:spPr>
+          <a:xfrm>
+            <a:off x="6062471" y="2394768"/>
+            <a:ext cx="2600688" cy="905001"/>
+          </a:xfrm>
+          <a:prstGeom prst="rect">
+            <a:avLst/>
+          </a:prstGeom>
+        </p:spPr>
+      </p:pic>
+      <p:pic>
+        <p:nvPicPr>
+          <p:cNvPr id="7" name="圖片 6"/>
+          <p:cNvPicPr>
+            <a:picLocks noChangeAspect="1"/>
+          </p:cNvPicPr>
+          <p:nvPr/>
+        </p:nvPicPr>
+        <p:blipFill>
+          <a:blip r:embed="rId6"/>
+          <a:stretch>
+            <a:fillRect/>
+          </a:stretch>
+        </p:blipFill>
+        <p:spPr>
+          <a:xfrm>
+            <a:off x="6062471" y="1495396"/>
+            <a:ext cx="2619741" cy="943107"/>
+          </a:xfrm>
+          <a:prstGeom prst="rect">
+            <a:avLst/>
+          </a:prstGeom>
+        </p:spPr>
+      </p:pic>
+      <p:sp>
+        <p:nvSpPr>
+          <p:cNvPr id="9" name="文字方塊 8"/>
+          <p:cNvSpPr txBox="1"/>
+          <p:nvPr/>
+        </p:nvSpPr>
+        <p:spPr>
+          <a:xfrm>
+            <a:off x="4989195" y="95680"/>
+            <a:ext cx="856325" cy="369332"/>
+          </a:xfrm>
+          <a:prstGeom prst="rect">
+            <a:avLst/>
+          </a:prstGeom>
+          <a:noFill/>
+        </p:spPr>
+        <p:txBody>
+          <a:bodyPr wrap="none" rtlCol="0">
+            <a:spAutoFit/>
+          </a:bodyPr>
+          <a:lstStyle/>
+          <a:p>
+            <a:r>
+              <a:rPr lang="en-US" altLang="zh-TW" dirty="0" smtClean="0">
+                <a:solidFill>
+                  <a:srgbClr val="FF0000"/>
+                </a:solidFill>
+              </a:rPr>
+              <a:t>main.js</a:t>
+            </a:r>
+            <a:endParaRPr lang="zh-TW" altLang="en-US" dirty="0">
+              <a:solidFill>
+                <a:srgbClr val="FF0000"/>
+              </a:solidFill>
+            </a:endParaRPr>
+          </a:p>
+        </p:txBody>
+      </p:sp>
+      <p:sp>
+        <p:nvSpPr>
+          <p:cNvPr id="10" name="文字方塊 9"/>
+          <p:cNvSpPr txBox="1"/>
+          <p:nvPr/>
+        </p:nvSpPr>
+        <p:spPr>
+          <a:xfrm>
+            <a:off x="5235021" y="1066256"/>
+            <a:ext cx="744756" cy="369332"/>
+          </a:xfrm>
+          <a:prstGeom prst="rect">
+            <a:avLst/>
+          </a:prstGeom>
+          <a:noFill/>
+        </p:spPr>
+        <p:txBody>
+          <a:bodyPr wrap="none" rtlCol="0">
+            <a:spAutoFit/>
+          </a:bodyPr>
+          <a:lstStyle/>
+          <a:p>
+            <a:r>
+              <a:rPr lang="en-US" altLang="zh-TW" dirty="0" smtClean="0">
+                <a:solidFill>
+                  <a:srgbClr val="FF0000"/>
+                </a:solidFill>
+              </a:rPr>
+              <a:t>“/</a:t>
+            </a:r>
+            <a:r>
+              <a:rPr lang="en-US" altLang="zh-TW" dirty="0" err="1" smtClean="0">
+                <a:solidFill>
+                  <a:srgbClr val="FF0000"/>
+                </a:solidFill>
+              </a:rPr>
+              <a:t>api</a:t>
+            </a:r>
+            <a:r>
+              <a:rPr lang="en-US" altLang="zh-TW" dirty="0" smtClean="0">
+                <a:solidFill>
+                  <a:srgbClr val="FF0000"/>
+                </a:solidFill>
+              </a:rPr>
+              <a:t>”</a:t>
+            </a:r>
+            <a:endParaRPr lang="zh-TW" altLang="en-US" dirty="0">
+              <a:solidFill>
+                <a:srgbClr val="FF0000"/>
+              </a:solidFill>
+            </a:endParaRPr>
+          </a:p>
+        </p:txBody>
+      </p:sp>
+      <p:sp>
+        <p:nvSpPr>
+          <p:cNvPr id="11" name="文字方塊 10"/>
+          <p:cNvSpPr txBox="1"/>
+          <p:nvPr/>
+        </p:nvSpPr>
+        <p:spPr>
+          <a:xfrm>
+            <a:off x="4909778" y="1628646"/>
+            <a:ext cx="1067985" cy="369332"/>
+          </a:xfrm>
+          <a:prstGeom prst="rect">
+            <a:avLst/>
+          </a:prstGeom>
+          <a:noFill/>
+        </p:spPr>
+        <p:txBody>
+          <a:bodyPr wrap="none" rtlCol="0">
+            <a:spAutoFit/>
+          </a:bodyPr>
+          <a:lstStyle/>
+          <a:p>
+            <a:r>
+              <a:rPr lang="en-US" altLang="zh-TW" dirty="0" smtClean="0">
+                <a:solidFill>
+                  <a:srgbClr val="FF0000"/>
+                </a:solidFill>
+              </a:rPr>
+              <a:t>{ </a:t>
+            </a:r>
+            <a:r>
+              <a:rPr lang="en-US" altLang="zh-TW" dirty="0" err="1" smtClean="0">
+                <a:solidFill>
+                  <a:srgbClr val="FF0000"/>
+                </a:solidFill>
+              </a:rPr>
+              <a:t>argv</a:t>
+            </a:r>
+            <a:r>
+              <a:rPr lang="en-US" altLang="zh-TW" dirty="0" smtClean="0">
+                <a:solidFill>
+                  <a:srgbClr val="FF0000"/>
+                </a:solidFill>
+              </a:rPr>
+              <a:t>: 5 }</a:t>
+            </a:r>
+            <a:endParaRPr lang="zh-TW" altLang="en-US" dirty="0">
+              <a:solidFill>
+                <a:srgbClr val="FF0000"/>
+              </a:solidFill>
+            </a:endParaRPr>
+          </a:p>
+        </p:txBody>
+      </p:sp>
+    </p:spTree>
+    <p:extLst>
+      <p:ext uri="{BB962C8B-B14F-4D97-AF65-F5344CB8AC3E}">
+        <p14:creationId xmlns:p14="http://schemas.microsoft.com/office/powerpoint/2010/main" val="1912102592"/>
+      </p:ext>
+    </p:extLst>
+  </p:cSld>
+  <p:clrMapOvr>
+    <a:masterClrMapping/>
+  </p:clrMapOvr>
+</p:sld>
+</file>
+
+<file path=ppt/slides/slide33.xml><?xml version="1.0" encoding="utf-8"?>
+<p:sld xmlns:a="http://schemas.openxmlformats.org/drawingml/2006/main" xmlns:r="http://schemas.openxmlformats.org/officeDocument/2006/relationships" xmlns:p="http://schemas.openxmlformats.org/presentationml/2006/main">
+  <p:cSld>
+    <p:spTree>
+      <p:nvGrpSpPr>
+        <p:cNvPr id="1" name=""/>
+        <p:cNvGrpSpPr/>
+        <p:nvPr/>
+      </p:nvGrpSpPr>
+      <p:grpSpPr>
+        <a:xfrm>
+          <a:off x="0" y="0"/>
+          <a:ext cx="0" cy="0"/>
+          <a:chOff x="0" y="0"/>
+          <a:chExt cx="0" cy="0"/>
+        </a:xfrm>
+      </p:grpSpPr>
+      <p:pic>
+        <p:nvPicPr>
+          <p:cNvPr id="4" name="圖片 3"/>
+          <p:cNvPicPr>
+            <a:picLocks noChangeAspect="1"/>
+          </p:cNvPicPr>
+          <p:nvPr/>
+        </p:nvPicPr>
+        <p:blipFill>
+          <a:blip r:embed="rId2"/>
+          <a:stretch>
+            <a:fillRect/>
+          </a:stretch>
+        </p:blipFill>
+        <p:spPr>
+          <a:xfrm>
+            <a:off x="146542" y="41417"/>
+            <a:ext cx="3046553" cy="3186415"/>
+          </a:xfrm>
+          <a:prstGeom prst="rect">
+            <a:avLst/>
+          </a:prstGeom>
+        </p:spPr>
+      </p:pic>
+      <p:grpSp>
+        <p:nvGrpSpPr>
+          <p:cNvPr id="7" name="群組 6"/>
+          <p:cNvGrpSpPr/>
+          <p:nvPr/>
+        </p:nvGrpSpPr>
+        <p:grpSpPr>
+          <a:xfrm>
+            <a:off x="4698051" y="-107603"/>
+            <a:ext cx="6416340" cy="5881975"/>
+            <a:chOff x="3193095" y="457200"/>
+            <a:chExt cx="6416340" cy="5881975"/>
+          </a:xfrm>
+        </p:grpSpPr>
+        <p:pic>
+          <p:nvPicPr>
+            <p:cNvPr id="2" name="圖片 1"/>
+            <p:cNvPicPr>
+              <a:picLocks noChangeAspect="1"/>
+            </p:cNvPicPr>
+            <p:nvPr/>
+          </p:nvPicPr>
+          <p:blipFill>
+            <a:blip r:embed="rId3"/>
+            <a:stretch>
+              <a:fillRect/>
+            </a:stretch>
+          </p:blipFill>
+          <p:spPr>
+            <a:xfrm>
+              <a:off x="3193095" y="2535716"/>
+              <a:ext cx="6416340" cy="3803459"/>
+            </a:xfrm>
+            <a:prstGeom prst="rect">
+              <a:avLst/>
+            </a:prstGeom>
+          </p:spPr>
+        </p:pic>
+        <p:pic>
+          <p:nvPicPr>
+            <p:cNvPr id="5" name="圖片 4"/>
+            <p:cNvPicPr>
+              <a:picLocks noChangeAspect="1"/>
+            </p:cNvPicPr>
+            <p:nvPr/>
+          </p:nvPicPr>
+          <p:blipFill>
+            <a:blip r:embed="rId4"/>
+            <a:stretch>
+              <a:fillRect/>
+            </a:stretch>
+          </p:blipFill>
+          <p:spPr>
+            <a:xfrm>
+              <a:off x="3193095" y="457200"/>
+              <a:ext cx="6416340" cy="2576356"/>
+            </a:xfrm>
+            <a:prstGeom prst="rect">
+              <a:avLst/>
+            </a:prstGeom>
+          </p:spPr>
+        </p:pic>
+      </p:grpSp>
+      <p:grpSp>
+        <p:nvGrpSpPr>
+          <p:cNvPr id="10" name="群組 9"/>
+          <p:cNvGrpSpPr/>
+          <p:nvPr/>
+        </p:nvGrpSpPr>
+        <p:grpSpPr>
+          <a:xfrm>
+            <a:off x="10625" y="4458542"/>
+            <a:ext cx="4455938" cy="2399458"/>
+            <a:chOff x="146542" y="3981022"/>
+            <a:chExt cx="4455938" cy="2399458"/>
+          </a:xfrm>
+          <a:solidFill>
+            <a:srgbClr val="FFFFC9"/>
+          </a:solidFill>
+        </p:grpSpPr>
+        <p:sp>
+          <p:nvSpPr>
+            <p:cNvPr id="9" name="圓角矩形 8"/>
+            <p:cNvSpPr/>
+            <p:nvPr/>
+          </p:nvSpPr>
+          <p:spPr>
+            <a:xfrm>
+              <a:off x="146542" y="3981022"/>
+              <a:ext cx="4455938" cy="2399458"/>
+            </a:xfrm>
+            <a:prstGeom prst="roundRect">
+              <a:avLst/>
+            </a:prstGeom>
+            <a:grpFill/>
+          </p:spPr>
+          <p:style>
+            <a:lnRef idx="2">
+              <a:schemeClr val="accent1">
+                <a:shade val="50000"/>
+              </a:schemeClr>
+            </a:lnRef>
+            <a:fillRef idx="1">
+              <a:schemeClr val="accent1"/>
+            </a:fillRef>
+            <a:effectRef idx="0">
+              <a:schemeClr val="accent1"/>
+            </a:effectRef>
+            <a:fontRef idx="minor">
+              <a:schemeClr val="lt1"/>
+            </a:fontRef>
+          </p:style>
+          <p:txBody>
+            <a:bodyPr rtlCol="0" anchor="ctr"/>
+            <a:lstStyle/>
+            <a:p>
+              <a:pPr algn="ctr"/>
+              <a:endParaRPr lang="zh-TW" altLang="en-US"/>
+            </a:p>
+          </p:txBody>
+        </p:sp>
+        <p:pic>
+          <p:nvPicPr>
+            <p:cNvPr id="8" name="圖片 7"/>
+            <p:cNvPicPr>
+              <a:picLocks noChangeAspect="1"/>
+            </p:cNvPicPr>
+            <p:nvPr/>
+          </p:nvPicPr>
+          <p:blipFill>
+            <a:blip r:embed="rId5"/>
+            <a:stretch>
+              <a:fillRect/>
+            </a:stretch>
+          </p:blipFill>
+          <p:spPr>
+            <a:xfrm>
+              <a:off x="315277" y="4134167"/>
+              <a:ext cx="4124325" cy="2105025"/>
+            </a:xfrm>
+            <a:prstGeom prst="rect">
+              <a:avLst/>
+            </a:prstGeom>
+            <a:grpFill/>
+          </p:spPr>
+        </p:pic>
+      </p:grpSp>
+    </p:spTree>
+    <p:extLst>
+      <p:ext uri="{BB962C8B-B14F-4D97-AF65-F5344CB8AC3E}">
+        <p14:creationId xmlns:p14="http://schemas.microsoft.com/office/powerpoint/2010/main" val="56574487"/>
+      </p:ext>
+    </p:extLst>
+  </p:cSld>
+  <p:clrMapOvr>
+    <a:masterClrMapping/>
+  </p:clrMapOvr>
+</p:sld>
+</file>
+
+<file path=ppt/slides/slide34.xml><?xml version="1.0" encoding="utf-8"?>
+<p:sld xmlns:a="http://schemas.openxmlformats.org/drawingml/2006/main" xmlns:r="http://schemas.openxmlformats.org/officeDocument/2006/relationships" xmlns:p="http://schemas.openxmlformats.org/presentationml/2006/main" show="0">
   <p:cSld>
     <p:spTree>
       <p:nvGrpSpPr>
@@ -5815,9 +7782,85 @@
           </a:p>
         </p:txBody>
       </p:sp>
+      <p:sp>
+        <p:nvSpPr>
+          <p:cNvPr id="8" name="文字方塊 7"/>
+          <p:cNvSpPr txBox="1"/>
+          <p:nvPr/>
+        </p:nvSpPr>
+        <p:spPr>
+          <a:xfrm>
+            <a:off x="1762125" y="838200"/>
+            <a:ext cx="1053494" cy="369332"/>
+          </a:xfrm>
+          <a:prstGeom prst="rect">
+            <a:avLst/>
+          </a:prstGeom>
+          <a:noFill/>
+        </p:spPr>
+        <p:txBody>
+          <a:bodyPr wrap="none" rtlCol="0">
+            <a:spAutoFit/>
+          </a:bodyPr>
+          <a:lstStyle/>
+          <a:p>
+            <a:r>
+              <a:rPr lang="en-US" altLang="zh-TW" dirty="0" smtClean="0">
+                <a:solidFill>
+                  <a:srgbClr val="FF0000"/>
+                </a:solidFill>
+              </a:rPr>
+              <a:t>main.cpp</a:t>
+            </a:r>
+            <a:endParaRPr lang="zh-TW" altLang="en-US" dirty="0">
+              <a:solidFill>
+                <a:srgbClr val="FF0000"/>
+              </a:solidFill>
+            </a:endParaRPr>
+          </a:p>
+        </p:txBody>
+      </p:sp>
+      <p:sp>
+        <p:nvSpPr>
+          <p:cNvPr id="16" name="文字方塊 15"/>
+          <p:cNvSpPr txBox="1"/>
+          <p:nvPr/>
+        </p:nvSpPr>
+        <p:spPr>
+          <a:xfrm>
+            <a:off x="6848475" y="3920301"/>
+            <a:ext cx="856325" cy="369332"/>
+          </a:xfrm>
+          <a:prstGeom prst="rect">
+            <a:avLst/>
+          </a:prstGeom>
+          <a:noFill/>
+        </p:spPr>
+        <p:txBody>
+          <a:bodyPr wrap="none" rtlCol="0">
+            <a:spAutoFit/>
+          </a:bodyPr>
+          <a:lstStyle/>
+          <a:p>
+            <a:r>
+              <a:rPr lang="en-US" altLang="zh-TW" dirty="0" smtClean="0">
+                <a:solidFill>
+                  <a:srgbClr val="FF0000"/>
+                </a:solidFill>
+              </a:rPr>
+              <a:t>main.js</a:t>
+            </a:r>
+            <a:endParaRPr lang="zh-TW" altLang="en-US" dirty="0">
+              <a:solidFill>
+                <a:srgbClr val="FF0000"/>
+              </a:solidFill>
+            </a:endParaRPr>
+          </a:p>
+        </p:txBody>
+      </p:sp>
       <p:grpSp>
         <p:nvGrpSpPr>
-          <p:cNvPr id="7" name="群組 6"/>
+          <p:cNvPr id="18" name="群組 17"/>
           <p:cNvGrpSpPr/>
           <p:nvPr/>
         </p:nvGrpSpPr>
@@ -5831,7 +7874,7 @@
         </p:grpSpPr>
         <p:pic>
           <p:nvPicPr>
-            <p:cNvPr id="6" name="圖片 5"/>
+            <p:cNvPr id="19" name="圖片 18"/>
             <p:cNvPicPr>
               <a:picLocks noChangeAspect="1"/>
             </p:cNvPicPr>
@@ -5855,7 +7898,7 @@
         </p:pic>
         <p:cxnSp>
           <p:nvCxnSpPr>
-            <p:cNvPr id="3" name="直線接點 2"/>
+            <p:cNvPr id="20" name="直線接點 19"/>
             <p:cNvCxnSpPr/>
             <p:nvPr/>
           </p:nvCxnSpPr>
@@ -5890,7 +7933,7 @@
         </p:cxnSp>
         <p:cxnSp>
           <p:nvCxnSpPr>
-            <p:cNvPr id="12" name="直線接點 11"/>
+            <p:cNvPr id="21" name="直線接點 20"/>
             <p:cNvCxnSpPr/>
             <p:nvPr/>
           </p:nvCxnSpPr>
@@ -5924,6 +7967,373 @@
           </p:style>
         </p:cxnSp>
       </p:grpSp>
+    </p:spTree>
+    <p:extLst>
+      <p:ext uri="{BB962C8B-B14F-4D97-AF65-F5344CB8AC3E}">
+        <p14:creationId xmlns:p14="http://schemas.microsoft.com/office/powerpoint/2010/main" val="1193524188"/>
+      </p:ext>
+    </p:extLst>
+  </p:cSld>
+  <p:clrMapOvr>
+    <a:masterClrMapping/>
+  </p:clrMapOvr>
+  <mc:AlternateContent xmlns:mc="http://schemas.openxmlformats.org/markup-compatibility/2006" xmlns:p14="http://schemas.microsoft.com/office/powerpoint/2010/main">
+    <mc:Choice Requires="p14">
+      <p:transition spd="slow" p14:dur="2000"/>
+    </mc:Choice>
+    <mc:Fallback xmlns="">
+      <p:transition spd="slow"/>
+    </mc:Fallback>
+  </mc:AlternateContent>
+</p:sld>
+</file>
+
+<file path=ppt/slides/slide35.xml><?xml version="1.0" encoding="utf-8"?>
+<p:sld xmlns:a="http://schemas.openxmlformats.org/drawingml/2006/main" xmlns:r="http://schemas.openxmlformats.org/officeDocument/2006/relationships" xmlns:p="http://schemas.openxmlformats.org/presentationml/2006/main">
+  <p:cSld>
+    <p:spTree>
+      <p:nvGrpSpPr>
+        <p:cNvPr id="1" name=""/>
+        <p:cNvGrpSpPr/>
+        <p:nvPr/>
+      </p:nvGrpSpPr>
+      <p:grpSpPr>
+        <a:xfrm>
+          <a:off x="0" y="0"/>
+          <a:ext cx="0" cy="0"/>
+          <a:chOff x="0" y="0"/>
+          <a:chExt cx="0" cy="0"/>
+        </a:xfrm>
+      </p:grpSpPr>
+      <p:sp>
+        <p:nvSpPr>
+          <p:cNvPr id="2" name="標題 1"/>
+          <p:cNvSpPr>
+            <a:spLocks noGrp="1"/>
+          </p:cNvSpPr>
+          <p:nvPr>
+            <p:ph type="title"/>
+          </p:nvPr>
+        </p:nvSpPr>
+        <p:spPr/>
+        <p:txBody>
+          <a:bodyPr/>
+          <a:lstStyle/>
+          <a:p>
+            <a:pPr algn="r"/>
+            <a:r>
+              <a:rPr lang="en-US" altLang="zh-TW" dirty="0" err="1" smtClean="0"/>
+              <a:t>main.jsxx</a:t>
+            </a:r>
+            <a:endParaRPr lang="zh-TW" altLang="en-US" dirty="0"/>
+          </a:p>
+        </p:txBody>
+      </p:sp>
+      <p:pic>
+        <p:nvPicPr>
+          <p:cNvPr id="3" name="圖片 2"/>
+          <p:cNvPicPr>
+            <a:picLocks noChangeAspect="1"/>
+          </p:cNvPicPr>
+          <p:nvPr/>
+        </p:nvPicPr>
+        <p:blipFill>
+          <a:blip r:embed="rId2"/>
+          <a:stretch>
+            <a:fillRect/>
+          </a:stretch>
+        </p:blipFill>
+        <p:spPr>
+          <a:xfrm>
+            <a:off x="251709" y="152400"/>
+            <a:ext cx="6058746" cy="6606988"/>
+          </a:xfrm>
+          <a:prstGeom prst="rect">
+            <a:avLst/>
+          </a:prstGeom>
+        </p:spPr>
+      </p:pic>
+      <p:sp>
+        <p:nvSpPr>
+          <p:cNvPr id="4" name="圓角矩形 3"/>
+          <p:cNvSpPr/>
+          <p:nvPr/>
+        </p:nvSpPr>
+        <p:spPr>
+          <a:xfrm>
+            <a:off x="753035" y="3845859"/>
+            <a:ext cx="1712259" cy="770965"/>
+          </a:xfrm>
+          <a:prstGeom prst="roundRect">
+            <a:avLst/>
+          </a:prstGeom>
+          <a:noFill/>
+          <a:ln w="28575">
+            <a:solidFill>
+              <a:srgbClr val="FF0000"/>
+            </a:solidFill>
+          </a:ln>
+        </p:spPr>
+        <p:style>
+          <a:lnRef idx="2">
+            <a:schemeClr val="accent1">
+              <a:shade val="50000"/>
+            </a:schemeClr>
+          </a:lnRef>
+          <a:fillRef idx="1">
+            <a:schemeClr val="accent1"/>
+          </a:fillRef>
+          <a:effectRef idx="0">
+            <a:schemeClr val="accent1"/>
+          </a:effectRef>
+          <a:fontRef idx="minor">
+            <a:schemeClr val="lt1"/>
+          </a:fontRef>
+        </p:style>
+        <p:txBody>
+          <a:bodyPr rtlCol="0" anchor="ctr"/>
+          <a:lstStyle/>
+          <a:p>
+            <a:pPr algn="ctr"/>
+            <a:endParaRPr lang="zh-TW" altLang="en-US"/>
+          </a:p>
+        </p:txBody>
+      </p:sp>
+      <p:sp>
+        <p:nvSpPr>
+          <p:cNvPr id="5" name="圓角矩形 4"/>
+          <p:cNvSpPr/>
+          <p:nvPr/>
+        </p:nvSpPr>
+        <p:spPr>
+          <a:xfrm>
+            <a:off x="788894" y="4867836"/>
+            <a:ext cx="3352800" cy="251012"/>
+          </a:xfrm>
+          <a:prstGeom prst="roundRect">
+            <a:avLst/>
+          </a:prstGeom>
+          <a:noFill/>
+          <a:ln w="28575">
+            <a:solidFill>
+              <a:srgbClr val="FF0000"/>
+            </a:solidFill>
+          </a:ln>
+        </p:spPr>
+        <p:style>
+          <a:lnRef idx="2">
+            <a:schemeClr val="accent1">
+              <a:shade val="50000"/>
+            </a:schemeClr>
+          </a:lnRef>
+          <a:fillRef idx="1">
+            <a:schemeClr val="accent1"/>
+          </a:fillRef>
+          <a:effectRef idx="0">
+            <a:schemeClr val="accent1"/>
+          </a:effectRef>
+          <a:fontRef idx="minor">
+            <a:schemeClr val="lt1"/>
+          </a:fontRef>
+        </p:style>
+        <p:txBody>
+          <a:bodyPr rtlCol="0" anchor="ctr"/>
+          <a:lstStyle/>
+          <a:p>
+            <a:pPr algn="ctr"/>
+            <a:endParaRPr lang="zh-TW" altLang="en-US"/>
+          </a:p>
+        </p:txBody>
+      </p:sp>
+    </p:spTree>
+    <p:extLst>
+      <p:ext uri="{BB962C8B-B14F-4D97-AF65-F5344CB8AC3E}">
+        <p14:creationId xmlns:p14="http://schemas.microsoft.com/office/powerpoint/2010/main" val="1412304909"/>
+      </p:ext>
+    </p:extLst>
+  </p:cSld>
+  <p:clrMapOvr>
+    <a:masterClrMapping/>
+  </p:clrMapOvr>
+</p:sld>
+</file>
+
+<file path=ppt/slides/slide36.xml><?xml version="1.0" encoding="utf-8"?>
+<p:sld xmlns:a="http://schemas.openxmlformats.org/drawingml/2006/main" xmlns:r="http://schemas.openxmlformats.org/officeDocument/2006/relationships" xmlns:p="http://schemas.openxmlformats.org/presentationml/2006/main">
+  <p:cSld>
+    <p:spTree>
+      <p:nvGrpSpPr>
+        <p:cNvPr id="1" name=""/>
+        <p:cNvGrpSpPr/>
+        <p:nvPr/>
+      </p:nvGrpSpPr>
+      <p:grpSpPr>
+        <a:xfrm>
+          <a:off x="0" y="0"/>
+          <a:ext cx="0" cy="0"/>
+          <a:chOff x="0" y="0"/>
+          <a:chExt cx="0" cy="0"/>
+        </a:xfrm>
+      </p:grpSpPr>
+      <p:pic>
+        <p:nvPicPr>
+          <p:cNvPr id="2" name="圖片 1"/>
+          <p:cNvPicPr>
+            <a:picLocks noChangeAspect="1"/>
+          </p:cNvPicPr>
+          <p:nvPr/>
+        </p:nvPicPr>
+        <p:blipFill>
+          <a:blip r:embed="rId2"/>
+          <a:stretch>
+            <a:fillRect/>
+          </a:stretch>
+        </p:blipFill>
+        <p:spPr>
+          <a:xfrm>
+            <a:off x="1" y="0"/>
+            <a:ext cx="9070848" cy="743054"/>
+          </a:xfrm>
+          <a:prstGeom prst="rect">
+            <a:avLst/>
+          </a:prstGeom>
+        </p:spPr>
+      </p:pic>
+      <p:pic>
+        <p:nvPicPr>
+          <p:cNvPr id="3" name="圖片 2"/>
+          <p:cNvPicPr>
+            <a:picLocks noChangeAspect="1"/>
+          </p:cNvPicPr>
+          <p:nvPr/>
+        </p:nvPicPr>
+        <p:blipFill>
+          <a:blip r:embed="rId3"/>
+          <a:stretch>
+            <a:fillRect/>
+          </a:stretch>
+        </p:blipFill>
+        <p:spPr>
+          <a:xfrm>
+            <a:off x="1" y="743054"/>
+            <a:ext cx="8997696" cy="212173"/>
+          </a:xfrm>
+          <a:prstGeom prst="rect">
+            <a:avLst/>
+          </a:prstGeom>
+        </p:spPr>
+      </p:pic>
+      <p:grpSp>
+        <p:nvGrpSpPr>
+          <p:cNvPr id="7" name="群組 6"/>
+          <p:cNvGrpSpPr/>
+          <p:nvPr/>
+        </p:nvGrpSpPr>
+        <p:grpSpPr>
+          <a:xfrm>
+            <a:off x="1" y="1086830"/>
+            <a:ext cx="9070848" cy="5636700"/>
+            <a:chOff x="1" y="1086829"/>
+            <a:chExt cx="10517068" cy="6003803"/>
+          </a:xfrm>
+        </p:grpSpPr>
+        <p:pic>
+          <p:nvPicPr>
+            <p:cNvPr id="4" name="圖片 3"/>
+            <p:cNvPicPr>
+              <a:picLocks noChangeAspect="1"/>
+            </p:cNvPicPr>
+            <p:nvPr/>
+          </p:nvPicPr>
+          <p:blipFill>
+            <a:blip r:embed="rId4"/>
+            <a:stretch>
+              <a:fillRect/>
+            </a:stretch>
+          </p:blipFill>
+          <p:spPr>
+            <a:xfrm>
+              <a:off x="1" y="1086829"/>
+              <a:ext cx="10517068" cy="2343477"/>
+            </a:xfrm>
+            <a:prstGeom prst="rect">
+              <a:avLst/>
+            </a:prstGeom>
+          </p:spPr>
+        </p:pic>
+        <p:pic>
+          <p:nvPicPr>
+            <p:cNvPr id="5" name="圖片 4"/>
+            <p:cNvPicPr>
+              <a:picLocks noChangeAspect="1"/>
+            </p:cNvPicPr>
+            <p:nvPr/>
+          </p:nvPicPr>
+          <p:blipFill>
+            <a:blip r:embed="rId5"/>
+            <a:stretch>
+              <a:fillRect/>
+            </a:stretch>
+          </p:blipFill>
+          <p:spPr>
+            <a:xfrm>
+              <a:off x="68404" y="3499206"/>
+              <a:ext cx="2514951" cy="752580"/>
+            </a:xfrm>
+            <a:prstGeom prst="rect">
+              <a:avLst/>
+            </a:prstGeom>
+          </p:spPr>
+        </p:pic>
+        <p:pic>
+          <p:nvPicPr>
+            <p:cNvPr id="6" name="圖片 5"/>
+            <p:cNvPicPr>
+              <a:picLocks noChangeAspect="1"/>
+            </p:cNvPicPr>
+            <p:nvPr/>
+          </p:nvPicPr>
+          <p:blipFill>
+            <a:blip r:embed="rId6"/>
+            <a:stretch>
+              <a:fillRect/>
+            </a:stretch>
+          </p:blipFill>
+          <p:spPr>
+            <a:xfrm>
+              <a:off x="68404" y="4251786"/>
+              <a:ext cx="3915321" cy="2838846"/>
+            </a:xfrm>
+            <a:prstGeom prst="rect">
+              <a:avLst/>
+            </a:prstGeom>
+          </p:spPr>
+        </p:pic>
+      </p:grpSp>
+      <p:pic>
+        <p:nvPicPr>
+          <p:cNvPr id="9" name="圖片 8"/>
+          <p:cNvPicPr>
+            <a:picLocks noChangeAspect="1"/>
+          </p:cNvPicPr>
+          <p:nvPr/>
+        </p:nvPicPr>
+        <p:blipFill>
+          <a:blip r:embed="rId7"/>
+          <a:stretch>
+            <a:fillRect/>
+          </a:stretch>
+        </p:blipFill>
+        <p:spPr>
+          <a:xfrm>
+            <a:off x="4037683" y="3418618"/>
+            <a:ext cx="3046553" cy="3186415"/>
+          </a:xfrm>
+          <a:prstGeom prst="rect">
+            <a:avLst/>
+          </a:prstGeom>
+        </p:spPr>
+      </p:pic>
       <p:sp>
         <p:nvSpPr>
           <p:cNvPr id="8" name="文字方塊 7"/>
@@ -5932,8 +8342,511 @@
         </p:nvSpPr>
         <p:spPr>
           <a:xfrm>
-            <a:off x="1762125" y="838200"/>
-            <a:ext cx="1053494" cy="369332"/>
+            <a:off x="7232142" y="3412595"/>
+            <a:ext cx="1574470" cy="584775"/>
+          </a:xfrm>
+          <a:prstGeom prst="rect">
+            <a:avLst/>
+          </a:prstGeom>
+          <a:noFill/>
+        </p:spPr>
+        <p:txBody>
+          <a:bodyPr wrap="none" rtlCol="0">
+            <a:spAutoFit/>
+          </a:bodyPr>
+          <a:lstStyle/>
+          <a:p>
+            <a:r>
+              <a:rPr lang="en-US" altLang="zh-TW" sz="3200" dirty="0" smtClean="0">
+                <a:solidFill>
+                  <a:srgbClr val="FF0000"/>
+                </a:solidFill>
+              </a:rPr>
+              <a:t>Three.JS</a:t>
+            </a:r>
+            <a:endParaRPr lang="zh-TW" altLang="en-US" sz="3200" dirty="0">
+              <a:solidFill>
+                <a:srgbClr val="FF0000"/>
+              </a:solidFill>
+            </a:endParaRPr>
+          </a:p>
+        </p:txBody>
+      </p:sp>
+    </p:spTree>
+    <p:extLst>
+      <p:ext uri="{BB962C8B-B14F-4D97-AF65-F5344CB8AC3E}">
+        <p14:creationId xmlns:p14="http://schemas.microsoft.com/office/powerpoint/2010/main" val="439581212"/>
+      </p:ext>
+    </p:extLst>
+  </p:cSld>
+  <p:clrMapOvr>
+    <a:masterClrMapping/>
+  </p:clrMapOvr>
+</p:sld>
+</file>
+
+<file path=ppt/slides/slide37.xml><?xml version="1.0" encoding="utf-8"?>
+<p:sld xmlns:a="http://schemas.openxmlformats.org/drawingml/2006/main" xmlns:r="http://schemas.openxmlformats.org/officeDocument/2006/relationships" xmlns:p="http://schemas.openxmlformats.org/presentationml/2006/main">
+  <p:cSld>
+    <p:spTree>
+      <p:nvGrpSpPr>
+        <p:cNvPr id="1" name=""/>
+        <p:cNvGrpSpPr/>
+        <p:nvPr/>
+      </p:nvGrpSpPr>
+      <p:grpSpPr>
+        <a:xfrm>
+          <a:off x="0" y="0"/>
+          <a:ext cx="0" cy="0"/>
+          <a:chOff x="0" y="0"/>
+          <a:chExt cx="0" cy="0"/>
+        </a:xfrm>
+      </p:grpSpPr>
+      <p:grpSp>
+        <p:nvGrpSpPr>
+          <p:cNvPr id="4" name="群組 3"/>
+          <p:cNvGrpSpPr/>
+          <p:nvPr/>
+        </p:nvGrpSpPr>
+        <p:grpSpPr>
+          <a:xfrm>
+            <a:off x="97818" y="107577"/>
+            <a:ext cx="8893781" cy="6667446"/>
+            <a:chOff x="115748" y="138848"/>
+            <a:chExt cx="12003175" cy="8402222"/>
+          </a:xfrm>
+        </p:grpSpPr>
+        <p:pic>
+          <p:nvPicPr>
+            <p:cNvPr id="2" name="圖片 1"/>
+            <p:cNvPicPr>
+              <a:picLocks noChangeAspect="1"/>
+            </p:cNvPicPr>
+            <p:nvPr/>
+          </p:nvPicPr>
+          <p:blipFill>
+            <a:blip r:embed="rId2"/>
+            <a:stretch>
+              <a:fillRect/>
+            </a:stretch>
+          </p:blipFill>
+          <p:spPr>
+            <a:xfrm>
+              <a:off x="115748" y="138848"/>
+              <a:ext cx="12003175" cy="3105583"/>
+            </a:xfrm>
+            <a:prstGeom prst="rect">
+              <a:avLst/>
+            </a:prstGeom>
+          </p:spPr>
+        </p:pic>
+        <p:pic>
+          <p:nvPicPr>
+            <p:cNvPr id="3" name="圖片 2"/>
+            <p:cNvPicPr>
+              <a:picLocks noChangeAspect="1"/>
+            </p:cNvPicPr>
+            <p:nvPr/>
+          </p:nvPicPr>
+          <p:blipFill>
+            <a:blip r:embed="rId3"/>
+            <a:stretch>
+              <a:fillRect/>
+            </a:stretch>
+          </p:blipFill>
+          <p:spPr>
+            <a:xfrm>
+              <a:off x="115748" y="3244431"/>
+              <a:ext cx="7278116" cy="5296639"/>
+            </a:xfrm>
+            <a:prstGeom prst="rect">
+              <a:avLst/>
+            </a:prstGeom>
+          </p:spPr>
+        </p:pic>
+      </p:grpSp>
+      <p:grpSp>
+        <p:nvGrpSpPr>
+          <p:cNvPr id="5" name="群組 4"/>
+          <p:cNvGrpSpPr/>
+          <p:nvPr/>
+        </p:nvGrpSpPr>
+        <p:grpSpPr>
+          <a:xfrm>
+            <a:off x="4510563" y="2571962"/>
+            <a:ext cx="4481036" cy="1764792"/>
+            <a:chOff x="4555148" y="0"/>
+            <a:chExt cx="4481036" cy="1764792"/>
+          </a:xfrm>
+        </p:grpSpPr>
+        <p:pic>
+          <p:nvPicPr>
+            <p:cNvPr id="6" name="圖片 5"/>
+            <p:cNvPicPr>
+              <a:picLocks noChangeAspect="1"/>
+            </p:cNvPicPr>
+            <p:nvPr/>
+          </p:nvPicPr>
+          <p:blipFill>
+            <a:blip r:embed="rId4"/>
+            <a:stretch>
+              <a:fillRect/>
+            </a:stretch>
+          </p:blipFill>
+          <p:spPr>
+            <a:xfrm>
+              <a:off x="4555148" y="0"/>
+              <a:ext cx="4481036" cy="1764792"/>
+            </a:xfrm>
+            <a:prstGeom prst="rect">
+              <a:avLst/>
+            </a:prstGeom>
+          </p:spPr>
+        </p:pic>
+        <p:sp>
+          <p:nvSpPr>
+            <p:cNvPr id="7" name="矩形 6"/>
+            <p:cNvSpPr/>
+            <p:nvPr/>
+          </p:nvSpPr>
+          <p:spPr>
+            <a:xfrm>
+              <a:off x="7737736" y="873104"/>
+              <a:ext cx="1298448" cy="369332"/>
+            </a:xfrm>
+            <a:prstGeom prst="rect">
+              <a:avLst/>
+            </a:prstGeom>
+          </p:spPr>
+          <p:txBody>
+            <a:bodyPr wrap="square">
+              <a:spAutoFit/>
+            </a:bodyPr>
+            <a:lstStyle/>
+            <a:p>
+              <a:r>
+                <a:rPr lang="en-US" altLang="zh-TW" dirty="0" smtClean="0">
+                  <a:hlinkClick r:id="rId5"/>
+                </a:rPr>
+                <a:t>reference</a:t>
+              </a:r>
+              <a:endParaRPr lang="zh-TW" altLang="en-US" dirty="0"/>
+            </a:p>
+          </p:txBody>
+        </p:sp>
+      </p:grpSp>
+      <p:sp>
+        <p:nvSpPr>
+          <p:cNvPr id="8" name="橢圓 7"/>
+          <p:cNvSpPr/>
+          <p:nvPr/>
+        </p:nvSpPr>
+        <p:spPr>
+          <a:xfrm>
+            <a:off x="243840" y="4775200"/>
+            <a:ext cx="619760" cy="355600"/>
+          </a:xfrm>
+          <a:prstGeom prst="ellipse">
+            <a:avLst/>
+          </a:prstGeom>
+          <a:noFill/>
+          <a:ln w="28575">
+            <a:solidFill>
+              <a:srgbClr val="FF0000"/>
+            </a:solidFill>
+          </a:ln>
+        </p:spPr>
+        <p:style>
+          <a:lnRef idx="2">
+            <a:schemeClr val="accent1">
+              <a:shade val="50000"/>
+            </a:schemeClr>
+          </a:lnRef>
+          <a:fillRef idx="1">
+            <a:schemeClr val="accent1"/>
+          </a:fillRef>
+          <a:effectRef idx="0">
+            <a:schemeClr val="accent1"/>
+          </a:effectRef>
+          <a:fontRef idx="minor">
+            <a:schemeClr val="lt1"/>
+          </a:fontRef>
+        </p:style>
+        <p:txBody>
+          <a:bodyPr rtlCol="0" anchor="ctr"/>
+          <a:lstStyle/>
+          <a:p>
+            <a:pPr algn="ctr"/>
+            <a:endParaRPr lang="zh-TW" altLang="en-US"/>
+          </a:p>
+        </p:txBody>
+      </p:sp>
+    </p:spTree>
+    <p:extLst>
+      <p:ext uri="{BB962C8B-B14F-4D97-AF65-F5344CB8AC3E}">
+        <p14:creationId xmlns:p14="http://schemas.microsoft.com/office/powerpoint/2010/main" val="686882503"/>
+      </p:ext>
+    </p:extLst>
+  </p:cSld>
+  <p:clrMapOvr>
+    <a:masterClrMapping/>
+  </p:clrMapOvr>
+  <p:timing>
+    <p:tnLst>
+      <p:par>
+        <p:cTn id="1" dur="indefinite" restart="never" nodeType="tmRoot"/>
+      </p:par>
+    </p:tnLst>
+  </p:timing>
+</p:sld>
+</file>
+
+<file path=ppt/slides/slide38.xml><?xml version="1.0" encoding="utf-8"?>
+<p:sld xmlns:a="http://schemas.openxmlformats.org/drawingml/2006/main" xmlns:r="http://schemas.openxmlformats.org/officeDocument/2006/relationships" xmlns:p="http://schemas.openxmlformats.org/presentationml/2006/main">
+  <p:cSld>
+    <p:spTree>
+      <p:nvGrpSpPr>
+        <p:cNvPr id="1" name=""/>
+        <p:cNvGrpSpPr/>
+        <p:nvPr/>
+      </p:nvGrpSpPr>
+      <p:grpSpPr>
+        <a:xfrm>
+          <a:off x="0" y="0"/>
+          <a:ext cx="0" cy="0"/>
+          <a:chOff x="0" y="0"/>
+          <a:chExt cx="0" cy="0"/>
+        </a:xfrm>
+      </p:grpSpPr>
+      <p:grpSp>
+        <p:nvGrpSpPr>
+          <p:cNvPr id="7" name="群組 6"/>
+          <p:cNvGrpSpPr/>
+          <p:nvPr/>
+        </p:nvGrpSpPr>
+        <p:grpSpPr>
+          <a:xfrm>
+            <a:off x="0" y="0"/>
+            <a:ext cx="5029200" cy="6629446"/>
+            <a:chOff x="74933" y="126769"/>
+            <a:chExt cx="6345784" cy="9980983"/>
+          </a:xfrm>
+        </p:grpSpPr>
+        <p:pic>
+          <p:nvPicPr>
+            <p:cNvPr id="3" name="圖片 2"/>
+            <p:cNvPicPr>
+              <a:picLocks noChangeAspect="1"/>
+            </p:cNvPicPr>
+            <p:nvPr/>
+          </p:nvPicPr>
+          <p:blipFill>
+            <a:blip r:embed="rId2"/>
+            <a:stretch>
+              <a:fillRect/>
+            </a:stretch>
+          </p:blipFill>
+          <p:spPr>
+            <a:xfrm>
+              <a:off x="85708" y="126769"/>
+              <a:ext cx="4239217" cy="438211"/>
+            </a:xfrm>
+            <a:prstGeom prst="rect">
+              <a:avLst/>
+            </a:prstGeom>
+          </p:spPr>
+        </p:pic>
+        <p:pic>
+          <p:nvPicPr>
+            <p:cNvPr id="4" name="圖片 3"/>
+            <p:cNvPicPr>
+              <a:picLocks noChangeAspect="1"/>
+            </p:cNvPicPr>
+            <p:nvPr/>
+          </p:nvPicPr>
+          <p:blipFill>
+            <a:blip r:embed="rId3"/>
+            <a:stretch>
+              <a:fillRect/>
+            </a:stretch>
+          </p:blipFill>
+          <p:spPr>
+            <a:xfrm>
+              <a:off x="85708" y="564980"/>
+              <a:ext cx="6335009" cy="1686160"/>
+            </a:xfrm>
+            <a:prstGeom prst="rect">
+              <a:avLst/>
+            </a:prstGeom>
+          </p:spPr>
+        </p:pic>
+        <p:pic>
+          <p:nvPicPr>
+            <p:cNvPr id="5" name="圖片 4"/>
+            <p:cNvPicPr>
+              <a:picLocks noChangeAspect="1"/>
+            </p:cNvPicPr>
+            <p:nvPr/>
+          </p:nvPicPr>
+          <p:blipFill>
+            <a:blip r:embed="rId4"/>
+            <a:stretch>
+              <a:fillRect/>
+            </a:stretch>
+          </p:blipFill>
+          <p:spPr>
+            <a:xfrm>
+              <a:off x="85708" y="2251140"/>
+              <a:ext cx="6230219" cy="3124636"/>
+            </a:xfrm>
+            <a:prstGeom prst="rect">
+              <a:avLst/>
+            </a:prstGeom>
+          </p:spPr>
+        </p:pic>
+        <p:pic>
+          <p:nvPicPr>
+            <p:cNvPr id="6" name="圖片 5"/>
+            <p:cNvPicPr>
+              <a:picLocks noChangeAspect="1"/>
+            </p:cNvPicPr>
+            <p:nvPr/>
+          </p:nvPicPr>
+          <p:blipFill>
+            <a:blip r:embed="rId5"/>
+            <a:stretch>
+              <a:fillRect/>
+            </a:stretch>
+          </p:blipFill>
+          <p:spPr>
+            <a:xfrm>
+              <a:off x="74933" y="5392219"/>
+              <a:ext cx="6125430" cy="4715533"/>
+            </a:xfrm>
+            <a:prstGeom prst="rect">
+              <a:avLst/>
+            </a:prstGeom>
+          </p:spPr>
+        </p:pic>
+      </p:grpSp>
+      <p:pic>
+        <p:nvPicPr>
+          <p:cNvPr id="8" name="圖片 7"/>
+          <p:cNvPicPr>
+            <a:picLocks noChangeAspect="1"/>
+          </p:cNvPicPr>
+          <p:nvPr/>
+        </p:nvPicPr>
+        <p:blipFill>
+          <a:blip r:embed="rId6"/>
+          <a:stretch>
+            <a:fillRect/>
+          </a:stretch>
+        </p:blipFill>
+        <p:spPr>
+          <a:xfrm>
+            <a:off x="-90967" y="6622377"/>
+            <a:ext cx="5454275" cy="248144"/>
+          </a:xfrm>
+          <a:prstGeom prst="rect">
+            <a:avLst/>
+          </a:prstGeom>
+        </p:spPr>
+      </p:pic>
+      <p:sp>
+        <p:nvSpPr>
+          <p:cNvPr id="10" name="文字方塊 9"/>
+          <p:cNvSpPr txBox="1"/>
+          <p:nvPr/>
+        </p:nvSpPr>
+        <p:spPr>
+          <a:xfrm>
+            <a:off x="6955917" y="2345795"/>
+            <a:ext cx="1383712" cy="584775"/>
+          </a:xfrm>
+          <a:prstGeom prst="rect">
+            <a:avLst/>
+          </a:prstGeom>
+          <a:noFill/>
+        </p:spPr>
+        <p:txBody>
+          <a:bodyPr wrap="none" rtlCol="0">
+            <a:spAutoFit/>
+          </a:bodyPr>
+          <a:lstStyle/>
+          <a:p>
+            <a:r>
+              <a:rPr lang="en-US" altLang="zh-TW" sz="3200" dirty="0" smtClean="0">
+                <a:solidFill>
+                  <a:srgbClr val="FF0000"/>
+                </a:solidFill>
+              </a:rPr>
+              <a:t>main.js</a:t>
+            </a:r>
+            <a:endParaRPr lang="zh-TW" altLang="en-US" sz="3200" dirty="0">
+              <a:solidFill>
+                <a:srgbClr val="FF0000"/>
+              </a:solidFill>
+            </a:endParaRPr>
+          </a:p>
+        </p:txBody>
+      </p:sp>
+      <p:sp>
+        <p:nvSpPr>
+          <p:cNvPr id="11" name="圓角矩形 10"/>
+          <p:cNvSpPr/>
+          <p:nvPr/>
+        </p:nvSpPr>
+        <p:spPr>
+          <a:xfrm>
+            <a:off x="685800" y="3468778"/>
+            <a:ext cx="4286250" cy="960347"/>
+          </a:xfrm>
+          <a:prstGeom prst="roundRect">
+            <a:avLst/>
+          </a:prstGeom>
+          <a:noFill/>
+          <a:ln w="28575">
+            <a:solidFill>
+              <a:srgbClr val="FF0000"/>
+            </a:solidFill>
+          </a:ln>
+        </p:spPr>
+        <p:style>
+          <a:lnRef idx="2">
+            <a:schemeClr val="accent1">
+              <a:shade val="50000"/>
+            </a:schemeClr>
+          </a:lnRef>
+          <a:fillRef idx="1">
+            <a:schemeClr val="accent1"/>
+          </a:fillRef>
+          <a:effectRef idx="0">
+            <a:schemeClr val="accent1"/>
+          </a:effectRef>
+          <a:fontRef idx="minor">
+            <a:schemeClr val="lt1"/>
+          </a:fontRef>
+        </p:style>
+        <p:txBody>
+          <a:bodyPr rtlCol="0" anchor="ctr"/>
+          <a:lstStyle/>
+          <a:p>
+            <a:pPr algn="ctr"/>
+            <a:endParaRPr lang="zh-TW" altLang="en-US"/>
+          </a:p>
+        </p:txBody>
+      </p:sp>
+      <p:sp>
+        <p:nvSpPr>
+          <p:cNvPr id="12" name="文字方塊 11"/>
+          <p:cNvSpPr txBox="1"/>
+          <p:nvPr/>
+        </p:nvSpPr>
+        <p:spPr>
+          <a:xfrm>
+            <a:off x="5076825" y="3748926"/>
+            <a:ext cx="1006686" cy="369332"/>
           </a:xfrm>
           <a:prstGeom prst="rect">
             <a:avLst/>
@@ -5952,7 +8865,7 @@
                   <a:srgbClr val="FF0000"/>
                 </a:solidFill>
               </a:rPr>
-              <a:t>main.cpp</a:t>
+              <a:t>for CORS</a:t>
             </a:r>
             <a:endParaRPr lang="zh-TW" altLang="en-US" dirty="0">
               <a:solidFill>
@@ -5962,16 +8875,124 @@
           </a:p>
         </p:txBody>
       </p:sp>
-      <p:sp>
-        <p:nvSpPr>
-          <p:cNvPr id="16" name="文字方塊 15"/>
+      <p:pic>
+        <p:nvPicPr>
+          <p:cNvPr id="13" name="圖片 12"/>
+          <p:cNvPicPr>
+            <a:picLocks noChangeAspect="1"/>
+          </p:cNvPicPr>
+          <p:nvPr/>
+        </p:nvPicPr>
+        <p:blipFill>
+          <a:blip r:embed="rId7"/>
+          <a:stretch>
+            <a:fillRect/>
+          </a:stretch>
+        </p:blipFill>
+        <p:spPr>
+          <a:xfrm>
+            <a:off x="5965302" y="145531"/>
+            <a:ext cx="2943636" cy="1181265"/>
+          </a:xfrm>
+          <a:prstGeom prst="rect">
+            <a:avLst/>
+          </a:prstGeom>
+        </p:spPr>
+      </p:pic>
+    </p:spTree>
+    <p:extLst>
+      <p:ext uri="{BB962C8B-B14F-4D97-AF65-F5344CB8AC3E}">
+        <p14:creationId xmlns:p14="http://schemas.microsoft.com/office/powerpoint/2010/main" val="2007428780"/>
+      </p:ext>
+    </p:extLst>
+  </p:cSld>
+  <p:clrMapOvr>
+    <a:masterClrMapping/>
+  </p:clrMapOvr>
+  <p:timing>
+    <p:tnLst>
+      <p:par>
+        <p:cTn id="1" dur="indefinite" restart="never" nodeType="tmRoot"/>
+      </p:par>
+    </p:tnLst>
+  </p:timing>
+</p:sld>
+</file>
+
+<file path=ppt/slides/slide39.xml><?xml version="1.0" encoding="utf-8"?>
+<p:sld xmlns:a="http://schemas.openxmlformats.org/drawingml/2006/main" xmlns:r="http://schemas.openxmlformats.org/officeDocument/2006/relationships" xmlns:p="http://schemas.openxmlformats.org/presentationml/2006/main">
+  <p:cSld>
+    <p:spTree>
+      <p:nvGrpSpPr>
+        <p:cNvPr id="1" name=""/>
+        <p:cNvGrpSpPr/>
+        <p:nvPr/>
+      </p:nvGrpSpPr>
+      <p:grpSpPr>
+        <a:xfrm>
+          <a:off x="0" y="0"/>
+          <a:ext cx="0" cy="0"/>
+          <a:chOff x="0" y="0"/>
+          <a:chExt cx="0" cy="0"/>
+        </a:xfrm>
+      </p:grpSpPr>
+      <p:sp>
+        <p:nvSpPr>
+          <p:cNvPr id="2" name="標題 1"/>
+          <p:cNvSpPr>
+            <a:spLocks noGrp="1"/>
+          </p:cNvSpPr>
+          <p:nvPr>
+            <p:ph type="title"/>
+          </p:nvPr>
+        </p:nvSpPr>
+        <p:spPr/>
+        <p:txBody>
+          <a:bodyPr/>
+          <a:lstStyle/>
+          <a:p>
+            <a:r>
+              <a:rPr lang="en-US" altLang="zh-TW" dirty="0" err="1" smtClean="0"/>
+              <a:t>Package.json</a:t>
+            </a:r>
+            <a:endParaRPr lang="zh-TW" altLang="en-US" dirty="0"/>
+          </a:p>
+        </p:txBody>
+      </p:sp>
+      <p:pic>
+        <p:nvPicPr>
+          <p:cNvPr id="5" name="圖片 4"/>
+          <p:cNvPicPr>
+            <a:picLocks noChangeAspect="1"/>
+          </p:cNvPicPr>
+          <p:nvPr/>
+        </p:nvPicPr>
+        <p:blipFill>
+          <a:blip r:embed="rId2"/>
+          <a:stretch>
+            <a:fillRect/>
+          </a:stretch>
+        </p:blipFill>
+        <p:spPr>
+          <a:xfrm>
+            <a:off x="753455" y="2178820"/>
+            <a:ext cx="5058481" cy="3581900"/>
+          </a:xfrm>
+          <a:prstGeom prst="rect">
+            <a:avLst/>
+          </a:prstGeom>
+        </p:spPr>
+      </p:pic>
+      <p:sp>
+        <p:nvSpPr>
+          <p:cNvPr id="3" name="文字方塊 2"/>
           <p:cNvSpPr txBox="1"/>
           <p:nvPr/>
         </p:nvSpPr>
         <p:spPr>
           <a:xfrm>
-            <a:off x="6848475" y="3920301"/>
-            <a:ext cx="856325" cy="369332"/>
+            <a:off x="3952875" y="4867275"/>
+            <a:ext cx="2642775" cy="369332"/>
           </a:xfrm>
           <a:prstGeom prst="rect">
             <a:avLst/>
@@ -5984,13 +9005,53 @@
           </a:bodyPr>
           <a:lstStyle/>
           <a:p>
+            <a:r>
+              <a:rPr lang="en-US" altLang="zh-TW" dirty="0" err="1" smtClean="0">
+                <a:solidFill>
+                  <a:srgbClr val="FF0000"/>
+                </a:solidFill>
+              </a:rPr>
+              <a:t>Shelljs</a:t>
+            </a:r>
             <a:r>
               <a:rPr lang="en-US" altLang="zh-TW" dirty="0" smtClean="0">
                 <a:solidFill>
                   <a:srgbClr val="FF0000"/>
                 </a:solidFill>
               </a:rPr>
-              <a:t>main.js</a:t>
+              <a:t> of </a:t>
+            </a:r>
+            <a:r>
+              <a:rPr lang="en-US" altLang="zh-TW" i="1" dirty="0" smtClean="0">
+                <a:solidFill>
+                  <a:srgbClr val="FF0000"/>
+                </a:solidFill>
+              </a:rPr>
+              <a:t>any</a:t>
+            </a:r>
+            <a:r>
+              <a:rPr lang="en-US" altLang="zh-TW" dirty="0" smtClean="0">
+                <a:solidFill>
+                  <a:srgbClr val="FF0000"/>
+                </a:solidFill>
+              </a:rPr>
+              <a:t> (“</a:t>
+            </a:r>
+            <a:r>
+              <a:rPr lang="en-US" altLang="zh-TW" dirty="0">
+                <a:solidFill>
+                  <a:srgbClr val="FF0000"/>
+                </a:solidFill>
+              </a:rPr>
+              <a:t>*</a:t>
+            </a:r>
+            <a:r>
+              <a:rPr lang="en-US" altLang="zh-TW" dirty="0" smtClean="0">
+                <a:solidFill>
+                  <a:srgbClr val="FF0000"/>
+                </a:solidFill>
+              </a:rPr>
+              <a:t>”) version</a:t>
             </a:r>
             <a:endParaRPr lang="zh-TW" altLang="en-US" dirty="0">
               <a:solidFill>
@@ -6000,10 +9061,366 @@
           </a:p>
         </p:txBody>
       </p:sp>
+      <p:grpSp>
+        <p:nvGrpSpPr>
+          <p:cNvPr id="7" name="群組 6"/>
+          <p:cNvGrpSpPr/>
+          <p:nvPr/>
+        </p:nvGrpSpPr>
+        <p:grpSpPr>
+          <a:xfrm>
+            <a:off x="3003905" y="153935"/>
+            <a:ext cx="6073420" cy="1722490"/>
+            <a:chOff x="3003905" y="153935"/>
+            <a:chExt cx="6073420" cy="1722490"/>
+          </a:xfrm>
+        </p:grpSpPr>
+        <p:pic>
+          <p:nvPicPr>
+            <p:cNvPr id="4" name="圖片 3"/>
+            <p:cNvPicPr>
+              <a:picLocks noChangeAspect="1"/>
+            </p:cNvPicPr>
+            <p:nvPr/>
+          </p:nvPicPr>
+          <p:blipFill>
+            <a:blip r:embed="rId3"/>
+            <a:stretch>
+              <a:fillRect/>
+            </a:stretch>
+          </p:blipFill>
+          <p:spPr>
+            <a:xfrm>
+              <a:off x="3003905" y="153935"/>
+              <a:ext cx="5981822" cy="1437122"/>
+            </a:xfrm>
+            <a:prstGeom prst="rect">
+              <a:avLst/>
+            </a:prstGeom>
+          </p:spPr>
+        </p:pic>
+        <p:sp>
+          <p:nvSpPr>
+            <p:cNvPr id="6" name="矩形 5"/>
+            <p:cNvSpPr/>
+            <p:nvPr/>
+          </p:nvSpPr>
+          <p:spPr>
+            <a:xfrm>
+              <a:off x="8391525" y="1371600"/>
+              <a:ext cx="685800" cy="504825"/>
+            </a:xfrm>
+            <a:prstGeom prst="rect">
+              <a:avLst/>
+            </a:prstGeom>
+            <a:solidFill>
+              <a:schemeClr val="bg1"/>
+            </a:solidFill>
+            <a:ln>
+              <a:noFill/>
+            </a:ln>
+          </p:spPr>
+          <p:style>
+            <a:lnRef idx="2">
+              <a:schemeClr val="accent1">
+                <a:shade val="50000"/>
+              </a:schemeClr>
+            </a:lnRef>
+            <a:fillRef idx="1">
+              <a:schemeClr val="accent1"/>
+            </a:fillRef>
+            <a:effectRef idx="0">
+              <a:schemeClr val="accent1"/>
+            </a:effectRef>
+            <a:fontRef idx="minor">
+              <a:schemeClr val="lt1"/>
+            </a:fontRef>
+          </p:style>
+          <p:txBody>
+            <a:bodyPr rtlCol="0" anchor="ctr"/>
+            <a:lstStyle/>
+            <a:p>
+              <a:pPr algn="ctr"/>
+              <a:endParaRPr lang="zh-TW" altLang="en-US"/>
+            </a:p>
+          </p:txBody>
+        </p:sp>
+      </p:grpSp>
     </p:spTree>
     <p:extLst>
       <p:ext uri="{BB962C8B-B14F-4D97-AF65-F5344CB8AC3E}">
-        <p14:creationId xmlns:p14="http://schemas.microsoft.com/office/powerpoint/2010/main" val="1193524188"/>
+        <p14:creationId xmlns:p14="http://schemas.microsoft.com/office/powerpoint/2010/main" val="2645624800"/>
+      </p:ext>
+    </p:extLst>
+  </p:cSld>
+  <p:clrMapOvr>
+    <a:masterClrMapping/>
+  </p:clrMapOvr>
+</p:sld>
+</file>
+
+<file path=ppt/slides/slide4.xml><?xml version="1.0" encoding="utf-8"?>
+<p:sld xmlns:a="http://schemas.openxmlformats.org/drawingml/2006/main" xmlns:r="http://schemas.openxmlformats.org/officeDocument/2006/relationships" xmlns:p="http://schemas.openxmlformats.org/presentationml/2006/main">
+  <p:cSld>
+    <p:spTree>
+      <p:nvGrpSpPr>
+        <p:cNvPr id="1" name=""/>
+        <p:cNvGrpSpPr/>
+        <p:nvPr/>
+      </p:nvGrpSpPr>
+      <p:grpSpPr>
+        <a:xfrm>
+          <a:off x="0" y="0"/>
+          <a:ext cx="0" cy="0"/>
+          <a:chOff x="0" y="0"/>
+          <a:chExt cx="0" cy="0"/>
+        </a:xfrm>
+      </p:grpSpPr>
+      <p:sp>
+        <p:nvSpPr>
+          <p:cNvPr id="3" name="標題 2"/>
+          <p:cNvSpPr>
+            <a:spLocks noGrp="1"/>
+          </p:cNvSpPr>
+          <p:nvPr>
+            <p:ph type="ctrTitle"/>
+          </p:nvPr>
+        </p:nvSpPr>
+        <p:spPr/>
+        <p:txBody>
+          <a:bodyPr/>
+          <a:lstStyle/>
+          <a:p>
+            <a:r>
+              <a:rPr lang="en-US" altLang="zh-TW" dirty="0" err="1" smtClean="0"/>
+              <a:t>callShell</a:t>
+            </a:r>
+            <a:r>
+              <a:rPr lang="en-US" altLang="zh-TW" dirty="0" smtClean="0"/>
+              <a:t> from node.js</a:t>
+            </a:r>
+            <a:endParaRPr lang="zh-TW" altLang="en-US" dirty="0"/>
+          </a:p>
+        </p:txBody>
+      </p:sp>
+      <p:sp>
+        <p:nvSpPr>
+          <p:cNvPr id="4" name="副標題 3"/>
+          <p:cNvSpPr>
+            <a:spLocks noGrp="1"/>
+          </p:cNvSpPr>
+          <p:nvPr>
+            <p:ph type="subTitle" idx="1"/>
+          </p:nvPr>
+        </p:nvSpPr>
+        <p:spPr/>
+        <p:txBody>
+          <a:bodyPr/>
+          <a:lstStyle/>
+          <a:p>
+            <a:endParaRPr lang="zh-TW" altLang="en-US"/>
+          </a:p>
+        </p:txBody>
+      </p:sp>
+    </p:spTree>
+    <p:extLst>
+      <p:ext uri="{BB962C8B-B14F-4D97-AF65-F5344CB8AC3E}">
+        <p14:creationId xmlns:p14="http://schemas.microsoft.com/office/powerpoint/2010/main" val="1056714479"/>
+      </p:ext>
+    </p:extLst>
+  </p:cSld>
+  <p:clrMapOvr>
+    <a:masterClrMapping/>
+  </p:clrMapOvr>
+</p:sld>
+</file>
+
+<file path=ppt/slides/slide5.xml><?xml version="1.0" encoding="utf-8"?>
+<p:sld xmlns:a="http://schemas.openxmlformats.org/drawingml/2006/main" xmlns:r="http://schemas.openxmlformats.org/officeDocument/2006/relationships" xmlns:p="http://schemas.openxmlformats.org/presentationml/2006/main">
+  <p:cSld>
+    <p:spTree>
+      <p:nvGrpSpPr>
+        <p:cNvPr id="1" name=""/>
+        <p:cNvGrpSpPr/>
+        <p:nvPr/>
+      </p:nvGrpSpPr>
+      <p:grpSpPr>
+        <a:xfrm>
+          <a:off x="0" y="0"/>
+          <a:ext cx="0" cy="0"/>
+          <a:chOff x="0" y="0"/>
+          <a:chExt cx="0" cy="0"/>
+        </a:xfrm>
+      </p:grpSpPr>
+      <p:sp>
+        <p:nvSpPr>
+          <p:cNvPr id="5" name="標題 4"/>
+          <p:cNvSpPr>
+            <a:spLocks noGrp="1"/>
+          </p:cNvSpPr>
+          <p:nvPr>
+            <p:ph type="title"/>
+          </p:nvPr>
+        </p:nvSpPr>
+        <p:spPr/>
+        <p:txBody>
+          <a:bodyPr/>
+          <a:lstStyle/>
+          <a:p>
+            <a:r>
+              <a:rPr lang="en-US" altLang="zh-TW" dirty="0" smtClean="0"/>
+              <a:t>In the Directory …</a:t>
+            </a:r>
+            <a:endParaRPr lang="zh-TW" altLang="en-US" dirty="0"/>
+          </a:p>
+        </p:txBody>
+      </p:sp>
+      <p:pic>
+        <p:nvPicPr>
+          <p:cNvPr id="6" name="圖片 5"/>
+          <p:cNvPicPr>
+            <a:picLocks noChangeAspect="1"/>
+          </p:cNvPicPr>
+          <p:nvPr/>
+        </p:nvPicPr>
+        <p:blipFill>
+          <a:blip r:embed="rId2"/>
+          <a:stretch>
+            <a:fillRect/>
+          </a:stretch>
+        </p:blipFill>
+        <p:spPr>
+          <a:xfrm>
+            <a:off x="298985" y="1547814"/>
+            <a:ext cx="3041693" cy="1957386"/>
+          </a:xfrm>
+          <a:prstGeom prst="rect">
+            <a:avLst/>
+          </a:prstGeom>
+        </p:spPr>
+      </p:pic>
+      <p:sp>
+        <p:nvSpPr>
+          <p:cNvPr id="7" name="向右箭號 6"/>
+          <p:cNvSpPr/>
+          <p:nvPr/>
+        </p:nvSpPr>
+        <p:spPr>
+          <a:xfrm>
+            <a:off x="2785816" y="1738902"/>
+            <a:ext cx="420624" cy="163958"/>
+          </a:xfrm>
+          <a:prstGeom prst="rightArrow">
+            <a:avLst/>
+          </a:prstGeom>
+        </p:spPr>
+        <p:style>
+          <a:lnRef idx="2">
+            <a:schemeClr val="accent1">
+              <a:shade val="50000"/>
+            </a:schemeClr>
+          </a:lnRef>
+          <a:fillRef idx="1">
+            <a:schemeClr val="accent1"/>
+          </a:fillRef>
+          <a:effectRef idx="0">
+            <a:schemeClr val="accent1"/>
+          </a:effectRef>
+          <a:fontRef idx="minor">
+            <a:schemeClr val="lt1"/>
+          </a:fontRef>
+        </p:style>
+        <p:txBody>
+          <a:bodyPr rtlCol="0" anchor="ctr"/>
+          <a:lstStyle/>
+          <a:p>
+            <a:pPr algn="ctr"/>
+            <a:endParaRPr lang="zh-TW" altLang="en-US"/>
+          </a:p>
+        </p:txBody>
+      </p:sp>
+      <p:sp>
+        <p:nvSpPr>
+          <p:cNvPr id="8" name="文字方塊 7"/>
+          <p:cNvSpPr txBox="1"/>
+          <p:nvPr/>
+        </p:nvSpPr>
+        <p:spPr>
+          <a:xfrm>
+            <a:off x="3340678" y="1624014"/>
+            <a:ext cx="3312414" cy="369332"/>
+          </a:xfrm>
+          <a:prstGeom prst="rect">
+            <a:avLst/>
+          </a:prstGeom>
+          <a:noFill/>
+        </p:spPr>
+        <p:txBody>
+          <a:bodyPr wrap="square" rtlCol="0">
+            <a:spAutoFit/>
+          </a:bodyPr>
+          <a:lstStyle/>
+          <a:p>
+            <a:r>
+              <a:rPr lang="en-US" altLang="zh-TW" dirty="0" smtClean="0">
+                <a:solidFill>
+                  <a:srgbClr val="FF0000"/>
+                </a:solidFill>
+              </a:rPr>
+              <a:t>got created after ‘</a:t>
+            </a:r>
+            <a:r>
+              <a:rPr lang="en-US" altLang="zh-TW" dirty="0" err="1" smtClean="0">
+                <a:solidFill>
+                  <a:srgbClr val="FF0000"/>
+                </a:solidFill>
+              </a:rPr>
+              <a:t>npm</a:t>
+            </a:r>
+            <a:r>
+              <a:rPr lang="en-US" altLang="zh-TW" dirty="0" smtClean="0">
+                <a:solidFill>
+                  <a:srgbClr val="FF0000"/>
+                </a:solidFill>
+              </a:rPr>
+              <a:t> install’</a:t>
+            </a:r>
+            <a:endParaRPr lang="zh-TW" altLang="en-US" dirty="0">
+              <a:solidFill>
+                <a:srgbClr val="FF0000"/>
+              </a:solidFill>
+            </a:endParaRPr>
+          </a:p>
+        </p:txBody>
+      </p:sp>
+      <p:pic>
+        <p:nvPicPr>
+          <p:cNvPr id="9" name="圖片 8"/>
+          <p:cNvPicPr>
+            <a:picLocks noChangeAspect="1"/>
+          </p:cNvPicPr>
+          <p:nvPr/>
+        </p:nvPicPr>
+        <p:blipFill>
+          <a:blip r:embed="rId3"/>
+          <a:stretch>
+            <a:fillRect/>
+          </a:stretch>
+        </p:blipFill>
+        <p:spPr>
+          <a:xfrm>
+            <a:off x="3405988" y="2037170"/>
+            <a:ext cx="3181794" cy="1991003"/>
+          </a:xfrm>
+          <a:prstGeom prst="rect">
+            <a:avLst/>
+          </a:prstGeom>
+        </p:spPr>
+      </p:pic>
+    </p:spTree>
+    <p:extLst>
+      <p:ext uri="{BB962C8B-B14F-4D97-AF65-F5344CB8AC3E}">
+        <p14:creationId xmlns:p14="http://schemas.microsoft.com/office/powerpoint/2010/main" val="1359494075"/>
       </p:ext>
     </p:extLst>
   </p:cSld>
@@ -6037,7 +9454,7 @@
             <a:spLocks noGrp="1"/>
           </p:cNvSpPr>
           <p:nvPr>
-            <p:ph type="ctrTitle"/>
+            <p:ph type="title"/>
           </p:nvPr>
         </p:nvSpPr>
         <p:spPr/>
@@ -6045,37 +9462,288 @@
           <a:bodyPr/>
           <a:lstStyle/>
           <a:p>
+            <a:pPr algn="r"/>
             <a:r>
               <a:rPr lang="en-US" altLang="zh-TW" dirty="0" err="1" smtClean="0"/>
-              <a:t>callShellWithServer</a:t>
+              <a:t>package.JSON</a:t>
             </a:r>
             <a:endParaRPr lang="zh-TW" altLang="en-US" dirty="0"/>
           </a:p>
         </p:txBody>
       </p:sp>
-      <p:sp>
-        <p:nvSpPr>
-          <p:cNvPr id="3" name="副標題 2"/>
-          <p:cNvSpPr>
-            <a:spLocks noGrp="1"/>
-          </p:cNvSpPr>
+      <p:pic>
+        <p:nvPicPr>
+          <p:cNvPr id="3" name="圖片 2"/>
+          <p:cNvPicPr>
+            <a:picLocks noChangeAspect="1"/>
+          </p:cNvPicPr>
+          <p:nvPr/>
+        </p:nvPicPr>
+        <p:blipFill>
+          <a:blip r:embed="rId3"/>
+          <a:stretch>
+            <a:fillRect/>
+          </a:stretch>
+        </p:blipFill>
+        <p:spPr>
+          <a:xfrm>
+            <a:off x="628650" y="2351919"/>
+            <a:ext cx="3791479" cy="2800741"/>
+          </a:xfrm>
+          <a:prstGeom prst="rect">
+            <a:avLst/>
+          </a:prstGeom>
+        </p:spPr>
+      </p:pic>
+      <p:sp>
+        <p:nvSpPr>
+          <p:cNvPr id="4" name="圓角矩形 3"/>
+          <p:cNvSpPr/>
+          <p:nvPr/>
+        </p:nvSpPr>
+        <p:spPr>
+          <a:xfrm>
+            <a:off x="782638" y="4239849"/>
+            <a:ext cx="1999129" cy="770964"/>
+          </a:xfrm>
+          <a:prstGeom prst="roundRect">
+            <a:avLst/>
+          </a:prstGeom>
+          <a:noFill/>
+          <a:ln w="28575">
+            <a:solidFill>
+              <a:srgbClr val="FF0000"/>
+            </a:solidFill>
+          </a:ln>
+        </p:spPr>
+        <p:style>
+          <a:lnRef idx="2">
+            <a:schemeClr val="accent1">
+              <a:shade val="50000"/>
+            </a:schemeClr>
+          </a:lnRef>
+          <a:fillRef idx="1">
+            <a:schemeClr val="accent1"/>
+          </a:fillRef>
+          <a:effectRef idx="0">
+            <a:schemeClr val="accent1"/>
+          </a:effectRef>
+          <a:fontRef idx="minor">
+            <a:schemeClr val="lt1"/>
+          </a:fontRef>
+        </p:style>
+        <p:txBody>
+          <a:bodyPr rtlCol="0" anchor="ctr"/>
+          <a:lstStyle/>
+          <a:p>
+            <a:pPr algn="ctr"/>
+            <a:endParaRPr lang="zh-TW" altLang="en-US"/>
+          </a:p>
+        </p:txBody>
+      </p:sp>
+      <p:pic>
+        <p:nvPicPr>
+          <p:cNvPr id="14" name="圖片 13"/>
+          <p:cNvPicPr>
+            <a:picLocks noChangeAspect="1"/>
+          </p:cNvPicPr>
+          <p:nvPr/>
+        </p:nvPicPr>
+        <p:blipFill>
+          <a:blip r:embed="rId4"/>
+          <a:stretch>
+            <a:fillRect/>
+          </a:stretch>
+        </p:blipFill>
+        <p:spPr>
+          <a:xfrm>
+            <a:off x="782638" y="5381890"/>
+            <a:ext cx="6467475" cy="552450"/>
+          </a:xfrm>
+          <a:prstGeom prst="rect">
+            <a:avLst/>
+          </a:prstGeom>
+        </p:spPr>
+      </p:pic>
+      <p:sp>
+        <p:nvSpPr>
+          <p:cNvPr id="15" name="文字方塊 14"/>
+          <p:cNvSpPr txBox="1"/>
+          <p:nvPr/>
+        </p:nvSpPr>
+        <p:spPr>
+          <a:xfrm>
+            <a:off x="2927024" y="4319614"/>
+            <a:ext cx="2642775" cy="369332"/>
+          </a:xfrm>
+          <a:prstGeom prst="rect">
+            <a:avLst/>
+          </a:prstGeom>
+          <a:noFill/>
+        </p:spPr>
+        <p:txBody>
+          <a:bodyPr wrap="none" rtlCol="0">
+            <a:spAutoFit/>
+          </a:bodyPr>
+          <a:lstStyle/>
+          <a:p>
+            <a:r>
+              <a:rPr lang="en-US" altLang="zh-TW" dirty="0" err="1" smtClean="0">
+                <a:solidFill>
+                  <a:srgbClr val="FF0000"/>
+                </a:solidFill>
+              </a:rPr>
+              <a:t>Shelljs</a:t>
+            </a:r>
+            <a:r>
+              <a:rPr lang="en-US" altLang="zh-TW" dirty="0" smtClean="0">
+                <a:solidFill>
+                  <a:srgbClr val="FF0000"/>
+                </a:solidFill>
+              </a:rPr>
+              <a:t> of </a:t>
+            </a:r>
+            <a:r>
+              <a:rPr lang="en-US" altLang="zh-TW" i="1" dirty="0" smtClean="0">
+                <a:solidFill>
+                  <a:srgbClr val="FF0000"/>
+                </a:solidFill>
+              </a:rPr>
+              <a:t>any</a:t>
+            </a:r>
+            <a:r>
+              <a:rPr lang="en-US" altLang="zh-TW" dirty="0" smtClean="0">
+                <a:solidFill>
+                  <a:srgbClr val="FF0000"/>
+                </a:solidFill>
+              </a:rPr>
+              <a:t> (“</a:t>
+            </a:r>
+            <a:r>
+              <a:rPr lang="en-US" altLang="zh-TW" dirty="0">
+                <a:solidFill>
+                  <a:srgbClr val="FF0000"/>
+                </a:solidFill>
+              </a:rPr>
+              <a:t>*</a:t>
+            </a:r>
+            <a:r>
+              <a:rPr lang="en-US" altLang="zh-TW" dirty="0" smtClean="0">
+                <a:solidFill>
+                  <a:srgbClr val="FF0000"/>
+                </a:solidFill>
+              </a:rPr>
+              <a:t>”) version</a:t>
+            </a:r>
+            <a:endParaRPr lang="zh-TW" altLang="en-US" dirty="0">
+              <a:solidFill>
+                <a:srgbClr val="FF0000"/>
+              </a:solidFill>
+            </a:endParaRPr>
+          </a:p>
+        </p:txBody>
+      </p:sp>
+      <p:sp>
+        <p:nvSpPr>
+          <p:cNvPr id="16" name="文字方塊 15"/>
+          <p:cNvSpPr txBox="1"/>
+          <p:nvPr/>
+        </p:nvSpPr>
+        <p:spPr>
+          <a:xfrm>
+            <a:off x="6217024" y="2551645"/>
+            <a:ext cx="1223989" cy="369332"/>
+          </a:xfrm>
+          <a:prstGeom prst="rect">
+            <a:avLst/>
+          </a:prstGeom>
+          <a:noFill/>
+        </p:spPr>
+        <p:txBody>
+          <a:bodyPr wrap="none" rtlCol="0">
+            <a:spAutoFit/>
+          </a:bodyPr>
+          <a:lstStyle/>
+          <a:p>
+            <a:r>
+              <a:rPr lang="en-US" altLang="zh-TW" dirty="0" smtClean="0"/>
+              <a:t>(</a:t>
+            </a:r>
+            <a:r>
+              <a:rPr lang="en-US" altLang="zh-TW" dirty="0" smtClean="0">
+                <a:hlinkClick r:id="rId5"/>
+              </a:rPr>
+              <a:t>reference</a:t>
+            </a:r>
+            <a:r>
+              <a:rPr lang="en-US" altLang="zh-TW" dirty="0" smtClean="0"/>
+              <a:t>)</a:t>
+            </a:r>
+            <a:endParaRPr lang="zh-TW" altLang="en-US" dirty="0"/>
+          </a:p>
+        </p:txBody>
+      </p:sp>
+      <p:graphicFrame>
+        <p:nvGraphicFramePr>
+          <p:cNvPr id="17" name="物件 16"/>
+          <p:cNvGraphicFramePr>
+            <a:graphicFrameLocks noChangeAspect="1"/>
+          </p:cNvGraphicFramePr>
           <p:nvPr>
-            <p:ph type="subTitle" idx="1"/>
+            <p:extLst>
+              <p:ext uri="{D42A27DB-BD31-4B8C-83A1-F6EECF244321}">
+                <p14:modId xmlns:p14="http://schemas.microsoft.com/office/powerpoint/2010/main" val="1981473352"/>
+              </p:ext>
+            </p:extLst>
           </p:nvPr>
-        </p:nvSpPr>
-        <p:spPr/>
-        <p:txBody>
-          <a:bodyPr/>
-          <a:lstStyle/>
-          <a:p>
-            <a:endParaRPr lang="zh-TW" altLang="en-US"/>
-          </a:p>
-        </p:txBody>
-      </p:sp>
+        </p:nvGraphicFramePr>
+        <p:xfrm>
+          <a:off x="782638" y="1347690"/>
+          <a:ext cx="7732712" cy="698500"/>
+        </p:xfrm>
+        <a:graphic>
+          <a:graphicData uri="http://schemas.openxmlformats.org/presentationml/2006/ole">
+            <mc:AlternateContent xmlns:mc="http://schemas.openxmlformats.org/markup-compatibility/2006">
+              <mc:Choice xmlns:v="urn:schemas-microsoft-com:vml" Requires="v">
+                <p:oleObj spid="_x0000_s1035" r:id="rId6" imgW="7733160" imgH="698400" progId="">
+                  <p:embed/>
+                </p:oleObj>
+              </mc:Choice>
+              <mc:Fallback>
+                <p:oleObj r:id="rId6" imgW="7733160" imgH="698400" progId="">
+                  <p:embed/>
+                  <p:pic>
+                    <p:nvPicPr>
+                      <p:cNvPr id="0" name=""/>
+                      <p:cNvPicPr/>
+                      <p:nvPr/>
+                    </p:nvPicPr>
+                    <p:blipFill>
+                      <a:blip r:embed="rId7"/>
+                      <a:stretch>
+                        <a:fillRect/>
+                      </a:stretch>
+                    </p:blipFill>
+                    <p:spPr>
+                      <a:xfrm>
+                        <a:off x="782638" y="1347690"/>
+                        <a:ext cx="7732712" cy="698500"/>
+                      </a:xfrm>
+                      <a:prstGeom prst="rect">
+                        <a:avLst/>
+                      </a:prstGeom>
+                    </p:spPr>
+                  </p:pic>
+                </p:oleObj>
+              </mc:Fallback>
+            </mc:AlternateContent>
+          </a:graphicData>
+        </a:graphic>
+      </p:graphicFrame>
     </p:spTree>
     <p:extLst>
       <p:ext uri="{BB962C8B-B14F-4D97-AF65-F5344CB8AC3E}">
-        <p14:creationId xmlns:p14="http://schemas.microsoft.com/office/powerpoint/2010/main" val="2241814184"/>
+        <p14:creationId xmlns:p14="http://schemas.microsoft.com/office/powerpoint/2010/main" val="2439893430"/>
       </p:ext>
     </p:extLst>
   </p:cSld>
@@ -6117,13 +9785,18 @@
           <a:bodyPr/>
           <a:lstStyle/>
           <a:p>
-            <a:endParaRPr lang="zh-TW" altLang="en-US"/>
+            <a:pPr algn="r"/>
+            <a:r>
+              <a:rPr lang="en-US" altLang="zh-TW" dirty="0" smtClean="0"/>
+              <a:t>main.cpp</a:t>
+            </a:r>
+            <a:endParaRPr lang="zh-TW" altLang="en-US" dirty="0"/>
           </a:p>
         </p:txBody>
       </p:sp>
       <p:pic>
         <p:nvPicPr>
-          <p:cNvPr id="3" name="圖片 2"/>
+          <p:cNvPr id="4" name="圖片 3"/>
           <p:cNvPicPr>
             <a:picLocks noChangeAspect="1"/>
           </p:cNvPicPr>
@@ -6137,42 +9810,59 @@
         </p:blipFill>
         <p:spPr>
           <a:xfrm>
-            <a:off x="358367" y="365126"/>
-            <a:ext cx="7659169" cy="2991267"/>
+            <a:off x="101974" y="100012"/>
+            <a:ext cx="4762500" cy="6657975"/>
           </a:xfrm>
           <a:prstGeom prst="rect">
             <a:avLst/>
           </a:prstGeom>
         </p:spPr>
       </p:pic>
-      <p:pic>
-        <p:nvPicPr>
-          <p:cNvPr id="4" name="圖片 3"/>
-          <p:cNvPicPr>
-            <a:picLocks noChangeAspect="1"/>
-          </p:cNvPicPr>
-          <p:nvPr/>
-        </p:nvPicPr>
-        <p:blipFill>
-          <a:blip r:embed="rId3"/>
-          <a:stretch>
-            <a:fillRect/>
-          </a:stretch>
-        </p:blipFill>
-        <p:spPr>
-          <a:xfrm>
-            <a:off x="358367" y="3702045"/>
-            <a:ext cx="2619741" cy="943107"/>
+      <p:sp>
+        <p:nvSpPr>
+          <p:cNvPr id="5" name="文字方塊 4"/>
+          <p:cNvSpPr txBox="1"/>
+          <p:nvPr/>
+        </p:nvSpPr>
+        <p:spPr>
+          <a:xfrm>
+            <a:off x="6929717" y="1937874"/>
+            <a:ext cx="1370953" cy="646331"/>
           </a:xfrm>
           <a:prstGeom prst="rect">
             <a:avLst/>
           </a:prstGeom>
-        </p:spPr>
-      </p:pic>
+          <a:noFill/>
+          <a:ln>
+            <a:solidFill>
+              <a:srgbClr val="FF0000"/>
+            </a:solidFill>
+          </a:ln>
+        </p:spPr>
+        <p:txBody>
+          <a:bodyPr wrap="none" rtlCol="0">
+            <a:spAutoFit/>
+          </a:bodyPr>
+          <a:lstStyle/>
+          <a:p>
+            <a:r>
+              <a:rPr lang="en-US" altLang="zh-TW" dirty="0" smtClean="0"/>
+              <a:t>&gt; main.exe 5</a:t>
+            </a:r>
+          </a:p>
+          <a:p>
+            <a:r>
+              <a:rPr lang="en-US" altLang="zh-TW" dirty="0" smtClean="0"/>
+              <a:t>120</a:t>
+            </a:r>
+            <a:endParaRPr lang="zh-TW" altLang="en-US" dirty="0"/>
+          </a:p>
+        </p:txBody>
+      </p:sp>
     </p:spTree>
     <p:extLst>
       <p:ext uri="{BB962C8B-B14F-4D97-AF65-F5344CB8AC3E}">
-        <p14:creationId xmlns:p14="http://schemas.microsoft.com/office/powerpoint/2010/main" val="3190508810"/>
+        <p14:creationId xmlns:p14="http://schemas.microsoft.com/office/powerpoint/2010/main" val="4044948852"/>
       </p:ext>
     </p:extLst>
   </p:cSld>
@@ -6201,7 +9891,7 @@
       </p:grpSpPr>
       <p:pic>
         <p:nvPicPr>
-          <p:cNvPr id="3" name="圖片 2"/>
+          <p:cNvPr id="7" name="圖片 6"/>
           <p:cNvPicPr>
             <a:picLocks noChangeAspect="1"/>
           </p:cNvPicPr>
@@ -6215,14 +9905,42 @@
         </p:blipFill>
         <p:spPr>
           <a:xfrm>
-            <a:off x="6062471" y="95680"/>
-            <a:ext cx="2829925" cy="1185722"/>
+            <a:off x="4963895" y="3514164"/>
+            <a:ext cx="4049073" cy="3049951"/>
           </a:xfrm>
           <a:prstGeom prst="rect">
             <a:avLst/>
           </a:prstGeom>
         </p:spPr>
       </p:pic>
+      <p:sp>
+        <p:nvSpPr>
+          <p:cNvPr id="2" name="標題 1"/>
+          <p:cNvSpPr>
+            <a:spLocks noGrp="1"/>
+          </p:cNvSpPr>
+          <p:nvPr>
+            <p:ph type="title"/>
+          </p:nvPr>
+        </p:nvSpPr>
+        <p:spPr/>
+        <p:txBody>
+          <a:bodyPr/>
+          <a:lstStyle/>
+          <a:p>
+            <a:pPr algn="r"/>
+            <a:r>
+              <a:rPr lang="en-US" altLang="zh-TW" dirty="0"/>
+              <a:t>m</a:t>
+            </a:r>
+            <a:r>
+              <a:rPr lang="en-US" altLang="zh-TW" dirty="0" smtClean="0"/>
+              <a:t>ain.js</a:t>
+            </a:r>
+            <a:endParaRPr lang="zh-TW" altLang="en-US" dirty="0"/>
+          </a:p>
+        </p:txBody>
+      </p:sp>
       <p:pic>
         <p:nvPicPr>
           <p:cNvPr id="4" name="圖片 3"/>
@@ -6239,8 +9957,8 @@
         </p:blipFill>
         <p:spPr>
           <a:xfrm>
-            <a:off x="82933" y="0"/>
-            <a:ext cx="5888100" cy="6699453"/>
+            <a:off x="362343" y="208232"/>
+            <a:ext cx="6411220" cy="2819794"/>
           </a:xfrm>
           <a:prstGeom prst="rect">
             <a:avLst/>
@@ -6263,72 +9981,24 @@
         </p:blipFill>
         <p:spPr>
           <a:xfrm>
-            <a:off x="1537386" y="6223137"/>
-            <a:ext cx="7459116" cy="476316"/>
+            <a:off x="362343" y="3514164"/>
+            <a:ext cx="4442739" cy="1428949"/>
           </a:xfrm>
           <a:prstGeom prst="rect">
             <a:avLst/>
           </a:prstGeom>
         </p:spPr>
       </p:pic>
-      <p:pic>
-        <p:nvPicPr>
-          <p:cNvPr id="6" name="圖片 5"/>
-          <p:cNvPicPr>
-            <a:picLocks noChangeAspect="1"/>
-          </p:cNvPicPr>
-          <p:nvPr/>
-        </p:nvPicPr>
-        <p:blipFill>
-          <a:blip r:embed="rId5"/>
-          <a:stretch>
-            <a:fillRect/>
-          </a:stretch>
-        </p:blipFill>
-        <p:spPr>
-          <a:xfrm>
-            <a:off x="6062471" y="2394768"/>
-            <a:ext cx="2600688" cy="905001"/>
-          </a:xfrm>
-          <a:prstGeom prst="rect">
-            <a:avLst/>
-          </a:prstGeom>
-        </p:spPr>
-      </p:pic>
-      <p:pic>
-        <p:nvPicPr>
-          <p:cNvPr id="7" name="圖片 6"/>
-          <p:cNvPicPr>
-            <a:picLocks noChangeAspect="1"/>
-          </p:cNvPicPr>
-          <p:nvPr/>
-        </p:nvPicPr>
-        <p:blipFill>
-          <a:blip r:embed="rId6"/>
-          <a:stretch>
-            <a:fillRect/>
-          </a:stretch>
-        </p:blipFill>
-        <p:spPr>
-          <a:xfrm>
-            <a:off x="6062471" y="1495396"/>
-            <a:ext cx="2619741" cy="943107"/>
-          </a:xfrm>
-          <a:prstGeom prst="rect">
-            <a:avLst/>
-          </a:prstGeom>
-        </p:spPr>
-      </p:pic>
-      <p:sp>
-        <p:nvSpPr>
-          <p:cNvPr id="9" name="文字方塊 8"/>
+      <p:sp>
+        <p:nvSpPr>
+          <p:cNvPr id="6" name="文字方塊 5"/>
           <p:cNvSpPr txBox="1"/>
           <p:nvPr/>
         </p:nvSpPr>
         <p:spPr>
           <a:xfrm>
-            <a:off x="4989195" y="95680"/>
-            <a:ext cx="856325" cy="369332"/>
+            <a:off x="6562165" y="4266726"/>
+            <a:ext cx="638316" cy="584775"/>
           </a:xfrm>
           <a:prstGeom prst="rect">
             <a:avLst/>
@@ -6342,133 +10012,65 @@
           <a:lstStyle/>
           <a:p>
             <a:r>
-              <a:rPr lang="en-US" altLang="zh-TW" dirty="0" smtClean="0">
-                <a:solidFill>
-                  <a:srgbClr val="FF0000"/>
-                </a:solidFill>
+              <a:rPr lang="en-US" altLang="zh-TW" sz="3200" dirty="0" err="1" smtClean="0">
+                <a:hlinkClick r:id="rId5"/>
               </a:rPr>
-              <a:t>main.js</a:t>
-            </a:r>
-            <a:endParaRPr lang="zh-TW" altLang="en-US" dirty="0">
-              <a:solidFill>
-                <a:srgbClr val="FF0000"/>
-              </a:solidFill>
-            </a:endParaRPr>
-          </a:p>
-        </p:txBody>
-      </p:sp>
-      <p:sp>
-        <p:nvSpPr>
-          <p:cNvPr id="10" name="文字方塊 9"/>
-          <p:cNvSpPr txBox="1"/>
-          <p:nvPr/>
-        </p:nvSpPr>
-        <p:spPr>
-          <a:xfrm>
-            <a:off x="5235021" y="1066256"/>
-            <a:ext cx="744756" cy="369332"/>
-          </a:xfrm>
-          <a:prstGeom prst="rect">
+              <a:t>url</a:t>
+            </a:r>
+            <a:endParaRPr lang="zh-TW" altLang="en-US" sz="3200" dirty="0"/>
+          </a:p>
+        </p:txBody>
+      </p:sp>
+      <p:sp>
+        <p:nvSpPr>
+          <p:cNvPr id="8" name="圓角矩形 7"/>
+          <p:cNvSpPr/>
+          <p:nvPr/>
+        </p:nvSpPr>
+        <p:spPr>
+          <a:xfrm>
+            <a:off x="2438400" y="4266726"/>
+            <a:ext cx="2366682" cy="287345"/>
+          </a:xfrm>
+          <a:prstGeom prst="roundRect">
             <a:avLst/>
           </a:prstGeom>
           <a:noFill/>
-        </p:spPr>
-        <p:txBody>
-          <a:bodyPr wrap="none" rtlCol="0">
-            <a:spAutoFit/>
-          </a:bodyPr>
-          <a:lstStyle/>
-          <a:p>
-            <a:r>
-              <a:rPr lang="en-US" altLang="zh-TW" dirty="0" smtClean="0">
-                <a:solidFill>
-                  <a:srgbClr val="FF0000"/>
-                </a:solidFill>
-              </a:rPr>
-              <a:t>“/</a:t>
-            </a:r>
-            <a:r>
-              <a:rPr lang="en-US" altLang="zh-TW" dirty="0" err="1" smtClean="0">
-                <a:solidFill>
-                  <a:srgbClr val="FF0000"/>
-                </a:solidFill>
-              </a:rPr>
-              <a:t>api</a:t>
-            </a:r>
-            <a:r>
-              <a:rPr lang="en-US" altLang="zh-TW" dirty="0" smtClean="0">
-                <a:solidFill>
-                  <a:srgbClr val="FF0000"/>
-                </a:solidFill>
-              </a:rPr>
-              <a:t>”</a:t>
-            </a:r>
-            <a:endParaRPr lang="zh-TW" altLang="en-US" dirty="0">
-              <a:solidFill>
-                <a:srgbClr val="FF0000"/>
-              </a:solidFill>
-            </a:endParaRPr>
-          </a:p>
-        </p:txBody>
-      </p:sp>
-      <p:sp>
-        <p:nvSpPr>
-          <p:cNvPr id="11" name="文字方塊 10"/>
-          <p:cNvSpPr txBox="1"/>
-          <p:nvPr/>
-        </p:nvSpPr>
-        <p:spPr>
-          <a:xfrm>
-            <a:off x="4909778" y="1628646"/>
-            <a:ext cx="1067985" cy="369332"/>
-          </a:xfrm>
-          <a:prstGeom prst="rect">
-            <a:avLst/>
-          </a:prstGeom>
-          <a:noFill/>
-        </p:spPr>
-        <p:txBody>
-          <a:bodyPr wrap="none" rtlCol="0">
-            <a:spAutoFit/>
-          </a:bodyPr>
-          <a:lstStyle/>
-          <a:p>
-            <a:r>
-              <a:rPr lang="en-US" altLang="zh-TW" dirty="0" smtClean="0">
-                <a:solidFill>
-                  <a:srgbClr val="FF0000"/>
-                </a:solidFill>
-              </a:rPr>
-              <a:t>{ </a:t>
-            </a:r>
-            <a:r>
-              <a:rPr lang="en-US" altLang="zh-TW" dirty="0" err="1" smtClean="0">
-                <a:solidFill>
-                  <a:srgbClr val="FF0000"/>
-                </a:solidFill>
-              </a:rPr>
-              <a:t>argv</a:t>
-            </a:r>
-            <a:r>
-              <a:rPr lang="en-US" altLang="zh-TW" dirty="0" smtClean="0">
-                <a:solidFill>
-                  <a:srgbClr val="FF0000"/>
-                </a:solidFill>
-              </a:rPr>
-              <a:t>: 5 }</a:t>
-            </a:r>
-            <a:endParaRPr lang="zh-TW" altLang="en-US" dirty="0">
-              <a:solidFill>
-                <a:srgbClr val="FF0000"/>
-              </a:solidFill>
-            </a:endParaRPr>
+          <a:ln w="28575">
+            <a:solidFill>
+              <a:srgbClr val="FF0000"/>
+            </a:solidFill>
+          </a:ln>
+        </p:spPr>
+        <p:style>
+          <a:lnRef idx="2">
+            <a:schemeClr val="accent1">
+              <a:shade val="50000"/>
+            </a:schemeClr>
+          </a:lnRef>
+          <a:fillRef idx="1">
+            <a:schemeClr val="accent1"/>
+          </a:fillRef>
+          <a:effectRef idx="0">
+            <a:schemeClr val="accent1"/>
+          </a:effectRef>
+          <a:fontRef idx="minor">
+            <a:schemeClr val="lt1"/>
+          </a:fontRef>
+        </p:style>
+        <p:txBody>
+          <a:bodyPr rtlCol="0" anchor="ctr"/>
+          <a:lstStyle/>
+          <a:p>
+            <a:pPr algn="ctr"/>
+            <a:endParaRPr lang="zh-TW" altLang="en-US"/>
           </a:p>
         </p:txBody>
       </p:sp>
     </p:spTree>
     <p:extLst>
       <p:ext uri="{BB962C8B-B14F-4D97-AF65-F5344CB8AC3E}">
-        <p14:creationId xmlns:p14="http://schemas.microsoft.com/office/powerpoint/2010/main" val="1912102592"/>
+        <p14:creationId xmlns:p14="http://schemas.microsoft.com/office/powerpoint/2010/main" val="1352120580"/>
       </p:ext>
     </p:extLst>
   </p:cSld>
@@ -6502,7 +10104,7 @@
             <a:spLocks noGrp="1"/>
           </p:cNvSpPr>
           <p:nvPr>
-            <p:ph type="ctrTitle"/>
+            <p:ph type="title"/>
           </p:nvPr>
         </p:nvSpPr>
         <p:spPr/>
@@ -6511,36 +10113,271 @@
           <a:lstStyle/>
           <a:p>
             <a:r>
-              <a:rPr lang="en-US" altLang="zh-TW" dirty="0" err="1" smtClean="0"/>
-              <a:t>callShellWithServerAndThree</a:t>
+              <a:rPr lang="en-US" altLang="zh-TW" dirty="0" smtClean="0"/>
+              <a:t>Running …</a:t>
             </a:r>
             <a:endParaRPr lang="zh-TW" altLang="en-US" dirty="0"/>
           </a:p>
         </p:txBody>
       </p:sp>
-      <p:sp>
-        <p:nvSpPr>
-          <p:cNvPr id="3" name="副標題 2"/>
-          <p:cNvSpPr>
-            <a:spLocks noGrp="1"/>
-          </p:cNvSpPr>
-          <p:nvPr>
-            <p:ph type="subTitle" idx="1"/>
-          </p:nvPr>
-        </p:nvSpPr>
-        <p:spPr/>
-        <p:txBody>
-          <a:bodyPr/>
-          <a:lstStyle/>
-          <a:p>
-            <a:endParaRPr lang="zh-TW" altLang="en-US"/>
+      <p:pic>
+        <p:nvPicPr>
+          <p:cNvPr id="3" name="圖片 2"/>
+          <p:cNvPicPr>
+            <a:picLocks noChangeAspect="1"/>
+          </p:cNvPicPr>
+          <p:nvPr/>
+        </p:nvPicPr>
+        <p:blipFill>
+          <a:blip r:embed="rId2"/>
+          <a:stretch>
+            <a:fillRect/>
+          </a:stretch>
+        </p:blipFill>
+        <p:spPr>
+          <a:xfrm>
+            <a:off x="729832" y="1472383"/>
+            <a:ext cx="7325747" cy="990738"/>
+          </a:xfrm>
+          <a:prstGeom prst="rect">
+            <a:avLst/>
+          </a:prstGeom>
+        </p:spPr>
+      </p:pic>
+      <p:grpSp>
+        <p:nvGrpSpPr>
+          <p:cNvPr id="4" name="群組 3"/>
+          <p:cNvGrpSpPr/>
+          <p:nvPr/>
+        </p:nvGrpSpPr>
+        <p:grpSpPr>
+          <a:xfrm>
+            <a:off x="530038" y="3370729"/>
+            <a:ext cx="5966469" cy="2581843"/>
+            <a:chOff x="3177531" y="0"/>
+            <a:chExt cx="5966469" cy="2581843"/>
+          </a:xfrm>
+        </p:grpSpPr>
+        <p:pic>
+          <p:nvPicPr>
+            <p:cNvPr id="5" name="圖片 4"/>
+            <p:cNvPicPr>
+              <a:picLocks noChangeAspect="1"/>
+            </p:cNvPicPr>
+            <p:nvPr/>
+          </p:nvPicPr>
+          <p:blipFill>
+            <a:blip r:embed="rId3"/>
+            <a:stretch>
+              <a:fillRect/>
+            </a:stretch>
+          </p:blipFill>
+          <p:spPr>
+            <a:xfrm>
+              <a:off x="3177531" y="0"/>
+              <a:ext cx="5966469" cy="2581843"/>
+            </a:xfrm>
+            <a:prstGeom prst="rect">
+              <a:avLst/>
+            </a:prstGeom>
+          </p:spPr>
+        </p:pic>
+        <p:cxnSp>
+          <p:nvCxnSpPr>
+            <p:cNvPr id="6" name="直線接點 5"/>
+            <p:cNvCxnSpPr/>
+            <p:nvPr/>
+          </p:nvCxnSpPr>
+          <p:spPr>
+            <a:xfrm flipV="1">
+              <a:off x="7972425" y="800100"/>
+              <a:ext cx="1171575" cy="19050"/>
+            </a:xfrm>
+            <a:prstGeom prst="line">
+              <a:avLst/>
+            </a:prstGeom>
+            <a:ln w="28575">
+              <a:solidFill>
+                <a:srgbClr val="FF0000"/>
+              </a:solidFill>
+            </a:ln>
+          </p:spPr>
+          <p:style>
+            <a:lnRef idx="1">
+              <a:schemeClr val="accent1"/>
+            </a:lnRef>
+            <a:fillRef idx="0">
+              <a:schemeClr val="accent1"/>
+            </a:fillRef>
+            <a:effectRef idx="0">
+              <a:schemeClr val="accent1"/>
+            </a:effectRef>
+            <a:fontRef idx="minor">
+              <a:schemeClr val="tx1"/>
+            </a:fontRef>
+          </p:style>
+        </p:cxnSp>
+        <p:cxnSp>
+          <p:nvCxnSpPr>
+            <p:cNvPr id="7" name="直線接點 6"/>
+            <p:cNvCxnSpPr/>
+            <p:nvPr/>
+          </p:nvCxnSpPr>
+          <p:spPr>
+            <a:xfrm>
+              <a:off x="3333750" y="1114425"/>
+              <a:ext cx="619125" cy="0"/>
+            </a:xfrm>
+            <a:prstGeom prst="line">
+              <a:avLst/>
+            </a:prstGeom>
+            <a:ln w="28575">
+              <a:solidFill>
+                <a:srgbClr val="FF0000"/>
+              </a:solidFill>
+            </a:ln>
+          </p:spPr>
+          <p:style>
+            <a:lnRef idx="1">
+              <a:schemeClr val="accent1"/>
+            </a:lnRef>
+            <a:fillRef idx="0">
+              <a:schemeClr val="accent1"/>
+            </a:fillRef>
+            <a:effectRef idx="0">
+              <a:schemeClr val="accent1"/>
+            </a:effectRef>
+            <a:fontRef idx="minor">
+              <a:schemeClr val="tx1"/>
+            </a:fontRef>
+          </p:style>
+        </p:cxnSp>
+      </p:grpSp>
+      <p:sp>
+        <p:nvSpPr>
+          <p:cNvPr id="8" name="文字方塊 7"/>
+          <p:cNvSpPr txBox="1"/>
+          <p:nvPr/>
+        </p:nvSpPr>
+        <p:spPr>
+          <a:xfrm>
+            <a:off x="3199508" y="1790514"/>
+            <a:ext cx="3908442" cy="923330"/>
+          </a:xfrm>
+          <a:prstGeom prst="rect">
+            <a:avLst/>
+          </a:prstGeom>
+          <a:noFill/>
+        </p:spPr>
+        <p:txBody>
+          <a:bodyPr wrap="none" rtlCol="0">
+            <a:spAutoFit/>
+          </a:bodyPr>
+          <a:lstStyle/>
+          <a:p>
+            <a:r>
+              <a:rPr lang="en-US" altLang="zh-TW" dirty="0" smtClean="0">
+                <a:solidFill>
+                  <a:srgbClr val="FF0000"/>
+                </a:solidFill>
+              </a:rPr>
+              <a:t>Alternatively, this can be started with:</a:t>
+            </a:r>
+          </a:p>
+          <a:p>
+            <a:pPr algn="ctr"/>
+            <a:r>
+              <a:rPr lang="en-US" altLang="zh-TW" i="1" dirty="0" smtClean="0">
+                <a:solidFill>
+                  <a:srgbClr val="FF0000"/>
+                </a:solidFill>
+              </a:rPr>
+              <a:t> </a:t>
+            </a:r>
+            <a:r>
+              <a:rPr lang="en-US" altLang="zh-TW" dirty="0" smtClean="0">
+                <a:solidFill>
+                  <a:srgbClr val="FF0000"/>
+                </a:solidFill>
+              </a:rPr>
+              <a:t>$</a:t>
+            </a:r>
+            <a:r>
+              <a:rPr lang="en-US" altLang="zh-TW" i="1" dirty="0" smtClean="0">
+                <a:solidFill>
+                  <a:srgbClr val="FF0000"/>
+                </a:solidFill>
+              </a:rPr>
+              <a:t> </a:t>
+            </a:r>
+            <a:r>
+              <a:rPr lang="en-US" altLang="zh-TW" i="1" dirty="0" err="1" smtClean="0">
+                <a:solidFill>
+                  <a:srgbClr val="FF0000"/>
+                </a:solidFill>
+              </a:rPr>
+              <a:t>npm</a:t>
+            </a:r>
+            <a:r>
+              <a:rPr lang="en-US" altLang="zh-TW" i="1" dirty="0" smtClean="0">
+                <a:solidFill>
+                  <a:srgbClr val="FF0000"/>
+                </a:solidFill>
+              </a:rPr>
+              <a:t> </a:t>
+            </a:r>
+            <a:r>
+              <a:rPr lang="en-US" altLang="zh-TW" i="1" dirty="0" smtClean="0">
+                <a:solidFill>
+                  <a:srgbClr val="FF0000"/>
+                </a:solidFill>
+              </a:rPr>
+              <a:t>run start</a:t>
+            </a:r>
+            <a:endParaRPr lang="en-US" altLang="zh-TW" i="1" dirty="0" smtClean="0">
+              <a:solidFill>
+                <a:srgbClr val="FF0000"/>
+              </a:solidFill>
+            </a:endParaRPr>
+          </a:p>
+          <a:p>
+            <a:pPr algn="ctr"/>
+            <a:r>
+              <a:rPr lang="en-US" altLang="zh-TW" dirty="0" smtClean="0">
+                <a:solidFill>
+                  <a:srgbClr val="FF0000"/>
+                </a:solidFill>
+              </a:rPr>
+              <a:t>(as specified in scripts of </a:t>
+            </a:r>
+            <a:r>
+              <a:rPr lang="en-US" altLang="zh-TW" dirty="0" err="1" smtClean="0">
+                <a:solidFill>
+                  <a:srgbClr val="FF0000"/>
+                </a:solidFill>
+              </a:rPr>
+              <a:t>package.JSON</a:t>
+            </a:r>
+            <a:r>
+              <a:rPr lang="en-US" altLang="zh-TW" dirty="0" smtClean="0">
+                <a:solidFill>
+                  <a:srgbClr val="FF0000"/>
+                </a:solidFill>
+              </a:rPr>
+              <a:t>)</a:t>
+            </a:r>
+            <a:endParaRPr lang="zh-TW" altLang="en-US" dirty="0">
+              <a:solidFill>
+                <a:srgbClr val="FF0000"/>
+              </a:solidFill>
+            </a:endParaRPr>
           </a:p>
         </p:txBody>
       </p:sp>
     </p:spTree>
     <p:extLst>
       <p:ext uri="{BB962C8B-B14F-4D97-AF65-F5344CB8AC3E}">
-        <p14:creationId xmlns:p14="http://schemas.microsoft.com/office/powerpoint/2010/main" val="2576007725"/>
+        <p14:creationId xmlns:p14="http://schemas.microsoft.com/office/powerpoint/2010/main" val="590435781"/>
       </p:ext>
     </p:extLst>
   </p:cSld>

--- a/study.pptx
+++ b/study.pptx
@@ -24,26 +24,20 @@
     <p:sldId id="290" r:id="rId18"/>
     <p:sldId id="291" r:id="rId19"/>
     <p:sldId id="293" r:id="rId20"/>
-    <p:sldId id="287" r:id="rId21"/>
-    <p:sldId id="274" r:id="rId22"/>
-    <p:sldId id="288" r:id="rId23"/>
-    <p:sldId id="289" r:id="rId24"/>
-    <p:sldId id="302" r:id="rId25"/>
-    <p:sldId id="303" r:id="rId26"/>
-    <p:sldId id="305" r:id="rId27"/>
-    <p:sldId id="306" r:id="rId28"/>
+    <p:sldId id="310" r:id="rId21"/>
+    <p:sldId id="311" r:id="rId22"/>
+    <p:sldId id="287" r:id="rId23"/>
+    <p:sldId id="274" r:id="rId24"/>
+    <p:sldId id="288" r:id="rId25"/>
+    <p:sldId id="289" r:id="rId26"/>
+    <p:sldId id="302" r:id="rId27"/>
+    <p:sldId id="303" r:id="rId28"/>
     <p:sldId id="275" r:id="rId29"/>
     <p:sldId id="276" r:id="rId30"/>
     <p:sldId id="277" r:id="rId31"/>
-    <p:sldId id="296" r:id="rId32"/>
-    <p:sldId id="259" r:id="rId33"/>
-    <p:sldId id="265" r:id="rId34"/>
-    <p:sldId id="258" r:id="rId35"/>
-    <p:sldId id="286" r:id="rId36"/>
-    <p:sldId id="299" r:id="rId37"/>
-    <p:sldId id="300" r:id="rId38"/>
-    <p:sldId id="301" r:id="rId39"/>
-    <p:sldId id="304" r:id="rId40"/>
+    <p:sldId id="307" r:id="rId32"/>
+    <p:sldId id="308" r:id="rId33"/>
+    <p:sldId id="309" r:id="rId34"/>
   </p:sldIdLst>
   <p:sldSz cx="9144000" cy="6858000" type="screen4x3"/>
   <p:notesSz cx="7086600" cy="10223500"/>
@@ -3530,15 +3524,7 @@
                   <a:srgbClr val="FF0000"/>
                 </a:solidFill>
               </a:rPr>
-              <a:t>1. Start </a:t>
-            </a:r>
-            <a:r>
-              <a:rPr lang="en-US" altLang="zh-TW" sz="1600" dirty="0" smtClean="0">
-                <a:solidFill>
-                  <a:srgbClr val="FF0000"/>
-                </a:solidFill>
-              </a:rPr>
-              <a:t>server first …</a:t>
+              <a:t>1. Start server first …</a:t>
             </a:r>
             <a:endParaRPr lang="zh-TW" altLang="en-US" sz="1600" dirty="0">
               <a:solidFill>
@@ -3581,15 +3567,7 @@
                   <a:srgbClr val="FF0000"/>
                 </a:solidFill>
               </a:rPr>
-              <a:t>2. Client </a:t>
-            </a:r>
-            <a:r>
-              <a:rPr lang="en-US" altLang="zh-TW" sz="1600" dirty="0" smtClean="0">
-                <a:solidFill>
-                  <a:srgbClr val="FF0000"/>
-                </a:solidFill>
-              </a:rPr>
-              <a:t>issued a request …</a:t>
+              <a:t>2. Client issued a request …</a:t>
             </a:r>
             <a:endParaRPr lang="zh-TW" altLang="en-US" sz="1600" dirty="0">
               <a:solidFill>
@@ -3629,15 +3607,7 @@
                   <a:srgbClr val="FF0000"/>
                 </a:solidFill>
               </a:rPr>
-              <a:t>3. Server </a:t>
-            </a:r>
-            <a:r>
-              <a:rPr lang="en-US" altLang="zh-TW" sz="1600" dirty="0" smtClean="0">
-                <a:solidFill>
-                  <a:srgbClr val="FF0000"/>
-                </a:solidFill>
-              </a:rPr>
-              <a:t>responds …</a:t>
+              <a:t>3. Server responds …</a:t>
             </a:r>
             <a:endParaRPr lang="zh-TW" altLang="en-US" sz="1600" dirty="0">
               <a:solidFill>
@@ -3680,15 +3650,7 @@
                   <a:srgbClr val="FF0000"/>
                 </a:solidFill>
               </a:rPr>
-              <a:t>4. Client </a:t>
-            </a:r>
-            <a:r>
-              <a:rPr lang="en-US" altLang="zh-TW" sz="1600" dirty="0" smtClean="0">
-                <a:solidFill>
-                  <a:srgbClr val="FF0000"/>
-                </a:solidFill>
-              </a:rPr>
-              <a:t>gets a reply …</a:t>
+              <a:t>4. Client gets a reply …</a:t>
             </a:r>
             <a:endParaRPr lang="zh-TW" altLang="en-US" sz="1600" dirty="0">
               <a:solidFill>
@@ -5551,6 +5513,236 @@
             <a:spLocks noGrp="1"/>
           </p:cNvSpPr>
           <p:nvPr>
+            <p:ph type="title"/>
+          </p:nvPr>
+        </p:nvSpPr>
+        <p:spPr/>
+        <p:txBody>
+          <a:bodyPr/>
+          <a:lstStyle/>
+          <a:p>
+            <a:r>
+              <a:rPr lang="en-US" altLang="zh-TW" dirty="0" smtClean="0"/>
+              <a:t>HTTP: GET &amp; POST (</a:t>
+            </a:r>
+            <a:r>
+              <a:rPr lang="en-US" altLang="zh-TW" dirty="0" smtClean="0">
+                <a:hlinkClick r:id="rId2"/>
+              </a:rPr>
+              <a:t>reference</a:t>
+            </a:r>
+            <a:r>
+              <a:rPr lang="en-US" altLang="zh-TW" dirty="0" smtClean="0"/>
+              <a:t>)</a:t>
+            </a:r>
+            <a:endParaRPr lang="zh-TW" altLang="en-US" dirty="0"/>
+          </a:p>
+        </p:txBody>
+      </p:sp>
+      <p:pic>
+        <p:nvPicPr>
+          <p:cNvPr id="4" name="圖片 3"/>
+          <p:cNvPicPr>
+            <a:picLocks noChangeAspect="1"/>
+          </p:cNvPicPr>
+          <p:nvPr/>
+        </p:nvPicPr>
+        <p:blipFill>
+          <a:blip r:embed="rId3"/>
+          <a:stretch>
+            <a:fillRect/>
+          </a:stretch>
+        </p:blipFill>
+        <p:spPr>
+          <a:xfrm>
+            <a:off x="628650" y="1963739"/>
+            <a:ext cx="6867525" cy="2876550"/>
+          </a:xfrm>
+          <a:prstGeom prst="rect">
+            <a:avLst/>
+          </a:prstGeom>
+        </p:spPr>
+      </p:pic>
+      <p:pic>
+        <p:nvPicPr>
+          <p:cNvPr id="5" name="圖片 4"/>
+          <p:cNvPicPr>
+            <a:picLocks noChangeAspect="1"/>
+          </p:cNvPicPr>
+          <p:nvPr/>
+        </p:nvPicPr>
+        <p:blipFill>
+          <a:blip r:embed="rId4"/>
+          <a:stretch>
+            <a:fillRect/>
+          </a:stretch>
+        </p:blipFill>
+        <p:spPr>
+          <a:xfrm>
+            <a:off x="633412" y="4840289"/>
+            <a:ext cx="6705600" cy="1609725"/>
+          </a:xfrm>
+          <a:prstGeom prst="rect">
+            <a:avLst/>
+          </a:prstGeom>
+        </p:spPr>
+      </p:pic>
+    </p:spTree>
+    <p:extLst>
+      <p:ext uri="{BB962C8B-B14F-4D97-AF65-F5344CB8AC3E}">
+        <p14:creationId xmlns:p14="http://schemas.microsoft.com/office/powerpoint/2010/main" val="4282440101"/>
+      </p:ext>
+    </p:extLst>
+  </p:cSld>
+  <p:clrMapOvr>
+    <a:masterClrMapping/>
+  </p:clrMapOvr>
+</p:sld>
+</file>
+
+<file path=ppt/slides/slide21.xml><?xml version="1.0" encoding="utf-8"?>
+<p:sld xmlns:a="http://schemas.openxmlformats.org/drawingml/2006/main" xmlns:r="http://schemas.openxmlformats.org/officeDocument/2006/relationships" xmlns:p="http://schemas.openxmlformats.org/presentationml/2006/main">
+  <p:cSld>
+    <p:spTree>
+      <p:nvGrpSpPr>
+        <p:cNvPr id="1" name=""/>
+        <p:cNvGrpSpPr/>
+        <p:nvPr/>
+      </p:nvGrpSpPr>
+      <p:grpSpPr>
+        <a:xfrm>
+          <a:off x="0" y="0"/>
+          <a:ext cx="0" cy="0"/>
+          <a:chOff x="0" y="0"/>
+          <a:chExt cx="0" cy="0"/>
+        </a:xfrm>
+      </p:grpSpPr>
+      <p:sp>
+        <p:nvSpPr>
+          <p:cNvPr id="2" name="標題 1"/>
+          <p:cNvSpPr>
+            <a:spLocks noGrp="1"/>
+          </p:cNvSpPr>
+          <p:nvPr>
+            <p:ph type="title"/>
+          </p:nvPr>
+        </p:nvSpPr>
+        <p:spPr/>
+        <p:txBody>
+          <a:bodyPr/>
+          <a:lstStyle/>
+          <a:p>
+            <a:endParaRPr lang="zh-TW" altLang="en-US"/>
+          </a:p>
+        </p:txBody>
+      </p:sp>
+      <p:pic>
+        <p:nvPicPr>
+          <p:cNvPr id="3" name="圖片 2"/>
+          <p:cNvPicPr>
+            <a:picLocks noChangeAspect="1"/>
+          </p:cNvPicPr>
+          <p:nvPr/>
+        </p:nvPicPr>
+        <p:blipFill>
+          <a:blip r:embed="rId2"/>
+          <a:stretch>
+            <a:fillRect/>
+          </a:stretch>
+        </p:blipFill>
+        <p:spPr>
+          <a:xfrm>
+            <a:off x="628650" y="19050"/>
+            <a:ext cx="6981825" cy="6838950"/>
+          </a:xfrm>
+          <a:prstGeom prst="rect">
+            <a:avLst/>
+          </a:prstGeom>
+        </p:spPr>
+      </p:pic>
+      <p:sp>
+        <p:nvSpPr>
+          <p:cNvPr id="4" name="圓角矩形 3"/>
+          <p:cNvSpPr/>
+          <p:nvPr/>
+        </p:nvSpPr>
+        <p:spPr>
+          <a:xfrm>
+            <a:off x="2456329" y="977153"/>
+            <a:ext cx="2312895" cy="286871"/>
+          </a:xfrm>
+          <a:prstGeom prst="roundRect">
+            <a:avLst/>
+          </a:prstGeom>
+          <a:noFill/>
+          <a:ln w="28575">
+            <a:solidFill>
+              <a:srgbClr val="FF0000"/>
+            </a:solidFill>
+          </a:ln>
+        </p:spPr>
+        <p:style>
+          <a:lnRef idx="2">
+            <a:schemeClr val="accent1">
+              <a:shade val="50000"/>
+            </a:schemeClr>
+          </a:lnRef>
+          <a:fillRef idx="1">
+            <a:schemeClr val="accent1"/>
+          </a:fillRef>
+          <a:effectRef idx="0">
+            <a:schemeClr val="accent1"/>
+          </a:effectRef>
+          <a:fontRef idx="minor">
+            <a:schemeClr val="lt1"/>
+          </a:fontRef>
+        </p:style>
+        <p:txBody>
+          <a:bodyPr rtlCol="0" anchor="ctr"/>
+          <a:lstStyle/>
+          <a:p>
+            <a:pPr algn="ctr"/>
+            <a:endParaRPr lang="zh-TW" altLang="en-US"/>
+          </a:p>
+        </p:txBody>
+      </p:sp>
+    </p:spTree>
+    <p:extLst>
+      <p:ext uri="{BB962C8B-B14F-4D97-AF65-F5344CB8AC3E}">
+        <p14:creationId xmlns:p14="http://schemas.microsoft.com/office/powerpoint/2010/main" val="3654760119"/>
+      </p:ext>
+    </p:extLst>
+  </p:cSld>
+  <p:clrMapOvr>
+    <a:masterClrMapping/>
+  </p:clrMapOvr>
+</p:sld>
+</file>
+
+<file path=ppt/slides/slide22.xml><?xml version="1.0" encoding="utf-8"?>
+<p:sld xmlns:a="http://schemas.openxmlformats.org/drawingml/2006/main" xmlns:r="http://schemas.openxmlformats.org/officeDocument/2006/relationships" xmlns:p="http://schemas.openxmlformats.org/presentationml/2006/main">
+  <p:cSld>
+    <p:spTree>
+      <p:nvGrpSpPr>
+        <p:cNvPr id="1" name=""/>
+        <p:cNvGrpSpPr/>
+        <p:nvPr/>
+      </p:nvGrpSpPr>
+      <p:grpSpPr>
+        <a:xfrm>
+          <a:off x="0" y="0"/>
+          <a:ext cx="0" cy="0"/>
+          <a:chOff x="0" y="0"/>
+          <a:chExt cx="0" cy="0"/>
+        </a:xfrm>
+      </p:grpSpPr>
+      <p:sp>
+        <p:nvSpPr>
+          <p:cNvPr id="2" name="標題 1"/>
+          <p:cNvSpPr>
+            <a:spLocks noGrp="1"/>
+          </p:cNvSpPr>
+          <p:nvPr>
             <p:ph type="ctrTitle"/>
           </p:nvPr>
         </p:nvSpPr>
@@ -5599,7 +5791,7 @@
 </p:sld>
 </file>
 
-<file path=ppt/slides/slide21.xml><?xml version="1.0" encoding="utf-8"?>
+<file path=ppt/slides/slide23.xml><?xml version="1.0" encoding="utf-8"?>
 <p:sld xmlns:a="http://schemas.openxmlformats.org/drawingml/2006/main" xmlns:r="http://schemas.openxmlformats.org/officeDocument/2006/relationships" xmlns:p="http://schemas.openxmlformats.org/presentationml/2006/main">
   <p:cSld>
     <p:spTree>
@@ -5720,7 +5912,7 @@
 </p:sld>
 </file>
 
-<file path=ppt/slides/slide22.xml><?xml version="1.0" encoding="utf-8"?>
+<file path=ppt/slides/slide24.xml><?xml version="1.0" encoding="utf-8"?>
 <p:sld xmlns:a="http://schemas.openxmlformats.org/drawingml/2006/main" xmlns:r="http://schemas.openxmlformats.org/officeDocument/2006/relationships" xmlns:p="http://schemas.openxmlformats.org/presentationml/2006/main">
   <p:cSld>
     <p:spTree>
@@ -5844,7 +6036,7 @@
 </p:sld>
 </file>
 
-<file path=ppt/slides/slide23.xml><?xml version="1.0" encoding="utf-8"?>
+<file path=ppt/slides/slide25.xml><?xml version="1.0" encoding="utf-8"?>
 <p:sld xmlns:a="http://schemas.openxmlformats.org/drawingml/2006/main" xmlns:r="http://schemas.openxmlformats.org/officeDocument/2006/relationships" xmlns:p="http://schemas.openxmlformats.org/presentationml/2006/main">
   <p:cSld>
     <p:spTree>
@@ -5927,206 +6119,6 @@
 </p:sld>
 </file>
 
-<file path=ppt/slides/slide24.xml><?xml version="1.0" encoding="utf-8"?>
-<p:sld xmlns:a="http://schemas.openxmlformats.org/drawingml/2006/main" xmlns:r="http://schemas.openxmlformats.org/officeDocument/2006/relationships" xmlns:p="http://schemas.openxmlformats.org/presentationml/2006/main">
-  <p:cSld>
-    <p:spTree>
-      <p:nvGrpSpPr>
-        <p:cNvPr id="1" name=""/>
-        <p:cNvGrpSpPr/>
-        <p:nvPr/>
-      </p:nvGrpSpPr>
-      <p:grpSpPr>
-        <a:xfrm>
-          <a:off x="0" y="0"/>
-          <a:ext cx="0" cy="0"/>
-          <a:chOff x="0" y="0"/>
-          <a:chExt cx="0" cy="0"/>
-        </a:xfrm>
-      </p:grpSpPr>
-      <p:sp>
-        <p:nvSpPr>
-          <p:cNvPr id="2" name="標題 1"/>
-          <p:cNvSpPr>
-            <a:spLocks noGrp="1"/>
-          </p:cNvSpPr>
-          <p:nvPr>
-            <p:ph type="title"/>
-          </p:nvPr>
-        </p:nvSpPr>
-        <p:spPr/>
-        <p:txBody>
-          <a:bodyPr/>
-          <a:lstStyle/>
-          <a:p>
-            <a:pPr algn="r"/>
-            <a:r>
-              <a:rPr lang="en-US" altLang="zh-TW" dirty="0" smtClean="0"/>
-              <a:t>main.js</a:t>
-            </a:r>
-            <a:br>
-              <a:rPr lang="en-US" altLang="zh-TW" dirty="0" smtClean="0"/>
-            </a:br>
-            <a:r>
-              <a:rPr lang="en-US" altLang="zh-TW" dirty="0" smtClean="0"/>
-              <a:t>(same as previous one)</a:t>
-            </a:r>
-            <a:endParaRPr lang="zh-TW" altLang="en-US" dirty="0"/>
-          </a:p>
-        </p:txBody>
-      </p:sp>
-    </p:spTree>
-    <p:extLst>
-      <p:ext uri="{BB962C8B-B14F-4D97-AF65-F5344CB8AC3E}">
-        <p14:creationId xmlns:p14="http://schemas.microsoft.com/office/powerpoint/2010/main" val="2461018988"/>
-      </p:ext>
-    </p:extLst>
-  </p:cSld>
-  <p:clrMapOvr>
-    <a:masterClrMapping/>
-  </p:clrMapOvr>
-</p:sld>
-</file>
-
-<file path=ppt/slides/slide25.xml><?xml version="1.0" encoding="utf-8"?>
-<p:sld xmlns:a="http://schemas.openxmlformats.org/drawingml/2006/main" xmlns:r="http://schemas.openxmlformats.org/officeDocument/2006/relationships" xmlns:p="http://schemas.openxmlformats.org/presentationml/2006/main">
-  <p:cSld>
-    <p:spTree>
-      <p:nvGrpSpPr>
-        <p:cNvPr id="1" name=""/>
-        <p:cNvGrpSpPr/>
-        <p:nvPr/>
-      </p:nvGrpSpPr>
-      <p:grpSpPr>
-        <a:xfrm>
-          <a:off x="0" y="0"/>
-          <a:ext cx="0" cy="0"/>
-          <a:chOff x="0" y="0"/>
-          <a:chExt cx="0" cy="0"/>
-        </a:xfrm>
-      </p:grpSpPr>
-      <p:sp>
-        <p:nvSpPr>
-          <p:cNvPr id="2" name="標題 1"/>
-          <p:cNvSpPr>
-            <a:spLocks noGrp="1"/>
-          </p:cNvSpPr>
-          <p:nvPr>
-            <p:ph type="title"/>
-          </p:nvPr>
-        </p:nvSpPr>
-        <p:spPr/>
-        <p:txBody>
-          <a:bodyPr/>
-          <a:lstStyle/>
-          <a:p>
-            <a:pPr algn="r"/>
-            <a:r>
-              <a:rPr lang="en-US" altLang="zh-TW" dirty="0" smtClean="0"/>
-              <a:t>Running…</a:t>
-            </a:r>
-            <a:endParaRPr lang="zh-TW" altLang="en-US" dirty="0"/>
-          </a:p>
-        </p:txBody>
-      </p:sp>
-      <p:pic>
-        <p:nvPicPr>
-          <p:cNvPr id="3" name="圖片 2"/>
-          <p:cNvPicPr>
-            <a:picLocks noChangeAspect="1"/>
-          </p:cNvPicPr>
-          <p:nvPr/>
-        </p:nvPicPr>
-        <p:blipFill>
-          <a:blip r:embed="rId2">
-            <a:extLst>
-              <a:ext uri="{28A0092B-C50C-407E-A947-70E740481C1C}">
-                <a14:useLocalDpi xmlns:a14="http://schemas.microsoft.com/office/drawing/2010/main" val="0"/>
-              </a:ext>
-            </a:extLst>
-          </a:blip>
-          <a:stretch>
-            <a:fillRect/>
-          </a:stretch>
-        </p:blipFill>
-        <p:spPr>
-          <a:xfrm>
-            <a:off x="242887" y="2162175"/>
-            <a:ext cx="3114675" cy="3876675"/>
-          </a:xfrm>
-          <a:prstGeom prst="rect">
-            <a:avLst/>
-          </a:prstGeom>
-        </p:spPr>
-      </p:pic>
-      <p:pic>
-        <p:nvPicPr>
-          <p:cNvPr id="4" name="圖片 3"/>
-          <p:cNvPicPr>
-            <a:picLocks noChangeAspect="1"/>
-          </p:cNvPicPr>
-          <p:nvPr/>
-        </p:nvPicPr>
-        <p:blipFill>
-          <a:blip r:embed="rId3"/>
-          <a:stretch>
-            <a:fillRect/>
-          </a:stretch>
-        </p:blipFill>
-        <p:spPr>
-          <a:xfrm>
-            <a:off x="3571876" y="2162175"/>
-            <a:ext cx="5391150" cy="1600200"/>
-          </a:xfrm>
-          <a:prstGeom prst="rect">
-            <a:avLst/>
-          </a:prstGeom>
-        </p:spPr>
-      </p:pic>
-      <p:pic>
-        <p:nvPicPr>
-          <p:cNvPr id="5" name="圖片 4"/>
-          <p:cNvPicPr>
-            <a:picLocks noChangeAspect="1"/>
-          </p:cNvPicPr>
-          <p:nvPr/>
-        </p:nvPicPr>
-        <p:blipFill>
-          <a:blip r:embed="rId4"/>
-          <a:stretch>
-            <a:fillRect/>
-          </a:stretch>
-        </p:blipFill>
-        <p:spPr>
-          <a:xfrm>
-            <a:off x="3571876" y="4014787"/>
-            <a:ext cx="5140556" cy="1400175"/>
-          </a:xfrm>
-          <a:prstGeom prst="rect">
-            <a:avLst/>
-          </a:prstGeom>
-        </p:spPr>
-      </p:pic>
-    </p:spTree>
-    <p:extLst>
-      <p:ext uri="{BB962C8B-B14F-4D97-AF65-F5344CB8AC3E}">
-        <p14:creationId xmlns:p14="http://schemas.microsoft.com/office/powerpoint/2010/main" val="428230747"/>
-      </p:ext>
-    </p:extLst>
-  </p:cSld>
-  <p:clrMapOvr>
-    <a:masterClrMapping/>
-  </p:clrMapOvr>
-  <p:timing>
-    <p:tnLst>
-      <p:par>
-        <p:cTn id="1" dur="indefinite" restart="never" nodeType="tmRoot"/>
-      </p:par>
-    </p:tnLst>
-  </p:timing>
-</p:sld>
-</file>
-
 <file path=ppt/slides/slide26.xml><?xml version="1.0" encoding="utf-8"?>
 <p:sld xmlns:a="http://schemas.openxmlformats.org/drawingml/2006/main" xmlns:r="http://schemas.openxmlformats.org/officeDocument/2006/relationships" xmlns:p="http://schemas.openxmlformats.org/presentationml/2006/main">
   <p:cSld>
@@ -6159,76 +6151,26 @@
           <a:bodyPr/>
           <a:lstStyle/>
           <a:p>
+            <a:pPr algn="r"/>
             <a:r>
               <a:rPr lang="en-US" altLang="zh-TW" dirty="0" smtClean="0"/>
-              <a:t>HTTP: GET &amp; POST (</a:t>
-            </a:r>
-            <a:r>
-              <a:rPr lang="en-US" altLang="zh-TW" dirty="0" smtClean="0">
-                <a:hlinkClick r:id="rId2"/>
-              </a:rPr>
-              <a:t>reference</a:t>
-            </a:r>
-            <a:r>
+              <a:t>main.js</a:t>
+            </a:r>
+            <a:br>
               <a:rPr lang="en-US" altLang="zh-TW" dirty="0" smtClean="0"/>
-              <a:t>)</a:t>
+            </a:br>
+            <a:r>
+              <a:rPr lang="en-US" altLang="zh-TW" dirty="0" smtClean="0"/>
+              <a:t>(same as previous one)</a:t>
             </a:r>
             <a:endParaRPr lang="zh-TW" altLang="en-US" dirty="0"/>
           </a:p>
         </p:txBody>
       </p:sp>
-      <p:pic>
-        <p:nvPicPr>
-          <p:cNvPr id="4" name="圖片 3"/>
-          <p:cNvPicPr>
-            <a:picLocks noChangeAspect="1"/>
-          </p:cNvPicPr>
-          <p:nvPr/>
-        </p:nvPicPr>
-        <p:blipFill>
-          <a:blip r:embed="rId3"/>
-          <a:stretch>
-            <a:fillRect/>
-          </a:stretch>
-        </p:blipFill>
-        <p:spPr>
-          <a:xfrm>
-            <a:off x="628650" y="1963739"/>
-            <a:ext cx="6867525" cy="2876550"/>
-          </a:xfrm>
-          <a:prstGeom prst="rect">
-            <a:avLst/>
-          </a:prstGeom>
-        </p:spPr>
-      </p:pic>
-      <p:pic>
-        <p:nvPicPr>
-          <p:cNvPr id="5" name="圖片 4"/>
-          <p:cNvPicPr>
-            <a:picLocks noChangeAspect="1"/>
-          </p:cNvPicPr>
-          <p:nvPr/>
-        </p:nvPicPr>
-        <p:blipFill>
-          <a:blip r:embed="rId4"/>
-          <a:stretch>
-            <a:fillRect/>
-          </a:stretch>
-        </p:blipFill>
-        <p:spPr>
-          <a:xfrm>
-            <a:off x="633412" y="4840289"/>
-            <a:ext cx="6705600" cy="1609725"/>
-          </a:xfrm>
-          <a:prstGeom prst="rect">
-            <a:avLst/>
-          </a:prstGeom>
-        </p:spPr>
-      </p:pic>
     </p:spTree>
     <p:extLst>
       <p:ext uri="{BB962C8B-B14F-4D97-AF65-F5344CB8AC3E}">
-        <p14:creationId xmlns:p14="http://schemas.microsoft.com/office/powerpoint/2010/main" val="3643172254"/>
+        <p14:creationId xmlns:p14="http://schemas.microsoft.com/office/powerpoint/2010/main" val="2461018988"/>
       </p:ext>
     </p:extLst>
   </p:cSld>
@@ -6270,7 +6212,12 @@
           <a:bodyPr/>
           <a:lstStyle/>
           <a:p>
-            <a:endParaRPr lang="zh-TW" altLang="en-US"/>
+            <a:pPr algn="r"/>
+            <a:r>
+              <a:rPr lang="en-US" altLang="zh-TW" dirty="0" smtClean="0"/>
+              <a:t>Running…</a:t>
+            </a:r>
+            <a:endParaRPr lang="zh-TW" altLang="en-US" dirty="0"/>
           </a:p>
         </p:txBody>
       </p:sp>
@@ -6283,15 +6230,69 @@
           <p:nvPr/>
         </p:nvPicPr>
         <p:blipFill>
-          <a:blip r:embed="rId2"/>
+          <a:blip r:embed="rId2">
+            <a:extLst>
+              <a:ext uri="{28A0092B-C50C-407E-A947-70E740481C1C}">
+                <a14:useLocalDpi xmlns:a14="http://schemas.microsoft.com/office/drawing/2010/main" val="0"/>
+              </a:ext>
+            </a:extLst>
+          </a:blip>
           <a:stretch>
             <a:fillRect/>
           </a:stretch>
         </p:blipFill>
         <p:spPr>
           <a:xfrm>
-            <a:off x="628650" y="19050"/>
-            <a:ext cx="6981825" cy="6838950"/>
+            <a:off x="242887" y="2162175"/>
+            <a:ext cx="3114675" cy="3876675"/>
+          </a:xfrm>
+          <a:prstGeom prst="rect">
+            <a:avLst/>
+          </a:prstGeom>
+        </p:spPr>
+      </p:pic>
+      <p:pic>
+        <p:nvPicPr>
+          <p:cNvPr id="4" name="圖片 3"/>
+          <p:cNvPicPr>
+            <a:picLocks noChangeAspect="1"/>
+          </p:cNvPicPr>
+          <p:nvPr/>
+        </p:nvPicPr>
+        <p:blipFill>
+          <a:blip r:embed="rId3"/>
+          <a:stretch>
+            <a:fillRect/>
+          </a:stretch>
+        </p:blipFill>
+        <p:spPr>
+          <a:xfrm>
+            <a:off x="3571876" y="2162175"/>
+            <a:ext cx="5391150" cy="1600200"/>
+          </a:xfrm>
+          <a:prstGeom prst="rect">
+            <a:avLst/>
+          </a:prstGeom>
+        </p:spPr>
+      </p:pic>
+      <p:pic>
+        <p:nvPicPr>
+          <p:cNvPr id="5" name="圖片 4"/>
+          <p:cNvPicPr>
+            <a:picLocks noChangeAspect="1"/>
+          </p:cNvPicPr>
+          <p:nvPr/>
+        </p:nvPicPr>
+        <p:blipFill>
+          <a:blip r:embed="rId4"/>
+          <a:stretch>
+            <a:fillRect/>
+          </a:stretch>
+        </p:blipFill>
+        <p:spPr>
+          <a:xfrm>
+            <a:off x="3571876" y="4014787"/>
+            <a:ext cx="5140556" cy="1400175"/>
           </a:xfrm>
           <a:prstGeom prst="rect">
             <a:avLst/>
@@ -6301,13 +6302,20 @@
     </p:spTree>
     <p:extLst>
       <p:ext uri="{BB962C8B-B14F-4D97-AF65-F5344CB8AC3E}">
-        <p14:creationId xmlns:p14="http://schemas.microsoft.com/office/powerpoint/2010/main" val="1352600364"/>
+        <p14:creationId xmlns:p14="http://schemas.microsoft.com/office/powerpoint/2010/main" val="428230747"/>
       </p:ext>
     </p:extLst>
   </p:cSld>
   <p:clrMapOvr>
     <a:masterClrMapping/>
   </p:clrMapOvr>
+  <p:timing>
+    <p:tnLst>
+      <p:par>
+        <p:cTn id="1" dur="indefinite" restart="never" nodeType="tmRoot"/>
+      </p:par>
+    </p:tnLst>
+  </p:timing>
 </p:sld>
 </file>
 
@@ -6785,6 +6793,13 @@
   <p:clrMapOvr>
     <a:masterClrMapping/>
   </p:clrMapOvr>
+  <p:timing>
+    <p:tnLst>
+      <p:par>
+        <p:cTn id="1" dur="indefinite" restart="never" nodeType="tmRoot"/>
+      </p:par>
+    </p:tnLst>
+  </p:timing>
 </p:sld>
 </file>
 
@@ -6845,8 +6860,13 @@
           <a:p>
             <a:r>
               <a:rPr lang="en-US" altLang="zh-TW" dirty="0" smtClean="0"/>
-              <a:t>Explained in three examples</a:t>
-            </a:r>
+              <a:t>Explained in </a:t>
+            </a:r>
+            <a:r>
+              <a:rPr lang="en-US" altLang="zh-TW" dirty="0" smtClean="0"/>
+              <a:t>these examples</a:t>
+            </a:r>
+            <a:endParaRPr lang="en-US" altLang="zh-TW" dirty="0" smtClean="0"/>
           </a:p>
           <a:p>
             <a:pPr lvl="1"/>
@@ -6878,7 +6898,15 @@
               <a:rPr lang="en-US" altLang="zh-TW" dirty="0" err="1" smtClean="0"/>
               <a:t>roseCurve</a:t>
             </a:r>
-            <a:endParaRPr lang="zh-TW" altLang="en-US" dirty="0"/>
+            <a:endParaRPr lang="en-US" altLang="zh-TW" dirty="0"/>
+          </a:p>
+          <a:p>
+            <a:pPr lvl="1"/>
+            <a:r>
+              <a:rPr lang="en-US" altLang="zh-TW" dirty="0" err="1" smtClean="0"/>
+              <a:t>gameServer</a:t>
+            </a:r>
+            <a:endParaRPr lang="en-US" altLang="zh-TW" dirty="0" smtClean="0"/>
           </a:p>
         </p:txBody>
       </p:sp>
@@ -6929,11 +6957,15 @@
           <a:p>
             <a:r>
               <a:rPr lang="en-US" altLang="zh-TW" dirty="0" err="1" smtClean="0"/>
-              <a:t>LocalStorage</a:t>
+              <a:t>localStorage</a:t>
             </a:r>
             <a:r>
               <a:rPr lang="en-US" altLang="zh-TW" dirty="0" smtClean="0"/>
-              <a:t> in Node.js</a:t>
+              <a:t> </a:t>
+            </a:r>
+            <a:r>
+              <a:rPr lang="en-US" altLang="zh-TW" dirty="0" smtClean="0"/>
+              <a:t>in Node.js</a:t>
             </a:r>
             <a:endParaRPr lang="zh-TW" altLang="en-US" dirty="0"/>
           </a:p>
@@ -6975,12 +7007,16 @@
           </a:p>
           <a:p>
             <a:r>
-              <a:rPr lang="en-US" altLang="zh-TW" dirty="0" err="1" smtClean="0"/>
-              <a:t>Npm</a:t>
+              <a:rPr lang="en-US" altLang="zh-TW" b="1" dirty="0" err="1" smtClean="0"/>
+              <a:t>npm</a:t>
             </a:r>
             <a:r>
               <a:rPr lang="en-US" altLang="zh-TW" dirty="0" smtClean="0"/>
-              <a:t> has </a:t>
+              <a:t> </a:t>
+            </a:r>
+            <a:r>
+              <a:rPr lang="en-US" altLang="zh-TW" dirty="0" smtClean="0"/>
+              <a:t>has </a:t>
             </a:r>
             <a:r>
               <a:rPr lang="en-US" altLang="zh-TW" dirty="0" err="1" smtClean="0"/>
@@ -7014,6 +7050,13 @@
   <p:clrMapOvr>
     <a:masterClrMapping/>
   </p:clrMapOvr>
+  <p:timing>
+    <p:tnLst>
+      <p:par>
+        <p:cTn id="1" dur="indefinite" restart="never" nodeType="tmRoot"/>
+      </p:par>
+    </p:tnLst>
+  </p:timing>
 </p:sld>
 </file>
 
@@ -7034,6 +7077,30 @@
           <a:chExt cx="0" cy="0"/>
         </a:xfrm>
       </p:grpSpPr>
+      <p:pic>
+        <p:nvPicPr>
+          <p:cNvPr id="5" name="圖片 4"/>
+          <p:cNvPicPr>
+            <a:picLocks noChangeAspect="1"/>
+          </p:cNvPicPr>
+          <p:nvPr/>
+        </p:nvPicPr>
+        <p:blipFill>
+          <a:blip r:embed="rId2"/>
+          <a:stretch>
+            <a:fillRect/>
+          </a:stretch>
+        </p:blipFill>
+        <p:spPr>
+          <a:xfrm>
+            <a:off x="296956" y="365126"/>
+            <a:ext cx="8566568" cy="5972921"/>
+          </a:xfrm>
+          <a:prstGeom prst="rect">
+            <a:avLst/>
+          </a:prstGeom>
+        </p:spPr>
+      </p:pic>
       <p:sp>
         <p:nvSpPr>
           <p:cNvPr id="4" name="標題 3"/>
@@ -7041,7 +7108,7 @@
             <a:spLocks noGrp="1"/>
           </p:cNvSpPr>
           <p:nvPr>
-            <p:ph type="ctrTitle"/>
+            <p:ph type="title"/>
           </p:nvPr>
         </p:nvSpPr>
         <p:spPr/>
@@ -7049,37 +7116,19 @@
           <a:bodyPr/>
           <a:lstStyle/>
           <a:p>
+            <a:pPr algn="r"/>
             <a:r>
               <a:rPr lang="en-US" altLang="zh-TW" dirty="0" smtClean="0"/>
-              <a:t>obsolete</a:t>
+              <a:t>game.html</a:t>
             </a:r>
             <a:endParaRPr lang="zh-TW" altLang="en-US" dirty="0"/>
-          </a:p>
-        </p:txBody>
-      </p:sp>
-      <p:sp>
-        <p:nvSpPr>
-          <p:cNvPr id="5" name="副標題 4"/>
-          <p:cNvSpPr>
-            <a:spLocks noGrp="1"/>
-          </p:cNvSpPr>
-          <p:nvPr>
-            <p:ph type="subTitle" idx="1"/>
-          </p:nvPr>
-        </p:nvSpPr>
-        <p:spPr/>
-        <p:txBody>
-          <a:bodyPr/>
-          <a:lstStyle/>
-          <a:p>
-            <a:endParaRPr lang="zh-TW" altLang="en-US"/>
           </a:p>
         </p:txBody>
       </p:sp>
     </p:spTree>
     <p:extLst>
       <p:ext uri="{BB962C8B-B14F-4D97-AF65-F5344CB8AC3E}">
-        <p14:creationId xmlns:p14="http://schemas.microsoft.com/office/powerpoint/2010/main" val="644839930"/>
+        <p14:creationId xmlns:p14="http://schemas.microsoft.com/office/powerpoint/2010/main" val="2128323695"/>
       </p:ext>
     </p:extLst>
   </p:cSld>
@@ -7106,6 +7155,30 @@
           <a:chExt cx="0" cy="0"/>
         </a:xfrm>
       </p:grpSpPr>
+      <p:sp>
+        <p:nvSpPr>
+          <p:cNvPr id="2" name="標題 1"/>
+          <p:cNvSpPr>
+            <a:spLocks noGrp="1"/>
+          </p:cNvSpPr>
+          <p:nvPr>
+            <p:ph type="title"/>
+          </p:nvPr>
+        </p:nvSpPr>
+        <p:spPr/>
+        <p:txBody>
+          <a:bodyPr/>
+          <a:lstStyle/>
+          <a:p>
+            <a:pPr algn="r"/>
+            <a:r>
+              <a:rPr lang="en-US" altLang="zh-TW" dirty="0" smtClean="0"/>
+              <a:t>main.js</a:t>
+            </a:r>
+            <a:endParaRPr lang="zh-TW" altLang="en-US" dirty="0"/>
+          </a:p>
+        </p:txBody>
+      </p:sp>
       <p:pic>
         <p:nvPicPr>
           <p:cNvPr id="3" name="圖片 2"/>
@@ -7122,8 +7195,8 @@
         </p:blipFill>
         <p:spPr>
           <a:xfrm>
-            <a:off x="6062471" y="95680"/>
-            <a:ext cx="2829925" cy="1185722"/>
+            <a:off x="550488" y="449636"/>
+            <a:ext cx="4905375" cy="2695575"/>
           </a:xfrm>
           <a:prstGeom prst="rect">
             <a:avLst/>
@@ -7146,236 +7219,18 @@
         </p:blipFill>
         <p:spPr>
           <a:xfrm>
-            <a:off x="82933" y="0"/>
-            <a:ext cx="5888100" cy="6699453"/>
+            <a:off x="550488" y="3229721"/>
+            <a:ext cx="5382376" cy="381053"/>
           </a:xfrm>
           <a:prstGeom prst="rect">
             <a:avLst/>
           </a:prstGeom>
         </p:spPr>
       </p:pic>
-      <p:pic>
-        <p:nvPicPr>
-          <p:cNvPr id="5" name="圖片 4"/>
-          <p:cNvPicPr>
-            <a:picLocks noChangeAspect="1"/>
-          </p:cNvPicPr>
-          <p:nvPr/>
-        </p:nvPicPr>
-        <p:blipFill>
-          <a:blip r:embed="rId4"/>
-          <a:stretch>
-            <a:fillRect/>
-          </a:stretch>
-        </p:blipFill>
-        <p:spPr>
-          <a:xfrm>
-            <a:off x="1537386" y="6223137"/>
-            <a:ext cx="7459116" cy="476316"/>
-          </a:xfrm>
-          <a:prstGeom prst="rect">
-            <a:avLst/>
-          </a:prstGeom>
-        </p:spPr>
-      </p:pic>
-      <p:pic>
-        <p:nvPicPr>
-          <p:cNvPr id="6" name="圖片 5"/>
-          <p:cNvPicPr>
-            <a:picLocks noChangeAspect="1"/>
-          </p:cNvPicPr>
-          <p:nvPr/>
-        </p:nvPicPr>
-        <p:blipFill>
-          <a:blip r:embed="rId5"/>
-          <a:stretch>
-            <a:fillRect/>
-          </a:stretch>
-        </p:blipFill>
-        <p:spPr>
-          <a:xfrm>
-            <a:off x="6062471" y="2394768"/>
-            <a:ext cx="2600688" cy="905001"/>
-          </a:xfrm>
-          <a:prstGeom prst="rect">
-            <a:avLst/>
-          </a:prstGeom>
-        </p:spPr>
-      </p:pic>
-      <p:pic>
-        <p:nvPicPr>
-          <p:cNvPr id="7" name="圖片 6"/>
-          <p:cNvPicPr>
-            <a:picLocks noChangeAspect="1"/>
-          </p:cNvPicPr>
-          <p:nvPr/>
-        </p:nvPicPr>
-        <p:blipFill>
-          <a:blip r:embed="rId6"/>
-          <a:stretch>
-            <a:fillRect/>
-          </a:stretch>
-        </p:blipFill>
-        <p:spPr>
-          <a:xfrm>
-            <a:off x="6062471" y="1495396"/>
-            <a:ext cx="2619741" cy="943107"/>
-          </a:xfrm>
-          <a:prstGeom prst="rect">
-            <a:avLst/>
-          </a:prstGeom>
-        </p:spPr>
-      </p:pic>
-      <p:sp>
-        <p:nvSpPr>
-          <p:cNvPr id="9" name="文字方塊 8"/>
-          <p:cNvSpPr txBox="1"/>
-          <p:nvPr/>
-        </p:nvSpPr>
-        <p:spPr>
-          <a:xfrm>
-            <a:off x="4989195" y="95680"/>
-            <a:ext cx="856325" cy="369332"/>
-          </a:xfrm>
-          <a:prstGeom prst="rect">
-            <a:avLst/>
-          </a:prstGeom>
-          <a:noFill/>
-        </p:spPr>
-        <p:txBody>
-          <a:bodyPr wrap="none" rtlCol="0">
-            <a:spAutoFit/>
-          </a:bodyPr>
-          <a:lstStyle/>
-          <a:p>
-            <a:r>
-              <a:rPr lang="en-US" altLang="zh-TW" dirty="0" smtClean="0">
-                <a:solidFill>
-                  <a:srgbClr val="FF0000"/>
-                </a:solidFill>
-              </a:rPr>
-              <a:t>main.js</a:t>
-            </a:r>
-            <a:endParaRPr lang="zh-TW" altLang="en-US" dirty="0">
-              <a:solidFill>
-                <a:srgbClr val="FF0000"/>
-              </a:solidFill>
-            </a:endParaRPr>
-          </a:p>
-        </p:txBody>
-      </p:sp>
-      <p:sp>
-        <p:nvSpPr>
-          <p:cNvPr id="10" name="文字方塊 9"/>
-          <p:cNvSpPr txBox="1"/>
-          <p:nvPr/>
-        </p:nvSpPr>
-        <p:spPr>
-          <a:xfrm>
-            <a:off x="5235021" y="1066256"/>
-            <a:ext cx="744756" cy="369332"/>
-          </a:xfrm>
-          <a:prstGeom prst="rect">
-            <a:avLst/>
-          </a:prstGeom>
-          <a:noFill/>
-        </p:spPr>
-        <p:txBody>
-          <a:bodyPr wrap="none" rtlCol="0">
-            <a:spAutoFit/>
-          </a:bodyPr>
-          <a:lstStyle/>
-          <a:p>
-            <a:r>
-              <a:rPr lang="en-US" altLang="zh-TW" dirty="0" smtClean="0">
-                <a:solidFill>
-                  <a:srgbClr val="FF0000"/>
-                </a:solidFill>
-              </a:rPr>
-              <a:t>“/</a:t>
-            </a:r>
-            <a:r>
-              <a:rPr lang="en-US" altLang="zh-TW" dirty="0" err="1" smtClean="0">
-                <a:solidFill>
-                  <a:srgbClr val="FF0000"/>
-                </a:solidFill>
-              </a:rPr>
-              <a:t>api</a:t>
-            </a:r>
-            <a:r>
-              <a:rPr lang="en-US" altLang="zh-TW" dirty="0" smtClean="0">
-                <a:solidFill>
-                  <a:srgbClr val="FF0000"/>
-                </a:solidFill>
-              </a:rPr>
-              <a:t>”</a:t>
-            </a:r>
-            <a:endParaRPr lang="zh-TW" altLang="en-US" dirty="0">
-              <a:solidFill>
-                <a:srgbClr val="FF0000"/>
-              </a:solidFill>
-            </a:endParaRPr>
-          </a:p>
-        </p:txBody>
-      </p:sp>
-      <p:sp>
-        <p:nvSpPr>
-          <p:cNvPr id="11" name="文字方塊 10"/>
-          <p:cNvSpPr txBox="1"/>
-          <p:nvPr/>
-        </p:nvSpPr>
-        <p:spPr>
-          <a:xfrm>
-            <a:off x="4909778" y="1628646"/>
-            <a:ext cx="1067985" cy="369332"/>
-          </a:xfrm>
-          <a:prstGeom prst="rect">
-            <a:avLst/>
-          </a:prstGeom>
-          <a:noFill/>
-        </p:spPr>
-        <p:txBody>
-          <a:bodyPr wrap="none" rtlCol="0">
-            <a:spAutoFit/>
-          </a:bodyPr>
-          <a:lstStyle/>
-          <a:p>
-            <a:r>
-              <a:rPr lang="en-US" altLang="zh-TW" dirty="0" smtClean="0">
-                <a:solidFill>
-                  <a:srgbClr val="FF0000"/>
-                </a:solidFill>
-              </a:rPr>
-              <a:t>{ </a:t>
-            </a:r>
-            <a:r>
-              <a:rPr lang="en-US" altLang="zh-TW" dirty="0" err="1" smtClean="0">
-                <a:solidFill>
-                  <a:srgbClr val="FF0000"/>
-                </a:solidFill>
-              </a:rPr>
-              <a:t>argv</a:t>
-            </a:r>
-            <a:r>
-              <a:rPr lang="en-US" altLang="zh-TW" dirty="0" smtClean="0">
-                <a:solidFill>
-                  <a:srgbClr val="FF0000"/>
-                </a:solidFill>
-              </a:rPr>
-              <a:t>: 5 }</a:t>
-            </a:r>
-            <a:endParaRPr lang="zh-TW" altLang="en-US" dirty="0">
-              <a:solidFill>
-                <a:srgbClr val="FF0000"/>
-              </a:solidFill>
-            </a:endParaRPr>
-          </a:p>
-        </p:txBody>
-      </p:sp>
     </p:spTree>
     <p:extLst>
       <p:ext uri="{BB962C8B-B14F-4D97-AF65-F5344CB8AC3E}">
-        <p14:creationId xmlns:p14="http://schemas.microsoft.com/office/powerpoint/2010/main" val="1912102592"/>
+        <p14:creationId xmlns:p14="http://schemas.microsoft.com/office/powerpoint/2010/main" val="1965537491"/>
       </p:ext>
     </p:extLst>
   </p:cSld>
@@ -7402,1069 +7257,25 @@
           <a:chExt cx="0" cy="0"/>
         </a:xfrm>
       </p:grpSpPr>
-      <p:pic>
-        <p:nvPicPr>
-          <p:cNvPr id="4" name="圖片 3"/>
-          <p:cNvPicPr>
-            <a:picLocks noChangeAspect="1"/>
-          </p:cNvPicPr>
-          <p:nvPr/>
-        </p:nvPicPr>
-        <p:blipFill>
-          <a:blip r:embed="rId2"/>
-          <a:stretch>
-            <a:fillRect/>
-          </a:stretch>
-        </p:blipFill>
-        <p:spPr>
-          <a:xfrm>
-            <a:off x="146542" y="41417"/>
-            <a:ext cx="3046553" cy="3186415"/>
-          </a:xfrm>
-          <a:prstGeom prst="rect">
-            <a:avLst/>
-          </a:prstGeom>
-        </p:spPr>
-      </p:pic>
-      <p:grpSp>
-        <p:nvGrpSpPr>
-          <p:cNvPr id="7" name="群組 6"/>
-          <p:cNvGrpSpPr/>
-          <p:nvPr/>
-        </p:nvGrpSpPr>
-        <p:grpSpPr>
-          <a:xfrm>
-            <a:off x="4698051" y="-107603"/>
-            <a:ext cx="6416340" cy="5881975"/>
-            <a:chOff x="3193095" y="457200"/>
-            <a:chExt cx="6416340" cy="5881975"/>
-          </a:xfrm>
-        </p:grpSpPr>
-        <p:pic>
-          <p:nvPicPr>
-            <p:cNvPr id="2" name="圖片 1"/>
-            <p:cNvPicPr>
-              <a:picLocks noChangeAspect="1"/>
-            </p:cNvPicPr>
-            <p:nvPr/>
-          </p:nvPicPr>
-          <p:blipFill>
-            <a:blip r:embed="rId3"/>
-            <a:stretch>
-              <a:fillRect/>
-            </a:stretch>
-          </p:blipFill>
-          <p:spPr>
-            <a:xfrm>
-              <a:off x="3193095" y="2535716"/>
-              <a:ext cx="6416340" cy="3803459"/>
-            </a:xfrm>
-            <a:prstGeom prst="rect">
-              <a:avLst/>
-            </a:prstGeom>
-          </p:spPr>
-        </p:pic>
-        <p:pic>
-          <p:nvPicPr>
-            <p:cNvPr id="5" name="圖片 4"/>
-            <p:cNvPicPr>
-              <a:picLocks noChangeAspect="1"/>
-            </p:cNvPicPr>
-            <p:nvPr/>
-          </p:nvPicPr>
-          <p:blipFill>
-            <a:blip r:embed="rId4"/>
-            <a:stretch>
-              <a:fillRect/>
-            </a:stretch>
-          </p:blipFill>
-          <p:spPr>
-            <a:xfrm>
-              <a:off x="3193095" y="457200"/>
-              <a:ext cx="6416340" cy="2576356"/>
-            </a:xfrm>
-            <a:prstGeom prst="rect">
-              <a:avLst/>
-            </a:prstGeom>
-          </p:spPr>
-        </p:pic>
-      </p:grpSp>
-      <p:grpSp>
-        <p:nvGrpSpPr>
-          <p:cNvPr id="10" name="群組 9"/>
-          <p:cNvGrpSpPr/>
-          <p:nvPr/>
-        </p:nvGrpSpPr>
-        <p:grpSpPr>
-          <a:xfrm>
-            <a:off x="10625" y="4458542"/>
-            <a:ext cx="4455938" cy="2399458"/>
-            <a:chOff x="146542" y="3981022"/>
-            <a:chExt cx="4455938" cy="2399458"/>
-          </a:xfrm>
-          <a:solidFill>
-            <a:srgbClr val="FFFFC9"/>
-          </a:solidFill>
-        </p:grpSpPr>
-        <p:sp>
-          <p:nvSpPr>
-            <p:cNvPr id="9" name="圓角矩形 8"/>
-            <p:cNvSpPr/>
-            <p:nvPr/>
-          </p:nvSpPr>
-          <p:spPr>
-            <a:xfrm>
-              <a:off x="146542" y="3981022"/>
-              <a:ext cx="4455938" cy="2399458"/>
-            </a:xfrm>
-            <a:prstGeom prst="roundRect">
-              <a:avLst/>
-            </a:prstGeom>
-            <a:grpFill/>
-          </p:spPr>
-          <p:style>
-            <a:lnRef idx="2">
-              <a:schemeClr val="accent1">
-                <a:shade val="50000"/>
-              </a:schemeClr>
-            </a:lnRef>
-            <a:fillRef idx="1">
-              <a:schemeClr val="accent1"/>
-            </a:fillRef>
-            <a:effectRef idx="0">
-              <a:schemeClr val="accent1"/>
-            </a:effectRef>
-            <a:fontRef idx="minor">
-              <a:schemeClr val="lt1"/>
-            </a:fontRef>
-          </p:style>
-          <p:txBody>
-            <a:bodyPr rtlCol="0" anchor="ctr"/>
-            <a:lstStyle/>
-            <a:p>
-              <a:pPr algn="ctr"/>
-              <a:endParaRPr lang="zh-TW" altLang="en-US"/>
-            </a:p>
-          </p:txBody>
-        </p:sp>
-        <p:pic>
-          <p:nvPicPr>
-            <p:cNvPr id="8" name="圖片 7"/>
-            <p:cNvPicPr>
-              <a:picLocks noChangeAspect="1"/>
-            </p:cNvPicPr>
-            <p:nvPr/>
-          </p:nvPicPr>
-          <p:blipFill>
-            <a:blip r:embed="rId5"/>
-            <a:stretch>
-              <a:fillRect/>
-            </a:stretch>
-          </p:blipFill>
-          <p:spPr>
-            <a:xfrm>
-              <a:off x="315277" y="4134167"/>
-              <a:ext cx="4124325" cy="2105025"/>
-            </a:xfrm>
-            <a:prstGeom prst="rect">
-              <a:avLst/>
-            </a:prstGeom>
-            <a:grpFill/>
-          </p:spPr>
-        </p:pic>
-      </p:grpSp>
-    </p:spTree>
-    <p:extLst>
-      <p:ext uri="{BB962C8B-B14F-4D97-AF65-F5344CB8AC3E}">
-        <p14:creationId xmlns:p14="http://schemas.microsoft.com/office/powerpoint/2010/main" val="56574487"/>
-      </p:ext>
-    </p:extLst>
-  </p:cSld>
-  <p:clrMapOvr>
-    <a:masterClrMapping/>
-  </p:clrMapOvr>
-</p:sld>
-</file>
-
-<file path=ppt/slides/slide34.xml><?xml version="1.0" encoding="utf-8"?>
-<p:sld xmlns:a="http://schemas.openxmlformats.org/drawingml/2006/main" xmlns:r="http://schemas.openxmlformats.org/officeDocument/2006/relationships" xmlns:p="http://schemas.openxmlformats.org/presentationml/2006/main" show="0">
-  <p:cSld>
-    <p:spTree>
-      <p:nvGrpSpPr>
-        <p:cNvPr id="1" name=""/>
-        <p:cNvGrpSpPr/>
-        <p:nvPr/>
-      </p:nvGrpSpPr>
-      <p:grpSpPr>
-        <a:xfrm>
-          <a:off x="0" y="0"/>
-          <a:ext cx="0" cy="0"/>
-          <a:chOff x="0" y="0"/>
-          <a:chExt cx="0" cy="0"/>
-        </a:xfrm>
-      </p:grpSpPr>
-      <p:pic>
-        <p:nvPicPr>
-          <p:cNvPr id="17" name="圖片 16"/>
-          <p:cNvPicPr>
-            <a:picLocks noChangeAspect="1"/>
-          </p:cNvPicPr>
-          <p:nvPr/>
-        </p:nvPicPr>
-        <p:blipFill>
-          <a:blip r:embed="rId2"/>
-          <a:stretch>
-            <a:fillRect/>
-          </a:stretch>
-        </p:blipFill>
-        <p:spPr>
-          <a:xfrm>
-            <a:off x="122631" y="79061"/>
-            <a:ext cx="4915713" cy="3841240"/>
-          </a:xfrm>
-          <a:prstGeom prst="rect">
-            <a:avLst/>
-          </a:prstGeom>
-        </p:spPr>
-      </p:pic>
-      <p:pic>
-        <p:nvPicPr>
-          <p:cNvPr id="5" name="圖片 4"/>
-          <p:cNvPicPr>
-            <a:picLocks noChangeAspect="1"/>
-          </p:cNvPicPr>
-          <p:nvPr/>
-        </p:nvPicPr>
-        <p:blipFill>
-          <a:blip r:embed="rId3"/>
-          <a:stretch>
-            <a:fillRect/>
-          </a:stretch>
-        </p:blipFill>
-        <p:spPr>
-          <a:xfrm>
-            <a:off x="122631" y="3946400"/>
-            <a:ext cx="7935432" cy="2695951"/>
-          </a:xfrm>
-          <a:prstGeom prst="rect">
-            <a:avLst/>
-          </a:prstGeom>
-        </p:spPr>
-      </p:pic>
-      <p:grpSp>
-        <p:nvGrpSpPr>
-          <p:cNvPr id="14" name="群組 13"/>
-          <p:cNvGrpSpPr/>
-          <p:nvPr/>
-        </p:nvGrpSpPr>
-        <p:grpSpPr>
-          <a:xfrm>
-            <a:off x="122631" y="4754879"/>
-            <a:ext cx="466344" cy="274321"/>
-            <a:chOff x="-1417320" y="5020055"/>
-            <a:chExt cx="466344" cy="274321"/>
-          </a:xfrm>
-        </p:grpSpPr>
-        <p:cxnSp>
-          <p:nvCxnSpPr>
-            <p:cNvPr id="11" name="直線接點 10"/>
-            <p:cNvCxnSpPr/>
-            <p:nvPr/>
-          </p:nvCxnSpPr>
-          <p:spPr>
-            <a:xfrm>
-              <a:off x="-1417320" y="5020056"/>
-              <a:ext cx="466344" cy="274320"/>
-            </a:xfrm>
-            <a:prstGeom prst="line">
-              <a:avLst/>
-            </a:prstGeom>
-            <a:ln w="28575">
-              <a:solidFill>
-                <a:srgbClr val="FF0000"/>
-              </a:solidFill>
-            </a:ln>
-          </p:spPr>
-          <p:style>
-            <a:lnRef idx="1">
-              <a:schemeClr val="accent1"/>
-            </a:lnRef>
-            <a:fillRef idx="0">
-              <a:schemeClr val="accent1"/>
-            </a:fillRef>
-            <a:effectRef idx="0">
-              <a:schemeClr val="accent1"/>
-            </a:effectRef>
-            <a:fontRef idx="minor">
-              <a:schemeClr val="tx1"/>
-            </a:fontRef>
-          </p:style>
-        </p:cxnSp>
-        <p:cxnSp>
-          <p:nvCxnSpPr>
-            <p:cNvPr id="13" name="直線接點 12"/>
-            <p:cNvCxnSpPr/>
-            <p:nvPr/>
-          </p:nvCxnSpPr>
-          <p:spPr>
-            <a:xfrm flipH="1">
-              <a:off x="-1417320" y="5020055"/>
-              <a:ext cx="466344" cy="274320"/>
-            </a:xfrm>
-            <a:prstGeom prst="line">
-              <a:avLst/>
-            </a:prstGeom>
-            <a:ln w="28575">
-              <a:solidFill>
-                <a:srgbClr val="FF0000"/>
-              </a:solidFill>
-            </a:ln>
-          </p:spPr>
-          <p:style>
-            <a:lnRef idx="1">
-              <a:schemeClr val="accent1"/>
-            </a:lnRef>
-            <a:fillRef idx="0">
-              <a:schemeClr val="accent1"/>
-            </a:fillRef>
-            <a:effectRef idx="0">
-              <a:schemeClr val="accent1"/>
-            </a:effectRef>
-            <a:fontRef idx="minor">
-              <a:schemeClr val="tx1"/>
-            </a:fontRef>
-          </p:style>
-        </p:cxnSp>
-      </p:grpSp>
-      <p:sp>
-        <p:nvSpPr>
-          <p:cNvPr id="15" name="圓角矩形 14"/>
-          <p:cNvSpPr/>
-          <p:nvPr/>
-        </p:nvSpPr>
-        <p:spPr>
-          <a:xfrm>
-            <a:off x="2752344" y="3909824"/>
-            <a:ext cx="978408" cy="310896"/>
-          </a:xfrm>
-          <a:prstGeom prst="roundRect">
-            <a:avLst/>
-          </a:prstGeom>
-          <a:noFill/>
-          <a:ln w="28575">
-            <a:solidFill>
-              <a:srgbClr val="FF0000"/>
-            </a:solidFill>
-          </a:ln>
-        </p:spPr>
-        <p:style>
-          <a:lnRef idx="2">
-            <a:schemeClr val="accent1">
-              <a:shade val="50000"/>
-            </a:schemeClr>
-          </a:lnRef>
-          <a:fillRef idx="1">
-            <a:schemeClr val="accent1"/>
-          </a:fillRef>
-          <a:effectRef idx="0">
-            <a:schemeClr val="accent1"/>
-          </a:effectRef>
-          <a:fontRef idx="minor">
-            <a:schemeClr val="lt1"/>
-          </a:fontRef>
-        </p:style>
-        <p:txBody>
-          <a:bodyPr rtlCol="0" anchor="ctr"/>
-          <a:lstStyle/>
-          <a:p>
-            <a:pPr algn="ctr"/>
+      <p:sp>
+        <p:nvSpPr>
+          <p:cNvPr id="2" name="標題 1"/>
+          <p:cNvSpPr>
+            <a:spLocks noGrp="1"/>
+          </p:cNvSpPr>
+          <p:nvPr>
+            <p:ph type="title"/>
+          </p:nvPr>
+        </p:nvSpPr>
+        <p:spPr/>
+        <p:txBody>
+          <a:bodyPr/>
+          <a:lstStyle/>
+          <a:p>
             <a:endParaRPr lang="zh-TW" altLang="en-US"/>
           </a:p>
         </p:txBody>
       </p:sp>
-      <p:sp>
-        <p:nvSpPr>
-          <p:cNvPr id="8" name="文字方塊 7"/>
-          <p:cNvSpPr txBox="1"/>
-          <p:nvPr/>
-        </p:nvSpPr>
-        <p:spPr>
-          <a:xfrm>
-            <a:off x="1762125" y="838200"/>
-            <a:ext cx="1053494" cy="369332"/>
-          </a:xfrm>
-          <a:prstGeom prst="rect">
-            <a:avLst/>
-          </a:prstGeom>
-          <a:noFill/>
-        </p:spPr>
-        <p:txBody>
-          <a:bodyPr wrap="none" rtlCol="0">
-            <a:spAutoFit/>
-          </a:bodyPr>
-          <a:lstStyle/>
-          <a:p>
-            <a:r>
-              <a:rPr lang="en-US" altLang="zh-TW" dirty="0" smtClean="0">
-                <a:solidFill>
-                  <a:srgbClr val="FF0000"/>
-                </a:solidFill>
-              </a:rPr>
-              <a:t>main.cpp</a:t>
-            </a:r>
-            <a:endParaRPr lang="zh-TW" altLang="en-US" dirty="0">
-              <a:solidFill>
-                <a:srgbClr val="FF0000"/>
-              </a:solidFill>
-            </a:endParaRPr>
-          </a:p>
-        </p:txBody>
-      </p:sp>
-      <p:sp>
-        <p:nvSpPr>
-          <p:cNvPr id="16" name="文字方塊 15"/>
-          <p:cNvSpPr txBox="1"/>
-          <p:nvPr/>
-        </p:nvSpPr>
-        <p:spPr>
-          <a:xfrm>
-            <a:off x="6848475" y="3920301"/>
-            <a:ext cx="856325" cy="369332"/>
-          </a:xfrm>
-          <a:prstGeom prst="rect">
-            <a:avLst/>
-          </a:prstGeom>
-          <a:noFill/>
-        </p:spPr>
-        <p:txBody>
-          <a:bodyPr wrap="none" rtlCol="0">
-            <a:spAutoFit/>
-          </a:bodyPr>
-          <a:lstStyle/>
-          <a:p>
-            <a:r>
-              <a:rPr lang="en-US" altLang="zh-TW" dirty="0" smtClean="0">
-                <a:solidFill>
-                  <a:srgbClr val="FF0000"/>
-                </a:solidFill>
-              </a:rPr>
-              <a:t>main.js</a:t>
-            </a:r>
-            <a:endParaRPr lang="zh-TW" altLang="en-US" dirty="0">
-              <a:solidFill>
-                <a:srgbClr val="FF0000"/>
-              </a:solidFill>
-            </a:endParaRPr>
-          </a:p>
-        </p:txBody>
-      </p:sp>
-      <p:grpSp>
-        <p:nvGrpSpPr>
-          <p:cNvPr id="18" name="群組 17"/>
-          <p:cNvGrpSpPr/>
-          <p:nvPr/>
-        </p:nvGrpSpPr>
-        <p:grpSpPr>
-          <a:xfrm>
-            <a:off x="3177531" y="0"/>
-            <a:ext cx="5966469" cy="2581843"/>
-            <a:chOff x="3177531" y="0"/>
-            <a:chExt cx="5966469" cy="2581843"/>
-          </a:xfrm>
-        </p:grpSpPr>
-        <p:pic>
-          <p:nvPicPr>
-            <p:cNvPr id="19" name="圖片 18"/>
-            <p:cNvPicPr>
-              <a:picLocks noChangeAspect="1"/>
-            </p:cNvPicPr>
-            <p:nvPr/>
-          </p:nvPicPr>
-          <p:blipFill>
-            <a:blip r:embed="rId4"/>
-            <a:stretch>
-              <a:fillRect/>
-            </a:stretch>
-          </p:blipFill>
-          <p:spPr>
-            <a:xfrm>
-              <a:off x="3177531" y="0"/>
-              <a:ext cx="5966469" cy="2581843"/>
-            </a:xfrm>
-            <a:prstGeom prst="rect">
-              <a:avLst/>
-            </a:prstGeom>
-          </p:spPr>
-        </p:pic>
-        <p:cxnSp>
-          <p:nvCxnSpPr>
-            <p:cNvPr id="20" name="直線接點 19"/>
-            <p:cNvCxnSpPr/>
-            <p:nvPr/>
-          </p:nvCxnSpPr>
-          <p:spPr>
-            <a:xfrm flipV="1">
-              <a:off x="7972425" y="800100"/>
-              <a:ext cx="1171575" cy="19050"/>
-            </a:xfrm>
-            <a:prstGeom prst="line">
-              <a:avLst/>
-            </a:prstGeom>
-            <a:ln w="28575">
-              <a:solidFill>
-                <a:srgbClr val="FF0000"/>
-              </a:solidFill>
-            </a:ln>
-          </p:spPr>
-          <p:style>
-            <a:lnRef idx="1">
-              <a:schemeClr val="accent1"/>
-            </a:lnRef>
-            <a:fillRef idx="0">
-              <a:schemeClr val="accent1"/>
-            </a:fillRef>
-            <a:effectRef idx="0">
-              <a:schemeClr val="accent1"/>
-            </a:effectRef>
-            <a:fontRef idx="minor">
-              <a:schemeClr val="tx1"/>
-            </a:fontRef>
-          </p:style>
-        </p:cxnSp>
-        <p:cxnSp>
-          <p:nvCxnSpPr>
-            <p:cNvPr id="21" name="直線接點 20"/>
-            <p:cNvCxnSpPr/>
-            <p:nvPr/>
-          </p:nvCxnSpPr>
-          <p:spPr>
-            <a:xfrm>
-              <a:off x="3333750" y="1114425"/>
-              <a:ext cx="619125" cy="0"/>
-            </a:xfrm>
-            <a:prstGeom prst="line">
-              <a:avLst/>
-            </a:prstGeom>
-            <a:ln w="28575">
-              <a:solidFill>
-                <a:srgbClr val="FF0000"/>
-              </a:solidFill>
-            </a:ln>
-          </p:spPr>
-          <p:style>
-            <a:lnRef idx="1">
-              <a:schemeClr val="accent1"/>
-            </a:lnRef>
-            <a:fillRef idx="0">
-              <a:schemeClr val="accent1"/>
-            </a:fillRef>
-            <a:effectRef idx="0">
-              <a:schemeClr val="accent1"/>
-            </a:effectRef>
-            <a:fontRef idx="minor">
-              <a:schemeClr val="tx1"/>
-            </a:fontRef>
-          </p:style>
-        </p:cxnSp>
-      </p:grpSp>
-    </p:spTree>
-    <p:extLst>
-      <p:ext uri="{BB962C8B-B14F-4D97-AF65-F5344CB8AC3E}">
-        <p14:creationId xmlns:p14="http://schemas.microsoft.com/office/powerpoint/2010/main" val="1193524188"/>
-      </p:ext>
-    </p:extLst>
-  </p:cSld>
-  <p:clrMapOvr>
-    <a:masterClrMapping/>
-  </p:clrMapOvr>
-  <mc:AlternateContent xmlns:mc="http://schemas.openxmlformats.org/markup-compatibility/2006" xmlns:p14="http://schemas.microsoft.com/office/powerpoint/2010/main">
-    <mc:Choice Requires="p14">
-      <p:transition spd="slow" p14:dur="2000"/>
-    </mc:Choice>
-    <mc:Fallback xmlns="">
-      <p:transition spd="slow"/>
-    </mc:Fallback>
-  </mc:AlternateContent>
-</p:sld>
-</file>
-
-<file path=ppt/slides/slide35.xml><?xml version="1.0" encoding="utf-8"?>
-<p:sld xmlns:a="http://schemas.openxmlformats.org/drawingml/2006/main" xmlns:r="http://schemas.openxmlformats.org/officeDocument/2006/relationships" xmlns:p="http://schemas.openxmlformats.org/presentationml/2006/main">
-  <p:cSld>
-    <p:spTree>
-      <p:nvGrpSpPr>
-        <p:cNvPr id="1" name=""/>
-        <p:cNvGrpSpPr/>
-        <p:nvPr/>
-      </p:nvGrpSpPr>
-      <p:grpSpPr>
-        <a:xfrm>
-          <a:off x="0" y="0"/>
-          <a:ext cx="0" cy="0"/>
-          <a:chOff x="0" y="0"/>
-          <a:chExt cx="0" cy="0"/>
-        </a:xfrm>
-      </p:grpSpPr>
-      <p:sp>
-        <p:nvSpPr>
-          <p:cNvPr id="2" name="標題 1"/>
-          <p:cNvSpPr>
-            <a:spLocks noGrp="1"/>
-          </p:cNvSpPr>
-          <p:nvPr>
-            <p:ph type="title"/>
-          </p:nvPr>
-        </p:nvSpPr>
-        <p:spPr/>
-        <p:txBody>
-          <a:bodyPr/>
-          <a:lstStyle/>
-          <a:p>
-            <a:pPr algn="r"/>
-            <a:r>
-              <a:rPr lang="en-US" altLang="zh-TW" dirty="0" err="1" smtClean="0"/>
-              <a:t>main.jsxx</a:t>
-            </a:r>
-            <a:endParaRPr lang="zh-TW" altLang="en-US" dirty="0"/>
-          </a:p>
-        </p:txBody>
-      </p:sp>
-      <p:pic>
-        <p:nvPicPr>
-          <p:cNvPr id="3" name="圖片 2"/>
-          <p:cNvPicPr>
-            <a:picLocks noChangeAspect="1"/>
-          </p:cNvPicPr>
-          <p:nvPr/>
-        </p:nvPicPr>
-        <p:blipFill>
-          <a:blip r:embed="rId2"/>
-          <a:stretch>
-            <a:fillRect/>
-          </a:stretch>
-        </p:blipFill>
-        <p:spPr>
-          <a:xfrm>
-            <a:off x="251709" y="152400"/>
-            <a:ext cx="6058746" cy="6606988"/>
-          </a:xfrm>
-          <a:prstGeom prst="rect">
-            <a:avLst/>
-          </a:prstGeom>
-        </p:spPr>
-      </p:pic>
-      <p:sp>
-        <p:nvSpPr>
-          <p:cNvPr id="4" name="圓角矩形 3"/>
-          <p:cNvSpPr/>
-          <p:nvPr/>
-        </p:nvSpPr>
-        <p:spPr>
-          <a:xfrm>
-            <a:off x="753035" y="3845859"/>
-            <a:ext cx="1712259" cy="770965"/>
-          </a:xfrm>
-          <a:prstGeom prst="roundRect">
-            <a:avLst/>
-          </a:prstGeom>
-          <a:noFill/>
-          <a:ln w="28575">
-            <a:solidFill>
-              <a:srgbClr val="FF0000"/>
-            </a:solidFill>
-          </a:ln>
-        </p:spPr>
-        <p:style>
-          <a:lnRef idx="2">
-            <a:schemeClr val="accent1">
-              <a:shade val="50000"/>
-            </a:schemeClr>
-          </a:lnRef>
-          <a:fillRef idx="1">
-            <a:schemeClr val="accent1"/>
-          </a:fillRef>
-          <a:effectRef idx="0">
-            <a:schemeClr val="accent1"/>
-          </a:effectRef>
-          <a:fontRef idx="minor">
-            <a:schemeClr val="lt1"/>
-          </a:fontRef>
-        </p:style>
-        <p:txBody>
-          <a:bodyPr rtlCol="0" anchor="ctr"/>
-          <a:lstStyle/>
-          <a:p>
-            <a:pPr algn="ctr"/>
-            <a:endParaRPr lang="zh-TW" altLang="en-US"/>
-          </a:p>
-        </p:txBody>
-      </p:sp>
-      <p:sp>
-        <p:nvSpPr>
-          <p:cNvPr id="5" name="圓角矩形 4"/>
-          <p:cNvSpPr/>
-          <p:nvPr/>
-        </p:nvSpPr>
-        <p:spPr>
-          <a:xfrm>
-            <a:off x="788894" y="4867836"/>
-            <a:ext cx="3352800" cy="251012"/>
-          </a:xfrm>
-          <a:prstGeom prst="roundRect">
-            <a:avLst/>
-          </a:prstGeom>
-          <a:noFill/>
-          <a:ln w="28575">
-            <a:solidFill>
-              <a:srgbClr val="FF0000"/>
-            </a:solidFill>
-          </a:ln>
-        </p:spPr>
-        <p:style>
-          <a:lnRef idx="2">
-            <a:schemeClr val="accent1">
-              <a:shade val="50000"/>
-            </a:schemeClr>
-          </a:lnRef>
-          <a:fillRef idx="1">
-            <a:schemeClr val="accent1"/>
-          </a:fillRef>
-          <a:effectRef idx="0">
-            <a:schemeClr val="accent1"/>
-          </a:effectRef>
-          <a:fontRef idx="minor">
-            <a:schemeClr val="lt1"/>
-          </a:fontRef>
-        </p:style>
-        <p:txBody>
-          <a:bodyPr rtlCol="0" anchor="ctr"/>
-          <a:lstStyle/>
-          <a:p>
-            <a:pPr algn="ctr"/>
-            <a:endParaRPr lang="zh-TW" altLang="en-US"/>
-          </a:p>
-        </p:txBody>
-      </p:sp>
-    </p:spTree>
-    <p:extLst>
-      <p:ext uri="{BB962C8B-B14F-4D97-AF65-F5344CB8AC3E}">
-        <p14:creationId xmlns:p14="http://schemas.microsoft.com/office/powerpoint/2010/main" val="1412304909"/>
-      </p:ext>
-    </p:extLst>
-  </p:cSld>
-  <p:clrMapOvr>
-    <a:masterClrMapping/>
-  </p:clrMapOvr>
-</p:sld>
-</file>
-
-<file path=ppt/slides/slide36.xml><?xml version="1.0" encoding="utf-8"?>
-<p:sld xmlns:a="http://schemas.openxmlformats.org/drawingml/2006/main" xmlns:r="http://schemas.openxmlformats.org/officeDocument/2006/relationships" xmlns:p="http://schemas.openxmlformats.org/presentationml/2006/main">
-  <p:cSld>
-    <p:spTree>
-      <p:nvGrpSpPr>
-        <p:cNvPr id="1" name=""/>
-        <p:cNvGrpSpPr/>
-        <p:nvPr/>
-      </p:nvGrpSpPr>
-      <p:grpSpPr>
-        <a:xfrm>
-          <a:off x="0" y="0"/>
-          <a:ext cx="0" cy="0"/>
-          <a:chOff x="0" y="0"/>
-          <a:chExt cx="0" cy="0"/>
-        </a:xfrm>
-      </p:grpSpPr>
-      <p:pic>
-        <p:nvPicPr>
-          <p:cNvPr id="2" name="圖片 1"/>
-          <p:cNvPicPr>
-            <a:picLocks noChangeAspect="1"/>
-          </p:cNvPicPr>
-          <p:nvPr/>
-        </p:nvPicPr>
-        <p:blipFill>
-          <a:blip r:embed="rId2"/>
-          <a:stretch>
-            <a:fillRect/>
-          </a:stretch>
-        </p:blipFill>
-        <p:spPr>
-          <a:xfrm>
-            <a:off x="1" y="0"/>
-            <a:ext cx="9070848" cy="743054"/>
-          </a:xfrm>
-          <a:prstGeom prst="rect">
-            <a:avLst/>
-          </a:prstGeom>
-        </p:spPr>
-      </p:pic>
-      <p:pic>
-        <p:nvPicPr>
-          <p:cNvPr id="3" name="圖片 2"/>
-          <p:cNvPicPr>
-            <a:picLocks noChangeAspect="1"/>
-          </p:cNvPicPr>
-          <p:nvPr/>
-        </p:nvPicPr>
-        <p:blipFill>
-          <a:blip r:embed="rId3"/>
-          <a:stretch>
-            <a:fillRect/>
-          </a:stretch>
-        </p:blipFill>
-        <p:spPr>
-          <a:xfrm>
-            <a:off x="1" y="743054"/>
-            <a:ext cx="8997696" cy="212173"/>
-          </a:xfrm>
-          <a:prstGeom prst="rect">
-            <a:avLst/>
-          </a:prstGeom>
-        </p:spPr>
-      </p:pic>
-      <p:grpSp>
-        <p:nvGrpSpPr>
-          <p:cNvPr id="7" name="群組 6"/>
-          <p:cNvGrpSpPr/>
-          <p:nvPr/>
-        </p:nvGrpSpPr>
-        <p:grpSpPr>
-          <a:xfrm>
-            <a:off x="1" y="1086830"/>
-            <a:ext cx="9070848" cy="5636700"/>
-            <a:chOff x="1" y="1086829"/>
-            <a:chExt cx="10517068" cy="6003803"/>
-          </a:xfrm>
-        </p:grpSpPr>
-        <p:pic>
-          <p:nvPicPr>
-            <p:cNvPr id="4" name="圖片 3"/>
-            <p:cNvPicPr>
-              <a:picLocks noChangeAspect="1"/>
-            </p:cNvPicPr>
-            <p:nvPr/>
-          </p:nvPicPr>
-          <p:blipFill>
-            <a:blip r:embed="rId4"/>
-            <a:stretch>
-              <a:fillRect/>
-            </a:stretch>
-          </p:blipFill>
-          <p:spPr>
-            <a:xfrm>
-              <a:off x="1" y="1086829"/>
-              <a:ext cx="10517068" cy="2343477"/>
-            </a:xfrm>
-            <a:prstGeom prst="rect">
-              <a:avLst/>
-            </a:prstGeom>
-          </p:spPr>
-        </p:pic>
-        <p:pic>
-          <p:nvPicPr>
-            <p:cNvPr id="5" name="圖片 4"/>
-            <p:cNvPicPr>
-              <a:picLocks noChangeAspect="1"/>
-            </p:cNvPicPr>
-            <p:nvPr/>
-          </p:nvPicPr>
-          <p:blipFill>
-            <a:blip r:embed="rId5"/>
-            <a:stretch>
-              <a:fillRect/>
-            </a:stretch>
-          </p:blipFill>
-          <p:spPr>
-            <a:xfrm>
-              <a:off x="68404" y="3499206"/>
-              <a:ext cx="2514951" cy="752580"/>
-            </a:xfrm>
-            <a:prstGeom prst="rect">
-              <a:avLst/>
-            </a:prstGeom>
-          </p:spPr>
-        </p:pic>
-        <p:pic>
-          <p:nvPicPr>
-            <p:cNvPr id="6" name="圖片 5"/>
-            <p:cNvPicPr>
-              <a:picLocks noChangeAspect="1"/>
-            </p:cNvPicPr>
-            <p:nvPr/>
-          </p:nvPicPr>
-          <p:blipFill>
-            <a:blip r:embed="rId6"/>
-            <a:stretch>
-              <a:fillRect/>
-            </a:stretch>
-          </p:blipFill>
-          <p:spPr>
-            <a:xfrm>
-              <a:off x="68404" y="4251786"/>
-              <a:ext cx="3915321" cy="2838846"/>
-            </a:xfrm>
-            <a:prstGeom prst="rect">
-              <a:avLst/>
-            </a:prstGeom>
-          </p:spPr>
-        </p:pic>
-      </p:grpSp>
-      <p:pic>
-        <p:nvPicPr>
-          <p:cNvPr id="9" name="圖片 8"/>
-          <p:cNvPicPr>
-            <a:picLocks noChangeAspect="1"/>
-          </p:cNvPicPr>
-          <p:nvPr/>
-        </p:nvPicPr>
-        <p:blipFill>
-          <a:blip r:embed="rId7"/>
-          <a:stretch>
-            <a:fillRect/>
-          </a:stretch>
-        </p:blipFill>
-        <p:spPr>
-          <a:xfrm>
-            <a:off x="4037683" y="3418618"/>
-            <a:ext cx="3046553" cy="3186415"/>
-          </a:xfrm>
-          <a:prstGeom prst="rect">
-            <a:avLst/>
-          </a:prstGeom>
-        </p:spPr>
-      </p:pic>
-      <p:sp>
-        <p:nvSpPr>
-          <p:cNvPr id="8" name="文字方塊 7"/>
-          <p:cNvSpPr txBox="1"/>
-          <p:nvPr/>
-        </p:nvSpPr>
-        <p:spPr>
-          <a:xfrm>
-            <a:off x="7232142" y="3412595"/>
-            <a:ext cx="1574470" cy="584775"/>
-          </a:xfrm>
-          <a:prstGeom prst="rect">
-            <a:avLst/>
-          </a:prstGeom>
-          <a:noFill/>
-        </p:spPr>
-        <p:txBody>
-          <a:bodyPr wrap="none" rtlCol="0">
-            <a:spAutoFit/>
-          </a:bodyPr>
-          <a:lstStyle/>
-          <a:p>
-            <a:r>
-              <a:rPr lang="en-US" altLang="zh-TW" sz="3200" dirty="0" smtClean="0">
-                <a:solidFill>
-                  <a:srgbClr val="FF0000"/>
-                </a:solidFill>
-              </a:rPr>
-              <a:t>Three.JS</a:t>
-            </a:r>
-            <a:endParaRPr lang="zh-TW" altLang="en-US" sz="3200" dirty="0">
-              <a:solidFill>
-                <a:srgbClr val="FF0000"/>
-              </a:solidFill>
-            </a:endParaRPr>
-          </a:p>
-        </p:txBody>
-      </p:sp>
-    </p:spTree>
-    <p:extLst>
-      <p:ext uri="{BB962C8B-B14F-4D97-AF65-F5344CB8AC3E}">
-        <p14:creationId xmlns:p14="http://schemas.microsoft.com/office/powerpoint/2010/main" val="439581212"/>
-      </p:ext>
-    </p:extLst>
-  </p:cSld>
-  <p:clrMapOvr>
-    <a:masterClrMapping/>
-  </p:clrMapOvr>
-</p:sld>
-</file>
-
-<file path=ppt/slides/slide37.xml><?xml version="1.0" encoding="utf-8"?>
-<p:sld xmlns:a="http://schemas.openxmlformats.org/drawingml/2006/main" xmlns:r="http://schemas.openxmlformats.org/officeDocument/2006/relationships" xmlns:p="http://schemas.openxmlformats.org/presentationml/2006/main">
-  <p:cSld>
-    <p:spTree>
-      <p:nvGrpSpPr>
-        <p:cNvPr id="1" name=""/>
-        <p:cNvGrpSpPr/>
-        <p:nvPr/>
-      </p:nvGrpSpPr>
-      <p:grpSpPr>
-        <a:xfrm>
-          <a:off x="0" y="0"/>
-          <a:ext cx="0" cy="0"/>
-          <a:chOff x="0" y="0"/>
-          <a:chExt cx="0" cy="0"/>
-        </a:xfrm>
-      </p:grpSpPr>
-      <p:grpSp>
-        <p:nvGrpSpPr>
-          <p:cNvPr id="4" name="群組 3"/>
-          <p:cNvGrpSpPr/>
-          <p:nvPr/>
-        </p:nvGrpSpPr>
-        <p:grpSpPr>
-          <a:xfrm>
-            <a:off x="97818" y="107577"/>
-            <a:ext cx="8893781" cy="6667446"/>
-            <a:chOff x="115748" y="138848"/>
-            <a:chExt cx="12003175" cy="8402222"/>
-          </a:xfrm>
-        </p:grpSpPr>
-        <p:pic>
-          <p:nvPicPr>
-            <p:cNvPr id="2" name="圖片 1"/>
-            <p:cNvPicPr>
-              <a:picLocks noChangeAspect="1"/>
-            </p:cNvPicPr>
-            <p:nvPr/>
-          </p:nvPicPr>
-          <p:blipFill>
-            <a:blip r:embed="rId2"/>
-            <a:stretch>
-              <a:fillRect/>
-            </a:stretch>
-          </p:blipFill>
-          <p:spPr>
-            <a:xfrm>
-              <a:off x="115748" y="138848"/>
-              <a:ext cx="12003175" cy="3105583"/>
-            </a:xfrm>
-            <a:prstGeom prst="rect">
-              <a:avLst/>
-            </a:prstGeom>
-          </p:spPr>
-        </p:pic>
-        <p:pic>
-          <p:nvPicPr>
-            <p:cNvPr id="3" name="圖片 2"/>
-            <p:cNvPicPr>
-              <a:picLocks noChangeAspect="1"/>
-            </p:cNvPicPr>
-            <p:nvPr/>
-          </p:nvPicPr>
-          <p:blipFill>
-            <a:blip r:embed="rId3"/>
-            <a:stretch>
-              <a:fillRect/>
-            </a:stretch>
-          </p:blipFill>
-          <p:spPr>
-            <a:xfrm>
-              <a:off x="115748" y="3244431"/>
-              <a:ext cx="7278116" cy="5296639"/>
-            </a:xfrm>
-            <a:prstGeom prst="rect">
-              <a:avLst/>
-            </a:prstGeom>
-          </p:spPr>
-        </p:pic>
-      </p:grpSp>
       <p:grpSp>
         <p:nvGrpSpPr>
           <p:cNvPr id="5" name="群組 4"/>
@@ -8473,163 +7284,10 @@
         </p:nvGrpSpPr>
         <p:grpSpPr>
           <a:xfrm>
-            <a:off x="4510563" y="2571962"/>
-            <a:ext cx="4481036" cy="1764792"/>
-            <a:chOff x="4555148" y="0"/>
-            <a:chExt cx="4481036" cy="1764792"/>
-          </a:xfrm>
-        </p:grpSpPr>
-        <p:pic>
-          <p:nvPicPr>
-            <p:cNvPr id="6" name="圖片 5"/>
-            <p:cNvPicPr>
-              <a:picLocks noChangeAspect="1"/>
-            </p:cNvPicPr>
-            <p:nvPr/>
-          </p:nvPicPr>
-          <p:blipFill>
-            <a:blip r:embed="rId4"/>
-            <a:stretch>
-              <a:fillRect/>
-            </a:stretch>
-          </p:blipFill>
-          <p:spPr>
-            <a:xfrm>
-              <a:off x="4555148" y="0"/>
-              <a:ext cx="4481036" cy="1764792"/>
-            </a:xfrm>
-            <a:prstGeom prst="rect">
-              <a:avLst/>
-            </a:prstGeom>
-          </p:spPr>
-        </p:pic>
-        <p:sp>
-          <p:nvSpPr>
-            <p:cNvPr id="7" name="矩形 6"/>
-            <p:cNvSpPr/>
-            <p:nvPr/>
-          </p:nvSpPr>
-          <p:spPr>
-            <a:xfrm>
-              <a:off x="7737736" y="873104"/>
-              <a:ext cx="1298448" cy="369332"/>
-            </a:xfrm>
-            <a:prstGeom prst="rect">
-              <a:avLst/>
-            </a:prstGeom>
-          </p:spPr>
-          <p:txBody>
-            <a:bodyPr wrap="square">
-              <a:spAutoFit/>
-            </a:bodyPr>
-            <a:lstStyle/>
-            <a:p>
-              <a:r>
-                <a:rPr lang="en-US" altLang="zh-TW" dirty="0" smtClean="0">
-                  <a:hlinkClick r:id="rId5"/>
-                </a:rPr>
-                <a:t>reference</a:t>
-              </a:r>
-              <a:endParaRPr lang="zh-TW" altLang="en-US" dirty="0"/>
-            </a:p>
-          </p:txBody>
-        </p:sp>
-      </p:grpSp>
-      <p:sp>
-        <p:nvSpPr>
-          <p:cNvPr id="8" name="橢圓 7"/>
-          <p:cNvSpPr/>
-          <p:nvPr/>
-        </p:nvSpPr>
-        <p:spPr>
-          <a:xfrm>
-            <a:off x="243840" y="4775200"/>
-            <a:ext cx="619760" cy="355600"/>
-          </a:xfrm>
-          <a:prstGeom prst="ellipse">
-            <a:avLst/>
-          </a:prstGeom>
-          <a:noFill/>
-          <a:ln w="28575">
-            <a:solidFill>
-              <a:srgbClr val="FF0000"/>
-            </a:solidFill>
-          </a:ln>
-        </p:spPr>
-        <p:style>
-          <a:lnRef idx="2">
-            <a:schemeClr val="accent1">
-              <a:shade val="50000"/>
-            </a:schemeClr>
-          </a:lnRef>
-          <a:fillRef idx="1">
-            <a:schemeClr val="accent1"/>
-          </a:fillRef>
-          <a:effectRef idx="0">
-            <a:schemeClr val="accent1"/>
-          </a:effectRef>
-          <a:fontRef idx="minor">
-            <a:schemeClr val="lt1"/>
-          </a:fontRef>
-        </p:style>
-        <p:txBody>
-          <a:bodyPr rtlCol="0" anchor="ctr"/>
-          <a:lstStyle/>
-          <a:p>
-            <a:pPr algn="ctr"/>
-            <a:endParaRPr lang="zh-TW" altLang="en-US"/>
-          </a:p>
-        </p:txBody>
-      </p:sp>
-    </p:spTree>
-    <p:extLst>
-      <p:ext uri="{BB962C8B-B14F-4D97-AF65-F5344CB8AC3E}">
-        <p14:creationId xmlns:p14="http://schemas.microsoft.com/office/powerpoint/2010/main" val="686882503"/>
-      </p:ext>
-    </p:extLst>
-  </p:cSld>
-  <p:clrMapOvr>
-    <a:masterClrMapping/>
-  </p:clrMapOvr>
-  <p:timing>
-    <p:tnLst>
-      <p:par>
-        <p:cTn id="1" dur="indefinite" restart="never" nodeType="tmRoot"/>
-      </p:par>
-    </p:tnLst>
-  </p:timing>
-</p:sld>
-</file>
-
-<file path=ppt/slides/slide38.xml><?xml version="1.0" encoding="utf-8"?>
-<p:sld xmlns:a="http://schemas.openxmlformats.org/drawingml/2006/main" xmlns:r="http://schemas.openxmlformats.org/officeDocument/2006/relationships" xmlns:p="http://schemas.openxmlformats.org/presentationml/2006/main">
-  <p:cSld>
-    <p:spTree>
-      <p:nvGrpSpPr>
-        <p:cNvPr id="1" name=""/>
-        <p:cNvGrpSpPr/>
-        <p:nvPr/>
-      </p:nvGrpSpPr>
-      <p:grpSpPr>
-        <a:xfrm>
-          <a:off x="0" y="0"/>
-          <a:ext cx="0" cy="0"/>
-          <a:chOff x="0" y="0"/>
-          <a:chExt cx="0" cy="0"/>
-        </a:xfrm>
-      </p:grpSpPr>
-      <p:grpSp>
-        <p:nvGrpSpPr>
-          <p:cNvPr id="7" name="群組 6"/>
-          <p:cNvGrpSpPr/>
-          <p:nvPr/>
-        </p:nvGrpSpPr>
-        <p:grpSpPr>
-          <a:xfrm>
-            <a:off x="0" y="0"/>
-            <a:ext cx="5029200" cy="6629446"/>
-            <a:chOff x="74933" y="126769"/>
-            <a:chExt cx="6345784" cy="9980983"/>
+            <a:off x="113180" y="107577"/>
+            <a:ext cx="6260726" cy="6687670"/>
+            <a:chOff x="110938" y="-3876395"/>
+            <a:chExt cx="8115300" cy="11859327"/>
           </a:xfrm>
         </p:grpSpPr>
         <p:pic>
@@ -8648,8 +7306,8 @@
           </p:blipFill>
           <p:spPr>
             <a:xfrm>
-              <a:off x="85708" y="126769"/>
-              <a:ext cx="4239217" cy="438211"/>
+              <a:off x="110938" y="-3876395"/>
+              <a:ext cx="8115300" cy="6829425"/>
             </a:xfrm>
             <a:prstGeom prst="rect">
               <a:avLst/>
@@ -8672,56 +7330,8 @@
           </p:blipFill>
           <p:spPr>
             <a:xfrm>
-              <a:off x="85708" y="564980"/>
-              <a:ext cx="6335009" cy="1686160"/>
-            </a:xfrm>
-            <a:prstGeom prst="rect">
-              <a:avLst/>
-            </a:prstGeom>
-          </p:spPr>
-        </p:pic>
-        <p:pic>
-          <p:nvPicPr>
-            <p:cNvPr id="5" name="圖片 4"/>
-            <p:cNvPicPr>
-              <a:picLocks noChangeAspect="1"/>
-            </p:cNvPicPr>
-            <p:nvPr/>
-          </p:nvPicPr>
-          <p:blipFill>
-            <a:blip r:embed="rId4"/>
-            <a:stretch>
-              <a:fillRect/>
-            </a:stretch>
-          </p:blipFill>
-          <p:spPr>
-            <a:xfrm>
-              <a:off x="85708" y="2251140"/>
-              <a:ext cx="6230219" cy="3124636"/>
-            </a:xfrm>
-            <a:prstGeom prst="rect">
-              <a:avLst/>
-            </a:prstGeom>
-          </p:spPr>
-        </p:pic>
-        <p:pic>
-          <p:nvPicPr>
-            <p:cNvPr id="6" name="圖片 5"/>
-            <p:cNvPicPr>
-              <a:picLocks noChangeAspect="1"/>
-            </p:cNvPicPr>
-            <p:nvPr/>
-          </p:nvPicPr>
-          <p:blipFill>
-            <a:blip r:embed="rId5"/>
-            <a:stretch>
-              <a:fillRect/>
-            </a:stretch>
-          </p:blipFill>
-          <p:spPr>
-            <a:xfrm>
-              <a:off x="74933" y="5392219"/>
-              <a:ext cx="6125430" cy="4715533"/>
+              <a:off x="241123" y="2953030"/>
+              <a:ext cx="5201376" cy="5029902"/>
             </a:xfrm>
             <a:prstGeom prst="rect">
               <a:avLst/>
@@ -8729,427 +7339,10 @@
           </p:spPr>
         </p:pic>
       </p:grpSp>
-      <p:pic>
-        <p:nvPicPr>
-          <p:cNvPr id="8" name="圖片 7"/>
-          <p:cNvPicPr>
-            <a:picLocks noChangeAspect="1"/>
-          </p:cNvPicPr>
-          <p:nvPr/>
-        </p:nvPicPr>
-        <p:blipFill>
-          <a:blip r:embed="rId6"/>
-          <a:stretch>
-            <a:fillRect/>
-          </a:stretch>
-        </p:blipFill>
-        <p:spPr>
-          <a:xfrm>
-            <a:off x="-90967" y="6622377"/>
-            <a:ext cx="5454275" cy="248144"/>
-          </a:xfrm>
-          <a:prstGeom prst="rect">
-            <a:avLst/>
-          </a:prstGeom>
-        </p:spPr>
-      </p:pic>
-      <p:sp>
-        <p:nvSpPr>
-          <p:cNvPr id="10" name="文字方塊 9"/>
-          <p:cNvSpPr txBox="1"/>
-          <p:nvPr/>
-        </p:nvSpPr>
-        <p:spPr>
-          <a:xfrm>
-            <a:off x="6955917" y="2345795"/>
-            <a:ext cx="1383712" cy="584775"/>
-          </a:xfrm>
-          <a:prstGeom prst="rect">
-            <a:avLst/>
-          </a:prstGeom>
-          <a:noFill/>
-        </p:spPr>
-        <p:txBody>
-          <a:bodyPr wrap="none" rtlCol="0">
-            <a:spAutoFit/>
-          </a:bodyPr>
-          <a:lstStyle/>
-          <a:p>
-            <a:r>
-              <a:rPr lang="en-US" altLang="zh-TW" sz="3200" dirty="0" smtClean="0">
-                <a:solidFill>
-                  <a:srgbClr val="FF0000"/>
-                </a:solidFill>
-              </a:rPr>
-              <a:t>main.js</a:t>
-            </a:r>
-            <a:endParaRPr lang="zh-TW" altLang="en-US" sz="3200" dirty="0">
-              <a:solidFill>
-                <a:srgbClr val="FF0000"/>
-              </a:solidFill>
-            </a:endParaRPr>
-          </a:p>
-        </p:txBody>
-      </p:sp>
-      <p:sp>
-        <p:nvSpPr>
-          <p:cNvPr id="11" name="圓角矩形 10"/>
-          <p:cNvSpPr/>
-          <p:nvPr/>
-        </p:nvSpPr>
-        <p:spPr>
-          <a:xfrm>
-            <a:off x="685800" y="3468778"/>
-            <a:ext cx="4286250" cy="960347"/>
-          </a:xfrm>
-          <a:prstGeom prst="roundRect">
-            <a:avLst/>
-          </a:prstGeom>
-          <a:noFill/>
-          <a:ln w="28575">
-            <a:solidFill>
-              <a:srgbClr val="FF0000"/>
-            </a:solidFill>
-          </a:ln>
-        </p:spPr>
-        <p:style>
-          <a:lnRef idx="2">
-            <a:schemeClr val="accent1">
-              <a:shade val="50000"/>
-            </a:schemeClr>
-          </a:lnRef>
-          <a:fillRef idx="1">
-            <a:schemeClr val="accent1"/>
-          </a:fillRef>
-          <a:effectRef idx="0">
-            <a:schemeClr val="accent1"/>
-          </a:effectRef>
-          <a:fontRef idx="minor">
-            <a:schemeClr val="lt1"/>
-          </a:fontRef>
-        </p:style>
-        <p:txBody>
-          <a:bodyPr rtlCol="0" anchor="ctr"/>
-          <a:lstStyle/>
-          <a:p>
-            <a:pPr algn="ctr"/>
-            <a:endParaRPr lang="zh-TW" altLang="en-US"/>
-          </a:p>
-        </p:txBody>
-      </p:sp>
-      <p:sp>
-        <p:nvSpPr>
-          <p:cNvPr id="12" name="文字方塊 11"/>
-          <p:cNvSpPr txBox="1"/>
-          <p:nvPr/>
-        </p:nvSpPr>
-        <p:spPr>
-          <a:xfrm>
-            <a:off x="5076825" y="3748926"/>
-            <a:ext cx="1006686" cy="369332"/>
-          </a:xfrm>
-          <a:prstGeom prst="rect">
-            <a:avLst/>
-          </a:prstGeom>
-          <a:noFill/>
-        </p:spPr>
-        <p:txBody>
-          <a:bodyPr wrap="none" rtlCol="0">
-            <a:spAutoFit/>
-          </a:bodyPr>
-          <a:lstStyle/>
-          <a:p>
-            <a:r>
-              <a:rPr lang="en-US" altLang="zh-TW" dirty="0" smtClean="0">
-                <a:solidFill>
-                  <a:srgbClr val="FF0000"/>
-                </a:solidFill>
-              </a:rPr>
-              <a:t>for CORS</a:t>
-            </a:r>
-            <a:endParaRPr lang="zh-TW" altLang="en-US" dirty="0">
-              <a:solidFill>
-                <a:srgbClr val="FF0000"/>
-              </a:solidFill>
-            </a:endParaRPr>
-          </a:p>
-        </p:txBody>
-      </p:sp>
-      <p:pic>
-        <p:nvPicPr>
-          <p:cNvPr id="13" name="圖片 12"/>
-          <p:cNvPicPr>
-            <a:picLocks noChangeAspect="1"/>
-          </p:cNvPicPr>
-          <p:nvPr/>
-        </p:nvPicPr>
-        <p:blipFill>
-          <a:blip r:embed="rId7"/>
-          <a:stretch>
-            <a:fillRect/>
-          </a:stretch>
-        </p:blipFill>
-        <p:spPr>
-          <a:xfrm>
-            <a:off x="5965302" y="145531"/>
-            <a:ext cx="2943636" cy="1181265"/>
-          </a:xfrm>
-          <a:prstGeom prst="rect">
-            <a:avLst/>
-          </a:prstGeom>
-        </p:spPr>
-      </p:pic>
     </p:spTree>
     <p:extLst>
       <p:ext uri="{BB962C8B-B14F-4D97-AF65-F5344CB8AC3E}">
-        <p14:creationId xmlns:p14="http://schemas.microsoft.com/office/powerpoint/2010/main" val="2007428780"/>
-      </p:ext>
-    </p:extLst>
-  </p:cSld>
-  <p:clrMapOvr>
-    <a:masterClrMapping/>
-  </p:clrMapOvr>
-  <p:timing>
-    <p:tnLst>
-      <p:par>
-        <p:cTn id="1" dur="indefinite" restart="never" nodeType="tmRoot"/>
-      </p:par>
-    </p:tnLst>
-  </p:timing>
-</p:sld>
-</file>
-
-<file path=ppt/slides/slide39.xml><?xml version="1.0" encoding="utf-8"?>
-<p:sld xmlns:a="http://schemas.openxmlformats.org/drawingml/2006/main" xmlns:r="http://schemas.openxmlformats.org/officeDocument/2006/relationships" xmlns:p="http://schemas.openxmlformats.org/presentationml/2006/main">
-  <p:cSld>
-    <p:spTree>
-      <p:nvGrpSpPr>
-        <p:cNvPr id="1" name=""/>
-        <p:cNvGrpSpPr/>
-        <p:nvPr/>
-      </p:nvGrpSpPr>
-      <p:grpSpPr>
-        <a:xfrm>
-          <a:off x="0" y="0"/>
-          <a:ext cx="0" cy="0"/>
-          <a:chOff x="0" y="0"/>
-          <a:chExt cx="0" cy="0"/>
-        </a:xfrm>
-      </p:grpSpPr>
-      <p:sp>
-        <p:nvSpPr>
-          <p:cNvPr id="2" name="標題 1"/>
-          <p:cNvSpPr>
-            <a:spLocks noGrp="1"/>
-          </p:cNvSpPr>
-          <p:nvPr>
-            <p:ph type="title"/>
-          </p:nvPr>
-        </p:nvSpPr>
-        <p:spPr/>
-        <p:txBody>
-          <a:bodyPr/>
-          <a:lstStyle/>
-          <a:p>
-            <a:r>
-              <a:rPr lang="en-US" altLang="zh-TW" dirty="0" err="1" smtClean="0"/>
-              <a:t>Package.json</a:t>
-            </a:r>
-            <a:endParaRPr lang="zh-TW" altLang="en-US" dirty="0"/>
-          </a:p>
-        </p:txBody>
-      </p:sp>
-      <p:pic>
-        <p:nvPicPr>
-          <p:cNvPr id="5" name="圖片 4"/>
-          <p:cNvPicPr>
-            <a:picLocks noChangeAspect="1"/>
-          </p:cNvPicPr>
-          <p:nvPr/>
-        </p:nvPicPr>
-        <p:blipFill>
-          <a:blip r:embed="rId2"/>
-          <a:stretch>
-            <a:fillRect/>
-          </a:stretch>
-        </p:blipFill>
-        <p:spPr>
-          <a:xfrm>
-            <a:off x="753455" y="2178820"/>
-            <a:ext cx="5058481" cy="3581900"/>
-          </a:xfrm>
-          <a:prstGeom prst="rect">
-            <a:avLst/>
-          </a:prstGeom>
-        </p:spPr>
-      </p:pic>
-      <p:sp>
-        <p:nvSpPr>
-          <p:cNvPr id="3" name="文字方塊 2"/>
-          <p:cNvSpPr txBox="1"/>
-          <p:nvPr/>
-        </p:nvSpPr>
-        <p:spPr>
-          <a:xfrm>
-            <a:off x="3952875" y="4867275"/>
-            <a:ext cx="2642775" cy="369332"/>
-          </a:xfrm>
-          <a:prstGeom prst="rect">
-            <a:avLst/>
-          </a:prstGeom>
-          <a:noFill/>
-        </p:spPr>
-        <p:txBody>
-          <a:bodyPr wrap="none" rtlCol="0">
-            <a:spAutoFit/>
-          </a:bodyPr>
-          <a:lstStyle/>
-          <a:p>
-            <a:r>
-              <a:rPr lang="en-US" altLang="zh-TW" dirty="0" err="1" smtClean="0">
-                <a:solidFill>
-                  <a:srgbClr val="FF0000"/>
-                </a:solidFill>
-              </a:rPr>
-              <a:t>Shelljs</a:t>
-            </a:r>
-            <a:r>
-              <a:rPr lang="en-US" altLang="zh-TW" dirty="0" smtClean="0">
-                <a:solidFill>
-                  <a:srgbClr val="FF0000"/>
-                </a:solidFill>
-              </a:rPr>
-              <a:t> of </a:t>
-            </a:r>
-            <a:r>
-              <a:rPr lang="en-US" altLang="zh-TW" i="1" dirty="0" smtClean="0">
-                <a:solidFill>
-                  <a:srgbClr val="FF0000"/>
-                </a:solidFill>
-              </a:rPr>
-              <a:t>any</a:t>
-            </a:r>
-            <a:r>
-              <a:rPr lang="en-US" altLang="zh-TW" dirty="0" smtClean="0">
-                <a:solidFill>
-                  <a:srgbClr val="FF0000"/>
-                </a:solidFill>
-              </a:rPr>
-              <a:t> (“</a:t>
-            </a:r>
-            <a:r>
-              <a:rPr lang="en-US" altLang="zh-TW" dirty="0">
-                <a:solidFill>
-                  <a:srgbClr val="FF0000"/>
-                </a:solidFill>
-              </a:rPr>
-              <a:t>*</a:t>
-            </a:r>
-            <a:r>
-              <a:rPr lang="en-US" altLang="zh-TW" dirty="0" smtClean="0">
-                <a:solidFill>
-                  <a:srgbClr val="FF0000"/>
-                </a:solidFill>
-              </a:rPr>
-              <a:t>”) version</a:t>
-            </a:r>
-            <a:endParaRPr lang="zh-TW" altLang="en-US" dirty="0">
-              <a:solidFill>
-                <a:srgbClr val="FF0000"/>
-              </a:solidFill>
-            </a:endParaRPr>
-          </a:p>
-        </p:txBody>
-      </p:sp>
-      <p:grpSp>
-        <p:nvGrpSpPr>
-          <p:cNvPr id="7" name="群組 6"/>
-          <p:cNvGrpSpPr/>
-          <p:nvPr/>
-        </p:nvGrpSpPr>
-        <p:grpSpPr>
-          <a:xfrm>
-            <a:off x="3003905" y="153935"/>
-            <a:ext cx="6073420" cy="1722490"/>
-            <a:chOff x="3003905" y="153935"/>
-            <a:chExt cx="6073420" cy="1722490"/>
-          </a:xfrm>
-        </p:grpSpPr>
-        <p:pic>
-          <p:nvPicPr>
-            <p:cNvPr id="4" name="圖片 3"/>
-            <p:cNvPicPr>
-              <a:picLocks noChangeAspect="1"/>
-            </p:cNvPicPr>
-            <p:nvPr/>
-          </p:nvPicPr>
-          <p:blipFill>
-            <a:blip r:embed="rId3"/>
-            <a:stretch>
-              <a:fillRect/>
-            </a:stretch>
-          </p:blipFill>
-          <p:spPr>
-            <a:xfrm>
-              <a:off x="3003905" y="153935"/>
-              <a:ext cx="5981822" cy="1437122"/>
-            </a:xfrm>
-            <a:prstGeom prst="rect">
-              <a:avLst/>
-            </a:prstGeom>
-          </p:spPr>
-        </p:pic>
-        <p:sp>
-          <p:nvSpPr>
-            <p:cNvPr id="6" name="矩形 5"/>
-            <p:cNvSpPr/>
-            <p:nvPr/>
-          </p:nvSpPr>
-          <p:spPr>
-            <a:xfrm>
-              <a:off x="8391525" y="1371600"/>
-              <a:ext cx="685800" cy="504825"/>
-            </a:xfrm>
-            <a:prstGeom prst="rect">
-              <a:avLst/>
-            </a:prstGeom>
-            <a:solidFill>
-              <a:schemeClr val="bg1"/>
-            </a:solidFill>
-            <a:ln>
-              <a:noFill/>
-            </a:ln>
-          </p:spPr>
-          <p:style>
-            <a:lnRef idx="2">
-              <a:schemeClr val="accent1">
-                <a:shade val="50000"/>
-              </a:schemeClr>
-            </a:lnRef>
-            <a:fillRef idx="1">
-              <a:schemeClr val="accent1"/>
-            </a:fillRef>
-            <a:effectRef idx="0">
-              <a:schemeClr val="accent1"/>
-            </a:effectRef>
-            <a:fontRef idx="minor">
-              <a:schemeClr val="lt1"/>
-            </a:fontRef>
-          </p:style>
-          <p:txBody>
-            <a:bodyPr rtlCol="0" anchor="ctr"/>
-            <a:lstStyle/>
-            <a:p>
-              <a:pPr algn="ctr"/>
-              <a:endParaRPr lang="zh-TW" altLang="en-US"/>
-            </a:p>
-          </p:txBody>
-        </p:sp>
-      </p:grpSp>
-    </p:spTree>
-    <p:extLst>
-      <p:ext uri="{BB962C8B-B14F-4D97-AF65-F5344CB8AC3E}">
-        <p14:creationId xmlns:p14="http://schemas.microsoft.com/office/powerpoint/2010/main" val="2645624800"/>
+        <p14:creationId xmlns:p14="http://schemas.microsoft.com/office/powerpoint/2010/main" val="1203130603"/>
       </p:ext>
     </p:extLst>
   </p:cSld>
@@ -9557,7 +7750,7 @@
         </p:blipFill>
         <p:spPr>
           <a:xfrm>
-            <a:off x="782638" y="5381890"/>
+            <a:off x="782638" y="5658115"/>
             <a:ext cx="6467475" cy="552450"/>
           </a:xfrm>
           <a:prstGeom prst="rect">
@@ -9705,7 +7898,7 @@
           <a:graphicData uri="http://schemas.openxmlformats.org/presentationml/2006/ole">
             <mc:AlternateContent xmlns:mc="http://schemas.openxmlformats.org/markup-compatibility/2006">
               <mc:Choice xmlns:v="urn:schemas-microsoft-com:vml" Requires="v">
-                <p:oleObj spid="_x0000_s1035" r:id="rId6" imgW="7733160" imgH="698400" progId="">
+                <p:oleObj spid="_x0000_s1038" r:id="rId6" imgW="7733160" imgH="698400" progId="">
                   <p:embed/>
                 </p:oleObj>
               </mc:Choice>
@@ -9740,6 +7933,44 @@
           </a:graphicData>
         </a:graphic>
       </p:graphicFrame>
+      <p:sp>
+        <p:nvSpPr>
+          <p:cNvPr id="5" name="文字方塊 4"/>
+          <p:cNvSpPr txBox="1"/>
+          <p:nvPr/>
+        </p:nvSpPr>
+        <p:spPr>
+          <a:xfrm>
+            <a:off x="726140" y="5323917"/>
+            <a:ext cx="2384627" cy="369332"/>
+          </a:xfrm>
+          <a:prstGeom prst="rect">
+            <a:avLst/>
+          </a:prstGeom>
+          <a:noFill/>
+        </p:spPr>
+        <p:txBody>
+          <a:bodyPr wrap="none" rtlCol="0">
+            <a:spAutoFit/>
+          </a:bodyPr>
+          <a:lstStyle/>
+          <a:p>
+            <a:r>
+              <a:rPr lang="en-US" altLang="zh-TW" dirty="0" smtClean="0">
+                <a:solidFill>
+                  <a:srgbClr val="FF0000"/>
+                </a:solidFill>
+              </a:rPr>
+              <a:t>You need to install first:</a:t>
+            </a:r>
+            <a:endParaRPr lang="zh-TW" altLang="en-US" dirty="0">
+              <a:solidFill>
+                <a:srgbClr val="FF0000"/>
+              </a:solidFill>
+            </a:endParaRPr>
+          </a:p>
+        </p:txBody>
+      </p:sp>
     </p:spTree>
     <p:extLst>
       <p:ext uri="{BB962C8B-B14F-4D97-AF65-F5344CB8AC3E}">
@@ -9997,8 +8228,8 @@
         </p:nvSpPr>
         <p:spPr>
           <a:xfrm>
-            <a:off x="6562165" y="4266726"/>
-            <a:ext cx="638316" cy="584775"/>
+            <a:off x="6881139" y="4323238"/>
+            <a:ext cx="1382879" cy="461665"/>
           </a:xfrm>
           <a:prstGeom prst="rect">
             <a:avLst/>
@@ -10012,12 +8243,12 @@
           <a:lstStyle/>
           <a:p>
             <a:r>
-              <a:rPr lang="en-US" altLang="zh-TW" sz="3200" dirty="0" err="1" smtClean="0">
+              <a:rPr lang="en-US" altLang="zh-TW" sz="2400" dirty="0" smtClean="0">
                 <a:hlinkClick r:id="rId5"/>
               </a:rPr>
-              <a:t>url</a:t>
-            </a:r>
-            <a:endParaRPr lang="zh-TW" altLang="en-US" sz="3200" dirty="0"/>
+              <a:t>reference</a:t>
+            </a:r>
+            <a:endParaRPr lang="zh-TW" altLang="en-US" sz="2400" dirty="0"/>
           </a:p>
         </p:txBody>
       </p:sp>
@@ -10324,21 +8555,8 @@
                   <a:srgbClr val="FF0000"/>
                 </a:solidFill>
               </a:rPr>
-              <a:t> </a:t>
-            </a:r>
-            <a:r>
-              <a:rPr lang="en-US" altLang="zh-TW" i="1" dirty="0" smtClean="0">
-                <a:solidFill>
-                  <a:srgbClr val="FF0000"/>
-                </a:solidFill>
-              </a:rPr>
-              <a:t>run start</a:t>
-            </a:r>
-            <a:endParaRPr lang="en-US" altLang="zh-TW" i="1" dirty="0" smtClean="0">
-              <a:solidFill>
-                <a:srgbClr val="FF0000"/>
-              </a:solidFill>
-            </a:endParaRPr>
+              <a:t> run start</a:t>
+            </a:r>
           </a:p>
           <a:p>
             <a:pPr algn="ctr"/>

--- a/study.pptx
+++ b/study.pptx
@@ -32,12 +32,18 @@
     <p:sldId id="289" r:id="rId26"/>
     <p:sldId id="302" r:id="rId27"/>
     <p:sldId id="303" r:id="rId28"/>
-    <p:sldId id="275" r:id="rId29"/>
-    <p:sldId id="276" r:id="rId30"/>
-    <p:sldId id="277" r:id="rId31"/>
-    <p:sldId id="307" r:id="rId32"/>
-    <p:sldId id="308" r:id="rId33"/>
-    <p:sldId id="309" r:id="rId34"/>
+    <p:sldId id="312" r:id="rId29"/>
+    <p:sldId id="313" r:id="rId30"/>
+    <p:sldId id="314" r:id="rId31"/>
+    <p:sldId id="315" r:id="rId32"/>
+    <p:sldId id="316" r:id="rId33"/>
+    <p:sldId id="317" r:id="rId34"/>
+    <p:sldId id="275" r:id="rId35"/>
+    <p:sldId id="276" r:id="rId36"/>
+    <p:sldId id="277" r:id="rId37"/>
+    <p:sldId id="307" r:id="rId38"/>
+    <p:sldId id="308" r:id="rId39"/>
+    <p:sldId id="309" r:id="rId40"/>
   </p:sldIdLst>
   <p:sldSz cx="9144000" cy="6858000" type="screen4x3"/>
   <p:notesSz cx="7086600" cy="10223500"/>
@@ -275,7 +281,7 @@
           <a:p>
             <a:fld id="{7F9F86A8-B706-4BC7-85EA-36E329DE64A0}" type="datetimeFigureOut">
               <a:rPr lang="zh-TW" altLang="en-US" smtClean="0"/>
-              <a:t>2015/9/13</a:t>
+              <a:t>2015/9/14</a:t>
             </a:fld>
             <a:endParaRPr lang="zh-TW" altLang="en-US"/>
           </a:p>
@@ -445,7 +451,7 @@
           <a:p>
             <a:fld id="{7F9F86A8-B706-4BC7-85EA-36E329DE64A0}" type="datetimeFigureOut">
               <a:rPr lang="zh-TW" altLang="en-US" smtClean="0"/>
-              <a:t>2015/9/13</a:t>
+              <a:t>2015/9/14</a:t>
             </a:fld>
             <a:endParaRPr lang="zh-TW" altLang="en-US"/>
           </a:p>
@@ -625,7 +631,7 @@
           <a:p>
             <a:fld id="{7F9F86A8-B706-4BC7-85EA-36E329DE64A0}" type="datetimeFigureOut">
               <a:rPr lang="zh-TW" altLang="en-US" smtClean="0"/>
-              <a:t>2015/9/13</a:t>
+              <a:t>2015/9/14</a:t>
             </a:fld>
             <a:endParaRPr lang="zh-TW" altLang="en-US"/>
           </a:p>
@@ -795,7 +801,7 @@
           <a:p>
             <a:fld id="{7F9F86A8-B706-4BC7-85EA-36E329DE64A0}" type="datetimeFigureOut">
               <a:rPr lang="zh-TW" altLang="en-US" smtClean="0"/>
-              <a:t>2015/9/13</a:t>
+              <a:t>2015/9/14</a:t>
             </a:fld>
             <a:endParaRPr lang="zh-TW" altLang="en-US"/>
           </a:p>
@@ -1041,7 +1047,7 @@
           <a:p>
             <a:fld id="{7F9F86A8-B706-4BC7-85EA-36E329DE64A0}" type="datetimeFigureOut">
               <a:rPr lang="zh-TW" altLang="en-US" smtClean="0"/>
-              <a:t>2015/9/13</a:t>
+              <a:t>2015/9/14</a:t>
             </a:fld>
             <a:endParaRPr lang="zh-TW" altLang="en-US"/>
           </a:p>
@@ -1273,7 +1279,7 @@
           <a:p>
             <a:fld id="{7F9F86A8-B706-4BC7-85EA-36E329DE64A0}" type="datetimeFigureOut">
               <a:rPr lang="zh-TW" altLang="en-US" smtClean="0"/>
-              <a:t>2015/9/13</a:t>
+              <a:t>2015/9/14</a:t>
             </a:fld>
             <a:endParaRPr lang="zh-TW" altLang="en-US"/>
           </a:p>
@@ -1640,7 +1646,7 @@
           <a:p>
             <a:fld id="{7F9F86A8-B706-4BC7-85EA-36E329DE64A0}" type="datetimeFigureOut">
               <a:rPr lang="zh-TW" altLang="en-US" smtClean="0"/>
-              <a:t>2015/9/13</a:t>
+              <a:t>2015/9/14</a:t>
             </a:fld>
             <a:endParaRPr lang="zh-TW" altLang="en-US"/>
           </a:p>
@@ -1758,7 +1764,7 @@
           <a:p>
             <a:fld id="{7F9F86A8-B706-4BC7-85EA-36E329DE64A0}" type="datetimeFigureOut">
               <a:rPr lang="zh-TW" altLang="en-US" smtClean="0"/>
-              <a:t>2015/9/13</a:t>
+              <a:t>2015/9/14</a:t>
             </a:fld>
             <a:endParaRPr lang="zh-TW" altLang="en-US"/>
           </a:p>
@@ -1853,7 +1859,7 @@
           <a:p>
             <a:fld id="{7F9F86A8-B706-4BC7-85EA-36E329DE64A0}" type="datetimeFigureOut">
               <a:rPr lang="zh-TW" altLang="en-US" smtClean="0"/>
-              <a:t>2015/9/13</a:t>
+              <a:t>2015/9/14</a:t>
             </a:fld>
             <a:endParaRPr lang="zh-TW" altLang="en-US"/>
           </a:p>
@@ -2130,7 +2136,7 @@
           <a:p>
             <a:fld id="{7F9F86A8-B706-4BC7-85EA-36E329DE64A0}" type="datetimeFigureOut">
               <a:rPr lang="zh-TW" altLang="en-US" smtClean="0"/>
-              <a:t>2015/9/13</a:t>
+              <a:t>2015/9/14</a:t>
             </a:fld>
             <a:endParaRPr lang="zh-TW" altLang="en-US"/>
           </a:p>
@@ -2383,7 +2389,7 @@
           <a:p>
             <a:fld id="{7F9F86A8-B706-4BC7-85EA-36E329DE64A0}" type="datetimeFigureOut">
               <a:rPr lang="zh-TW" altLang="en-US" smtClean="0"/>
-              <a:t>2015/9/13</a:t>
+              <a:t>2015/9/14</a:t>
             </a:fld>
             <a:endParaRPr lang="zh-TW" altLang="en-US"/>
           </a:p>
@@ -2596,7 +2602,7 @@
           <a:p>
             <a:fld id="{7F9F86A8-B706-4BC7-85EA-36E329DE64A0}" type="datetimeFigureOut">
               <a:rPr lang="zh-TW" altLang="en-US" smtClean="0"/>
-              <a:t>2015/9/13</a:t>
+              <a:t>2015/9/14</a:t>
             </a:fld>
             <a:endParaRPr lang="zh-TW" altLang="en-US"/>
           </a:p>
@@ -6352,6 +6358,1256 @@
           <a:lstStyle/>
           <a:p>
             <a:r>
+              <a:rPr lang="en-US" altLang="zh-TW" dirty="0" smtClean="0"/>
+              <a:t>Vector Norm</a:t>
+            </a:r>
+            <a:endParaRPr lang="zh-TW" altLang="en-US" dirty="0"/>
+          </a:p>
+        </p:txBody>
+      </p:sp>
+      <p:sp>
+        <p:nvSpPr>
+          <p:cNvPr id="4" name="副標題 3"/>
+          <p:cNvSpPr>
+            <a:spLocks noGrp="1"/>
+          </p:cNvSpPr>
+          <p:nvPr>
+            <p:ph type="subTitle" idx="1"/>
+          </p:nvPr>
+        </p:nvSpPr>
+        <p:spPr/>
+        <p:txBody>
+          <a:bodyPr/>
+          <a:lstStyle/>
+          <a:p>
+            <a:endParaRPr lang="zh-TW" altLang="en-US"/>
+          </a:p>
+        </p:txBody>
+      </p:sp>
+    </p:spTree>
+    <p:extLst>
+      <p:ext uri="{BB962C8B-B14F-4D97-AF65-F5344CB8AC3E}">
+        <p14:creationId xmlns:p14="http://schemas.microsoft.com/office/powerpoint/2010/main" val="1005371000"/>
+      </p:ext>
+    </p:extLst>
+  </p:cSld>
+  <p:clrMapOvr>
+    <a:masterClrMapping/>
+  </p:clrMapOvr>
+</p:sld>
+</file>
+
+<file path=ppt/slides/slide29.xml><?xml version="1.0" encoding="utf-8"?>
+<p:sld xmlns:a="http://schemas.openxmlformats.org/drawingml/2006/main" xmlns:r="http://schemas.openxmlformats.org/officeDocument/2006/relationships" xmlns:p="http://schemas.openxmlformats.org/presentationml/2006/main">
+  <p:cSld>
+    <p:spTree>
+      <p:nvGrpSpPr>
+        <p:cNvPr id="1" name=""/>
+        <p:cNvGrpSpPr/>
+        <p:nvPr/>
+      </p:nvGrpSpPr>
+      <p:grpSpPr>
+        <a:xfrm>
+          <a:off x="0" y="0"/>
+          <a:ext cx="0" cy="0"/>
+          <a:chOff x="0" y="0"/>
+          <a:chExt cx="0" cy="0"/>
+        </a:xfrm>
+      </p:grpSpPr>
+      <p:pic>
+        <p:nvPicPr>
+          <p:cNvPr id="4" name="圖片 3"/>
+          <p:cNvPicPr>
+            <a:picLocks noChangeAspect="1"/>
+          </p:cNvPicPr>
+          <p:nvPr/>
+        </p:nvPicPr>
+        <p:blipFill>
+          <a:blip r:embed="rId2"/>
+          <a:stretch>
+            <a:fillRect/>
+          </a:stretch>
+        </p:blipFill>
+        <p:spPr>
+          <a:xfrm>
+            <a:off x="323850" y="456165"/>
+            <a:ext cx="8328820" cy="4797153"/>
+          </a:xfrm>
+          <a:prstGeom prst="rect">
+            <a:avLst/>
+          </a:prstGeom>
+        </p:spPr>
+      </p:pic>
+      <p:sp>
+        <p:nvSpPr>
+          <p:cNvPr id="2" name="標題 1"/>
+          <p:cNvSpPr>
+            <a:spLocks noGrp="1"/>
+          </p:cNvSpPr>
+          <p:nvPr>
+            <p:ph type="title"/>
+          </p:nvPr>
+        </p:nvSpPr>
+        <p:spPr/>
+        <p:txBody>
+          <a:bodyPr/>
+          <a:lstStyle/>
+          <a:p>
+            <a:pPr algn="r"/>
+            <a:r>
+              <a:rPr lang="en-US" altLang="zh-TW" dirty="0" smtClean="0"/>
+              <a:t>main.cpp</a:t>
+            </a:r>
+            <a:endParaRPr lang="zh-TW" altLang="en-US" dirty="0"/>
+          </a:p>
+        </p:txBody>
+      </p:sp>
+    </p:spTree>
+    <p:extLst>
+      <p:ext uri="{BB962C8B-B14F-4D97-AF65-F5344CB8AC3E}">
+        <p14:creationId xmlns:p14="http://schemas.microsoft.com/office/powerpoint/2010/main" val="3469001472"/>
+      </p:ext>
+    </p:extLst>
+  </p:cSld>
+  <p:clrMapOvr>
+    <a:masterClrMapping/>
+  </p:clrMapOvr>
+</p:sld>
+</file>
+
+<file path=ppt/slides/slide3.xml><?xml version="1.0" encoding="utf-8"?>
+<p:sld xmlns:a="http://schemas.openxmlformats.org/drawingml/2006/main" xmlns:r="http://schemas.openxmlformats.org/officeDocument/2006/relationships" xmlns:p="http://schemas.openxmlformats.org/presentationml/2006/main">
+  <p:cSld>
+    <p:spTree>
+      <p:nvGrpSpPr>
+        <p:cNvPr id="1" name=""/>
+        <p:cNvGrpSpPr/>
+        <p:nvPr/>
+      </p:nvGrpSpPr>
+      <p:grpSpPr>
+        <a:xfrm>
+          <a:off x="0" y="0"/>
+          <a:ext cx="0" cy="0"/>
+          <a:chOff x="0" y="0"/>
+          <a:chExt cx="0" cy="0"/>
+        </a:xfrm>
+      </p:grpSpPr>
+      <p:sp>
+        <p:nvSpPr>
+          <p:cNvPr id="2" name="標題 1"/>
+          <p:cNvSpPr>
+            <a:spLocks noGrp="1"/>
+          </p:cNvSpPr>
+          <p:nvPr>
+            <p:ph type="title"/>
+          </p:nvPr>
+        </p:nvSpPr>
+        <p:spPr/>
+        <p:txBody>
+          <a:bodyPr/>
+          <a:lstStyle/>
+          <a:p>
+            <a:r>
+              <a:rPr lang="en-US" altLang="zh-TW" dirty="0" smtClean="0"/>
+              <a:t>Content</a:t>
+            </a:r>
+            <a:endParaRPr lang="zh-TW" altLang="en-US" dirty="0"/>
+          </a:p>
+        </p:txBody>
+      </p:sp>
+      <p:sp>
+        <p:nvSpPr>
+          <p:cNvPr id="3" name="內容版面配置區 2"/>
+          <p:cNvSpPr>
+            <a:spLocks noGrp="1"/>
+          </p:cNvSpPr>
+          <p:nvPr>
+            <p:ph idx="1"/>
+          </p:nvPr>
+        </p:nvSpPr>
+        <p:spPr/>
+        <p:txBody>
+          <a:bodyPr/>
+          <a:lstStyle/>
+          <a:p>
+            <a:r>
+              <a:rPr lang="en-US" altLang="zh-TW" dirty="0" smtClean="0"/>
+              <a:t>Explained in these examples</a:t>
+            </a:r>
+          </a:p>
+          <a:p>
+            <a:pPr lvl="1"/>
+            <a:r>
+              <a:rPr lang="en-US" altLang="zh-TW" dirty="0" err="1" smtClean="0"/>
+              <a:t>callShell</a:t>
+            </a:r>
+            <a:endParaRPr lang="en-US" altLang="zh-TW" dirty="0" smtClean="0"/>
+          </a:p>
+          <a:p>
+            <a:pPr lvl="1"/>
+            <a:r>
+              <a:rPr lang="en-US" altLang="zh-TW" dirty="0" err="1" smtClean="0"/>
+              <a:t>callShellWithServer</a:t>
+            </a:r>
+            <a:endParaRPr lang="en-US" altLang="zh-TW" dirty="0" smtClean="0"/>
+          </a:p>
+          <a:p>
+            <a:pPr lvl="1"/>
+            <a:r>
+              <a:rPr lang="en-US" altLang="zh-TW" dirty="0" err="1" smtClean="0"/>
+              <a:t>callShellWithServerAndThree_differentDomain</a:t>
+            </a:r>
+            <a:endParaRPr lang="en-US" altLang="zh-TW" dirty="0" smtClean="0"/>
+          </a:p>
+          <a:p>
+            <a:pPr lvl="1"/>
+            <a:r>
+              <a:rPr lang="en-US" altLang="zh-TW" dirty="0" err="1" smtClean="0"/>
+              <a:t>roseCurve</a:t>
+            </a:r>
+            <a:endParaRPr lang="en-US" altLang="zh-TW" dirty="0" smtClean="0"/>
+          </a:p>
+          <a:p>
+            <a:pPr lvl="1"/>
+            <a:r>
+              <a:rPr lang="en-US" altLang="zh-TW" dirty="0" err="1" smtClean="0"/>
+              <a:t>vectorNorm</a:t>
+            </a:r>
+            <a:endParaRPr lang="en-US" altLang="zh-TW" dirty="0"/>
+          </a:p>
+          <a:p>
+            <a:pPr lvl="1"/>
+            <a:r>
+              <a:rPr lang="en-US" altLang="zh-TW" dirty="0" err="1" smtClean="0"/>
+              <a:t>gameServer</a:t>
+            </a:r>
+            <a:endParaRPr lang="en-US" altLang="zh-TW" dirty="0" smtClean="0"/>
+          </a:p>
+        </p:txBody>
+      </p:sp>
+    </p:spTree>
+    <p:extLst>
+      <p:ext uri="{BB962C8B-B14F-4D97-AF65-F5344CB8AC3E}">
+        <p14:creationId xmlns:p14="http://schemas.microsoft.com/office/powerpoint/2010/main" val="2604067568"/>
+      </p:ext>
+    </p:extLst>
+  </p:cSld>
+  <p:clrMapOvr>
+    <a:masterClrMapping/>
+  </p:clrMapOvr>
+</p:sld>
+</file>
+
+<file path=ppt/slides/slide30.xml><?xml version="1.0" encoding="utf-8"?>
+<p:sld xmlns:a="http://schemas.openxmlformats.org/drawingml/2006/main" xmlns:r="http://schemas.openxmlformats.org/officeDocument/2006/relationships" xmlns:p="http://schemas.openxmlformats.org/presentationml/2006/main">
+  <p:cSld>
+    <p:spTree>
+      <p:nvGrpSpPr>
+        <p:cNvPr id="1" name=""/>
+        <p:cNvGrpSpPr/>
+        <p:nvPr/>
+      </p:nvGrpSpPr>
+      <p:grpSpPr>
+        <a:xfrm>
+          <a:off x="0" y="0"/>
+          <a:ext cx="0" cy="0"/>
+          <a:chOff x="0" y="0"/>
+          <a:chExt cx="0" cy="0"/>
+        </a:xfrm>
+      </p:grpSpPr>
+      <p:pic>
+        <p:nvPicPr>
+          <p:cNvPr id="3" name="圖片 2"/>
+          <p:cNvPicPr>
+            <a:picLocks noChangeAspect="1"/>
+          </p:cNvPicPr>
+          <p:nvPr/>
+        </p:nvPicPr>
+        <p:blipFill>
+          <a:blip r:embed="rId2"/>
+          <a:stretch>
+            <a:fillRect/>
+          </a:stretch>
+        </p:blipFill>
+        <p:spPr>
+          <a:xfrm>
+            <a:off x="158608" y="151942"/>
+            <a:ext cx="7392432" cy="6554115"/>
+          </a:xfrm>
+          <a:prstGeom prst="rect">
+            <a:avLst/>
+          </a:prstGeom>
+        </p:spPr>
+      </p:pic>
+      <p:sp>
+        <p:nvSpPr>
+          <p:cNvPr id="2" name="標題 1"/>
+          <p:cNvSpPr>
+            <a:spLocks noGrp="1"/>
+          </p:cNvSpPr>
+          <p:nvPr>
+            <p:ph type="title"/>
+          </p:nvPr>
+        </p:nvSpPr>
+        <p:spPr>
+          <a:xfrm>
+            <a:off x="727261" y="266515"/>
+            <a:ext cx="7886700" cy="1325563"/>
+          </a:xfrm>
+        </p:spPr>
+        <p:txBody>
+          <a:bodyPr/>
+          <a:lstStyle/>
+          <a:p>
+            <a:pPr algn="r"/>
+            <a:r>
+              <a:rPr lang="en-US" altLang="zh-TW" dirty="0" smtClean="0"/>
+              <a:t>main.js</a:t>
+            </a:r>
+            <a:endParaRPr lang="zh-TW" altLang="en-US" dirty="0"/>
+          </a:p>
+        </p:txBody>
+      </p:sp>
+    </p:spTree>
+    <p:extLst>
+      <p:ext uri="{BB962C8B-B14F-4D97-AF65-F5344CB8AC3E}">
+        <p14:creationId xmlns:p14="http://schemas.microsoft.com/office/powerpoint/2010/main" val="3459300707"/>
+      </p:ext>
+    </p:extLst>
+  </p:cSld>
+  <p:clrMapOvr>
+    <a:masterClrMapping/>
+  </p:clrMapOvr>
+</p:sld>
+</file>
+
+<file path=ppt/slides/slide31.xml><?xml version="1.0" encoding="utf-8"?>
+<p:sld xmlns:a="http://schemas.openxmlformats.org/drawingml/2006/main" xmlns:r="http://schemas.openxmlformats.org/officeDocument/2006/relationships" xmlns:p="http://schemas.openxmlformats.org/presentationml/2006/main">
+  <p:cSld>
+    <p:spTree>
+      <p:nvGrpSpPr>
+        <p:cNvPr id="1" name=""/>
+        <p:cNvGrpSpPr/>
+        <p:nvPr/>
+      </p:nvGrpSpPr>
+      <p:grpSpPr>
+        <a:xfrm>
+          <a:off x="0" y="0"/>
+          <a:ext cx="0" cy="0"/>
+          <a:chOff x="0" y="0"/>
+          <a:chExt cx="0" cy="0"/>
+        </a:xfrm>
+      </p:grpSpPr>
+      <p:sp>
+        <p:nvSpPr>
+          <p:cNvPr id="2" name="標題 1"/>
+          <p:cNvSpPr>
+            <a:spLocks noGrp="1"/>
+          </p:cNvSpPr>
+          <p:nvPr>
+            <p:ph type="title"/>
+          </p:nvPr>
+        </p:nvSpPr>
+        <p:spPr/>
+        <p:txBody>
+          <a:bodyPr/>
+          <a:lstStyle/>
+          <a:p>
+            <a:endParaRPr lang="zh-TW" altLang="en-US"/>
+          </a:p>
+        </p:txBody>
+      </p:sp>
+      <p:pic>
+        <p:nvPicPr>
+          <p:cNvPr id="3" name="圖片 2"/>
+          <p:cNvPicPr>
+            <a:picLocks noChangeAspect="1"/>
+          </p:cNvPicPr>
+          <p:nvPr/>
+        </p:nvPicPr>
+        <p:blipFill>
+          <a:blip r:embed="rId2"/>
+          <a:stretch>
+            <a:fillRect/>
+          </a:stretch>
+        </p:blipFill>
+        <p:spPr>
+          <a:xfrm>
+            <a:off x="385241" y="258815"/>
+            <a:ext cx="7960899" cy="3784267"/>
+          </a:xfrm>
+          <a:prstGeom prst="rect">
+            <a:avLst/>
+          </a:prstGeom>
+        </p:spPr>
+      </p:pic>
+      <p:sp>
+        <p:nvSpPr>
+          <p:cNvPr id="4" name="文字方塊 3"/>
+          <p:cNvSpPr txBox="1"/>
+          <p:nvPr/>
+        </p:nvSpPr>
+        <p:spPr>
+          <a:xfrm>
+            <a:off x="3899647" y="504687"/>
+            <a:ext cx="989502" cy="523220"/>
+          </a:xfrm>
+          <a:prstGeom prst="rect">
+            <a:avLst/>
+          </a:prstGeom>
+          <a:noFill/>
+        </p:spPr>
+        <p:txBody>
+          <a:bodyPr wrap="none" rtlCol="0">
+            <a:spAutoFit/>
+          </a:bodyPr>
+          <a:lstStyle/>
+          <a:p>
+            <a:r>
+              <a:rPr lang="en-US" altLang="zh-TW" sz="2800" dirty="0" smtClean="0"/>
+              <a:t>(</a:t>
+            </a:r>
+            <a:r>
+              <a:rPr lang="en-US" altLang="zh-TW" sz="2800" dirty="0" smtClean="0">
+                <a:hlinkClick r:id="rId3"/>
+              </a:rPr>
+              <a:t>ref1</a:t>
+            </a:r>
+            <a:r>
+              <a:rPr lang="en-US" altLang="zh-TW" sz="2800" dirty="0" smtClean="0"/>
+              <a:t>)</a:t>
+            </a:r>
+            <a:endParaRPr lang="zh-TW" altLang="en-US" sz="2800" dirty="0"/>
+          </a:p>
+        </p:txBody>
+      </p:sp>
+      <p:pic>
+        <p:nvPicPr>
+          <p:cNvPr id="5" name="圖片 4"/>
+          <p:cNvPicPr>
+            <a:picLocks noChangeAspect="1"/>
+          </p:cNvPicPr>
+          <p:nvPr/>
+        </p:nvPicPr>
+        <p:blipFill>
+          <a:blip r:embed="rId4"/>
+          <a:stretch>
+            <a:fillRect/>
+          </a:stretch>
+        </p:blipFill>
+        <p:spPr>
+          <a:xfrm>
+            <a:off x="385241" y="4043082"/>
+            <a:ext cx="7163800" cy="2648320"/>
+          </a:xfrm>
+          <a:prstGeom prst="rect">
+            <a:avLst/>
+          </a:prstGeom>
+        </p:spPr>
+      </p:pic>
+      <p:sp>
+        <p:nvSpPr>
+          <p:cNvPr id="6" name="文字方塊 5"/>
+          <p:cNvSpPr txBox="1"/>
+          <p:nvPr/>
+        </p:nvSpPr>
+        <p:spPr>
+          <a:xfrm>
+            <a:off x="4889149" y="535464"/>
+            <a:ext cx="1090310" cy="523220"/>
+          </a:xfrm>
+          <a:prstGeom prst="rect">
+            <a:avLst/>
+          </a:prstGeom>
+          <a:noFill/>
+        </p:spPr>
+        <p:txBody>
+          <a:bodyPr wrap="square" rtlCol="0">
+            <a:spAutoFit/>
+          </a:bodyPr>
+          <a:lstStyle/>
+          <a:p>
+            <a:r>
+              <a:rPr lang="en-US" altLang="zh-TW" sz="2800" dirty="0" smtClean="0"/>
+              <a:t>(</a:t>
+            </a:r>
+            <a:r>
+              <a:rPr lang="en-US" altLang="zh-TW" sz="2800" dirty="0" smtClean="0">
+                <a:hlinkClick r:id="rId5"/>
+              </a:rPr>
+              <a:t>ref2</a:t>
+            </a:r>
+            <a:r>
+              <a:rPr lang="en-US" altLang="zh-TW" sz="2800" dirty="0" smtClean="0"/>
+              <a:t>)</a:t>
+            </a:r>
+            <a:endParaRPr lang="zh-TW" altLang="en-US" sz="2800" dirty="0"/>
+          </a:p>
+        </p:txBody>
+      </p:sp>
+    </p:spTree>
+    <p:extLst>
+      <p:ext uri="{BB962C8B-B14F-4D97-AF65-F5344CB8AC3E}">
+        <p14:creationId xmlns:p14="http://schemas.microsoft.com/office/powerpoint/2010/main" val="2353299373"/>
+      </p:ext>
+    </p:extLst>
+  </p:cSld>
+  <p:clrMapOvr>
+    <a:masterClrMapping/>
+  </p:clrMapOvr>
+</p:sld>
+</file>
+
+<file path=ppt/slides/slide32.xml><?xml version="1.0" encoding="utf-8"?>
+<p:sld xmlns:a="http://schemas.openxmlformats.org/drawingml/2006/main" xmlns:r="http://schemas.openxmlformats.org/officeDocument/2006/relationships" xmlns:p="http://schemas.openxmlformats.org/presentationml/2006/main">
+  <p:cSld>
+    <p:spTree>
+      <p:nvGrpSpPr>
+        <p:cNvPr id="1" name=""/>
+        <p:cNvGrpSpPr/>
+        <p:nvPr/>
+      </p:nvGrpSpPr>
+      <p:grpSpPr>
+        <a:xfrm>
+          <a:off x="0" y="0"/>
+          <a:ext cx="0" cy="0"/>
+          <a:chOff x="0" y="0"/>
+          <a:chExt cx="0" cy="0"/>
+        </a:xfrm>
+      </p:grpSpPr>
+      <p:sp>
+        <p:nvSpPr>
+          <p:cNvPr id="2" name="標題 1"/>
+          <p:cNvSpPr>
+            <a:spLocks noGrp="1"/>
+          </p:cNvSpPr>
+          <p:nvPr>
+            <p:ph type="title"/>
+          </p:nvPr>
+        </p:nvSpPr>
+        <p:spPr/>
+        <p:txBody>
+          <a:bodyPr/>
+          <a:lstStyle/>
+          <a:p>
+            <a:r>
+              <a:rPr lang="en-US" altLang="zh-TW" dirty="0" smtClean="0"/>
+              <a:t>Two cases: JSON &amp;</a:t>
+            </a:r>
+            <a:r>
+              <a:rPr lang="zh-TW" altLang="en-US" dirty="0"/>
+              <a:t> </a:t>
+            </a:r>
+            <a:r>
+              <a:rPr lang="en-US" altLang="zh-TW" dirty="0" smtClean="0"/>
+              <a:t>Array</a:t>
+            </a:r>
+            <a:endParaRPr lang="zh-TW" altLang="en-US" dirty="0"/>
+          </a:p>
+        </p:txBody>
+      </p:sp>
+      <p:pic>
+        <p:nvPicPr>
+          <p:cNvPr id="4" name="圖片 3"/>
+          <p:cNvPicPr>
+            <a:picLocks noChangeAspect="1"/>
+          </p:cNvPicPr>
+          <p:nvPr/>
+        </p:nvPicPr>
+        <p:blipFill>
+          <a:blip r:embed="rId2"/>
+          <a:stretch>
+            <a:fillRect/>
+          </a:stretch>
+        </p:blipFill>
+        <p:spPr>
+          <a:xfrm>
+            <a:off x="346337" y="1422740"/>
+            <a:ext cx="6650468" cy="1021902"/>
+          </a:xfrm>
+          <a:prstGeom prst="rect">
+            <a:avLst/>
+          </a:prstGeom>
+        </p:spPr>
+      </p:pic>
+      <p:pic>
+        <p:nvPicPr>
+          <p:cNvPr id="5" name="圖片 4"/>
+          <p:cNvPicPr>
+            <a:picLocks noChangeAspect="1"/>
+          </p:cNvPicPr>
+          <p:nvPr/>
+        </p:nvPicPr>
+        <p:blipFill>
+          <a:blip r:embed="rId3"/>
+          <a:stretch>
+            <a:fillRect/>
+          </a:stretch>
+        </p:blipFill>
+        <p:spPr>
+          <a:xfrm>
+            <a:off x="3607988" y="2025046"/>
+            <a:ext cx="5319837" cy="319567"/>
+          </a:xfrm>
+          <a:prstGeom prst="rect">
+            <a:avLst/>
+          </a:prstGeom>
+        </p:spPr>
+      </p:pic>
+      <p:sp>
+        <p:nvSpPr>
+          <p:cNvPr id="6" name="矩形 5"/>
+          <p:cNvSpPr/>
+          <p:nvPr/>
+        </p:nvSpPr>
+        <p:spPr>
+          <a:xfrm>
+            <a:off x="803013" y="3169226"/>
+            <a:ext cx="6784938" cy="369332"/>
+          </a:xfrm>
+          <a:prstGeom prst="rect">
+            <a:avLst/>
+          </a:prstGeom>
+        </p:spPr>
+        <p:txBody>
+          <a:bodyPr wrap="square">
+            <a:spAutoFit/>
+          </a:bodyPr>
+          <a:lstStyle/>
+          <a:p>
+            <a:r>
+              <a:rPr lang="zh-TW" altLang="en-US" dirty="0"/>
+              <a:t>query data  { num: '13', 'denom[time]': '1', 'denom[val]': 's' }</a:t>
+            </a:r>
+          </a:p>
+        </p:txBody>
+      </p:sp>
+      <p:pic>
+        <p:nvPicPr>
+          <p:cNvPr id="7" name="圖片 6"/>
+          <p:cNvPicPr>
+            <a:picLocks noChangeAspect="1"/>
+          </p:cNvPicPr>
+          <p:nvPr/>
+        </p:nvPicPr>
+        <p:blipFill>
+          <a:blip r:embed="rId4"/>
+          <a:stretch>
+            <a:fillRect/>
+          </a:stretch>
+        </p:blipFill>
+        <p:spPr>
+          <a:xfrm>
+            <a:off x="388063" y="4081209"/>
+            <a:ext cx="3785574" cy="789218"/>
+          </a:xfrm>
+          <a:prstGeom prst="rect">
+            <a:avLst/>
+          </a:prstGeom>
+        </p:spPr>
+      </p:pic>
+      <p:pic>
+        <p:nvPicPr>
+          <p:cNvPr id="8" name="圖片 7"/>
+          <p:cNvPicPr>
+            <a:picLocks noChangeAspect="1"/>
+          </p:cNvPicPr>
+          <p:nvPr/>
+        </p:nvPicPr>
+        <p:blipFill>
+          <a:blip r:embed="rId5"/>
+          <a:stretch>
+            <a:fillRect/>
+          </a:stretch>
+        </p:blipFill>
+        <p:spPr>
+          <a:xfrm>
+            <a:off x="3379816" y="4550822"/>
+            <a:ext cx="4730146" cy="356637"/>
+          </a:xfrm>
+          <a:prstGeom prst="rect">
+            <a:avLst/>
+          </a:prstGeom>
+        </p:spPr>
+      </p:pic>
+      <p:pic>
+        <p:nvPicPr>
+          <p:cNvPr id="10" name="圖片 9"/>
+          <p:cNvPicPr>
+            <a:picLocks noChangeAspect="1"/>
+          </p:cNvPicPr>
+          <p:nvPr/>
+        </p:nvPicPr>
+        <p:blipFill>
+          <a:blip r:embed="rId6"/>
+          <a:stretch>
+            <a:fillRect/>
+          </a:stretch>
+        </p:blipFill>
+        <p:spPr>
+          <a:xfrm>
+            <a:off x="388063" y="2511618"/>
+            <a:ext cx="7487695" cy="590632"/>
+          </a:xfrm>
+          <a:prstGeom prst="rect">
+            <a:avLst/>
+          </a:prstGeom>
+        </p:spPr>
+      </p:pic>
+      <p:sp>
+        <p:nvSpPr>
+          <p:cNvPr id="12" name="矩形 11"/>
+          <p:cNvSpPr/>
+          <p:nvPr/>
+        </p:nvSpPr>
+        <p:spPr>
+          <a:xfrm>
+            <a:off x="848915" y="5768550"/>
+            <a:ext cx="3737946" cy="369332"/>
+          </a:xfrm>
+          <a:prstGeom prst="rect">
+            <a:avLst/>
+          </a:prstGeom>
+        </p:spPr>
+        <p:txBody>
+          <a:bodyPr wrap="none">
+            <a:spAutoFit/>
+          </a:bodyPr>
+          <a:lstStyle/>
+          <a:p>
+            <a:r>
+              <a:rPr lang="zh-TW" altLang="en-US" dirty="0"/>
+              <a:t>query data  { 'v[]': [ '1.1', '2.2', '-3.2' ] }</a:t>
+            </a:r>
+          </a:p>
+        </p:txBody>
+      </p:sp>
+      <p:pic>
+        <p:nvPicPr>
+          <p:cNvPr id="13" name="圖片 12"/>
+          <p:cNvPicPr>
+            <a:picLocks noChangeAspect="1"/>
+          </p:cNvPicPr>
+          <p:nvPr/>
+        </p:nvPicPr>
+        <p:blipFill>
+          <a:blip r:embed="rId7"/>
+          <a:stretch>
+            <a:fillRect/>
+          </a:stretch>
+        </p:blipFill>
+        <p:spPr>
+          <a:xfrm>
+            <a:off x="388063" y="5113429"/>
+            <a:ext cx="6344535" cy="552527"/>
+          </a:xfrm>
+          <a:prstGeom prst="rect">
+            <a:avLst/>
+          </a:prstGeom>
+        </p:spPr>
+      </p:pic>
+    </p:spTree>
+    <p:extLst>
+      <p:ext uri="{BB962C8B-B14F-4D97-AF65-F5344CB8AC3E}">
+        <p14:creationId xmlns:p14="http://schemas.microsoft.com/office/powerpoint/2010/main" val="1092572576"/>
+      </p:ext>
+    </p:extLst>
+  </p:cSld>
+  <p:clrMapOvr>
+    <a:masterClrMapping/>
+  </p:clrMapOvr>
+</p:sld>
+</file>
+
+<file path=ppt/slides/slide33.xml><?xml version="1.0" encoding="utf-8"?>
+<p:sld xmlns:a="http://schemas.openxmlformats.org/drawingml/2006/main" xmlns:r="http://schemas.openxmlformats.org/officeDocument/2006/relationships" xmlns:p="http://schemas.openxmlformats.org/presentationml/2006/main">
+  <p:cSld>
+    <p:spTree>
+      <p:nvGrpSpPr>
+        <p:cNvPr id="1" name=""/>
+        <p:cNvGrpSpPr/>
+        <p:nvPr/>
+      </p:nvGrpSpPr>
+      <p:grpSpPr>
+        <a:xfrm>
+          <a:off x="0" y="0"/>
+          <a:ext cx="0" cy="0"/>
+          <a:chOff x="0" y="0"/>
+          <a:chExt cx="0" cy="0"/>
+        </a:xfrm>
+      </p:grpSpPr>
+      <p:sp>
+        <p:nvSpPr>
+          <p:cNvPr id="2" name="標題 1"/>
+          <p:cNvSpPr>
+            <a:spLocks noGrp="1"/>
+          </p:cNvSpPr>
+          <p:nvPr>
+            <p:ph type="title"/>
+          </p:nvPr>
+        </p:nvSpPr>
+        <p:spPr/>
+        <p:txBody>
+          <a:bodyPr/>
+          <a:lstStyle/>
+          <a:p>
+            <a:r>
+              <a:rPr lang="en-US" altLang="zh-TW" dirty="0" smtClean="0"/>
+              <a:t>Desired Interface</a:t>
+            </a:r>
+            <a:endParaRPr lang="zh-TW" altLang="en-US" dirty="0"/>
+          </a:p>
+        </p:txBody>
+      </p:sp>
+      <p:grpSp>
+        <p:nvGrpSpPr>
+          <p:cNvPr id="14" name="群組 13"/>
+          <p:cNvGrpSpPr/>
+          <p:nvPr/>
+        </p:nvGrpSpPr>
+        <p:grpSpPr>
+          <a:xfrm>
+            <a:off x="779929" y="1690689"/>
+            <a:ext cx="4204448" cy="3307977"/>
+            <a:chOff x="1174376" y="1918447"/>
+            <a:chExt cx="4204448" cy="3307977"/>
+          </a:xfrm>
+        </p:grpSpPr>
+        <p:sp>
+          <p:nvSpPr>
+            <p:cNvPr id="13" name="矩形 12"/>
+            <p:cNvSpPr/>
+            <p:nvPr/>
+          </p:nvSpPr>
+          <p:spPr>
+            <a:xfrm>
+              <a:off x="1174376" y="1918447"/>
+              <a:ext cx="4204448" cy="3307977"/>
+            </a:xfrm>
+            <a:prstGeom prst="rect">
+              <a:avLst/>
+            </a:prstGeom>
+            <a:solidFill>
+              <a:schemeClr val="bg1"/>
+            </a:solidFill>
+          </p:spPr>
+          <p:style>
+            <a:lnRef idx="2">
+              <a:schemeClr val="accent1">
+                <a:shade val="50000"/>
+              </a:schemeClr>
+            </a:lnRef>
+            <a:fillRef idx="1">
+              <a:schemeClr val="accent1"/>
+            </a:fillRef>
+            <a:effectRef idx="0">
+              <a:schemeClr val="accent1"/>
+            </a:effectRef>
+            <a:fontRef idx="minor">
+              <a:schemeClr val="lt1"/>
+            </a:fontRef>
+          </p:style>
+          <p:txBody>
+            <a:bodyPr rtlCol="0" anchor="ctr"/>
+            <a:lstStyle/>
+            <a:p>
+              <a:pPr algn="ctr"/>
+              <a:endParaRPr lang="zh-TW" altLang="en-US"/>
+            </a:p>
+          </p:txBody>
+        </p:sp>
+        <p:sp>
+          <p:nvSpPr>
+            <p:cNvPr id="4" name="文字方塊 3"/>
+            <p:cNvSpPr txBox="1"/>
+            <p:nvPr/>
+          </p:nvSpPr>
+          <p:spPr>
+            <a:xfrm>
+              <a:off x="1586753" y="2142565"/>
+              <a:ext cx="1680588" cy="369332"/>
+            </a:xfrm>
+            <a:prstGeom prst="rect">
+              <a:avLst/>
+            </a:prstGeom>
+            <a:noFill/>
+          </p:spPr>
+          <p:txBody>
+            <a:bodyPr wrap="none" rtlCol="0">
+              <a:spAutoFit/>
+            </a:bodyPr>
+            <a:lstStyle/>
+            <a:p>
+              <a:r>
+                <a:rPr lang="en-US" altLang="zh-TW" dirty="0" smtClean="0"/>
+                <a:t>Input a 3-vector</a:t>
+              </a:r>
+              <a:endParaRPr lang="zh-TW" altLang="en-US" dirty="0"/>
+            </a:p>
+          </p:txBody>
+        </p:sp>
+        <p:sp>
+          <p:nvSpPr>
+            <p:cNvPr id="5" name="文字方塊 4"/>
+            <p:cNvSpPr txBox="1"/>
+            <p:nvPr/>
+          </p:nvSpPr>
+          <p:spPr>
+            <a:xfrm>
+              <a:off x="1900518" y="2594441"/>
+              <a:ext cx="662361" cy="369332"/>
+            </a:xfrm>
+            <a:prstGeom prst="rect">
+              <a:avLst/>
+            </a:prstGeom>
+            <a:noFill/>
+          </p:spPr>
+          <p:txBody>
+            <a:bodyPr wrap="none" rtlCol="0">
+              <a:spAutoFit/>
+            </a:bodyPr>
+            <a:lstStyle/>
+            <a:p>
+              <a:r>
+                <a:rPr lang="en-US" altLang="zh-TW" dirty="0" smtClean="0"/>
+                <a:t>v[0]: </a:t>
+              </a:r>
+            </a:p>
+          </p:txBody>
+        </p:sp>
+        <p:sp>
+          <p:nvSpPr>
+            <p:cNvPr id="6" name="矩形 5"/>
+            <p:cNvSpPr/>
+            <p:nvPr/>
+          </p:nvSpPr>
+          <p:spPr>
+            <a:xfrm>
+              <a:off x="2562879" y="2666159"/>
+              <a:ext cx="1085756" cy="297614"/>
+            </a:xfrm>
+            <a:prstGeom prst="rect">
+              <a:avLst/>
+            </a:prstGeom>
+            <a:solidFill>
+              <a:schemeClr val="accent4">
+                <a:lumMod val="20000"/>
+                <a:lumOff val="80000"/>
+              </a:schemeClr>
+            </a:solidFill>
+          </p:spPr>
+          <p:style>
+            <a:lnRef idx="2">
+              <a:schemeClr val="accent1">
+                <a:shade val="50000"/>
+              </a:schemeClr>
+            </a:lnRef>
+            <a:fillRef idx="1">
+              <a:schemeClr val="accent1"/>
+            </a:fillRef>
+            <a:effectRef idx="0">
+              <a:schemeClr val="accent1"/>
+            </a:effectRef>
+            <a:fontRef idx="minor">
+              <a:schemeClr val="lt1"/>
+            </a:fontRef>
+          </p:style>
+          <p:txBody>
+            <a:bodyPr rtlCol="0" anchor="ctr"/>
+            <a:lstStyle/>
+            <a:p>
+              <a:pPr algn="ctr"/>
+              <a:endParaRPr lang="zh-TW" altLang="en-US"/>
+            </a:p>
+          </p:txBody>
+        </p:sp>
+        <p:sp>
+          <p:nvSpPr>
+            <p:cNvPr id="7" name="文字方塊 6"/>
+            <p:cNvSpPr txBox="1"/>
+            <p:nvPr/>
+          </p:nvSpPr>
+          <p:spPr>
+            <a:xfrm>
+              <a:off x="1900519" y="3087497"/>
+              <a:ext cx="662361" cy="369332"/>
+            </a:xfrm>
+            <a:prstGeom prst="rect">
+              <a:avLst/>
+            </a:prstGeom>
+            <a:noFill/>
+          </p:spPr>
+          <p:txBody>
+            <a:bodyPr wrap="none" rtlCol="0">
+              <a:spAutoFit/>
+            </a:bodyPr>
+            <a:lstStyle/>
+            <a:p>
+              <a:r>
+                <a:rPr lang="en-US" altLang="zh-TW" dirty="0" smtClean="0"/>
+                <a:t>v[1]: </a:t>
+              </a:r>
+            </a:p>
+          </p:txBody>
+        </p:sp>
+        <p:sp>
+          <p:nvSpPr>
+            <p:cNvPr id="8" name="矩形 7"/>
+            <p:cNvSpPr/>
+            <p:nvPr/>
+          </p:nvSpPr>
+          <p:spPr>
+            <a:xfrm>
+              <a:off x="2562880" y="3159215"/>
+              <a:ext cx="1085756" cy="297614"/>
+            </a:xfrm>
+            <a:prstGeom prst="rect">
+              <a:avLst/>
+            </a:prstGeom>
+            <a:solidFill>
+              <a:schemeClr val="accent4">
+                <a:lumMod val="20000"/>
+                <a:lumOff val="80000"/>
+              </a:schemeClr>
+            </a:solidFill>
+          </p:spPr>
+          <p:style>
+            <a:lnRef idx="2">
+              <a:schemeClr val="accent1">
+                <a:shade val="50000"/>
+              </a:schemeClr>
+            </a:lnRef>
+            <a:fillRef idx="1">
+              <a:schemeClr val="accent1"/>
+            </a:fillRef>
+            <a:effectRef idx="0">
+              <a:schemeClr val="accent1"/>
+            </a:effectRef>
+            <a:fontRef idx="minor">
+              <a:schemeClr val="lt1"/>
+            </a:fontRef>
+          </p:style>
+          <p:txBody>
+            <a:bodyPr rtlCol="0" anchor="ctr"/>
+            <a:lstStyle/>
+            <a:p>
+              <a:pPr algn="ctr"/>
+              <a:endParaRPr lang="zh-TW" altLang="en-US"/>
+            </a:p>
+          </p:txBody>
+        </p:sp>
+        <p:sp>
+          <p:nvSpPr>
+            <p:cNvPr id="9" name="文字方塊 8"/>
+            <p:cNvSpPr txBox="1"/>
+            <p:nvPr/>
+          </p:nvSpPr>
+          <p:spPr>
+            <a:xfrm>
+              <a:off x="1900521" y="3598485"/>
+              <a:ext cx="662361" cy="369332"/>
+            </a:xfrm>
+            <a:prstGeom prst="rect">
+              <a:avLst/>
+            </a:prstGeom>
+            <a:noFill/>
+          </p:spPr>
+          <p:txBody>
+            <a:bodyPr wrap="none" rtlCol="0">
+              <a:spAutoFit/>
+            </a:bodyPr>
+            <a:lstStyle/>
+            <a:p>
+              <a:r>
+                <a:rPr lang="en-US" altLang="zh-TW" dirty="0" smtClean="0"/>
+                <a:t>v[2]: </a:t>
+              </a:r>
+            </a:p>
+          </p:txBody>
+        </p:sp>
+        <p:sp>
+          <p:nvSpPr>
+            <p:cNvPr id="10" name="矩形 9"/>
+            <p:cNvSpPr/>
+            <p:nvPr/>
+          </p:nvSpPr>
+          <p:spPr>
+            <a:xfrm>
+              <a:off x="2562882" y="3670203"/>
+              <a:ext cx="1085756" cy="297614"/>
+            </a:xfrm>
+            <a:prstGeom prst="rect">
+              <a:avLst/>
+            </a:prstGeom>
+            <a:solidFill>
+              <a:schemeClr val="accent4">
+                <a:lumMod val="20000"/>
+                <a:lumOff val="80000"/>
+              </a:schemeClr>
+            </a:solidFill>
+          </p:spPr>
+          <p:style>
+            <a:lnRef idx="2">
+              <a:schemeClr val="accent1">
+                <a:shade val="50000"/>
+              </a:schemeClr>
+            </a:lnRef>
+            <a:fillRef idx="1">
+              <a:schemeClr val="accent1"/>
+            </a:fillRef>
+            <a:effectRef idx="0">
+              <a:schemeClr val="accent1"/>
+            </a:effectRef>
+            <a:fontRef idx="minor">
+              <a:schemeClr val="lt1"/>
+            </a:fontRef>
+          </p:style>
+          <p:txBody>
+            <a:bodyPr rtlCol="0" anchor="ctr"/>
+            <a:lstStyle/>
+            <a:p>
+              <a:pPr algn="ctr"/>
+              <a:endParaRPr lang="zh-TW" altLang="en-US"/>
+            </a:p>
+          </p:txBody>
+        </p:sp>
+        <p:sp>
+          <p:nvSpPr>
+            <p:cNvPr id="11" name="矩形 10"/>
+            <p:cNvSpPr/>
+            <p:nvPr/>
+          </p:nvSpPr>
+          <p:spPr>
+            <a:xfrm>
+              <a:off x="1676401" y="4249271"/>
+              <a:ext cx="1111624" cy="439270"/>
+            </a:xfrm>
+            <a:prstGeom prst="rect">
+              <a:avLst/>
+            </a:prstGeom>
+          </p:spPr>
+          <p:style>
+            <a:lnRef idx="2">
+              <a:schemeClr val="accent1">
+                <a:shade val="50000"/>
+              </a:schemeClr>
+            </a:lnRef>
+            <a:fillRef idx="1">
+              <a:schemeClr val="accent1"/>
+            </a:fillRef>
+            <a:effectRef idx="0">
+              <a:schemeClr val="accent1"/>
+            </a:effectRef>
+            <a:fontRef idx="minor">
+              <a:schemeClr val="lt1"/>
+            </a:fontRef>
+          </p:style>
+          <p:txBody>
+            <a:bodyPr rtlCol="0" anchor="ctr"/>
+            <a:lstStyle/>
+            <a:p>
+              <a:pPr algn="ctr"/>
+              <a:r>
+                <a:rPr lang="en-US" altLang="zh-TW" dirty="0" smtClean="0"/>
+                <a:t>Norm = </a:t>
+              </a:r>
+              <a:endParaRPr lang="zh-TW" altLang="en-US" dirty="0"/>
+            </a:p>
+          </p:txBody>
+        </p:sp>
+        <p:sp>
+          <p:nvSpPr>
+            <p:cNvPr id="12" name="矩形 11"/>
+            <p:cNvSpPr/>
+            <p:nvPr/>
+          </p:nvSpPr>
+          <p:spPr>
+            <a:xfrm>
+              <a:off x="3021106" y="4249271"/>
+              <a:ext cx="1532965" cy="439270"/>
+            </a:xfrm>
+            <a:prstGeom prst="rect">
+              <a:avLst/>
+            </a:prstGeom>
+            <a:solidFill>
+              <a:schemeClr val="accent4">
+                <a:lumMod val="20000"/>
+                <a:lumOff val="80000"/>
+              </a:schemeClr>
+            </a:solidFill>
+          </p:spPr>
+          <p:style>
+            <a:lnRef idx="2">
+              <a:schemeClr val="accent1">
+                <a:shade val="50000"/>
+              </a:schemeClr>
+            </a:lnRef>
+            <a:fillRef idx="1">
+              <a:schemeClr val="accent1"/>
+            </a:fillRef>
+            <a:effectRef idx="0">
+              <a:schemeClr val="accent1"/>
+            </a:effectRef>
+            <a:fontRef idx="minor">
+              <a:schemeClr val="lt1"/>
+            </a:fontRef>
+          </p:style>
+          <p:txBody>
+            <a:bodyPr rtlCol="0" anchor="ctr"/>
+            <a:lstStyle/>
+            <a:p>
+              <a:pPr algn="ctr"/>
+              <a:endParaRPr lang="zh-TW" altLang="en-US"/>
+            </a:p>
+          </p:txBody>
+        </p:sp>
+      </p:grpSp>
+    </p:spTree>
+    <p:extLst>
+      <p:ext uri="{BB962C8B-B14F-4D97-AF65-F5344CB8AC3E}">
+        <p14:creationId xmlns:p14="http://schemas.microsoft.com/office/powerpoint/2010/main" val="4001319766"/>
+      </p:ext>
+    </p:extLst>
+  </p:cSld>
+  <p:clrMapOvr>
+    <a:masterClrMapping/>
+  </p:clrMapOvr>
+</p:sld>
+</file>
+
+<file path=ppt/slides/slide34.xml><?xml version="1.0" encoding="utf-8"?>
+<p:sld xmlns:a="http://schemas.openxmlformats.org/drawingml/2006/main" xmlns:r="http://schemas.openxmlformats.org/officeDocument/2006/relationships" xmlns:p="http://schemas.openxmlformats.org/presentationml/2006/main">
+  <p:cSld>
+    <p:spTree>
+      <p:nvGrpSpPr>
+        <p:cNvPr id="1" name=""/>
+        <p:cNvGrpSpPr/>
+        <p:nvPr/>
+      </p:nvGrpSpPr>
+      <p:grpSpPr>
+        <a:xfrm>
+          <a:off x="0" y="0"/>
+          <a:ext cx="0" cy="0"/>
+          <a:chOff x="0" y="0"/>
+          <a:chExt cx="0" cy="0"/>
+        </a:xfrm>
+      </p:grpSpPr>
+      <p:sp>
+        <p:nvSpPr>
+          <p:cNvPr id="3" name="標題 2"/>
+          <p:cNvSpPr>
+            <a:spLocks noGrp="1"/>
+          </p:cNvSpPr>
+          <p:nvPr>
+            <p:ph type="ctrTitle"/>
+          </p:nvPr>
+        </p:nvSpPr>
+        <p:spPr/>
+        <p:txBody>
+          <a:bodyPr/>
+          <a:lstStyle/>
+          <a:p>
+            <a:r>
               <a:rPr lang="en-US" altLang="zh-TW" dirty="0"/>
               <a:t>Statistics Server </a:t>
             </a:r>
@@ -6402,7 +7658,7 @@
 </p:sld>
 </file>
 
-<file path=ppt/slides/slide29.xml><?xml version="1.0" encoding="utf-8"?>
+<file path=ppt/slides/slide35.xml><?xml version="1.0" encoding="utf-8"?>
 <p:sld xmlns:a="http://schemas.openxmlformats.org/drawingml/2006/main" xmlns:r="http://schemas.openxmlformats.org/officeDocument/2006/relationships" xmlns:p="http://schemas.openxmlformats.org/presentationml/2006/main">
   <p:cSld>
     <p:spTree>
@@ -6803,7 +8059,7 @@
 </p:sld>
 </file>
 
-<file path=ppt/slides/slide3.xml><?xml version="1.0" encoding="utf-8"?>
+<file path=ppt/slides/slide36.xml><?xml version="1.0" encoding="utf-8"?>
 <p:sld xmlns:a="http://schemas.openxmlformats.org/drawingml/2006/main" xmlns:r="http://schemas.openxmlformats.org/officeDocument/2006/relationships" xmlns:p="http://schemas.openxmlformats.org/presentationml/2006/main">
   <p:cSld>
     <p:spTree>
@@ -6836,136 +8092,12 @@
           <a:lstStyle/>
           <a:p>
             <a:r>
-              <a:rPr lang="en-US" altLang="zh-TW" dirty="0" smtClean="0"/>
-              <a:t>Content</a:t>
-            </a:r>
-            <a:endParaRPr lang="zh-TW" altLang="en-US" dirty="0"/>
-          </a:p>
-        </p:txBody>
-      </p:sp>
-      <p:sp>
-        <p:nvSpPr>
-          <p:cNvPr id="3" name="內容版面配置區 2"/>
-          <p:cNvSpPr>
-            <a:spLocks noGrp="1"/>
-          </p:cNvSpPr>
-          <p:nvPr>
-            <p:ph idx="1"/>
-          </p:nvPr>
-        </p:nvSpPr>
-        <p:spPr/>
-        <p:txBody>
-          <a:bodyPr/>
-          <a:lstStyle/>
-          <a:p>
-            <a:r>
-              <a:rPr lang="en-US" altLang="zh-TW" dirty="0" smtClean="0"/>
-              <a:t>Explained in </a:t>
-            </a:r>
-            <a:r>
-              <a:rPr lang="en-US" altLang="zh-TW" dirty="0" smtClean="0"/>
-              <a:t>these examples</a:t>
-            </a:r>
-            <a:endParaRPr lang="en-US" altLang="zh-TW" dirty="0" smtClean="0"/>
-          </a:p>
-          <a:p>
-            <a:pPr lvl="1"/>
-            <a:r>
-              <a:rPr lang="en-US" altLang="zh-TW" dirty="0" err="1" smtClean="0"/>
-              <a:t>callShell</a:t>
-            </a:r>
-            <a:endParaRPr lang="en-US" altLang="zh-TW" dirty="0" smtClean="0"/>
-          </a:p>
-          <a:p>
-            <a:pPr lvl="1"/>
-            <a:r>
-              <a:rPr lang="en-US" altLang="zh-TW" dirty="0" err="1" smtClean="0"/>
-              <a:t>callShellWithServer</a:t>
-            </a:r>
-            <a:endParaRPr lang="en-US" altLang="zh-TW" dirty="0" smtClean="0"/>
-          </a:p>
-          <a:p>
-            <a:pPr lvl="1"/>
-            <a:r>
-              <a:rPr lang="en-US" altLang="zh-TW" dirty="0" err="1" smtClean="0"/>
-              <a:t>callShellWithServerAndThree_differentDomain</a:t>
-            </a:r>
-            <a:endParaRPr lang="en-US" altLang="zh-TW" dirty="0" smtClean="0"/>
-          </a:p>
-          <a:p>
-            <a:pPr lvl="1"/>
-            <a:r>
-              <a:rPr lang="en-US" altLang="zh-TW" dirty="0" err="1" smtClean="0"/>
-              <a:t>roseCurve</a:t>
-            </a:r>
-            <a:endParaRPr lang="en-US" altLang="zh-TW" dirty="0"/>
-          </a:p>
-          <a:p>
-            <a:pPr lvl="1"/>
-            <a:r>
-              <a:rPr lang="en-US" altLang="zh-TW" dirty="0" err="1" smtClean="0"/>
-              <a:t>gameServer</a:t>
-            </a:r>
-            <a:endParaRPr lang="en-US" altLang="zh-TW" dirty="0" smtClean="0"/>
-          </a:p>
-        </p:txBody>
-      </p:sp>
-    </p:spTree>
-    <p:extLst>
-      <p:ext uri="{BB962C8B-B14F-4D97-AF65-F5344CB8AC3E}">
-        <p14:creationId xmlns:p14="http://schemas.microsoft.com/office/powerpoint/2010/main" val="2604067568"/>
-      </p:ext>
-    </p:extLst>
-  </p:cSld>
-  <p:clrMapOvr>
-    <a:masterClrMapping/>
-  </p:clrMapOvr>
-</p:sld>
-</file>
-
-<file path=ppt/slides/slide30.xml><?xml version="1.0" encoding="utf-8"?>
-<p:sld xmlns:a="http://schemas.openxmlformats.org/drawingml/2006/main" xmlns:r="http://schemas.openxmlformats.org/officeDocument/2006/relationships" xmlns:p="http://schemas.openxmlformats.org/presentationml/2006/main">
-  <p:cSld>
-    <p:spTree>
-      <p:nvGrpSpPr>
-        <p:cNvPr id="1" name=""/>
-        <p:cNvGrpSpPr/>
-        <p:nvPr/>
-      </p:nvGrpSpPr>
-      <p:grpSpPr>
-        <a:xfrm>
-          <a:off x="0" y="0"/>
-          <a:ext cx="0" cy="0"/>
-          <a:chOff x="0" y="0"/>
-          <a:chExt cx="0" cy="0"/>
-        </a:xfrm>
-      </p:grpSpPr>
-      <p:sp>
-        <p:nvSpPr>
-          <p:cNvPr id="2" name="標題 1"/>
-          <p:cNvSpPr>
-            <a:spLocks noGrp="1"/>
-          </p:cNvSpPr>
-          <p:nvPr>
-            <p:ph type="title"/>
-          </p:nvPr>
-        </p:nvSpPr>
-        <p:spPr/>
-        <p:txBody>
-          <a:bodyPr/>
-          <a:lstStyle/>
-          <a:p>
-            <a:r>
               <a:rPr lang="en-US" altLang="zh-TW" dirty="0" err="1" smtClean="0"/>
               <a:t>localStorage</a:t>
             </a:r>
             <a:r>
               <a:rPr lang="en-US" altLang="zh-TW" dirty="0" smtClean="0"/>
-              <a:t> </a:t>
-            </a:r>
-            <a:r>
-              <a:rPr lang="en-US" altLang="zh-TW" dirty="0" smtClean="0"/>
-              <a:t>in Node.js</a:t>
+              <a:t> in Node.js</a:t>
             </a:r>
             <a:endParaRPr lang="zh-TW" altLang="en-US" dirty="0"/>
           </a:p>
@@ -7012,11 +8144,7 @@
             </a:r>
             <a:r>
               <a:rPr lang="en-US" altLang="zh-TW" dirty="0" smtClean="0"/>
-              <a:t> </a:t>
-            </a:r>
-            <a:r>
-              <a:rPr lang="en-US" altLang="zh-TW" dirty="0" smtClean="0"/>
-              <a:t>has </a:t>
+              <a:t> has </a:t>
             </a:r>
             <a:r>
               <a:rPr lang="en-US" altLang="zh-TW" dirty="0" err="1" smtClean="0"/>
@@ -7060,7 +8188,7 @@
 </p:sld>
 </file>
 
-<file path=ppt/slides/slide31.xml><?xml version="1.0" encoding="utf-8"?>
+<file path=ppt/slides/slide37.xml><?xml version="1.0" encoding="utf-8"?>
 <p:sld xmlns:a="http://schemas.openxmlformats.org/drawingml/2006/main" xmlns:r="http://schemas.openxmlformats.org/officeDocument/2006/relationships" xmlns:p="http://schemas.openxmlformats.org/presentationml/2006/main">
   <p:cSld>
     <p:spTree>
@@ -7138,7 +8266,7 @@
 </p:sld>
 </file>
 
-<file path=ppt/slides/slide32.xml><?xml version="1.0" encoding="utf-8"?>
+<file path=ppt/slides/slide38.xml><?xml version="1.0" encoding="utf-8"?>
 <p:sld xmlns:a="http://schemas.openxmlformats.org/drawingml/2006/main" xmlns:r="http://schemas.openxmlformats.org/officeDocument/2006/relationships" xmlns:p="http://schemas.openxmlformats.org/presentationml/2006/main">
   <p:cSld>
     <p:spTree>
@@ -7240,7 +8368,7 @@
 </p:sld>
 </file>
 
-<file path=ppt/slides/slide33.xml><?xml version="1.0" encoding="utf-8"?>
+<file path=ppt/slides/slide39.xml><?xml version="1.0" encoding="utf-8"?>
 <p:sld xmlns:a="http://schemas.openxmlformats.org/drawingml/2006/main" xmlns:r="http://schemas.openxmlformats.org/officeDocument/2006/relationships" xmlns:p="http://schemas.openxmlformats.org/presentationml/2006/main">
   <p:cSld>
     <p:spTree>
@@ -7898,7 +9026,7 @@
           <a:graphicData uri="http://schemas.openxmlformats.org/presentationml/2006/ole">
             <mc:AlternateContent xmlns:mc="http://schemas.openxmlformats.org/markup-compatibility/2006">
               <mc:Choice xmlns:v="urn:schemas-microsoft-com:vml" Requires="v">
-                <p:oleObj spid="_x0000_s1038" r:id="rId6" imgW="7733160" imgH="698400" progId="">
+                <p:oleObj spid="_x0000_s1043" r:id="rId6" imgW="7733160" imgH="698400" progId="">
                   <p:embed/>
                 </p:oleObj>
               </mc:Choice>
